--- a/ICONIX.pptx
+++ b/ICONIX.pptx
@@ -2,18 +2,18 @@
 <file path=ppt/presentation.xml><?xml version="1.0" encoding="utf-8"?>
 <p:presentation xmlns:a="http://schemas.openxmlformats.org/drawingml/2006/main" xmlns:r="http://schemas.openxmlformats.org/officeDocument/2006/relationships" xmlns:p="http://schemas.openxmlformats.org/presentationml/2006/main" saveSubsetFonts="1">
   <p:sldMasterIdLst>
-    <p:sldMasterId id="2147483648" r:id="rId1"/>
+    <p:sldMasterId id="2147483660" r:id="rId1"/>
   </p:sldMasterIdLst>
   <p:sldIdLst>
     <p:sldId id="256" r:id="rId2"/>
   </p:sldIdLst>
-  <p:sldSz cx="12192000" cy="6858000"/>
+  <p:sldSz cx="23760113" cy="13679488"/>
   <p:notesSz cx="6858000" cy="9144000"/>
   <p:defaultTextStyle>
     <a:defPPr>
-      <a:defRPr lang="pt-BR"/>
+      <a:defRPr lang="en-US"/>
     </a:defPPr>
-    <a:lvl1pPr marL="0" algn="l" defTabSz="914400" rtl="0" eaLnBrk="1" latinLnBrk="0" hangingPunct="1">
+    <a:lvl1pPr marL="0" algn="l" defTabSz="457200" rtl="0" eaLnBrk="1" latinLnBrk="0" hangingPunct="1">
       <a:defRPr sz="1800" kern="1200">
         <a:solidFill>
           <a:schemeClr val="tx1"/>
@@ -23,7 +23,7 @@
         <a:cs typeface="+mn-cs"/>
       </a:defRPr>
     </a:lvl1pPr>
-    <a:lvl2pPr marL="457200" algn="l" defTabSz="914400" rtl="0" eaLnBrk="1" latinLnBrk="0" hangingPunct="1">
+    <a:lvl2pPr marL="457200" algn="l" defTabSz="457200" rtl="0" eaLnBrk="1" latinLnBrk="0" hangingPunct="1">
       <a:defRPr sz="1800" kern="1200">
         <a:solidFill>
           <a:schemeClr val="tx1"/>
@@ -33,7 +33,7 @@
         <a:cs typeface="+mn-cs"/>
       </a:defRPr>
     </a:lvl2pPr>
-    <a:lvl3pPr marL="914400" algn="l" defTabSz="914400" rtl="0" eaLnBrk="1" latinLnBrk="0" hangingPunct="1">
+    <a:lvl3pPr marL="914400" algn="l" defTabSz="457200" rtl="0" eaLnBrk="1" latinLnBrk="0" hangingPunct="1">
       <a:defRPr sz="1800" kern="1200">
         <a:solidFill>
           <a:schemeClr val="tx1"/>
@@ -43,7 +43,7 @@
         <a:cs typeface="+mn-cs"/>
       </a:defRPr>
     </a:lvl3pPr>
-    <a:lvl4pPr marL="1371600" algn="l" defTabSz="914400" rtl="0" eaLnBrk="1" latinLnBrk="0" hangingPunct="1">
+    <a:lvl4pPr marL="1371600" algn="l" defTabSz="457200" rtl="0" eaLnBrk="1" latinLnBrk="0" hangingPunct="1">
       <a:defRPr sz="1800" kern="1200">
         <a:solidFill>
           <a:schemeClr val="tx1"/>
@@ -53,7 +53,7 @@
         <a:cs typeface="+mn-cs"/>
       </a:defRPr>
     </a:lvl4pPr>
-    <a:lvl5pPr marL="1828800" algn="l" defTabSz="914400" rtl="0" eaLnBrk="1" latinLnBrk="0" hangingPunct="1">
+    <a:lvl5pPr marL="1828800" algn="l" defTabSz="457200" rtl="0" eaLnBrk="1" latinLnBrk="0" hangingPunct="1">
       <a:defRPr sz="1800" kern="1200">
         <a:solidFill>
           <a:schemeClr val="tx1"/>
@@ -63,7 +63,7 @@
         <a:cs typeface="+mn-cs"/>
       </a:defRPr>
     </a:lvl5pPr>
-    <a:lvl6pPr marL="2286000" algn="l" defTabSz="914400" rtl="0" eaLnBrk="1" latinLnBrk="0" hangingPunct="1">
+    <a:lvl6pPr marL="2286000" algn="l" defTabSz="457200" rtl="0" eaLnBrk="1" latinLnBrk="0" hangingPunct="1">
       <a:defRPr sz="1800" kern="1200">
         <a:solidFill>
           <a:schemeClr val="tx1"/>
@@ -73,7 +73,7 @@
         <a:cs typeface="+mn-cs"/>
       </a:defRPr>
     </a:lvl6pPr>
-    <a:lvl7pPr marL="2743200" algn="l" defTabSz="914400" rtl="0" eaLnBrk="1" latinLnBrk="0" hangingPunct="1">
+    <a:lvl7pPr marL="2743200" algn="l" defTabSz="457200" rtl="0" eaLnBrk="1" latinLnBrk="0" hangingPunct="1">
       <a:defRPr sz="1800" kern="1200">
         <a:solidFill>
           <a:schemeClr val="tx1"/>
@@ -83,7 +83,7 @@
         <a:cs typeface="+mn-cs"/>
       </a:defRPr>
     </a:lvl7pPr>
-    <a:lvl8pPr marL="3200400" algn="l" defTabSz="914400" rtl="0" eaLnBrk="1" latinLnBrk="0" hangingPunct="1">
+    <a:lvl8pPr marL="3200400" algn="l" defTabSz="457200" rtl="0" eaLnBrk="1" latinLnBrk="0" hangingPunct="1">
       <a:defRPr sz="1800" kern="1200">
         <a:solidFill>
           <a:schemeClr val="tx1"/>
@@ -93,7 +93,7 @@
         <a:cs typeface="+mn-cs"/>
       </a:defRPr>
     </a:lvl8pPr>
-    <a:lvl9pPr marL="3657600" algn="l" defTabSz="914400" rtl="0" eaLnBrk="1" latinLnBrk="0" hangingPunct="1">
+    <a:lvl9pPr marL="3657600" algn="l" defTabSz="457200" rtl="0" eaLnBrk="1" latinLnBrk="0" hangingPunct="1">
       <a:defRPr sz="1800" kern="1200">
         <a:solidFill>
           <a:schemeClr val="tx1"/>
@@ -131,13 +131,7 @@
       </p:grpSpPr>
       <p:sp>
         <p:nvSpPr>
-          <p:cNvPr id="2" name="Título 1">
-            <a:extLst>
-              <a:ext uri="{FF2B5EF4-FFF2-40B4-BE49-F238E27FC236}">
-                <a16:creationId xmlns:a16="http://schemas.microsoft.com/office/drawing/2014/main" id="{0F84C6E8-F6DA-48EE-AC14-3FEB19E93822}"/>
-              </a:ext>
-            </a:extLst>
-          </p:cNvPr>
+          <p:cNvPr id="2" name="Title 1"/>
           <p:cNvSpPr>
             <a:spLocks noGrp="1"/>
           </p:cNvSpPr>
@@ -147,15 +141,15 @@
         </p:nvSpPr>
         <p:spPr>
           <a:xfrm>
-            <a:off x="1524000" y="1122363"/>
-            <a:ext cx="9144000" cy="2387600"/>
+            <a:off x="2970014" y="2238751"/>
+            <a:ext cx="17820085" cy="4762488"/>
           </a:xfrm>
         </p:spPr>
         <p:txBody>
           <a:bodyPr anchor="b"/>
           <a:lstStyle>
             <a:lvl1pPr algn="ctr">
-              <a:defRPr sz="6000"/>
+              <a:defRPr sz="11693"/>
             </a:lvl1pPr>
           </a:lstStyle>
           <a:p>
@@ -163,18 +157,13 @@
               <a:rPr lang="pt-BR"/>
               <a:t>Clique para editar o título Mestre</a:t>
             </a:r>
-          </a:p>
-        </p:txBody>
-      </p:sp>
-      <p:sp>
-        <p:nvSpPr>
-          <p:cNvPr id="3" name="Subtítulo 2">
-            <a:extLst>
-              <a:ext uri="{FF2B5EF4-FFF2-40B4-BE49-F238E27FC236}">
-                <a16:creationId xmlns:a16="http://schemas.microsoft.com/office/drawing/2014/main" id="{B994A80D-A93E-4572-9697-A4A403211305}"/>
-              </a:ext>
-            </a:extLst>
-          </p:cNvPr>
+            <a:endParaRPr lang="en-US" dirty="0"/>
+          </a:p>
+        </p:txBody>
+      </p:sp>
+      <p:sp>
+        <p:nvSpPr>
+          <p:cNvPr id="3" name="Subtitle 2"/>
           <p:cNvSpPr>
             <a:spLocks noGrp="1"/>
           </p:cNvSpPr>
@@ -184,8 +173,8 @@
         </p:nvSpPr>
         <p:spPr>
           <a:xfrm>
-            <a:off x="1524000" y="3602038"/>
-            <a:ext cx="9144000" cy="1655762"/>
+            <a:off x="2970014" y="7184899"/>
+            <a:ext cx="17820085" cy="3302709"/>
           </a:xfrm>
         </p:spPr>
         <p:txBody>
@@ -193,39 +182,39 @@
           <a:lstStyle>
             <a:lvl1pPr marL="0" indent="0" algn="ctr">
               <a:buNone/>
-              <a:defRPr sz="2400"/>
+              <a:defRPr sz="4677"/>
             </a:lvl1pPr>
-            <a:lvl2pPr marL="457200" indent="0" algn="ctr">
+            <a:lvl2pPr marL="890991" indent="0" algn="ctr">
               <a:buNone/>
-              <a:defRPr sz="2000"/>
+              <a:defRPr sz="3898"/>
             </a:lvl2pPr>
-            <a:lvl3pPr marL="914400" indent="0" algn="ctr">
+            <a:lvl3pPr marL="1781983" indent="0" algn="ctr">
               <a:buNone/>
-              <a:defRPr sz="1800"/>
+              <a:defRPr sz="3508"/>
             </a:lvl3pPr>
-            <a:lvl4pPr marL="1371600" indent="0" algn="ctr">
+            <a:lvl4pPr marL="2672974" indent="0" algn="ctr">
               <a:buNone/>
-              <a:defRPr sz="1600"/>
+              <a:defRPr sz="3118"/>
             </a:lvl4pPr>
-            <a:lvl5pPr marL="1828800" indent="0" algn="ctr">
+            <a:lvl5pPr marL="3563965" indent="0" algn="ctr">
               <a:buNone/>
-              <a:defRPr sz="1600"/>
+              <a:defRPr sz="3118"/>
             </a:lvl5pPr>
-            <a:lvl6pPr marL="2286000" indent="0" algn="ctr">
+            <a:lvl6pPr marL="4454957" indent="0" algn="ctr">
               <a:buNone/>
-              <a:defRPr sz="1600"/>
+              <a:defRPr sz="3118"/>
             </a:lvl6pPr>
-            <a:lvl7pPr marL="2743200" indent="0" algn="ctr">
+            <a:lvl7pPr marL="5345948" indent="0" algn="ctr">
               <a:buNone/>
-              <a:defRPr sz="1600"/>
+              <a:defRPr sz="3118"/>
             </a:lvl7pPr>
-            <a:lvl8pPr marL="3200400" indent="0" algn="ctr">
+            <a:lvl8pPr marL="6236940" indent="0" algn="ctr">
               <a:buNone/>
-              <a:defRPr sz="1600"/>
+              <a:defRPr sz="3118"/>
             </a:lvl8pPr>
-            <a:lvl9pPr marL="3657600" indent="0" algn="ctr">
+            <a:lvl9pPr marL="7127931" indent="0" algn="ctr">
               <a:buNone/>
-              <a:defRPr sz="1600"/>
+              <a:defRPr sz="3118"/>
             </a:lvl9pPr>
           </a:lstStyle>
           <a:p>
@@ -233,18 +222,13 @@
               <a:rPr lang="pt-BR"/>
               <a:t>Clique para editar o estilo do subtítulo Mestre</a:t>
             </a:r>
-          </a:p>
-        </p:txBody>
-      </p:sp>
-      <p:sp>
-        <p:nvSpPr>
-          <p:cNvPr id="4" name="Espaço Reservado para Data 3">
-            <a:extLst>
-              <a:ext uri="{FF2B5EF4-FFF2-40B4-BE49-F238E27FC236}">
-                <a16:creationId xmlns:a16="http://schemas.microsoft.com/office/drawing/2014/main" id="{99F8FD17-BFAC-4A9B-A934-6223DBFB3C56}"/>
-              </a:ext>
-            </a:extLst>
-          </p:cNvPr>
+            <a:endParaRPr lang="en-US" dirty="0"/>
+          </a:p>
+        </p:txBody>
+      </p:sp>
+      <p:sp>
+        <p:nvSpPr>
+          <p:cNvPr id="4" name="Date Placeholder 3"/>
           <p:cNvSpPr>
             <a:spLocks noGrp="1"/>
           </p:cNvSpPr>
@@ -259,7 +243,7 @@
           <a:p>
             <a:fld id="{AEE6760F-541C-41C7-94C9-CF71FF152BC5}" type="datetimeFigureOut">
               <a:rPr lang="pt-BR" smtClean="0"/>
-              <a:t>16/09/2018</a:t>
+              <a:t>24/10/2018</a:t>
             </a:fld>
             <a:endParaRPr lang="pt-BR"/>
           </a:p>
@@ -267,13 +251,7 @@
       </p:sp>
       <p:sp>
         <p:nvSpPr>
-          <p:cNvPr id="5" name="Espaço Reservado para Rodapé 4">
-            <a:extLst>
-              <a:ext uri="{FF2B5EF4-FFF2-40B4-BE49-F238E27FC236}">
-                <a16:creationId xmlns:a16="http://schemas.microsoft.com/office/drawing/2014/main" id="{E1150F12-19ED-424F-960A-ECDCD1D9771B}"/>
-              </a:ext>
-            </a:extLst>
-          </p:cNvPr>
+          <p:cNvPr id="5" name="Footer Placeholder 4"/>
           <p:cNvSpPr>
             <a:spLocks noGrp="1"/>
           </p:cNvSpPr>
@@ -292,13 +270,7 @@
       </p:sp>
       <p:sp>
         <p:nvSpPr>
-          <p:cNvPr id="6" name="Espaço Reservado para Número de Slide 5">
-            <a:extLst>
-              <a:ext uri="{FF2B5EF4-FFF2-40B4-BE49-F238E27FC236}">
-                <a16:creationId xmlns:a16="http://schemas.microsoft.com/office/drawing/2014/main" id="{21093191-94AB-4B2E-AA08-8C8B06C557CF}"/>
-              </a:ext>
-            </a:extLst>
-          </p:cNvPr>
+          <p:cNvPr id="6" name="Slide Number Placeholder 5"/>
           <p:cNvSpPr>
             <a:spLocks noGrp="1"/>
           </p:cNvSpPr>
@@ -322,7 +294,7 @@
     </p:spTree>
     <p:extLst>
       <p:ext uri="{BB962C8B-B14F-4D97-AF65-F5344CB8AC3E}">
-        <p14:creationId xmlns:p14="http://schemas.microsoft.com/office/powerpoint/2010/main" val="2107081257"/>
+        <p14:creationId xmlns:p14="http://schemas.microsoft.com/office/powerpoint/2010/main" val="1953922111"/>
       </p:ext>
     </p:extLst>
   </p:cSld>
@@ -351,13 +323,7 @@
       </p:grpSpPr>
       <p:sp>
         <p:nvSpPr>
-          <p:cNvPr id="2" name="Título 1">
-            <a:extLst>
-              <a:ext uri="{FF2B5EF4-FFF2-40B4-BE49-F238E27FC236}">
-                <a16:creationId xmlns:a16="http://schemas.microsoft.com/office/drawing/2014/main" id="{0B90C8EA-9329-436E-AD2C-CB3C32A4EBB0}"/>
-              </a:ext>
-            </a:extLst>
-          </p:cNvPr>
+          <p:cNvPr id="2" name="Title 1"/>
           <p:cNvSpPr>
             <a:spLocks noGrp="1"/>
           </p:cNvSpPr>
@@ -374,18 +340,13 @@
               <a:rPr lang="pt-BR"/>
               <a:t>Clique para editar o título Mestre</a:t>
             </a:r>
-          </a:p>
-        </p:txBody>
-      </p:sp>
-      <p:sp>
-        <p:nvSpPr>
-          <p:cNvPr id="3" name="Espaço Reservado para Texto Vertical 2">
-            <a:extLst>
-              <a:ext uri="{FF2B5EF4-FFF2-40B4-BE49-F238E27FC236}">
-                <a16:creationId xmlns:a16="http://schemas.microsoft.com/office/drawing/2014/main" id="{E2A343F4-FACF-4EC4-BAFE-11F64B332A43}"/>
-              </a:ext>
-            </a:extLst>
-          </p:cNvPr>
+            <a:endParaRPr lang="en-US" dirty="0"/>
+          </a:p>
+        </p:txBody>
+      </p:sp>
+      <p:sp>
+        <p:nvSpPr>
+          <p:cNvPr id="3" name="Vertical Text Placeholder 2"/>
           <p:cNvSpPr>
             <a:spLocks noGrp="1"/>
           </p:cNvSpPr>
@@ -431,18 +392,13 @@
               <a:rPr lang="pt-BR"/>
               <a:t>Quinto nível</a:t>
             </a:r>
-          </a:p>
-        </p:txBody>
-      </p:sp>
-      <p:sp>
-        <p:nvSpPr>
-          <p:cNvPr id="4" name="Espaço Reservado para Data 3">
-            <a:extLst>
-              <a:ext uri="{FF2B5EF4-FFF2-40B4-BE49-F238E27FC236}">
-                <a16:creationId xmlns:a16="http://schemas.microsoft.com/office/drawing/2014/main" id="{9F01A311-C298-4104-BC80-33481D9EF9EE}"/>
-              </a:ext>
-            </a:extLst>
-          </p:cNvPr>
+            <a:endParaRPr lang="en-US" dirty="0"/>
+          </a:p>
+        </p:txBody>
+      </p:sp>
+      <p:sp>
+        <p:nvSpPr>
+          <p:cNvPr id="4" name="Date Placeholder 3"/>
           <p:cNvSpPr>
             <a:spLocks noGrp="1"/>
           </p:cNvSpPr>
@@ -457,7 +413,7 @@
           <a:p>
             <a:fld id="{AEE6760F-541C-41C7-94C9-CF71FF152BC5}" type="datetimeFigureOut">
               <a:rPr lang="pt-BR" smtClean="0"/>
-              <a:t>16/09/2018</a:t>
+              <a:t>24/10/2018</a:t>
             </a:fld>
             <a:endParaRPr lang="pt-BR"/>
           </a:p>
@@ -465,13 +421,7 @@
       </p:sp>
       <p:sp>
         <p:nvSpPr>
-          <p:cNvPr id="5" name="Espaço Reservado para Rodapé 4">
-            <a:extLst>
-              <a:ext uri="{FF2B5EF4-FFF2-40B4-BE49-F238E27FC236}">
-                <a16:creationId xmlns:a16="http://schemas.microsoft.com/office/drawing/2014/main" id="{CD8496C5-82AC-40E4-A13E-C3FE4C0C3627}"/>
-              </a:ext>
-            </a:extLst>
-          </p:cNvPr>
+          <p:cNvPr id="5" name="Footer Placeholder 4"/>
           <p:cNvSpPr>
             <a:spLocks noGrp="1"/>
           </p:cNvSpPr>
@@ -490,13 +440,7 @@
       </p:sp>
       <p:sp>
         <p:nvSpPr>
-          <p:cNvPr id="6" name="Espaço Reservado para Número de Slide 5">
-            <a:extLst>
-              <a:ext uri="{FF2B5EF4-FFF2-40B4-BE49-F238E27FC236}">
-                <a16:creationId xmlns:a16="http://schemas.microsoft.com/office/drawing/2014/main" id="{4A08C0F9-E500-4594-B67C-CF632B00B319}"/>
-              </a:ext>
-            </a:extLst>
-          </p:cNvPr>
+          <p:cNvPr id="6" name="Slide Number Placeholder 5"/>
           <p:cNvSpPr>
             <a:spLocks noGrp="1"/>
           </p:cNvSpPr>
@@ -520,7 +464,7 @@
     </p:spTree>
     <p:extLst>
       <p:ext uri="{BB962C8B-B14F-4D97-AF65-F5344CB8AC3E}">
-        <p14:creationId xmlns:p14="http://schemas.microsoft.com/office/powerpoint/2010/main" val="424911338"/>
+        <p14:creationId xmlns:p14="http://schemas.microsoft.com/office/powerpoint/2010/main" val="1878797398"/>
       </p:ext>
     </p:extLst>
   </p:cSld>
@@ -549,13 +493,7 @@
       </p:grpSpPr>
       <p:sp>
         <p:nvSpPr>
-          <p:cNvPr id="2" name="Título Vertical 1">
-            <a:extLst>
-              <a:ext uri="{FF2B5EF4-FFF2-40B4-BE49-F238E27FC236}">
-                <a16:creationId xmlns:a16="http://schemas.microsoft.com/office/drawing/2014/main" id="{9839A98B-6CBA-483A-85E3-1C1847C15035}"/>
-              </a:ext>
-            </a:extLst>
-          </p:cNvPr>
+          <p:cNvPr id="2" name="Vertical Title 1"/>
           <p:cNvSpPr>
             <a:spLocks noGrp="1"/>
           </p:cNvSpPr>
@@ -565,8 +503,8 @@
         </p:nvSpPr>
         <p:spPr>
           <a:xfrm>
-            <a:off x="8724900" y="365125"/>
-            <a:ext cx="2628900" cy="5811838"/>
+            <a:off x="17003331" y="728306"/>
+            <a:ext cx="5123274" cy="11592734"/>
           </a:xfrm>
         </p:spPr>
         <p:txBody>
@@ -577,18 +515,13 @@
               <a:rPr lang="pt-BR"/>
               <a:t>Clique para editar o título Mestre</a:t>
             </a:r>
-          </a:p>
-        </p:txBody>
-      </p:sp>
-      <p:sp>
-        <p:nvSpPr>
-          <p:cNvPr id="3" name="Espaço Reservado para Texto Vertical 2">
-            <a:extLst>
-              <a:ext uri="{FF2B5EF4-FFF2-40B4-BE49-F238E27FC236}">
-                <a16:creationId xmlns:a16="http://schemas.microsoft.com/office/drawing/2014/main" id="{DD2BD1BF-7B45-4755-805E-07327315A93F}"/>
-              </a:ext>
-            </a:extLst>
-          </p:cNvPr>
+            <a:endParaRPr lang="en-US" dirty="0"/>
+          </a:p>
+        </p:txBody>
+      </p:sp>
+      <p:sp>
+        <p:nvSpPr>
+          <p:cNvPr id="3" name="Vertical Text Placeholder 2"/>
           <p:cNvSpPr>
             <a:spLocks noGrp="1"/>
           </p:cNvSpPr>
@@ -598,8 +531,8 @@
         </p:nvSpPr>
         <p:spPr>
           <a:xfrm>
-            <a:off x="838200" y="365125"/>
-            <a:ext cx="7734300" cy="5811838"/>
+            <a:off x="1633508" y="728306"/>
+            <a:ext cx="15072822" cy="11592734"/>
           </a:xfrm>
         </p:spPr>
         <p:txBody>
@@ -639,18 +572,13 @@
               <a:rPr lang="pt-BR"/>
               <a:t>Quinto nível</a:t>
             </a:r>
-          </a:p>
-        </p:txBody>
-      </p:sp>
-      <p:sp>
-        <p:nvSpPr>
-          <p:cNvPr id="4" name="Espaço Reservado para Data 3">
-            <a:extLst>
-              <a:ext uri="{FF2B5EF4-FFF2-40B4-BE49-F238E27FC236}">
-                <a16:creationId xmlns:a16="http://schemas.microsoft.com/office/drawing/2014/main" id="{D1DFE66A-FBF2-4A07-ACE2-F15C7325A8EC}"/>
-              </a:ext>
-            </a:extLst>
-          </p:cNvPr>
+            <a:endParaRPr lang="en-US" dirty="0"/>
+          </a:p>
+        </p:txBody>
+      </p:sp>
+      <p:sp>
+        <p:nvSpPr>
+          <p:cNvPr id="4" name="Date Placeholder 3"/>
           <p:cNvSpPr>
             <a:spLocks noGrp="1"/>
           </p:cNvSpPr>
@@ -665,7 +593,7 @@
           <a:p>
             <a:fld id="{AEE6760F-541C-41C7-94C9-CF71FF152BC5}" type="datetimeFigureOut">
               <a:rPr lang="pt-BR" smtClean="0"/>
-              <a:t>16/09/2018</a:t>
+              <a:t>24/10/2018</a:t>
             </a:fld>
             <a:endParaRPr lang="pt-BR"/>
           </a:p>
@@ -673,13 +601,7 @@
       </p:sp>
       <p:sp>
         <p:nvSpPr>
-          <p:cNvPr id="5" name="Espaço Reservado para Rodapé 4">
-            <a:extLst>
-              <a:ext uri="{FF2B5EF4-FFF2-40B4-BE49-F238E27FC236}">
-                <a16:creationId xmlns:a16="http://schemas.microsoft.com/office/drawing/2014/main" id="{54CFF9BE-6378-449F-856D-4406A4E13108}"/>
-              </a:ext>
-            </a:extLst>
-          </p:cNvPr>
+          <p:cNvPr id="5" name="Footer Placeholder 4"/>
           <p:cNvSpPr>
             <a:spLocks noGrp="1"/>
           </p:cNvSpPr>
@@ -698,13 +620,7 @@
       </p:sp>
       <p:sp>
         <p:nvSpPr>
-          <p:cNvPr id="6" name="Espaço Reservado para Número de Slide 5">
-            <a:extLst>
-              <a:ext uri="{FF2B5EF4-FFF2-40B4-BE49-F238E27FC236}">
-                <a16:creationId xmlns:a16="http://schemas.microsoft.com/office/drawing/2014/main" id="{0A2BBD34-D930-46EF-98C3-A76C6990D2D3}"/>
-              </a:ext>
-            </a:extLst>
-          </p:cNvPr>
+          <p:cNvPr id="6" name="Slide Number Placeholder 5"/>
           <p:cNvSpPr>
             <a:spLocks noGrp="1"/>
           </p:cNvSpPr>
@@ -728,7 +644,7 @@
     </p:spTree>
     <p:extLst>
       <p:ext uri="{BB962C8B-B14F-4D97-AF65-F5344CB8AC3E}">
-        <p14:creationId xmlns:p14="http://schemas.microsoft.com/office/powerpoint/2010/main" val="3432686714"/>
+        <p14:creationId xmlns:p14="http://schemas.microsoft.com/office/powerpoint/2010/main" val="2185950267"/>
       </p:ext>
     </p:extLst>
   </p:cSld>
@@ -757,13 +673,7 @@
       </p:grpSpPr>
       <p:sp>
         <p:nvSpPr>
-          <p:cNvPr id="2" name="Título 1">
-            <a:extLst>
-              <a:ext uri="{FF2B5EF4-FFF2-40B4-BE49-F238E27FC236}">
-                <a16:creationId xmlns:a16="http://schemas.microsoft.com/office/drawing/2014/main" id="{C42B9B32-2F92-44E3-AFF8-6B533CD7A19A}"/>
-              </a:ext>
-            </a:extLst>
-          </p:cNvPr>
+          <p:cNvPr id="2" name="Title 1"/>
           <p:cNvSpPr>
             <a:spLocks noGrp="1"/>
           </p:cNvSpPr>
@@ -780,18 +690,13 @@
               <a:rPr lang="pt-BR"/>
               <a:t>Clique para editar o título Mestre</a:t>
             </a:r>
-          </a:p>
-        </p:txBody>
-      </p:sp>
-      <p:sp>
-        <p:nvSpPr>
-          <p:cNvPr id="3" name="Espaço Reservado para Conteúdo 2">
-            <a:extLst>
-              <a:ext uri="{FF2B5EF4-FFF2-40B4-BE49-F238E27FC236}">
-                <a16:creationId xmlns:a16="http://schemas.microsoft.com/office/drawing/2014/main" id="{02DC98BA-9781-445C-B02A-801F4A75F671}"/>
-              </a:ext>
-            </a:extLst>
-          </p:cNvPr>
+            <a:endParaRPr lang="en-US" dirty="0"/>
+          </a:p>
+        </p:txBody>
+      </p:sp>
+      <p:sp>
+        <p:nvSpPr>
+          <p:cNvPr id="3" name="Content Placeholder 2"/>
           <p:cNvSpPr>
             <a:spLocks noGrp="1"/>
           </p:cNvSpPr>
@@ -837,18 +742,13 @@
               <a:rPr lang="pt-BR"/>
               <a:t>Quinto nível</a:t>
             </a:r>
-          </a:p>
-        </p:txBody>
-      </p:sp>
-      <p:sp>
-        <p:nvSpPr>
-          <p:cNvPr id="4" name="Espaço Reservado para Data 3">
-            <a:extLst>
-              <a:ext uri="{FF2B5EF4-FFF2-40B4-BE49-F238E27FC236}">
-                <a16:creationId xmlns:a16="http://schemas.microsoft.com/office/drawing/2014/main" id="{98A32F66-27A6-4D81-9699-212A3D806A5E}"/>
-              </a:ext>
-            </a:extLst>
-          </p:cNvPr>
+            <a:endParaRPr lang="en-US" dirty="0"/>
+          </a:p>
+        </p:txBody>
+      </p:sp>
+      <p:sp>
+        <p:nvSpPr>
+          <p:cNvPr id="4" name="Date Placeholder 3"/>
           <p:cNvSpPr>
             <a:spLocks noGrp="1"/>
           </p:cNvSpPr>
@@ -863,7 +763,7 @@
           <a:p>
             <a:fld id="{AEE6760F-541C-41C7-94C9-CF71FF152BC5}" type="datetimeFigureOut">
               <a:rPr lang="pt-BR" smtClean="0"/>
-              <a:t>16/09/2018</a:t>
+              <a:t>24/10/2018</a:t>
             </a:fld>
             <a:endParaRPr lang="pt-BR"/>
           </a:p>
@@ -871,13 +771,7 @@
       </p:sp>
       <p:sp>
         <p:nvSpPr>
-          <p:cNvPr id="5" name="Espaço Reservado para Rodapé 4">
-            <a:extLst>
-              <a:ext uri="{FF2B5EF4-FFF2-40B4-BE49-F238E27FC236}">
-                <a16:creationId xmlns:a16="http://schemas.microsoft.com/office/drawing/2014/main" id="{F8A079E3-D27A-4271-92B2-A91B19226CA0}"/>
-              </a:ext>
-            </a:extLst>
-          </p:cNvPr>
+          <p:cNvPr id="5" name="Footer Placeholder 4"/>
           <p:cNvSpPr>
             <a:spLocks noGrp="1"/>
           </p:cNvSpPr>
@@ -896,13 +790,7 @@
       </p:sp>
       <p:sp>
         <p:nvSpPr>
-          <p:cNvPr id="6" name="Espaço Reservado para Número de Slide 5">
-            <a:extLst>
-              <a:ext uri="{FF2B5EF4-FFF2-40B4-BE49-F238E27FC236}">
-                <a16:creationId xmlns:a16="http://schemas.microsoft.com/office/drawing/2014/main" id="{E8529D22-23DD-45CB-A26E-567772410642}"/>
-              </a:ext>
-            </a:extLst>
-          </p:cNvPr>
+          <p:cNvPr id="6" name="Slide Number Placeholder 5"/>
           <p:cNvSpPr>
             <a:spLocks noGrp="1"/>
           </p:cNvSpPr>
@@ -926,7 +814,7 @@
     </p:spTree>
     <p:extLst>
       <p:ext uri="{BB962C8B-B14F-4D97-AF65-F5344CB8AC3E}">
-        <p14:creationId xmlns:p14="http://schemas.microsoft.com/office/powerpoint/2010/main" val="4186660254"/>
+        <p14:creationId xmlns:p14="http://schemas.microsoft.com/office/powerpoint/2010/main" val="1215046056"/>
       </p:ext>
     </p:extLst>
   </p:cSld>
@@ -955,13 +843,7 @@
       </p:grpSpPr>
       <p:sp>
         <p:nvSpPr>
-          <p:cNvPr id="2" name="Título 1">
-            <a:extLst>
-              <a:ext uri="{FF2B5EF4-FFF2-40B4-BE49-F238E27FC236}">
-                <a16:creationId xmlns:a16="http://schemas.microsoft.com/office/drawing/2014/main" id="{FF367108-368B-4C78-8E42-D477AA7B000E}"/>
-              </a:ext>
-            </a:extLst>
-          </p:cNvPr>
+          <p:cNvPr id="2" name="Title 1"/>
           <p:cNvSpPr>
             <a:spLocks noGrp="1"/>
           </p:cNvSpPr>
@@ -971,15 +853,15 @@
         </p:nvSpPr>
         <p:spPr>
           <a:xfrm>
-            <a:off x="831850" y="1709738"/>
-            <a:ext cx="10515600" cy="2852737"/>
+            <a:off x="1621133" y="3410374"/>
+            <a:ext cx="20493097" cy="5690286"/>
           </a:xfrm>
         </p:spPr>
         <p:txBody>
           <a:bodyPr anchor="b"/>
           <a:lstStyle>
             <a:lvl1pPr>
-              <a:defRPr sz="6000"/>
+              <a:defRPr sz="11693"/>
             </a:lvl1pPr>
           </a:lstStyle>
           <a:p>
@@ -987,18 +869,13 @@
               <a:rPr lang="pt-BR"/>
               <a:t>Clique para editar o título Mestre</a:t>
             </a:r>
-          </a:p>
-        </p:txBody>
-      </p:sp>
-      <p:sp>
-        <p:nvSpPr>
-          <p:cNvPr id="3" name="Espaço Reservado para Texto 2">
-            <a:extLst>
-              <a:ext uri="{FF2B5EF4-FFF2-40B4-BE49-F238E27FC236}">
-                <a16:creationId xmlns:a16="http://schemas.microsoft.com/office/drawing/2014/main" id="{621209A5-4EA3-467F-98F7-12ABB92E1659}"/>
-              </a:ext>
-            </a:extLst>
-          </p:cNvPr>
+            <a:endParaRPr lang="en-US" dirty="0"/>
+          </a:p>
+        </p:txBody>
+      </p:sp>
+      <p:sp>
+        <p:nvSpPr>
+          <p:cNvPr id="3" name="Text Placeholder 2"/>
           <p:cNvSpPr>
             <a:spLocks noGrp="1"/>
           </p:cNvSpPr>
@@ -1008,8 +885,8 @@
         </p:nvSpPr>
         <p:spPr>
           <a:xfrm>
-            <a:off x="831850" y="4589463"/>
-            <a:ext cx="10515600" cy="1500187"/>
+            <a:off x="1621133" y="9154493"/>
+            <a:ext cx="20493097" cy="2992387"/>
           </a:xfrm>
         </p:spPr>
         <p:txBody>
@@ -1017,7 +894,7 @@
           <a:lstStyle>
             <a:lvl1pPr marL="0" indent="0">
               <a:buNone/>
-              <a:defRPr sz="2400">
+              <a:defRPr sz="4677">
                 <a:solidFill>
                   <a:schemeClr val="tx1">
                     <a:tint val="75000"/>
@@ -1025,9 +902,9 @@
                 </a:solidFill>
               </a:defRPr>
             </a:lvl1pPr>
-            <a:lvl2pPr marL="457200" indent="0">
+            <a:lvl2pPr marL="890991" indent="0">
               <a:buNone/>
-              <a:defRPr sz="2000">
+              <a:defRPr sz="3898">
                 <a:solidFill>
                   <a:schemeClr val="tx1">
                     <a:tint val="75000"/>
@@ -1035,9 +912,9 @@
                 </a:solidFill>
               </a:defRPr>
             </a:lvl2pPr>
-            <a:lvl3pPr marL="914400" indent="0">
+            <a:lvl3pPr marL="1781983" indent="0">
               <a:buNone/>
-              <a:defRPr sz="1800">
+              <a:defRPr sz="3508">
                 <a:solidFill>
                   <a:schemeClr val="tx1">
                     <a:tint val="75000"/>
@@ -1045,9 +922,9 @@
                 </a:solidFill>
               </a:defRPr>
             </a:lvl3pPr>
-            <a:lvl4pPr marL="1371600" indent="0">
+            <a:lvl4pPr marL="2672974" indent="0">
               <a:buNone/>
-              <a:defRPr sz="1600">
+              <a:defRPr sz="3118">
                 <a:solidFill>
                   <a:schemeClr val="tx1">
                     <a:tint val="75000"/>
@@ -1055,9 +932,9 @@
                 </a:solidFill>
               </a:defRPr>
             </a:lvl4pPr>
-            <a:lvl5pPr marL="1828800" indent="0">
+            <a:lvl5pPr marL="3563965" indent="0">
               <a:buNone/>
-              <a:defRPr sz="1600">
+              <a:defRPr sz="3118">
                 <a:solidFill>
                   <a:schemeClr val="tx1">
                     <a:tint val="75000"/>
@@ -1065,9 +942,9 @@
                 </a:solidFill>
               </a:defRPr>
             </a:lvl5pPr>
-            <a:lvl6pPr marL="2286000" indent="0">
+            <a:lvl6pPr marL="4454957" indent="0">
               <a:buNone/>
-              <a:defRPr sz="1600">
+              <a:defRPr sz="3118">
                 <a:solidFill>
                   <a:schemeClr val="tx1">
                     <a:tint val="75000"/>
@@ -1075,9 +952,9 @@
                 </a:solidFill>
               </a:defRPr>
             </a:lvl6pPr>
-            <a:lvl7pPr marL="2743200" indent="0">
+            <a:lvl7pPr marL="5345948" indent="0">
               <a:buNone/>
-              <a:defRPr sz="1600">
+              <a:defRPr sz="3118">
                 <a:solidFill>
                   <a:schemeClr val="tx1">
                     <a:tint val="75000"/>
@@ -1085,9 +962,9 @@
                 </a:solidFill>
               </a:defRPr>
             </a:lvl7pPr>
-            <a:lvl8pPr marL="3200400" indent="0">
+            <a:lvl8pPr marL="6236940" indent="0">
               <a:buNone/>
-              <a:defRPr sz="1600">
+              <a:defRPr sz="3118">
                 <a:solidFill>
                   <a:schemeClr val="tx1">
                     <a:tint val="75000"/>
@@ -1095,9 +972,9 @@
                 </a:solidFill>
               </a:defRPr>
             </a:lvl8pPr>
-            <a:lvl9pPr marL="3657600" indent="0">
+            <a:lvl9pPr marL="7127931" indent="0">
               <a:buNone/>
-              <a:defRPr sz="1600">
+              <a:defRPr sz="3118">
                 <a:solidFill>
                   <a:schemeClr val="tx1">
                     <a:tint val="75000"/>
@@ -1117,13 +994,7 @@
       </p:sp>
       <p:sp>
         <p:nvSpPr>
-          <p:cNvPr id="4" name="Espaço Reservado para Data 3">
-            <a:extLst>
-              <a:ext uri="{FF2B5EF4-FFF2-40B4-BE49-F238E27FC236}">
-                <a16:creationId xmlns:a16="http://schemas.microsoft.com/office/drawing/2014/main" id="{A7BBB920-1C60-48AE-8C03-0F509553F5C1}"/>
-              </a:ext>
-            </a:extLst>
-          </p:cNvPr>
+          <p:cNvPr id="4" name="Date Placeholder 3"/>
           <p:cNvSpPr>
             <a:spLocks noGrp="1"/>
           </p:cNvSpPr>
@@ -1138,7 +1009,7 @@
           <a:p>
             <a:fld id="{AEE6760F-541C-41C7-94C9-CF71FF152BC5}" type="datetimeFigureOut">
               <a:rPr lang="pt-BR" smtClean="0"/>
-              <a:t>16/09/2018</a:t>
+              <a:t>24/10/2018</a:t>
             </a:fld>
             <a:endParaRPr lang="pt-BR"/>
           </a:p>
@@ -1146,13 +1017,7 @@
       </p:sp>
       <p:sp>
         <p:nvSpPr>
-          <p:cNvPr id="5" name="Espaço Reservado para Rodapé 4">
-            <a:extLst>
-              <a:ext uri="{FF2B5EF4-FFF2-40B4-BE49-F238E27FC236}">
-                <a16:creationId xmlns:a16="http://schemas.microsoft.com/office/drawing/2014/main" id="{F15C9875-25AD-49ED-A212-832C0DE8DC3F}"/>
-              </a:ext>
-            </a:extLst>
-          </p:cNvPr>
+          <p:cNvPr id="5" name="Footer Placeholder 4"/>
           <p:cNvSpPr>
             <a:spLocks noGrp="1"/>
           </p:cNvSpPr>
@@ -1171,13 +1036,7 @@
       </p:sp>
       <p:sp>
         <p:nvSpPr>
-          <p:cNvPr id="6" name="Espaço Reservado para Número de Slide 5">
-            <a:extLst>
-              <a:ext uri="{FF2B5EF4-FFF2-40B4-BE49-F238E27FC236}">
-                <a16:creationId xmlns:a16="http://schemas.microsoft.com/office/drawing/2014/main" id="{166153EC-67E2-47FA-9EA8-AA40EBB6224F}"/>
-              </a:ext>
-            </a:extLst>
-          </p:cNvPr>
+          <p:cNvPr id="6" name="Slide Number Placeholder 5"/>
           <p:cNvSpPr>
             <a:spLocks noGrp="1"/>
           </p:cNvSpPr>
@@ -1201,7 +1060,7 @@
     </p:spTree>
     <p:extLst>
       <p:ext uri="{BB962C8B-B14F-4D97-AF65-F5344CB8AC3E}">
-        <p14:creationId xmlns:p14="http://schemas.microsoft.com/office/powerpoint/2010/main" val="1703637199"/>
+        <p14:creationId xmlns:p14="http://schemas.microsoft.com/office/powerpoint/2010/main" val="2059137029"/>
       </p:ext>
     </p:extLst>
   </p:cSld>
@@ -1230,13 +1089,7 @@
       </p:grpSpPr>
       <p:sp>
         <p:nvSpPr>
-          <p:cNvPr id="2" name="Título 1">
-            <a:extLst>
-              <a:ext uri="{FF2B5EF4-FFF2-40B4-BE49-F238E27FC236}">
-                <a16:creationId xmlns:a16="http://schemas.microsoft.com/office/drawing/2014/main" id="{00E44773-BC5D-47F8-9452-15DDA4598CC4}"/>
-              </a:ext>
-            </a:extLst>
-          </p:cNvPr>
+          <p:cNvPr id="2" name="Title 1"/>
           <p:cNvSpPr>
             <a:spLocks noGrp="1"/>
           </p:cNvSpPr>
@@ -1253,18 +1106,13 @@
               <a:rPr lang="pt-BR"/>
               <a:t>Clique para editar o título Mestre</a:t>
             </a:r>
-          </a:p>
-        </p:txBody>
-      </p:sp>
-      <p:sp>
-        <p:nvSpPr>
-          <p:cNvPr id="3" name="Espaço Reservado para Conteúdo 2">
-            <a:extLst>
-              <a:ext uri="{FF2B5EF4-FFF2-40B4-BE49-F238E27FC236}">
-                <a16:creationId xmlns:a16="http://schemas.microsoft.com/office/drawing/2014/main" id="{A81DEEFA-5AC9-4391-9761-D07863647CFA}"/>
-              </a:ext>
-            </a:extLst>
-          </p:cNvPr>
+            <a:endParaRPr lang="en-US" dirty="0"/>
+          </a:p>
+        </p:txBody>
+      </p:sp>
+      <p:sp>
+        <p:nvSpPr>
+          <p:cNvPr id="3" name="Content Placeholder 2"/>
           <p:cNvSpPr>
             <a:spLocks noGrp="1"/>
           </p:cNvSpPr>
@@ -1274,8 +1122,8 @@
         </p:nvSpPr>
         <p:spPr>
           <a:xfrm>
-            <a:off x="838200" y="1825625"/>
-            <a:ext cx="5181600" cy="4351338"/>
+            <a:off x="1633508" y="3641531"/>
+            <a:ext cx="10098048" cy="8679509"/>
           </a:xfrm>
         </p:spPr>
         <p:txBody>
@@ -1315,18 +1163,13 @@
               <a:rPr lang="pt-BR"/>
               <a:t>Quinto nível</a:t>
             </a:r>
-          </a:p>
-        </p:txBody>
-      </p:sp>
-      <p:sp>
-        <p:nvSpPr>
-          <p:cNvPr id="4" name="Espaço Reservado para Conteúdo 3">
-            <a:extLst>
-              <a:ext uri="{FF2B5EF4-FFF2-40B4-BE49-F238E27FC236}">
-                <a16:creationId xmlns:a16="http://schemas.microsoft.com/office/drawing/2014/main" id="{A1FF205C-9A04-4031-8782-CBF2370D8880}"/>
-              </a:ext>
-            </a:extLst>
-          </p:cNvPr>
+            <a:endParaRPr lang="en-US" dirty="0"/>
+          </a:p>
+        </p:txBody>
+      </p:sp>
+      <p:sp>
+        <p:nvSpPr>
+          <p:cNvPr id="4" name="Content Placeholder 3"/>
           <p:cNvSpPr>
             <a:spLocks noGrp="1"/>
           </p:cNvSpPr>
@@ -1336,8 +1179,8 @@
         </p:nvSpPr>
         <p:spPr>
           <a:xfrm>
-            <a:off x="6172200" y="1825625"/>
-            <a:ext cx="5181600" cy="4351338"/>
+            <a:off x="12028557" y="3641531"/>
+            <a:ext cx="10098048" cy="8679509"/>
           </a:xfrm>
         </p:spPr>
         <p:txBody>
@@ -1377,18 +1220,13 @@
               <a:rPr lang="pt-BR"/>
               <a:t>Quinto nível</a:t>
             </a:r>
-          </a:p>
-        </p:txBody>
-      </p:sp>
-      <p:sp>
-        <p:nvSpPr>
-          <p:cNvPr id="5" name="Espaço Reservado para Data 4">
-            <a:extLst>
-              <a:ext uri="{FF2B5EF4-FFF2-40B4-BE49-F238E27FC236}">
-                <a16:creationId xmlns:a16="http://schemas.microsoft.com/office/drawing/2014/main" id="{5C421699-BAEB-4795-BF06-253499263748}"/>
-              </a:ext>
-            </a:extLst>
-          </p:cNvPr>
+            <a:endParaRPr lang="en-US" dirty="0"/>
+          </a:p>
+        </p:txBody>
+      </p:sp>
+      <p:sp>
+        <p:nvSpPr>
+          <p:cNvPr id="5" name="Date Placeholder 4"/>
           <p:cNvSpPr>
             <a:spLocks noGrp="1"/>
           </p:cNvSpPr>
@@ -1403,7 +1241,7 @@
           <a:p>
             <a:fld id="{AEE6760F-541C-41C7-94C9-CF71FF152BC5}" type="datetimeFigureOut">
               <a:rPr lang="pt-BR" smtClean="0"/>
-              <a:t>16/09/2018</a:t>
+              <a:t>24/10/2018</a:t>
             </a:fld>
             <a:endParaRPr lang="pt-BR"/>
           </a:p>
@@ -1411,13 +1249,7 @@
       </p:sp>
       <p:sp>
         <p:nvSpPr>
-          <p:cNvPr id="6" name="Espaço Reservado para Rodapé 5">
-            <a:extLst>
-              <a:ext uri="{FF2B5EF4-FFF2-40B4-BE49-F238E27FC236}">
-                <a16:creationId xmlns:a16="http://schemas.microsoft.com/office/drawing/2014/main" id="{A48AEBAC-7AC0-4DC7-B53D-54224D397E2F}"/>
-              </a:ext>
-            </a:extLst>
-          </p:cNvPr>
+          <p:cNvPr id="6" name="Footer Placeholder 5"/>
           <p:cNvSpPr>
             <a:spLocks noGrp="1"/>
           </p:cNvSpPr>
@@ -1436,13 +1268,7 @@
       </p:sp>
       <p:sp>
         <p:nvSpPr>
-          <p:cNvPr id="7" name="Espaço Reservado para Número de Slide 6">
-            <a:extLst>
-              <a:ext uri="{FF2B5EF4-FFF2-40B4-BE49-F238E27FC236}">
-                <a16:creationId xmlns:a16="http://schemas.microsoft.com/office/drawing/2014/main" id="{9B102B99-A6C8-4B88-922D-2F0A084F2BBD}"/>
-              </a:ext>
-            </a:extLst>
-          </p:cNvPr>
+          <p:cNvPr id="7" name="Slide Number Placeholder 6"/>
           <p:cNvSpPr>
             <a:spLocks noGrp="1"/>
           </p:cNvSpPr>
@@ -1466,7 +1292,7 @@
     </p:spTree>
     <p:extLst>
       <p:ext uri="{BB962C8B-B14F-4D97-AF65-F5344CB8AC3E}">
-        <p14:creationId xmlns:p14="http://schemas.microsoft.com/office/powerpoint/2010/main" val="975005738"/>
+        <p14:creationId xmlns:p14="http://schemas.microsoft.com/office/powerpoint/2010/main" val="4072950376"/>
       </p:ext>
     </p:extLst>
   </p:cSld>
@@ -1495,13 +1321,7 @@
       </p:grpSpPr>
       <p:sp>
         <p:nvSpPr>
-          <p:cNvPr id="2" name="Título 1">
-            <a:extLst>
-              <a:ext uri="{FF2B5EF4-FFF2-40B4-BE49-F238E27FC236}">
-                <a16:creationId xmlns:a16="http://schemas.microsoft.com/office/drawing/2014/main" id="{3BF0C756-04C9-47B1-BFA9-2B90844BC0C8}"/>
-              </a:ext>
-            </a:extLst>
-          </p:cNvPr>
+          <p:cNvPr id="2" name="Title 1"/>
           <p:cNvSpPr>
             <a:spLocks noGrp="1"/>
           </p:cNvSpPr>
@@ -1511,8 +1331,8 @@
         </p:nvSpPr>
         <p:spPr>
           <a:xfrm>
-            <a:off x="839788" y="365125"/>
-            <a:ext cx="10515600" cy="1325563"/>
+            <a:off x="1636603" y="728307"/>
+            <a:ext cx="20493097" cy="2644069"/>
           </a:xfrm>
         </p:spPr>
         <p:txBody>
@@ -1523,18 +1343,13 @@
               <a:rPr lang="pt-BR"/>
               <a:t>Clique para editar o título Mestre</a:t>
             </a:r>
-          </a:p>
-        </p:txBody>
-      </p:sp>
-      <p:sp>
-        <p:nvSpPr>
-          <p:cNvPr id="3" name="Espaço Reservado para Texto 2">
-            <a:extLst>
-              <a:ext uri="{FF2B5EF4-FFF2-40B4-BE49-F238E27FC236}">
-                <a16:creationId xmlns:a16="http://schemas.microsoft.com/office/drawing/2014/main" id="{118451E2-FEA7-45E9-8CB9-62F00D63C672}"/>
-              </a:ext>
-            </a:extLst>
-          </p:cNvPr>
+            <a:endParaRPr lang="en-US" dirty="0"/>
+          </a:p>
+        </p:txBody>
+      </p:sp>
+      <p:sp>
+        <p:nvSpPr>
+          <p:cNvPr id="3" name="Text Placeholder 2"/>
           <p:cNvSpPr>
             <a:spLocks noGrp="1"/>
           </p:cNvSpPr>
@@ -1544,8 +1359,8 @@
         </p:nvSpPr>
         <p:spPr>
           <a:xfrm>
-            <a:off x="839788" y="1681163"/>
-            <a:ext cx="5157787" cy="823912"/>
+            <a:off x="1636603" y="3353376"/>
+            <a:ext cx="10051641" cy="1643437"/>
           </a:xfrm>
         </p:spPr>
         <p:txBody>
@@ -1553,39 +1368,39 @@
           <a:lstStyle>
             <a:lvl1pPr marL="0" indent="0">
               <a:buNone/>
-              <a:defRPr sz="2400" b="1"/>
+              <a:defRPr sz="4677" b="1"/>
             </a:lvl1pPr>
-            <a:lvl2pPr marL="457200" indent="0">
+            <a:lvl2pPr marL="890991" indent="0">
               <a:buNone/>
-              <a:defRPr sz="2000" b="1"/>
+              <a:defRPr sz="3898" b="1"/>
             </a:lvl2pPr>
-            <a:lvl3pPr marL="914400" indent="0">
+            <a:lvl3pPr marL="1781983" indent="0">
               <a:buNone/>
-              <a:defRPr sz="1800" b="1"/>
+              <a:defRPr sz="3508" b="1"/>
             </a:lvl3pPr>
-            <a:lvl4pPr marL="1371600" indent="0">
+            <a:lvl4pPr marL="2672974" indent="0">
               <a:buNone/>
-              <a:defRPr sz="1600" b="1"/>
+              <a:defRPr sz="3118" b="1"/>
             </a:lvl4pPr>
-            <a:lvl5pPr marL="1828800" indent="0">
+            <a:lvl5pPr marL="3563965" indent="0">
               <a:buNone/>
-              <a:defRPr sz="1600" b="1"/>
+              <a:defRPr sz="3118" b="1"/>
             </a:lvl5pPr>
-            <a:lvl6pPr marL="2286000" indent="0">
+            <a:lvl6pPr marL="4454957" indent="0">
               <a:buNone/>
-              <a:defRPr sz="1600" b="1"/>
+              <a:defRPr sz="3118" b="1"/>
             </a:lvl6pPr>
-            <a:lvl7pPr marL="2743200" indent="0">
+            <a:lvl7pPr marL="5345948" indent="0">
               <a:buNone/>
-              <a:defRPr sz="1600" b="1"/>
+              <a:defRPr sz="3118" b="1"/>
             </a:lvl7pPr>
-            <a:lvl8pPr marL="3200400" indent="0">
+            <a:lvl8pPr marL="6236940" indent="0">
               <a:buNone/>
-              <a:defRPr sz="1600" b="1"/>
+              <a:defRPr sz="3118" b="1"/>
             </a:lvl8pPr>
-            <a:lvl9pPr marL="3657600" indent="0">
+            <a:lvl9pPr marL="7127931" indent="0">
               <a:buNone/>
-              <a:defRPr sz="1600" b="1"/>
+              <a:defRPr sz="3118" b="1"/>
             </a:lvl9pPr>
           </a:lstStyle>
           <a:p>
@@ -1599,13 +1414,7 @@
       </p:sp>
       <p:sp>
         <p:nvSpPr>
-          <p:cNvPr id="4" name="Espaço Reservado para Conteúdo 3">
-            <a:extLst>
-              <a:ext uri="{FF2B5EF4-FFF2-40B4-BE49-F238E27FC236}">
-                <a16:creationId xmlns:a16="http://schemas.microsoft.com/office/drawing/2014/main" id="{F30B0C71-FCB1-4DD1-B715-D04F6FBABEFF}"/>
-              </a:ext>
-            </a:extLst>
-          </p:cNvPr>
+          <p:cNvPr id="4" name="Content Placeholder 3"/>
           <p:cNvSpPr>
             <a:spLocks noGrp="1"/>
           </p:cNvSpPr>
@@ -1615,8 +1424,8 @@
         </p:nvSpPr>
         <p:spPr>
           <a:xfrm>
-            <a:off x="839788" y="2505075"/>
-            <a:ext cx="5157787" cy="3684588"/>
+            <a:off x="1636603" y="4996813"/>
+            <a:ext cx="10051641" cy="7349559"/>
           </a:xfrm>
         </p:spPr>
         <p:txBody>
@@ -1656,18 +1465,13 @@
               <a:rPr lang="pt-BR"/>
               <a:t>Quinto nível</a:t>
             </a:r>
-          </a:p>
-        </p:txBody>
-      </p:sp>
-      <p:sp>
-        <p:nvSpPr>
-          <p:cNvPr id="5" name="Espaço Reservado para Texto 4">
-            <a:extLst>
-              <a:ext uri="{FF2B5EF4-FFF2-40B4-BE49-F238E27FC236}">
-                <a16:creationId xmlns:a16="http://schemas.microsoft.com/office/drawing/2014/main" id="{233F2C93-1E7F-45AD-99BB-16298E973AC2}"/>
-              </a:ext>
-            </a:extLst>
-          </p:cNvPr>
+            <a:endParaRPr lang="en-US" dirty="0"/>
+          </a:p>
+        </p:txBody>
+      </p:sp>
+      <p:sp>
+        <p:nvSpPr>
+          <p:cNvPr id="5" name="Text Placeholder 4"/>
           <p:cNvSpPr>
             <a:spLocks noGrp="1"/>
           </p:cNvSpPr>
@@ -1677,8 +1481,8 @@
         </p:nvSpPr>
         <p:spPr>
           <a:xfrm>
-            <a:off x="6172200" y="1681163"/>
-            <a:ext cx="5183188" cy="823912"/>
+            <a:off x="12028557" y="3353376"/>
+            <a:ext cx="10101143" cy="1643437"/>
           </a:xfrm>
         </p:spPr>
         <p:txBody>
@@ -1686,39 +1490,39 @@
           <a:lstStyle>
             <a:lvl1pPr marL="0" indent="0">
               <a:buNone/>
-              <a:defRPr sz="2400" b="1"/>
+              <a:defRPr sz="4677" b="1"/>
             </a:lvl1pPr>
-            <a:lvl2pPr marL="457200" indent="0">
+            <a:lvl2pPr marL="890991" indent="0">
               <a:buNone/>
-              <a:defRPr sz="2000" b="1"/>
+              <a:defRPr sz="3898" b="1"/>
             </a:lvl2pPr>
-            <a:lvl3pPr marL="914400" indent="0">
+            <a:lvl3pPr marL="1781983" indent="0">
               <a:buNone/>
-              <a:defRPr sz="1800" b="1"/>
+              <a:defRPr sz="3508" b="1"/>
             </a:lvl3pPr>
-            <a:lvl4pPr marL="1371600" indent="0">
+            <a:lvl4pPr marL="2672974" indent="0">
               <a:buNone/>
-              <a:defRPr sz="1600" b="1"/>
+              <a:defRPr sz="3118" b="1"/>
             </a:lvl4pPr>
-            <a:lvl5pPr marL="1828800" indent="0">
+            <a:lvl5pPr marL="3563965" indent="0">
               <a:buNone/>
-              <a:defRPr sz="1600" b="1"/>
+              <a:defRPr sz="3118" b="1"/>
             </a:lvl5pPr>
-            <a:lvl6pPr marL="2286000" indent="0">
+            <a:lvl6pPr marL="4454957" indent="0">
               <a:buNone/>
-              <a:defRPr sz="1600" b="1"/>
+              <a:defRPr sz="3118" b="1"/>
             </a:lvl6pPr>
-            <a:lvl7pPr marL="2743200" indent="0">
+            <a:lvl7pPr marL="5345948" indent="0">
               <a:buNone/>
-              <a:defRPr sz="1600" b="1"/>
+              <a:defRPr sz="3118" b="1"/>
             </a:lvl7pPr>
-            <a:lvl8pPr marL="3200400" indent="0">
+            <a:lvl8pPr marL="6236940" indent="0">
               <a:buNone/>
-              <a:defRPr sz="1600" b="1"/>
+              <a:defRPr sz="3118" b="1"/>
             </a:lvl8pPr>
-            <a:lvl9pPr marL="3657600" indent="0">
+            <a:lvl9pPr marL="7127931" indent="0">
               <a:buNone/>
-              <a:defRPr sz="1600" b="1"/>
+              <a:defRPr sz="3118" b="1"/>
             </a:lvl9pPr>
           </a:lstStyle>
           <a:p>
@@ -1732,13 +1536,7 @@
       </p:sp>
       <p:sp>
         <p:nvSpPr>
-          <p:cNvPr id="6" name="Espaço Reservado para Conteúdo 5">
-            <a:extLst>
-              <a:ext uri="{FF2B5EF4-FFF2-40B4-BE49-F238E27FC236}">
-                <a16:creationId xmlns:a16="http://schemas.microsoft.com/office/drawing/2014/main" id="{5218E35C-8428-47BC-8106-933249CC64B2}"/>
-              </a:ext>
-            </a:extLst>
-          </p:cNvPr>
+          <p:cNvPr id="6" name="Content Placeholder 5"/>
           <p:cNvSpPr>
             <a:spLocks noGrp="1"/>
           </p:cNvSpPr>
@@ -1748,8 +1546,8 @@
         </p:nvSpPr>
         <p:spPr>
           <a:xfrm>
-            <a:off x="6172200" y="2505075"/>
-            <a:ext cx="5183188" cy="3684588"/>
+            <a:off x="12028557" y="4996813"/>
+            <a:ext cx="10101143" cy="7349559"/>
           </a:xfrm>
         </p:spPr>
         <p:txBody>
@@ -1789,18 +1587,13 @@
               <a:rPr lang="pt-BR"/>
               <a:t>Quinto nível</a:t>
             </a:r>
-          </a:p>
-        </p:txBody>
-      </p:sp>
-      <p:sp>
-        <p:nvSpPr>
-          <p:cNvPr id="7" name="Espaço Reservado para Data 6">
-            <a:extLst>
-              <a:ext uri="{FF2B5EF4-FFF2-40B4-BE49-F238E27FC236}">
-                <a16:creationId xmlns:a16="http://schemas.microsoft.com/office/drawing/2014/main" id="{921E2457-D5EE-44B2-BC92-5966ACB5FF07}"/>
-              </a:ext>
-            </a:extLst>
-          </p:cNvPr>
+            <a:endParaRPr lang="en-US" dirty="0"/>
+          </a:p>
+        </p:txBody>
+      </p:sp>
+      <p:sp>
+        <p:nvSpPr>
+          <p:cNvPr id="7" name="Date Placeholder 6"/>
           <p:cNvSpPr>
             <a:spLocks noGrp="1"/>
           </p:cNvSpPr>
@@ -1815,7 +1608,7 @@
           <a:p>
             <a:fld id="{AEE6760F-541C-41C7-94C9-CF71FF152BC5}" type="datetimeFigureOut">
               <a:rPr lang="pt-BR" smtClean="0"/>
-              <a:t>16/09/2018</a:t>
+              <a:t>24/10/2018</a:t>
             </a:fld>
             <a:endParaRPr lang="pt-BR"/>
           </a:p>
@@ -1823,13 +1616,7 @@
       </p:sp>
       <p:sp>
         <p:nvSpPr>
-          <p:cNvPr id="8" name="Espaço Reservado para Rodapé 7">
-            <a:extLst>
-              <a:ext uri="{FF2B5EF4-FFF2-40B4-BE49-F238E27FC236}">
-                <a16:creationId xmlns:a16="http://schemas.microsoft.com/office/drawing/2014/main" id="{5DD45659-F1A8-4001-8FAB-8881E9472D8A}"/>
-              </a:ext>
-            </a:extLst>
-          </p:cNvPr>
+          <p:cNvPr id="8" name="Footer Placeholder 7"/>
           <p:cNvSpPr>
             <a:spLocks noGrp="1"/>
           </p:cNvSpPr>
@@ -1848,13 +1635,7 @@
       </p:sp>
       <p:sp>
         <p:nvSpPr>
-          <p:cNvPr id="9" name="Espaço Reservado para Número de Slide 8">
-            <a:extLst>
-              <a:ext uri="{FF2B5EF4-FFF2-40B4-BE49-F238E27FC236}">
-                <a16:creationId xmlns:a16="http://schemas.microsoft.com/office/drawing/2014/main" id="{292799A4-2E0B-403F-8969-C08D3CECFF97}"/>
-              </a:ext>
-            </a:extLst>
-          </p:cNvPr>
+          <p:cNvPr id="9" name="Slide Number Placeholder 8"/>
           <p:cNvSpPr>
             <a:spLocks noGrp="1"/>
           </p:cNvSpPr>
@@ -1878,7 +1659,7 @@
     </p:spTree>
     <p:extLst>
       <p:ext uri="{BB962C8B-B14F-4D97-AF65-F5344CB8AC3E}">
-        <p14:creationId xmlns:p14="http://schemas.microsoft.com/office/powerpoint/2010/main" val="1815801565"/>
+        <p14:creationId xmlns:p14="http://schemas.microsoft.com/office/powerpoint/2010/main" val="2459362026"/>
       </p:ext>
     </p:extLst>
   </p:cSld>
@@ -1907,13 +1688,7 @@
       </p:grpSpPr>
       <p:sp>
         <p:nvSpPr>
-          <p:cNvPr id="2" name="Título 1">
-            <a:extLst>
-              <a:ext uri="{FF2B5EF4-FFF2-40B4-BE49-F238E27FC236}">
-                <a16:creationId xmlns:a16="http://schemas.microsoft.com/office/drawing/2014/main" id="{5EF4ADEA-CC34-4941-98F1-C3251A76A48C}"/>
-              </a:ext>
-            </a:extLst>
-          </p:cNvPr>
+          <p:cNvPr id="2" name="Title 1"/>
           <p:cNvSpPr>
             <a:spLocks noGrp="1"/>
           </p:cNvSpPr>
@@ -1930,18 +1705,13 @@
               <a:rPr lang="pt-BR"/>
               <a:t>Clique para editar o título Mestre</a:t>
             </a:r>
-          </a:p>
-        </p:txBody>
-      </p:sp>
-      <p:sp>
-        <p:nvSpPr>
-          <p:cNvPr id="3" name="Espaço Reservado para Data 2">
-            <a:extLst>
-              <a:ext uri="{FF2B5EF4-FFF2-40B4-BE49-F238E27FC236}">
-                <a16:creationId xmlns:a16="http://schemas.microsoft.com/office/drawing/2014/main" id="{52EC5270-C9FE-4466-BCB9-46001530C1D9}"/>
-              </a:ext>
-            </a:extLst>
-          </p:cNvPr>
+            <a:endParaRPr lang="en-US" dirty="0"/>
+          </a:p>
+        </p:txBody>
+      </p:sp>
+      <p:sp>
+        <p:nvSpPr>
+          <p:cNvPr id="3" name="Date Placeholder 2"/>
           <p:cNvSpPr>
             <a:spLocks noGrp="1"/>
           </p:cNvSpPr>
@@ -1956,7 +1726,7 @@
           <a:p>
             <a:fld id="{AEE6760F-541C-41C7-94C9-CF71FF152BC5}" type="datetimeFigureOut">
               <a:rPr lang="pt-BR" smtClean="0"/>
-              <a:t>16/09/2018</a:t>
+              <a:t>24/10/2018</a:t>
             </a:fld>
             <a:endParaRPr lang="pt-BR"/>
           </a:p>
@@ -1964,13 +1734,7 @@
       </p:sp>
       <p:sp>
         <p:nvSpPr>
-          <p:cNvPr id="4" name="Espaço Reservado para Rodapé 3">
-            <a:extLst>
-              <a:ext uri="{FF2B5EF4-FFF2-40B4-BE49-F238E27FC236}">
-                <a16:creationId xmlns:a16="http://schemas.microsoft.com/office/drawing/2014/main" id="{06BE01BD-DB13-4A45-BA11-D2D655A4C3C3}"/>
-              </a:ext>
-            </a:extLst>
-          </p:cNvPr>
+          <p:cNvPr id="4" name="Footer Placeholder 3"/>
           <p:cNvSpPr>
             <a:spLocks noGrp="1"/>
           </p:cNvSpPr>
@@ -1989,13 +1753,7 @@
       </p:sp>
       <p:sp>
         <p:nvSpPr>
-          <p:cNvPr id="5" name="Espaço Reservado para Número de Slide 4">
-            <a:extLst>
-              <a:ext uri="{FF2B5EF4-FFF2-40B4-BE49-F238E27FC236}">
-                <a16:creationId xmlns:a16="http://schemas.microsoft.com/office/drawing/2014/main" id="{815F61E9-9B7E-4414-A9D6-0CEE11347534}"/>
-              </a:ext>
-            </a:extLst>
-          </p:cNvPr>
+          <p:cNvPr id="5" name="Slide Number Placeholder 4"/>
           <p:cNvSpPr>
             <a:spLocks noGrp="1"/>
           </p:cNvSpPr>
@@ -2019,7 +1777,7 @@
     </p:spTree>
     <p:extLst>
       <p:ext uri="{BB962C8B-B14F-4D97-AF65-F5344CB8AC3E}">
-        <p14:creationId xmlns:p14="http://schemas.microsoft.com/office/powerpoint/2010/main" val="3096454119"/>
+        <p14:creationId xmlns:p14="http://schemas.microsoft.com/office/powerpoint/2010/main" val="476249849"/>
       </p:ext>
     </p:extLst>
   </p:cSld>
@@ -2048,13 +1806,7 @@
       </p:grpSpPr>
       <p:sp>
         <p:nvSpPr>
-          <p:cNvPr id="2" name="Espaço Reservado para Data 1">
-            <a:extLst>
-              <a:ext uri="{FF2B5EF4-FFF2-40B4-BE49-F238E27FC236}">
-                <a16:creationId xmlns:a16="http://schemas.microsoft.com/office/drawing/2014/main" id="{55FD8805-D879-49FC-BEAE-EFBBC47F66BD}"/>
-              </a:ext>
-            </a:extLst>
-          </p:cNvPr>
+          <p:cNvPr id="2" name="Date Placeholder 1"/>
           <p:cNvSpPr>
             <a:spLocks noGrp="1"/>
           </p:cNvSpPr>
@@ -2069,7 +1821,7 @@
           <a:p>
             <a:fld id="{AEE6760F-541C-41C7-94C9-CF71FF152BC5}" type="datetimeFigureOut">
               <a:rPr lang="pt-BR" smtClean="0"/>
-              <a:t>16/09/2018</a:t>
+              <a:t>24/10/2018</a:t>
             </a:fld>
             <a:endParaRPr lang="pt-BR"/>
           </a:p>
@@ -2077,13 +1829,7 @@
       </p:sp>
       <p:sp>
         <p:nvSpPr>
-          <p:cNvPr id="3" name="Espaço Reservado para Rodapé 2">
-            <a:extLst>
-              <a:ext uri="{FF2B5EF4-FFF2-40B4-BE49-F238E27FC236}">
-                <a16:creationId xmlns:a16="http://schemas.microsoft.com/office/drawing/2014/main" id="{CF092969-D0F6-4824-B337-500DE527E6C7}"/>
-              </a:ext>
-            </a:extLst>
-          </p:cNvPr>
+          <p:cNvPr id="3" name="Footer Placeholder 2"/>
           <p:cNvSpPr>
             <a:spLocks noGrp="1"/>
           </p:cNvSpPr>
@@ -2102,13 +1848,7 @@
       </p:sp>
       <p:sp>
         <p:nvSpPr>
-          <p:cNvPr id="4" name="Espaço Reservado para Número de Slide 3">
-            <a:extLst>
-              <a:ext uri="{FF2B5EF4-FFF2-40B4-BE49-F238E27FC236}">
-                <a16:creationId xmlns:a16="http://schemas.microsoft.com/office/drawing/2014/main" id="{10B68BBB-575D-46CC-8B0B-B0D4F783B257}"/>
-              </a:ext>
-            </a:extLst>
-          </p:cNvPr>
+          <p:cNvPr id="4" name="Slide Number Placeholder 3"/>
           <p:cNvSpPr>
             <a:spLocks noGrp="1"/>
           </p:cNvSpPr>
@@ -2132,7 +1872,7 @@
     </p:spTree>
     <p:extLst>
       <p:ext uri="{BB962C8B-B14F-4D97-AF65-F5344CB8AC3E}">
-        <p14:creationId xmlns:p14="http://schemas.microsoft.com/office/powerpoint/2010/main" val="2487327463"/>
+        <p14:creationId xmlns:p14="http://schemas.microsoft.com/office/powerpoint/2010/main" val="4219759842"/>
       </p:ext>
     </p:extLst>
   </p:cSld>
@@ -2161,13 +1901,7 @@
       </p:grpSpPr>
       <p:sp>
         <p:nvSpPr>
-          <p:cNvPr id="2" name="Título 1">
-            <a:extLst>
-              <a:ext uri="{FF2B5EF4-FFF2-40B4-BE49-F238E27FC236}">
-                <a16:creationId xmlns:a16="http://schemas.microsoft.com/office/drawing/2014/main" id="{2DA324FB-455A-4BAC-9B2C-0F9A53258613}"/>
-              </a:ext>
-            </a:extLst>
-          </p:cNvPr>
+          <p:cNvPr id="2" name="Title 1"/>
           <p:cNvSpPr>
             <a:spLocks noGrp="1"/>
           </p:cNvSpPr>
@@ -2177,15 +1911,15 @@
         </p:nvSpPr>
         <p:spPr>
           <a:xfrm>
-            <a:off x="839788" y="457200"/>
-            <a:ext cx="3932237" cy="1600200"/>
+            <a:off x="1636604" y="911966"/>
+            <a:ext cx="7663254" cy="3191881"/>
           </a:xfrm>
         </p:spPr>
         <p:txBody>
           <a:bodyPr anchor="b"/>
           <a:lstStyle>
             <a:lvl1pPr>
-              <a:defRPr sz="3200"/>
+              <a:defRPr sz="6236"/>
             </a:lvl1pPr>
           </a:lstStyle>
           <a:p>
@@ -2193,18 +1927,13 @@
               <a:rPr lang="pt-BR"/>
               <a:t>Clique para editar o título Mestre</a:t>
             </a:r>
-          </a:p>
-        </p:txBody>
-      </p:sp>
-      <p:sp>
-        <p:nvSpPr>
-          <p:cNvPr id="3" name="Espaço Reservado para Conteúdo 2">
-            <a:extLst>
-              <a:ext uri="{FF2B5EF4-FFF2-40B4-BE49-F238E27FC236}">
-                <a16:creationId xmlns:a16="http://schemas.microsoft.com/office/drawing/2014/main" id="{2298E559-ACB5-43E8-A583-15F494E0C241}"/>
-              </a:ext>
-            </a:extLst>
-          </p:cNvPr>
+            <a:endParaRPr lang="en-US" dirty="0"/>
+          </a:p>
+        </p:txBody>
+      </p:sp>
+      <p:sp>
+        <p:nvSpPr>
+          <p:cNvPr id="3" name="Content Placeholder 2"/>
           <p:cNvSpPr>
             <a:spLocks noGrp="1"/>
           </p:cNvSpPr>
@@ -2214,39 +1943,39 @@
         </p:nvSpPr>
         <p:spPr>
           <a:xfrm>
-            <a:off x="5183188" y="987425"/>
-            <a:ext cx="6172200" cy="4873625"/>
+            <a:off x="10101143" y="1969594"/>
+            <a:ext cx="12028557" cy="9721303"/>
           </a:xfrm>
         </p:spPr>
         <p:txBody>
           <a:bodyPr/>
           <a:lstStyle>
             <a:lvl1pPr>
-              <a:defRPr sz="3200"/>
+              <a:defRPr sz="6236"/>
             </a:lvl1pPr>
             <a:lvl2pPr>
-              <a:defRPr sz="2800"/>
+              <a:defRPr sz="5457"/>
             </a:lvl2pPr>
             <a:lvl3pPr>
-              <a:defRPr sz="2400"/>
+              <a:defRPr sz="4677"/>
             </a:lvl3pPr>
             <a:lvl4pPr>
-              <a:defRPr sz="2000"/>
+              <a:defRPr sz="3898"/>
             </a:lvl4pPr>
             <a:lvl5pPr>
-              <a:defRPr sz="2000"/>
+              <a:defRPr sz="3898"/>
             </a:lvl5pPr>
             <a:lvl6pPr>
-              <a:defRPr sz="2000"/>
+              <a:defRPr sz="3898"/>
             </a:lvl6pPr>
             <a:lvl7pPr>
-              <a:defRPr sz="2000"/>
+              <a:defRPr sz="3898"/>
             </a:lvl7pPr>
             <a:lvl8pPr>
-              <a:defRPr sz="2000"/>
+              <a:defRPr sz="3898"/>
             </a:lvl8pPr>
             <a:lvl9pPr>
-              <a:defRPr sz="2000"/>
+              <a:defRPr sz="3898"/>
             </a:lvl9pPr>
           </a:lstStyle>
           <a:p>
@@ -2283,18 +2012,13 @@
               <a:rPr lang="pt-BR"/>
               <a:t>Quinto nível</a:t>
             </a:r>
-          </a:p>
-        </p:txBody>
-      </p:sp>
-      <p:sp>
-        <p:nvSpPr>
-          <p:cNvPr id="4" name="Espaço Reservado para Texto 3">
-            <a:extLst>
-              <a:ext uri="{FF2B5EF4-FFF2-40B4-BE49-F238E27FC236}">
-                <a16:creationId xmlns:a16="http://schemas.microsoft.com/office/drawing/2014/main" id="{87EDEC58-96D2-49C2-9939-F0F0E7473014}"/>
-              </a:ext>
-            </a:extLst>
-          </p:cNvPr>
+            <a:endParaRPr lang="en-US" dirty="0"/>
+          </a:p>
+        </p:txBody>
+      </p:sp>
+      <p:sp>
+        <p:nvSpPr>
+          <p:cNvPr id="4" name="Text Placeholder 3"/>
           <p:cNvSpPr>
             <a:spLocks noGrp="1"/>
           </p:cNvSpPr>
@@ -2304,8 +2028,8 @@
         </p:nvSpPr>
         <p:spPr>
           <a:xfrm>
-            <a:off x="839788" y="2057400"/>
-            <a:ext cx="3932237" cy="3811588"/>
+            <a:off x="1636604" y="4103846"/>
+            <a:ext cx="7663254" cy="7602883"/>
           </a:xfrm>
         </p:spPr>
         <p:txBody>
@@ -2313,39 +2037,39 @@
           <a:lstStyle>
             <a:lvl1pPr marL="0" indent="0">
               <a:buNone/>
-              <a:defRPr sz="1600"/>
+              <a:defRPr sz="3118"/>
             </a:lvl1pPr>
-            <a:lvl2pPr marL="457200" indent="0">
+            <a:lvl2pPr marL="890991" indent="0">
               <a:buNone/>
-              <a:defRPr sz="1400"/>
+              <a:defRPr sz="2728"/>
             </a:lvl2pPr>
-            <a:lvl3pPr marL="914400" indent="0">
+            <a:lvl3pPr marL="1781983" indent="0">
               <a:buNone/>
-              <a:defRPr sz="1200"/>
+              <a:defRPr sz="2339"/>
             </a:lvl3pPr>
-            <a:lvl4pPr marL="1371600" indent="0">
+            <a:lvl4pPr marL="2672974" indent="0">
               <a:buNone/>
-              <a:defRPr sz="1000"/>
+              <a:defRPr sz="1949"/>
             </a:lvl4pPr>
-            <a:lvl5pPr marL="1828800" indent="0">
+            <a:lvl5pPr marL="3563965" indent="0">
               <a:buNone/>
-              <a:defRPr sz="1000"/>
+              <a:defRPr sz="1949"/>
             </a:lvl5pPr>
-            <a:lvl6pPr marL="2286000" indent="0">
+            <a:lvl6pPr marL="4454957" indent="0">
               <a:buNone/>
-              <a:defRPr sz="1000"/>
+              <a:defRPr sz="1949"/>
             </a:lvl6pPr>
-            <a:lvl7pPr marL="2743200" indent="0">
+            <a:lvl7pPr marL="5345948" indent="0">
               <a:buNone/>
-              <a:defRPr sz="1000"/>
+              <a:defRPr sz="1949"/>
             </a:lvl7pPr>
-            <a:lvl8pPr marL="3200400" indent="0">
+            <a:lvl8pPr marL="6236940" indent="0">
               <a:buNone/>
-              <a:defRPr sz="1000"/>
+              <a:defRPr sz="1949"/>
             </a:lvl8pPr>
-            <a:lvl9pPr marL="3657600" indent="0">
+            <a:lvl9pPr marL="7127931" indent="0">
               <a:buNone/>
-              <a:defRPr sz="1000"/>
+              <a:defRPr sz="1949"/>
             </a:lvl9pPr>
           </a:lstStyle>
           <a:p>
@@ -2359,13 +2083,7 @@
       </p:sp>
       <p:sp>
         <p:nvSpPr>
-          <p:cNvPr id="5" name="Espaço Reservado para Data 4">
-            <a:extLst>
-              <a:ext uri="{FF2B5EF4-FFF2-40B4-BE49-F238E27FC236}">
-                <a16:creationId xmlns:a16="http://schemas.microsoft.com/office/drawing/2014/main" id="{7C49E041-AA1E-44CF-83F4-503211FC3054}"/>
-              </a:ext>
-            </a:extLst>
-          </p:cNvPr>
+          <p:cNvPr id="5" name="Date Placeholder 4"/>
           <p:cNvSpPr>
             <a:spLocks noGrp="1"/>
           </p:cNvSpPr>
@@ -2380,7 +2098,7 @@
           <a:p>
             <a:fld id="{AEE6760F-541C-41C7-94C9-CF71FF152BC5}" type="datetimeFigureOut">
               <a:rPr lang="pt-BR" smtClean="0"/>
-              <a:t>16/09/2018</a:t>
+              <a:t>24/10/2018</a:t>
             </a:fld>
             <a:endParaRPr lang="pt-BR"/>
           </a:p>
@@ -2388,13 +2106,7 @@
       </p:sp>
       <p:sp>
         <p:nvSpPr>
-          <p:cNvPr id="6" name="Espaço Reservado para Rodapé 5">
-            <a:extLst>
-              <a:ext uri="{FF2B5EF4-FFF2-40B4-BE49-F238E27FC236}">
-                <a16:creationId xmlns:a16="http://schemas.microsoft.com/office/drawing/2014/main" id="{3806D9C6-F2CF-4021-A4D9-0CB9DBE37A72}"/>
-              </a:ext>
-            </a:extLst>
-          </p:cNvPr>
+          <p:cNvPr id="6" name="Footer Placeholder 5"/>
           <p:cNvSpPr>
             <a:spLocks noGrp="1"/>
           </p:cNvSpPr>
@@ -2413,13 +2125,7 @@
       </p:sp>
       <p:sp>
         <p:nvSpPr>
-          <p:cNvPr id="7" name="Espaço Reservado para Número de Slide 6">
-            <a:extLst>
-              <a:ext uri="{FF2B5EF4-FFF2-40B4-BE49-F238E27FC236}">
-                <a16:creationId xmlns:a16="http://schemas.microsoft.com/office/drawing/2014/main" id="{F52A301C-109A-409A-B396-D57EC781DDC1}"/>
-              </a:ext>
-            </a:extLst>
-          </p:cNvPr>
+          <p:cNvPr id="7" name="Slide Number Placeholder 6"/>
           <p:cNvSpPr>
             <a:spLocks noGrp="1"/>
           </p:cNvSpPr>
@@ -2443,7 +2149,7 @@
     </p:spTree>
     <p:extLst>
       <p:ext uri="{BB962C8B-B14F-4D97-AF65-F5344CB8AC3E}">
-        <p14:creationId xmlns:p14="http://schemas.microsoft.com/office/powerpoint/2010/main" val="3765819814"/>
+        <p14:creationId xmlns:p14="http://schemas.microsoft.com/office/powerpoint/2010/main" val="3460242933"/>
       </p:ext>
     </p:extLst>
   </p:cSld>
@@ -2472,13 +2178,7 @@
       </p:grpSpPr>
       <p:sp>
         <p:nvSpPr>
-          <p:cNvPr id="2" name="Título 1">
-            <a:extLst>
-              <a:ext uri="{FF2B5EF4-FFF2-40B4-BE49-F238E27FC236}">
-                <a16:creationId xmlns:a16="http://schemas.microsoft.com/office/drawing/2014/main" id="{23776D8F-FEB1-4B17-97E9-0C1628754D5B}"/>
-              </a:ext>
-            </a:extLst>
-          </p:cNvPr>
+          <p:cNvPr id="2" name="Title 1"/>
           <p:cNvSpPr>
             <a:spLocks noGrp="1"/>
           </p:cNvSpPr>
@@ -2488,15 +2188,15 @@
         </p:nvSpPr>
         <p:spPr>
           <a:xfrm>
-            <a:off x="839788" y="457200"/>
-            <a:ext cx="3932237" cy="1600200"/>
+            <a:off x="1636604" y="911966"/>
+            <a:ext cx="7663254" cy="3191881"/>
           </a:xfrm>
         </p:spPr>
         <p:txBody>
           <a:bodyPr anchor="b"/>
           <a:lstStyle>
             <a:lvl1pPr>
-              <a:defRPr sz="3200"/>
+              <a:defRPr sz="6236"/>
             </a:lvl1pPr>
           </a:lstStyle>
           <a:p>
@@ -2504,20 +2204,15 @@
               <a:rPr lang="pt-BR"/>
               <a:t>Clique para editar o título Mestre</a:t>
             </a:r>
-          </a:p>
-        </p:txBody>
-      </p:sp>
-      <p:sp>
-        <p:nvSpPr>
-          <p:cNvPr id="3" name="Espaço Reservado para Imagem 2">
-            <a:extLst>
-              <a:ext uri="{FF2B5EF4-FFF2-40B4-BE49-F238E27FC236}">
-                <a16:creationId xmlns:a16="http://schemas.microsoft.com/office/drawing/2014/main" id="{813CE44C-CBF3-498D-84A8-6F3175F1730E}"/>
-              </a:ext>
-            </a:extLst>
-          </p:cNvPr>
+            <a:endParaRPr lang="en-US" dirty="0"/>
+          </a:p>
+        </p:txBody>
+      </p:sp>
+      <p:sp>
+        <p:nvSpPr>
+          <p:cNvPr id="3" name="Picture Placeholder 2"/>
           <p:cNvSpPr>
-            <a:spLocks noGrp="1"/>
+            <a:spLocks noGrp="1" noChangeAspect="1"/>
           </p:cNvSpPr>
           <p:nvPr>
             <p:ph type="pic" idx="1"/>
@@ -2525,64 +2220,62 @@
         </p:nvSpPr>
         <p:spPr>
           <a:xfrm>
-            <a:off x="5183188" y="987425"/>
-            <a:ext cx="6172200" cy="4873625"/>
+            <a:off x="10101143" y="1969594"/>
+            <a:ext cx="12028557" cy="9721303"/>
           </a:xfrm>
         </p:spPr>
         <p:txBody>
-          <a:bodyPr/>
+          <a:bodyPr anchor="t"/>
           <a:lstStyle>
             <a:lvl1pPr marL="0" indent="0">
               <a:buNone/>
-              <a:defRPr sz="3200"/>
+              <a:defRPr sz="6236"/>
             </a:lvl1pPr>
-            <a:lvl2pPr marL="457200" indent="0">
+            <a:lvl2pPr marL="890991" indent="0">
               <a:buNone/>
-              <a:defRPr sz="2800"/>
+              <a:defRPr sz="5457"/>
             </a:lvl2pPr>
-            <a:lvl3pPr marL="914400" indent="0">
+            <a:lvl3pPr marL="1781983" indent="0">
               <a:buNone/>
-              <a:defRPr sz="2400"/>
+              <a:defRPr sz="4677"/>
             </a:lvl3pPr>
-            <a:lvl4pPr marL="1371600" indent="0">
+            <a:lvl4pPr marL="2672974" indent="0">
               <a:buNone/>
-              <a:defRPr sz="2000"/>
+              <a:defRPr sz="3898"/>
             </a:lvl4pPr>
-            <a:lvl5pPr marL="1828800" indent="0">
+            <a:lvl5pPr marL="3563965" indent="0">
               <a:buNone/>
-              <a:defRPr sz="2000"/>
+              <a:defRPr sz="3898"/>
             </a:lvl5pPr>
-            <a:lvl6pPr marL="2286000" indent="0">
+            <a:lvl6pPr marL="4454957" indent="0">
               <a:buNone/>
-              <a:defRPr sz="2000"/>
+              <a:defRPr sz="3898"/>
             </a:lvl6pPr>
-            <a:lvl7pPr marL="2743200" indent="0">
+            <a:lvl7pPr marL="5345948" indent="0">
               <a:buNone/>
-              <a:defRPr sz="2000"/>
+              <a:defRPr sz="3898"/>
             </a:lvl7pPr>
-            <a:lvl8pPr marL="3200400" indent="0">
+            <a:lvl8pPr marL="6236940" indent="0">
               <a:buNone/>
-              <a:defRPr sz="2000"/>
+              <a:defRPr sz="3898"/>
             </a:lvl8pPr>
-            <a:lvl9pPr marL="3657600" indent="0">
+            <a:lvl9pPr marL="7127931" indent="0">
               <a:buNone/>
-              <a:defRPr sz="2000"/>
+              <a:defRPr sz="3898"/>
             </a:lvl9pPr>
           </a:lstStyle>
           <a:p>
-            <a:endParaRPr lang="pt-BR"/>
-          </a:p>
-        </p:txBody>
-      </p:sp>
-      <p:sp>
-        <p:nvSpPr>
-          <p:cNvPr id="4" name="Espaço Reservado para Texto 3">
-            <a:extLst>
-              <a:ext uri="{FF2B5EF4-FFF2-40B4-BE49-F238E27FC236}">
-                <a16:creationId xmlns:a16="http://schemas.microsoft.com/office/drawing/2014/main" id="{81F83661-D0EB-4874-9162-C8EB38F0B98C}"/>
-              </a:ext>
-            </a:extLst>
-          </p:cNvPr>
+            <a:r>
+              <a:rPr lang="pt-BR"/>
+              <a:t>Clique no ícone para adicionar uma imagem</a:t>
+            </a:r>
+            <a:endParaRPr lang="en-US" dirty="0"/>
+          </a:p>
+        </p:txBody>
+      </p:sp>
+      <p:sp>
+        <p:nvSpPr>
+          <p:cNvPr id="4" name="Text Placeholder 3"/>
           <p:cNvSpPr>
             <a:spLocks noGrp="1"/>
           </p:cNvSpPr>
@@ -2592,8 +2285,8 @@
         </p:nvSpPr>
         <p:spPr>
           <a:xfrm>
-            <a:off x="839788" y="2057400"/>
-            <a:ext cx="3932237" cy="3811588"/>
+            <a:off x="1636604" y="4103846"/>
+            <a:ext cx="7663254" cy="7602883"/>
           </a:xfrm>
         </p:spPr>
         <p:txBody>
@@ -2601,39 +2294,39 @@
           <a:lstStyle>
             <a:lvl1pPr marL="0" indent="0">
               <a:buNone/>
-              <a:defRPr sz="1600"/>
+              <a:defRPr sz="3118"/>
             </a:lvl1pPr>
-            <a:lvl2pPr marL="457200" indent="0">
+            <a:lvl2pPr marL="890991" indent="0">
               <a:buNone/>
-              <a:defRPr sz="1400"/>
+              <a:defRPr sz="2728"/>
             </a:lvl2pPr>
-            <a:lvl3pPr marL="914400" indent="0">
+            <a:lvl3pPr marL="1781983" indent="0">
               <a:buNone/>
-              <a:defRPr sz="1200"/>
+              <a:defRPr sz="2339"/>
             </a:lvl3pPr>
-            <a:lvl4pPr marL="1371600" indent="0">
+            <a:lvl4pPr marL="2672974" indent="0">
               <a:buNone/>
-              <a:defRPr sz="1000"/>
+              <a:defRPr sz="1949"/>
             </a:lvl4pPr>
-            <a:lvl5pPr marL="1828800" indent="0">
+            <a:lvl5pPr marL="3563965" indent="0">
               <a:buNone/>
-              <a:defRPr sz="1000"/>
+              <a:defRPr sz="1949"/>
             </a:lvl5pPr>
-            <a:lvl6pPr marL="2286000" indent="0">
+            <a:lvl6pPr marL="4454957" indent="0">
               <a:buNone/>
-              <a:defRPr sz="1000"/>
+              <a:defRPr sz="1949"/>
             </a:lvl6pPr>
-            <a:lvl7pPr marL="2743200" indent="0">
+            <a:lvl7pPr marL="5345948" indent="0">
               <a:buNone/>
-              <a:defRPr sz="1000"/>
+              <a:defRPr sz="1949"/>
             </a:lvl7pPr>
-            <a:lvl8pPr marL="3200400" indent="0">
+            <a:lvl8pPr marL="6236940" indent="0">
               <a:buNone/>
-              <a:defRPr sz="1000"/>
+              <a:defRPr sz="1949"/>
             </a:lvl8pPr>
-            <a:lvl9pPr marL="3657600" indent="0">
+            <a:lvl9pPr marL="7127931" indent="0">
               <a:buNone/>
-              <a:defRPr sz="1000"/>
+              <a:defRPr sz="1949"/>
             </a:lvl9pPr>
           </a:lstStyle>
           <a:p>
@@ -2647,13 +2340,7 @@
       </p:sp>
       <p:sp>
         <p:nvSpPr>
-          <p:cNvPr id="5" name="Espaço Reservado para Data 4">
-            <a:extLst>
-              <a:ext uri="{FF2B5EF4-FFF2-40B4-BE49-F238E27FC236}">
-                <a16:creationId xmlns:a16="http://schemas.microsoft.com/office/drawing/2014/main" id="{B8EDA938-7C5F-4BC7-8BAB-6B271E0EF303}"/>
-              </a:ext>
-            </a:extLst>
-          </p:cNvPr>
+          <p:cNvPr id="5" name="Date Placeholder 4"/>
           <p:cNvSpPr>
             <a:spLocks noGrp="1"/>
           </p:cNvSpPr>
@@ -2668,7 +2355,7 @@
           <a:p>
             <a:fld id="{AEE6760F-541C-41C7-94C9-CF71FF152BC5}" type="datetimeFigureOut">
               <a:rPr lang="pt-BR" smtClean="0"/>
-              <a:t>16/09/2018</a:t>
+              <a:t>24/10/2018</a:t>
             </a:fld>
             <a:endParaRPr lang="pt-BR"/>
           </a:p>
@@ -2676,13 +2363,7 @@
       </p:sp>
       <p:sp>
         <p:nvSpPr>
-          <p:cNvPr id="6" name="Espaço Reservado para Rodapé 5">
-            <a:extLst>
-              <a:ext uri="{FF2B5EF4-FFF2-40B4-BE49-F238E27FC236}">
-                <a16:creationId xmlns:a16="http://schemas.microsoft.com/office/drawing/2014/main" id="{B68CF2DD-B07E-4F80-BE80-57AA1F0F03B8}"/>
-              </a:ext>
-            </a:extLst>
-          </p:cNvPr>
+          <p:cNvPr id="6" name="Footer Placeholder 5"/>
           <p:cNvSpPr>
             <a:spLocks noGrp="1"/>
           </p:cNvSpPr>
@@ -2701,13 +2382,7 @@
       </p:sp>
       <p:sp>
         <p:nvSpPr>
-          <p:cNvPr id="7" name="Espaço Reservado para Número de Slide 6">
-            <a:extLst>
-              <a:ext uri="{FF2B5EF4-FFF2-40B4-BE49-F238E27FC236}">
-                <a16:creationId xmlns:a16="http://schemas.microsoft.com/office/drawing/2014/main" id="{B1099FE6-423A-4532-B972-DAD031D35E3A}"/>
-              </a:ext>
-            </a:extLst>
-          </p:cNvPr>
+          <p:cNvPr id="7" name="Slide Number Placeholder 6"/>
           <p:cNvSpPr>
             <a:spLocks noGrp="1"/>
           </p:cNvSpPr>
@@ -2731,7 +2406,7 @@
     </p:spTree>
     <p:extLst>
       <p:ext uri="{BB962C8B-B14F-4D97-AF65-F5344CB8AC3E}">
-        <p14:creationId xmlns:p14="http://schemas.microsoft.com/office/powerpoint/2010/main" val="3477377356"/>
+        <p14:creationId xmlns:p14="http://schemas.microsoft.com/office/powerpoint/2010/main" val="132514755"/>
       </p:ext>
     </p:extLst>
   </p:cSld>
@@ -2765,13 +2440,7 @@
       </p:grpSpPr>
       <p:sp>
         <p:nvSpPr>
-          <p:cNvPr id="2" name="Espaço Reservado para Título 1">
-            <a:extLst>
-              <a:ext uri="{FF2B5EF4-FFF2-40B4-BE49-F238E27FC236}">
-                <a16:creationId xmlns:a16="http://schemas.microsoft.com/office/drawing/2014/main" id="{59B017B5-C928-4B85-94AD-405F4F84C2C5}"/>
-              </a:ext>
-            </a:extLst>
-          </p:cNvPr>
+          <p:cNvPr id="2" name="Title Placeholder 1"/>
           <p:cNvSpPr>
             <a:spLocks noGrp="1"/>
           </p:cNvSpPr>
@@ -2781,8 +2450,8 @@
         </p:nvSpPr>
         <p:spPr>
           <a:xfrm>
-            <a:off x="838200" y="365125"/>
-            <a:ext cx="10515600" cy="1325563"/>
+            <a:off x="1633508" y="728307"/>
+            <a:ext cx="20493097" cy="2644069"/>
           </a:xfrm>
           <a:prstGeom prst="rect">
             <a:avLst/>
@@ -2798,18 +2467,13 @@
               <a:rPr lang="pt-BR"/>
               <a:t>Clique para editar o título Mestre</a:t>
             </a:r>
-          </a:p>
-        </p:txBody>
-      </p:sp>
-      <p:sp>
-        <p:nvSpPr>
-          <p:cNvPr id="3" name="Espaço Reservado para Texto 2">
-            <a:extLst>
-              <a:ext uri="{FF2B5EF4-FFF2-40B4-BE49-F238E27FC236}">
-                <a16:creationId xmlns:a16="http://schemas.microsoft.com/office/drawing/2014/main" id="{C09FFD29-60D5-46A5-AB21-C5326B7D4CE5}"/>
-              </a:ext>
-            </a:extLst>
-          </p:cNvPr>
+            <a:endParaRPr lang="en-US" dirty="0"/>
+          </a:p>
+        </p:txBody>
+      </p:sp>
+      <p:sp>
+        <p:nvSpPr>
+          <p:cNvPr id="3" name="Text Placeholder 2"/>
           <p:cNvSpPr>
             <a:spLocks noGrp="1"/>
           </p:cNvSpPr>
@@ -2819,8 +2483,8 @@
         </p:nvSpPr>
         <p:spPr>
           <a:xfrm>
-            <a:off x="838200" y="1825625"/>
-            <a:ext cx="10515600" cy="4351338"/>
+            <a:off x="1633508" y="3641531"/>
+            <a:ext cx="20493097" cy="8679509"/>
           </a:xfrm>
           <a:prstGeom prst="rect">
             <a:avLst/>
@@ -2865,18 +2529,13 @@
               <a:rPr lang="pt-BR"/>
               <a:t>Quinto nível</a:t>
             </a:r>
-          </a:p>
-        </p:txBody>
-      </p:sp>
-      <p:sp>
-        <p:nvSpPr>
-          <p:cNvPr id="4" name="Espaço Reservado para Data 3">
-            <a:extLst>
-              <a:ext uri="{FF2B5EF4-FFF2-40B4-BE49-F238E27FC236}">
-                <a16:creationId xmlns:a16="http://schemas.microsoft.com/office/drawing/2014/main" id="{28D0E815-8812-4C5F-9B29-57AFD2BDB282}"/>
-              </a:ext>
-            </a:extLst>
-          </p:cNvPr>
+            <a:endParaRPr lang="en-US" dirty="0"/>
+          </a:p>
+        </p:txBody>
+      </p:sp>
+      <p:sp>
+        <p:nvSpPr>
+          <p:cNvPr id="4" name="Date Placeholder 3"/>
           <p:cNvSpPr>
             <a:spLocks noGrp="1"/>
           </p:cNvSpPr>
@@ -2886,8 +2545,8 @@
         </p:nvSpPr>
         <p:spPr>
           <a:xfrm>
-            <a:off x="838200" y="6356350"/>
-            <a:ext cx="2743200" cy="365125"/>
+            <a:off x="1633508" y="12678860"/>
+            <a:ext cx="5346025" cy="728306"/>
           </a:xfrm>
           <a:prstGeom prst="rect">
             <a:avLst/>
@@ -2897,7 +2556,7 @@
           <a:bodyPr vert="horz" lIns="91440" tIns="45720" rIns="91440" bIns="45720" rtlCol="0" anchor="ctr"/>
           <a:lstStyle>
             <a:lvl1pPr algn="l">
-              <a:defRPr sz="1200">
+              <a:defRPr sz="2339">
                 <a:solidFill>
                   <a:schemeClr val="tx1">
                     <a:tint val="75000"/>
@@ -2909,7 +2568,7 @@
           <a:p>
             <a:fld id="{AEE6760F-541C-41C7-94C9-CF71FF152BC5}" type="datetimeFigureOut">
               <a:rPr lang="pt-BR" smtClean="0"/>
-              <a:t>16/09/2018</a:t>
+              <a:t>24/10/2018</a:t>
             </a:fld>
             <a:endParaRPr lang="pt-BR"/>
           </a:p>
@@ -2917,13 +2576,7 @@
       </p:sp>
       <p:sp>
         <p:nvSpPr>
-          <p:cNvPr id="5" name="Espaço Reservado para Rodapé 4">
-            <a:extLst>
-              <a:ext uri="{FF2B5EF4-FFF2-40B4-BE49-F238E27FC236}">
-                <a16:creationId xmlns:a16="http://schemas.microsoft.com/office/drawing/2014/main" id="{ACA8FB2B-B009-44F9-8D45-375A8E9ECB99}"/>
-              </a:ext>
-            </a:extLst>
-          </p:cNvPr>
+          <p:cNvPr id="5" name="Footer Placeholder 4"/>
           <p:cNvSpPr>
             <a:spLocks noGrp="1"/>
           </p:cNvSpPr>
@@ -2933,8 +2586,8 @@
         </p:nvSpPr>
         <p:spPr>
           <a:xfrm>
-            <a:off x="4038600" y="6356350"/>
-            <a:ext cx="4114800" cy="365125"/>
+            <a:off x="7870538" y="12678860"/>
+            <a:ext cx="8019038" cy="728306"/>
           </a:xfrm>
           <a:prstGeom prst="rect">
             <a:avLst/>
@@ -2944,7 +2597,7 @@
           <a:bodyPr vert="horz" lIns="91440" tIns="45720" rIns="91440" bIns="45720" rtlCol="0" anchor="ctr"/>
           <a:lstStyle>
             <a:lvl1pPr algn="ctr">
-              <a:defRPr sz="1200">
+              <a:defRPr sz="2339">
                 <a:solidFill>
                   <a:schemeClr val="tx1">
                     <a:tint val="75000"/>
@@ -2960,13 +2613,7 @@
       </p:sp>
       <p:sp>
         <p:nvSpPr>
-          <p:cNvPr id="6" name="Espaço Reservado para Número de Slide 5">
-            <a:extLst>
-              <a:ext uri="{FF2B5EF4-FFF2-40B4-BE49-F238E27FC236}">
-                <a16:creationId xmlns:a16="http://schemas.microsoft.com/office/drawing/2014/main" id="{89051285-FD37-4A8D-B271-9593C0E1D7EE}"/>
-              </a:ext>
-            </a:extLst>
-          </p:cNvPr>
+          <p:cNvPr id="6" name="Slide Number Placeholder 5"/>
           <p:cNvSpPr>
             <a:spLocks noGrp="1"/>
           </p:cNvSpPr>
@@ -2976,8 +2623,8 @@
         </p:nvSpPr>
         <p:spPr>
           <a:xfrm>
-            <a:off x="8610600" y="6356350"/>
-            <a:ext cx="2743200" cy="365125"/>
+            <a:off x="16780580" y="12678860"/>
+            <a:ext cx="5346025" cy="728306"/>
           </a:xfrm>
           <a:prstGeom prst="rect">
             <a:avLst/>
@@ -2987,7 +2634,7 @@
           <a:bodyPr vert="horz" lIns="91440" tIns="45720" rIns="91440" bIns="45720" rtlCol="0" anchor="ctr"/>
           <a:lstStyle>
             <a:lvl1pPr algn="r">
-              <a:defRPr sz="1200">
+              <a:defRPr sz="2339">
                 <a:solidFill>
                   <a:schemeClr val="tx1">
                     <a:tint val="75000"/>
@@ -3008,27 +2655,27 @@
     </p:spTree>
     <p:extLst>
       <p:ext uri="{BB962C8B-B14F-4D97-AF65-F5344CB8AC3E}">
-        <p14:creationId xmlns:p14="http://schemas.microsoft.com/office/powerpoint/2010/main" val="3437934854"/>
+        <p14:creationId xmlns:p14="http://schemas.microsoft.com/office/powerpoint/2010/main" val="3751747609"/>
       </p:ext>
     </p:extLst>
   </p:cSld>
   <p:clrMap bg1="lt1" tx1="dk1" bg2="lt2" tx2="dk2" accent1="accent1" accent2="accent2" accent3="accent3" accent4="accent4" accent5="accent5" accent6="accent6" hlink="hlink" folHlink="folHlink"/>
   <p:sldLayoutIdLst>
-    <p:sldLayoutId id="2147483649" r:id="rId1"/>
-    <p:sldLayoutId id="2147483650" r:id="rId2"/>
-    <p:sldLayoutId id="2147483651" r:id="rId3"/>
-    <p:sldLayoutId id="2147483652" r:id="rId4"/>
-    <p:sldLayoutId id="2147483653" r:id="rId5"/>
-    <p:sldLayoutId id="2147483654" r:id="rId6"/>
-    <p:sldLayoutId id="2147483655" r:id="rId7"/>
-    <p:sldLayoutId id="2147483656" r:id="rId8"/>
-    <p:sldLayoutId id="2147483657" r:id="rId9"/>
-    <p:sldLayoutId id="2147483658" r:id="rId10"/>
-    <p:sldLayoutId id="2147483659" r:id="rId11"/>
+    <p:sldLayoutId id="2147483661" r:id="rId1"/>
+    <p:sldLayoutId id="2147483662" r:id="rId2"/>
+    <p:sldLayoutId id="2147483663" r:id="rId3"/>
+    <p:sldLayoutId id="2147483664" r:id="rId4"/>
+    <p:sldLayoutId id="2147483665" r:id="rId5"/>
+    <p:sldLayoutId id="2147483666" r:id="rId6"/>
+    <p:sldLayoutId id="2147483667" r:id="rId7"/>
+    <p:sldLayoutId id="2147483668" r:id="rId8"/>
+    <p:sldLayoutId id="2147483669" r:id="rId9"/>
+    <p:sldLayoutId id="2147483670" r:id="rId10"/>
+    <p:sldLayoutId id="2147483671" r:id="rId11"/>
   </p:sldLayoutIdLst>
   <p:txStyles>
     <p:titleStyle>
-      <a:lvl1pPr algn="l" defTabSz="914400" rtl="0" eaLnBrk="1" latinLnBrk="0" hangingPunct="1">
+      <a:lvl1pPr algn="l" defTabSz="1781983" rtl="0" eaLnBrk="1" latinLnBrk="0" hangingPunct="1">
         <a:lnSpc>
           <a:spcPct val="90000"/>
         </a:lnSpc>
@@ -3036,7 +2683,7 @@
           <a:spcPct val="0"/>
         </a:spcBef>
         <a:buNone/>
-        <a:defRPr sz="4400" kern="1200">
+        <a:defRPr sz="8575" kern="1200">
           <a:solidFill>
             <a:schemeClr val="tx1"/>
           </a:solidFill>
@@ -3047,16 +2694,16 @@
       </a:lvl1pPr>
     </p:titleStyle>
     <p:bodyStyle>
-      <a:lvl1pPr marL="228600" indent="-228600" algn="l" defTabSz="914400" rtl="0" eaLnBrk="1" latinLnBrk="0" hangingPunct="1">
+      <a:lvl1pPr marL="445496" indent="-445496" algn="l" defTabSz="1781983" rtl="0" eaLnBrk="1" latinLnBrk="0" hangingPunct="1">
         <a:lnSpc>
           <a:spcPct val="90000"/>
         </a:lnSpc>
         <a:spcBef>
-          <a:spcPts val="1000"/>
+          <a:spcPts val="1949"/>
         </a:spcBef>
         <a:buFont typeface="Arial" panose="020B0604020202020204" pitchFamily="34" charset="0"/>
         <a:buChar char="•"/>
-        <a:defRPr sz="2800" kern="1200">
+        <a:defRPr sz="5457" kern="1200">
           <a:solidFill>
             <a:schemeClr val="tx1"/>
           </a:solidFill>
@@ -3065,16 +2712,16 @@
           <a:cs typeface="+mn-cs"/>
         </a:defRPr>
       </a:lvl1pPr>
-      <a:lvl2pPr marL="685800" indent="-228600" algn="l" defTabSz="914400" rtl="0" eaLnBrk="1" latinLnBrk="0" hangingPunct="1">
+      <a:lvl2pPr marL="1336487" indent="-445496" algn="l" defTabSz="1781983" rtl="0" eaLnBrk="1" latinLnBrk="0" hangingPunct="1">
         <a:lnSpc>
           <a:spcPct val="90000"/>
         </a:lnSpc>
         <a:spcBef>
-          <a:spcPts val="500"/>
+          <a:spcPts val="974"/>
         </a:spcBef>
         <a:buFont typeface="Arial" panose="020B0604020202020204" pitchFamily="34" charset="0"/>
         <a:buChar char="•"/>
-        <a:defRPr sz="2400" kern="1200">
+        <a:defRPr sz="4677" kern="1200">
           <a:solidFill>
             <a:schemeClr val="tx1"/>
           </a:solidFill>
@@ -3083,16 +2730,16 @@
           <a:cs typeface="+mn-cs"/>
         </a:defRPr>
       </a:lvl2pPr>
-      <a:lvl3pPr marL="1143000" indent="-228600" algn="l" defTabSz="914400" rtl="0" eaLnBrk="1" latinLnBrk="0" hangingPunct="1">
+      <a:lvl3pPr marL="2227478" indent="-445496" algn="l" defTabSz="1781983" rtl="0" eaLnBrk="1" latinLnBrk="0" hangingPunct="1">
         <a:lnSpc>
           <a:spcPct val="90000"/>
         </a:lnSpc>
         <a:spcBef>
-          <a:spcPts val="500"/>
+          <a:spcPts val="974"/>
         </a:spcBef>
         <a:buFont typeface="Arial" panose="020B0604020202020204" pitchFamily="34" charset="0"/>
         <a:buChar char="•"/>
-        <a:defRPr sz="2000" kern="1200">
+        <a:defRPr sz="3898" kern="1200">
           <a:solidFill>
             <a:schemeClr val="tx1"/>
           </a:solidFill>
@@ -3101,16 +2748,16 @@
           <a:cs typeface="+mn-cs"/>
         </a:defRPr>
       </a:lvl3pPr>
-      <a:lvl4pPr marL="1600200" indent="-228600" algn="l" defTabSz="914400" rtl="0" eaLnBrk="1" latinLnBrk="0" hangingPunct="1">
+      <a:lvl4pPr marL="3118470" indent="-445496" algn="l" defTabSz="1781983" rtl="0" eaLnBrk="1" latinLnBrk="0" hangingPunct="1">
         <a:lnSpc>
           <a:spcPct val="90000"/>
         </a:lnSpc>
         <a:spcBef>
-          <a:spcPts val="500"/>
+          <a:spcPts val="974"/>
         </a:spcBef>
         <a:buFont typeface="Arial" panose="020B0604020202020204" pitchFamily="34" charset="0"/>
         <a:buChar char="•"/>
-        <a:defRPr sz="1800" kern="1200">
+        <a:defRPr sz="3508" kern="1200">
           <a:solidFill>
             <a:schemeClr val="tx1"/>
           </a:solidFill>
@@ -3119,16 +2766,16 @@
           <a:cs typeface="+mn-cs"/>
         </a:defRPr>
       </a:lvl4pPr>
-      <a:lvl5pPr marL="2057400" indent="-228600" algn="l" defTabSz="914400" rtl="0" eaLnBrk="1" latinLnBrk="0" hangingPunct="1">
+      <a:lvl5pPr marL="4009461" indent="-445496" algn="l" defTabSz="1781983" rtl="0" eaLnBrk="1" latinLnBrk="0" hangingPunct="1">
         <a:lnSpc>
           <a:spcPct val="90000"/>
         </a:lnSpc>
         <a:spcBef>
-          <a:spcPts val="500"/>
+          <a:spcPts val="974"/>
         </a:spcBef>
         <a:buFont typeface="Arial" panose="020B0604020202020204" pitchFamily="34" charset="0"/>
         <a:buChar char="•"/>
-        <a:defRPr sz="1800" kern="1200">
+        <a:defRPr sz="3508" kern="1200">
           <a:solidFill>
             <a:schemeClr val="tx1"/>
           </a:solidFill>
@@ -3137,16 +2784,16 @@
           <a:cs typeface="+mn-cs"/>
         </a:defRPr>
       </a:lvl5pPr>
-      <a:lvl6pPr marL="2514600" indent="-228600" algn="l" defTabSz="914400" rtl="0" eaLnBrk="1" latinLnBrk="0" hangingPunct="1">
+      <a:lvl6pPr marL="4900452" indent="-445496" algn="l" defTabSz="1781983" rtl="0" eaLnBrk="1" latinLnBrk="0" hangingPunct="1">
         <a:lnSpc>
           <a:spcPct val="90000"/>
         </a:lnSpc>
         <a:spcBef>
-          <a:spcPts val="500"/>
+          <a:spcPts val="974"/>
         </a:spcBef>
         <a:buFont typeface="Arial" panose="020B0604020202020204" pitchFamily="34" charset="0"/>
         <a:buChar char="•"/>
-        <a:defRPr sz="1800" kern="1200">
+        <a:defRPr sz="3508" kern="1200">
           <a:solidFill>
             <a:schemeClr val="tx1"/>
           </a:solidFill>
@@ -3155,16 +2802,16 @@
           <a:cs typeface="+mn-cs"/>
         </a:defRPr>
       </a:lvl6pPr>
-      <a:lvl7pPr marL="2971800" indent="-228600" algn="l" defTabSz="914400" rtl="0" eaLnBrk="1" latinLnBrk="0" hangingPunct="1">
+      <a:lvl7pPr marL="5791444" indent="-445496" algn="l" defTabSz="1781983" rtl="0" eaLnBrk="1" latinLnBrk="0" hangingPunct="1">
         <a:lnSpc>
           <a:spcPct val="90000"/>
         </a:lnSpc>
         <a:spcBef>
-          <a:spcPts val="500"/>
+          <a:spcPts val="974"/>
         </a:spcBef>
         <a:buFont typeface="Arial" panose="020B0604020202020204" pitchFamily="34" charset="0"/>
         <a:buChar char="•"/>
-        <a:defRPr sz="1800" kern="1200">
+        <a:defRPr sz="3508" kern="1200">
           <a:solidFill>
             <a:schemeClr val="tx1"/>
           </a:solidFill>
@@ -3173,16 +2820,16 @@
           <a:cs typeface="+mn-cs"/>
         </a:defRPr>
       </a:lvl7pPr>
-      <a:lvl8pPr marL="3429000" indent="-228600" algn="l" defTabSz="914400" rtl="0" eaLnBrk="1" latinLnBrk="0" hangingPunct="1">
+      <a:lvl8pPr marL="6682435" indent="-445496" algn="l" defTabSz="1781983" rtl="0" eaLnBrk="1" latinLnBrk="0" hangingPunct="1">
         <a:lnSpc>
           <a:spcPct val="90000"/>
         </a:lnSpc>
         <a:spcBef>
-          <a:spcPts val="500"/>
+          <a:spcPts val="974"/>
         </a:spcBef>
         <a:buFont typeface="Arial" panose="020B0604020202020204" pitchFamily="34" charset="0"/>
         <a:buChar char="•"/>
-        <a:defRPr sz="1800" kern="1200">
+        <a:defRPr sz="3508" kern="1200">
           <a:solidFill>
             <a:schemeClr val="tx1"/>
           </a:solidFill>
@@ -3191,16 +2838,16 @@
           <a:cs typeface="+mn-cs"/>
         </a:defRPr>
       </a:lvl8pPr>
-      <a:lvl9pPr marL="3886200" indent="-228600" algn="l" defTabSz="914400" rtl="0" eaLnBrk="1" latinLnBrk="0" hangingPunct="1">
+      <a:lvl9pPr marL="7573427" indent="-445496" algn="l" defTabSz="1781983" rtl="0" eaLnBrk="1" latinLnBrk="0" hangingPunct="1">
         <a:lnSpc>
           <a:spcPct val="90000"/>
         </a:lnSpc>
         <a:spcBef>
-          <a:spcPts val="500"/>
+          <a:spcPts val="974"/>
         </a:spcBef>
         <a:buFont typeface="Arial" panose="020B0604020202020204" pitchFamily="34" charset="0"/>
         <a:buChar char="•"/>
-        <a:defRPr sz="1800" kern="1200">
+        <a:defRPr sz="3508" kern="1200">
           <a:solidFill>
             <a:schemeClr val="tx1"/>
           </a:solidFill>
@@ -3212,10 +2859,10 @@
     </p:bodyStyle>
     <p:otherStyle>
       <a:defPPr>
-        <a:defRPr lang="pt-BR"/>
+        <a:defRPr lang="en-US"/>
       </a:defPPr>
-      <a:lvl1pPr marL="0" algn="l" defTabSz="914400" rtl="0" eaLnBrk="1" latinLnBrk="0" hangingPunct="1">
-        <a:defRPr sz="1800" kern="1200">
+      <a:lvl1pPr marL="0" algn="l" defTabSz="1781983" rtl="0" eaLnBrk="1" latinLnBrk="0" hangingPunct="1">
+        <a:defRPr sz="3508" kern="1200">
           <a:solidFill>
             <a:schemeClr val="tx1"/>
           </a:solidFill>
@@ -3224,8 +2871,8 @@
           <a:cs typeface="+mn-cs"/>
         </a:defRPr>
       </a:lvl1pPr>
-      <a:lvl2pPr marL="457200" algn="l" defTabSz="914400" rtl="0" eaLnBrk="1" latinLnBrk="0" hangingPunct="1">
-        <a:defRPr sz="1800" kern="1200">
+      <a:lvl2pPr marL="890991" algn="l" defTabSz="1781983" rtl="0" eaLnBrk="1" latinLnBrk="0" hangingPunct="1">
+        <a:defRPr sz="3508" kern="1200">
           <a:solidFill>
             <a:schemeClr val="tx1"/>
           </a:solidFill>
@@ -3234,8 +2881,8 @@
           <a:cs typeface="+mn-cs"/>
         </a:defRPr>
       </a:lvl2pPr>
-      <a:lvl3pPr marL="914400" algn="l" defTabSz="914400" rtl="0" eaLnBrk="1" latinLnBrk="0" hangingPunct="1">
-        <a:defRPr sz="1800" kern="1200">
+      <a:lvl3pPr marL="1781983" algn="l" defTabSz="1781983" rtl="0" eaLnBrk="1" latinLnBrk="0" hangingPunct="1">
+        <a:defRPr sz="3508" kern="1200">
           <a:solidFill>
             <a:schemeClr val="tx1"/>
           </a:solidFill>
@@ -3244,8 +2891,8 @@
           <a:cs typeface="+mn-cs"/>
         </a:defRPr>
       </a:lvl3pPr>
-      <a:lvl4pPr marL="1371600" algn="l" defTabSz="914400" rtl="0" eaLnBrk="1" latinLnBrk="0" hangingPunct="1">
-        <a:defRPr sz="1800" kern="1200">
+      <a:lvl4pPr marL="2672974" algn="l" defTabSz="1781983" rtl="0" eaLnBrk="1" latinLnBrk="0" hangingPunct="1">
+        <a:defRPr sz="3508" kern="1200">
           <a:solidFill>
             <a:schemeClr val="tx1"/>
           </a:solidFill>
@@ -3254,8 +2901,8 @@
           <a:cs typeface="+mn-cs"/>
         </a:defRPr>
       </a:lvl4pPr>
-      <a:lvl5pPr marL="1828800" algn="l" defTabSz="914400" rtl="0" eaLnBrk="1" latinLnBrk="0" hangingPunct="1">
-        <a:defRPr sz="1800" kern="1200">
+      <a:lvl5pPr marL="3563965" algn="l" defTabSz="1781983" rtl="0" eaLnBrk="1" latinLnBrk="0" hangingPunct="1">
+        <a:defRPr sz="3508" kern="1200">
           <a:solidFill>
             <a:schemeClr val="tx1"/>
           </a:solidFill>
@@ -3264,8 +2911,8 @@
           <a:cs typeface="+mn-cs"/>
         </a:defRPr>
       </a:lvl5pPr>
-      <a:lvl6pPr marL="2286000" algn="l" defTabSz="914400" rtl="0" eaLnBrk="1" latinLnBrk="0" hangingPunct="1">
-        <a:defRPr sz="1800" kern="1200">
+      <a:lvl6pPr marL="4454957" algn="l" defTabSz="1781983" rtl="0" eaLnBrk="1" latinLnBrk="0" hangingPunct="1">
+        <a:defRPr sz="3508" kern="1200">
           <a:solidFill>
             <a:schemeClr val="tx1"/>
           </a:solidFill>
@@ -3274,8 +2921,8 @@
           <a:cs typeface="+mn-cs"/>
         </a:defRPr>
       </a:lvl6pPr>
-      <a:lvl7pPr marL="2743200" algn="l" defTabSz="914400" rtl="0" eaLnBrk="1" latinLnBrk="0" hangingPunct="1">
-        <a:defRPr sz="1800" kern="1200">
+      <a:lvl7pPr marL="5345948" algn="l" defTabSz="1781983" rtl="0" eaLnBrk="1" latinLnBrk="0" hangingPunct="1">
+        <a:defRPr sz="3508" kern="1200">
           <a:solidFill>
             <a:schemeClr val="tx1"/>
           </a:solidFill>
@@ -3284,8 +2931,8 @@
           <a:cs typeface="+mn-cs"/>
         </a:defRPr>
       </a:lvl7pPr>
-      <a:lvl8pPr marL="3200400" algn="l" defTabSz="914400" rtl="0" eaLnBrk="1" latinLnBrk="0" hangingPunct="1">
-        <a:defRPr sz="1800" kern="1200">
+      <a:lvl8pPr marL="6236940" algn="l" defTabSz="1781983" rtl="0" eaLnBrk="1" latinLnBrk="0" hangingPunct="1">
+        <a:defRPr sz="3508" kern="1200">
           <a:solidFill>
             <a:schemeClr val="tx1"/>
           </a:solidFill>
@@ -3294,8 +2941,8 @@
           <a:cs typeface="+mn-cs"/>
         </a:defRPr>
       </a:lvl8pPr>
-      <a:lvl9pPr marL="3657600" algn="l" defTabSz="914400" rtl="0" eaLnBrk="1" latinLnBrk="0" hangingPunct="1">
-        <a:defRPr sz="1800" kern="1200">
+      <a:lvl9pPr marL="7127931" algn="l" defTabSz="1781983" rtl="0" eaLnBrk="1" latinLnBrk="0" hangingPunct="1">
+        <a:defRPr sz="3508" kern="1200">
           <a:solidFill>
             <a:schemeClr val="tx1"/>
           </a:solidFill>
@@ -3340,8 +2987,8 @@
         </p:nvSpPr>
         <p:spPr>
           <a:xfrm>
-            <a:off x="41295" y="902283"/>
-            <a:ext cx="1880701" cy="5786650"/>
+            <a:off x="3459497" y="2950703"/>
+            <a:ext cx="3450137" cy="9007286"/>
           </a:xfrm>
           <a:prstGeom prst="rect">
             <a:avLst/>
@@ -3376,12 +3023,26 @@
           <a:bodyPr rtlCol="0" anchor="t"/>
           <a:lstStyle/>
           <a:p>
-            <a:pPr algn="r"/>
-            <a:r>
-              <a:rPr lang="pt-BR" b="1" dirty="0">
+            <a:pPr algn="ctr"/>
+            <a:endParaRPr lang="pt-BR" sz="2800" b="1" dirty="0">
+              <a:solidFill>
+                <a:srgbClr val="00B050"/>
+              </a:solidFill>
+              <a:latin typeface="Open Sans" panose="020B0606030504020204" pitchFamily="34" charset="0"/>
+              <a:ea typeface="Open Sans" panose="020B0606030504020204" pitchFamily="34" charset="0"/>
+              <a:cs typeface="Open Sans" panose="020B0606030504020204" pitchFamily="34" charset="0"/>
+            </a:endParaRPr>
+          </a:p>
+          <a:p>
+            <a:pPr algn="ctr"/>
+            <a:r>
+              <a:rPr lang="pt-BR" sz="2800" b="1" dirty="0">
                 <a:solidFill>
                   <a:srgbClr val="00B050"/>
                 </a:solidFill>
+                <a:latin typeface="Open Sans" panose="020B0606030504020204" pitchFamily="34" charset="0"/>
+                <a:ea typeface="Open Sans" panose="020B0606030504020204" pitchFamily="34" charset="0"/>
+                <a:cs typeface="Open Sans" panose="020B0606030504020204" pitchFamily="34" charset="0"/>
               </a:rPr>
               <a:t>LEVANTAMENTO DE REQUISITOS</a:t>
             </a:r>
@@ -3402,8 +3063,8 @@
         </p:nvSpPr>
         <p:spPr>
           <a:xfrm>
-            <a:off x="1911323" y="914983"/>
-            <a:ext cx="5088266" cy="5786650"/>
+            <a:off x="6898960" y="2949677"/>
+            <a:ext cx="5088266" cy="9021011"/>
           </a:xfrm>
           <a:prstGeom prst="rect">
             <a:avLst/>
@@ -3439,14 +3100,36 @@
           <a:lstStyle/>
           <a:p>
             <a:pPr algn="ctr"/>
-            <a:r>
-              <a:rPr lang="pt-BR" b="1" dirty="0">
+            <a:endParaRPr lang="pt-BR" b="1" dirty="0">
+              <a:solidFill>
+                <a:srgbClr val="00B050"/>
+              </a:solidFill>
+              <a:latin typeface="Open Sans" panose="020B0606030504020204" pitchFamily="34" charset="0"/>
+              <a:ea typeface="Open Sans" panose="020B0606030504020204" pitchFamily="34" charset="0"/>
+              <a:cs typeface="Open Sans" panose="020B0606030504020204" pitchFamily="34" charset="0"/>
+            </a:endParaRPr>
+          </a:p>
+          <a:p>
+            <a:pPr algn="ctr"/>
+            <a:r>
+              <a:rPr lang="pt-BR" sz="2800" b="1" dirty="0">
                 <a:solidFill>
                   <a:srgbClr val="00B050"/>
                 </a:solidFill>
+                <a:latin typeface="Open Sans" panose="020B0606030504020204" pitchFamily="34" charset="0"/>
+                <a:ea typeface="Open Sans" panose="020B0606030504020204" pitchFamily="34" charset="0"/>
+                <a:cs typeface="Open Sans" panose="020B0606030504020204" pitchFamily="34" charset="0"/>
               </a:rPr>
               <a:t>ANÁLISE</a:t>
             </a:r>
+            <a:endParaRPr lang="pt-BR" b="1" dirty="0">
+              <a:solidFill>
+                <a:srgbClr val="00B050"/>
+              </a:solidFill>
+              <a:latin typeface="Open Sans" panose="020B0606030504020204" pitchFamily="34" charset="0"/>
+              <a:ea typeface="Open Sans" panose="020B0606030504020204" pitchFamily="34" charset="0"/>
+              <a:cs typeface="Open Sans" panose="020B0606030504020204" pitchFamily="34" charset="0"/>
+            </a:endParaRPr>
           </a:p>
         </p:txBody>
       </p:sp>
@@ -3464,8 +3147,8 @@
         </p:nvSpPr>
         <p:spPr>
           <a:xfrm>
-            <a:off x="6979027" y="914983"/>
-            <a:ext cx="2451289" cy="5786650"/>
+            <a:off x="11966665" y="2949677"/>
+            <a:ext cx="6284409" cy="9021011"/>
           </a:xfrm>
           <a:prstGeom prst="rect">
             <a:avLst/>
@@ -3501,14 +3184,36 @@
           <a:lstStyle/>
           <a:p>
             <a:pPr algn="ctr"/>
-            <a:r>
-              <a:rPr lang="pt-BR" b="1" dirty="0">
+            <a:endParaRPr lang="pt-BR" b="1" dirty="0">
+              <a:solidFill>
+                <a:srgbClr val="00B050"/>
+              </a:solidFill>
+              <a:latin typeface="Open Sans" panose="020B0606030504020204" pitchFamily="34" charset="0"/>
+              <a:ea typeface="Open Sans" panose="020B0606030504020204" pitchFamily="34" charset="0"/>
+              <a:cs typeface="Open Sans" panose="020B0606030504020204" pitchFamily="34" charset="0"/>
+            </a:endParaRPr>
+          </a:p>
+          <a:p>
+            <a:pPr algn="ctr"/>
+            <a:r>
+              <a:rPr lang="pt-BR" sz="2800" b="1" dirty="0">
                 <a:solidFill>
                   <a:srgbClr val="00B050"/>
                 </a:solidFill>
+                <a:latin typeface="Open Sans" panose="020B0606030504020204" pitchFamily="34" charset="0"/>
+                <a:ea typeface="Open Sans" panose="020B0606030504020204" pitchFamily="34" charset="0"/>
+                <a:cs typeface="Open Sans" panose="020B0606030504020204" pitchFamily="34" charset="0"/>
               </a:rPr>
               <a:t>PROJETO</a:t>
             </a:r>
+            <a:endParaRPr lang="pt-BR" b="1" dirty="0">
+              <a:solidFill>
+                <a:srgbClr val="00B050"/>
+              </a:solidFill>
+              <a:latin typeface="Open Sans" panose="020B0606030504020204" pitchFamily="34" charset="0"/>
+              <a:ea typeface="Open Sans" panose="020B0606030504020204" pitchFamily="34" charset="0"/>
+              <a:cs typeface="Open Sans" panose="020B0606030504020204" pitchFamily="34" charset="0"/>
+            </a:endParaRPr>
           </a:p>
         </p:txBody>
       </p:sp>
@@ -3526,8 +3231,8 @@
         </p:nvSpPr>
         <p:spPr>
           <a:xfrm>
-            <a:off x="9447985" y="922123"/>
-            <a:ext cx="2692620" cy="5786650"/>
+            <a:off x="18226572" y="2949101"/>
+            <a:ext cx="3231058" cy="9028727"/>
           </a:xfrm>
           <a:prstGeom prst="rect">
             <a:avLst/>
@@ -3563,11 +3268,25 @@
           <a:lstStyle/>
           <a:p>
             <a:pPr algn="ctr"/>
-            <a:r>
-              <a:rPr lang="pt-BR" b="1" dirty="0">
+            <a:endParaRPr lang="pt-BR" b="1" dirty="0">
+              <a:solidFill>
+                <a:srgbClr val="00B050"/>
+              </a:solidFill>
+              <a:latin typeface="Open Sans" panose="020B0606030504020204" pitchFamily="34" charset="0"/>
+              <a:ea typeface="Open Sans" panose="020B0606030504020204" pitchFamily="34" charset="0"/>
+              <a:cs typeface="Open Sans" panose="020B0606030504020204" pitchFamily="34" charset="0"/>
+            </a:endParaRPr>
+          </a:p>
+          <a:p>
+            <a:pPr algn="ctr"/>
+            <a:r>
+              <a:rPr lang="pt-BR" sz="2800" b="1" dirty="0">
                 <a:solidFill>
                   <a:srgbClr val="00B050"/>
                 </a:solidFill>
+                <a:latin typeface="Open Sans" panose="020B0606030504020204" pitchFamily="34" charset="0"/>
+                <a:ea typeface="Open Sans" panose="020B0606030504020204" pitchFamily="34" charset="0"/>
+                <a:cs typeface="Open Sans" panose="020B0606030504020204" pitchFamily="34" charset="0"/>
               </a:rPr>
               <a:t>IMPLEMENTAÇÃO &amp; TESTES</a:t>
             </a:r>
@@ -3588,8 +3307,8 @@
         </p:nvSpPr>
         <p:spPr>
           <a:xfrm>
-            <a:off x="2063723" y="4141958"/>
-            <a:ext cx="7277560" cy="2373308"/>
+            <a:off x="7051359" y="9411013"/>
+            <a:ext cx="10995224" cy="2373308"/>
           </a:xfrm>
           <a:prstGeom prst="rect">
             <a:avLst/>
@@ -3628,12 +3347,42 @@
           <a:p>
             <a:pPr algn="ctr"/>
             <a:r>
-              <a:rPr lang="pt-BR" dirty="0">
+              <a:rPr lang="pt-BR" b="1" dirty="0">
                 <a:solidFill>
-                  <a:schemeClr val="accent4"/>
+                  <a:schemeClr val="accent4">
+                    <a:lumMod val="75000"/>
+                  </a:schemeClr>
                 </a:solidFill>
+                <a:latin typeface="Open Sans" panose="020B0606030504020204" pitchFamily="34" charset="0"/>
+                <a:ea typeface="Open Sans" panose="020B0606030504020204" pitchFamily="34" charset="0"/>
+                <a:cs typeface="Open Sans" panose="020B0606030504020204" pitchFamily="34" charset="0"/>
               </a:rPr>
-              <a:t>DIAGRAMAS ESTÁTICOS</a:t>
+              <a:t>DIAGRAMAS ESTÁTICOS </a:t>
+            </a:r>
+            <a:br>
+              <a:rPr lang="pt-BR" b="1" dirty="0">
+                <a:solidFill>
+                  <a:schemeClr val="accent4">
+                    <a:lumMod val="75000"/>
+                  </a:schemeClr>
+                </a:solidFill>
+                <a:latin typeface="Open Sans" panose="020B0606030504020204" pitchFamily="34" charset="0"/>
+                <a:ea typeface="Open Sans" panose="020B0606030504020204" pitchFamily="34" charset="0"/>
+                <a:cs typeface="Open Sans" panose="020B0606030504020204" pitchFamily="34" charset="0"/>
+              </a:rPr>
+            </a:br>
+            <a:r>
+              <a:rPr lang="pt-BR" b="1" dirty="0">
+                <a:solidFill>
+                  <a:schemeClr val="accent4">
+                    <a:lumMod val="75000"/>
+                  </a:schemeClr>
+                </a:solidFill>
+                <a:latin typeface="Open Sans" panose="020B0606030504020204" pitchFamily="34" charset="0"/>
+                <a:ea typeface="Open Sans" panose="020B0606030504020204" pitchFamily="34" charset="0"/>
+                <a:cs typeface="Open Sans" panose="020B0606030504020204" pitchFamily="34" charset="0"/>
+              </a:rPr>
+              <a:t>/ ESTRUTURAIS</a:t>
             </a:r>
           </a:p>
         </p:txBody>
@@ -3652,8 +3401,8 @@
         </p:nvSpPr>
         <p:spPr>
           <a:xfrm>
-            <a:off x="2063723" y="1359412"/>
-            <a:ext cx="7277560" cy="2465380"/>
+            <a:off x="7051360" y="5825266"/>
+            <a:ext cx="10995224" cy="3268582"/>
           </a:xfrm>
           <a:prstGeom prst="rect">
             <a:avLst/>
@@ -3691,278 +3440,288 @@
           <a:lstStyle/>
           <a:p>
             <a:pPr algn="ctr"/>
-            <a:r>
-              <a:rPr lang="pt-BR" dirty="0">
+            <a:endParaRPr lang="pt-BR" b="1" dirty="0">
+              <a:solidFill>
+                <a:srgbClr val="FF0000"/>
+              </a:solidFill>
+              <a:latin typeface="Open Sans" panose="020B0606030504020204" pitchFamily="34" charset="0"/>
+              <a:ea typeface="Open Sans" panose="020B0606030504020204" pitchFamily="34" charset="0"/>
+              <a:cs typeface="Open Sans" panose="020B0606030504020204" pitchFamily="34" charset="0"/>
+            </a:endParaRPr>
+          </a:p>
+          <a:p>
+            <a:pPr algn="ctr"/>
+            <a:endParaRPr lang="pt-BR" b="1" dirty="0">
+              <a:solidFill>
+                <a:srgbClr val="FF0000"/>
+              </a:solidFill>
+              <a:latin typeface="Open Sans" panose="020B0606030504020204" pitchFamily="34" charset="0"/>
+              <a:ea typeface="Open Sans" panose="020B0606030504020204" pitchFamily="34" charset="0"/>
+              <a:cs typeface="Open Sans" panose="020B0606030504020204" pitchFamily="34" charset="0"/>
+            </a:endParaRPr>
+          </a:p>
+          <a:p>
+            <a:pPr algn="ctr"/>
+            <a:r>
+              <a:rPr lang="pt-BR" b="1" dirty="0">
                 <a:solidFill>
                   <a:srgbClr val="FF0000"/>
                 </a:solidFill>
+                <a:latin typeface="Open Sans" panose="020B0606030504020204" pitchFamily="34" charset="0"/>
+                <a:ea typeface="Open Sans" panose="020B0606030504020204" pitchFamily="34" charset="0"/>
+                <a:cs typeface="Open Sans" panose="020B0606030504020204" pitchFamily="34" charset="0"/>
               </a:rPr>
               <a:t>DIAGRAMAS DINÂMICOS</a:t>
             </a:r>
           </a:p>
-        </p:txBody>
-      </p:sp>
-      <p:pic>
-        <p:nvPicPr>
-          <p:cNvPr id="1032" name="Picture 8" descr="Collaboration icon. Two outlines of people from the chest up to the top of the head are positioned next to each other. There are six circles, three on each outer side, growing in size from near the people's heads until the circles are large and directly above the people's heads.">
+          <a:p>
+            <a:pPr algn="ctr"/>
+            <a:r>
+              <a:rPr lang="pt-BR" b="1" dirty="0">
+                <a:solidFill>
+                  <a:srgbClr val="FF0000"/>
+                </a:solidFill>
+                <a:latin typeface="Open Sans" panose="020B0606030504020204" pitchFamily="34" charset="0"/>
+                <a:ea typeface="Open Sans" panose="020B0606030504020204" pitchFamily="34" charset="0"/>
+                <a:cs typeface="Open Sans" panose="020B0606030504020204" pitchFamily="34" charset="0"/>
+              </a:rPr>
+              <a:t>/ COMPORTAMENTAIS</a:t>
+            </a:r>
+          </a:p>
+        </p:txBody>
+      </p:sp>
+      <p:grpSp>
+        <p:nvGrpSpPr>
+          <p:cNvPr id="1027" name="Agrupar 1026">
             <a:extLst>
               <a:ext uri="{FF2B5EF4-FFF2-40B4-BE49-F238E27FC236}">
-                <a16:creationId xmlns:a16="http://schemas.microsoft.com/office/drawing/2014/main" id="{FDD1C1C9-1BF1-415D-894D-EEC99A6541E8}"/>
+                <a16:creationId xmlns:a16="http://schemas.microsoft.com/office/drawing/2014/main" id="{AF58E679-A35C-4DD0-88B3-D6917DBEFDDD}"/>
               </a:ext>
             </a:extLst>
           </p:cNvPr>
-          <p:cNvPicPr>
-            <a:picLocks noChangeAspect="1" noChangeArrowheads="1"/>
-          </p:cNvPicPr>
+          <p:cNvGrpSpPr/>
           <p:nvPr/>
-        </p:nvPicPr>
-        <p:blipFill>
-          <a:blip r:embed="rId2">
+        </p:nvGrpSpPr>
+        <p:grpSpPr>
+          <a:xfrm>
+            <a:off x="4398299" y="6917907"/>
+            <a:ext cx="1377474" cy="1163713"/>
+            <a:chOff x="5949392" y="6340751"/>
+            <a:chExt cx="1377474" cy="1163713"/>
+          </a:xfrm>
+        </p:grpSpPr>
+        <p:pic>
+          <p:nvPicPr>
+            <p:cNvPr id="1034" name="Picture 10" descr="Navigation Toolbar Left icon. The navigation toolbar left is a rectangle shape and inside the rectangle it is divided in two sides. On the left side of the rectangle there will be other buttons or selections, which are represented by tiny circles or rectangles.">
+              <a:extLst>
+                <a:ext uri="{FF2B5EF4-FFF2-40B4-BE49-F238E27FC236}">
+                  <a16:creationId xmlns:a16="http://schemas.microsoft.com/office/drawing/2014/main" id="{EDE2F5C1-1B62-405E-983C-341143D4DC08}"/>
+                </a:ext>
+              </a:extLst>
+            </p:cNvPr>
+            <p:cNvPicPr>
+              <a:picLocks noChangeAspect="1" noChangeArrowheads="1"/>
+            </p:cNvPicPr>
+            <p:nvPr/>
+          </p:nvPicPr>
+          <p:blipFill>
+            <a:blip r:embed="rId2">
+              <a:extLst>
+                <a:ext uri="{28A0092B-C50C-407E-A947-70E740481C1C}">
+                  <a14:useLocalDpi xmlns:a14="http://schemas.microsoft.com/office/drawing/2010/main" val="0"/>
+                </a:ext>
+              </a:extLst>
+            </a:blip>
+            <a:srcRect/>
+            <a:stretch>
+              <a:fillRect/>
+            </a:stretch>
+          </p:blipFill>
+          <p:spPr bwMode="auto">
+            <a:xfrm>
+              <a:off x="6318263" y="6340751"/>
+              <a:ext cx="659283" cy="659283"/>
+            </a:xfrm>
+            <a:prstGeom prst="rect">
+              <a:avLst/>
+            </a:prstGeom>
+            <a:noFill/>
             <a:extLst>
-              <a:ext uri="{28A0092B-C50C-407E-A947-70E740481C1C}">
-                <a14:useLocalDpi xmlns:a14="http://schemas.microsoft.com/office/drawing/2010/main" val="0"/>
+              <a:ext uri="{909E8E84-426E-40DD-AFC4-6F175D3DCCD1}">
+                <a14:hiddenFill xmlns:a14="http://schemas.microsoft.com/office/drawing/2010/main">
+                  <a:solidFill>
+                    <a:srgbClr val="FFFFFF"/>
+                  </a:solidFill>
+                </a14:hiddenFill>
               </a:ext>
             </a:extLst>
-          </a:blip>
-          <a:srcRect/>
-          <a:stretch>
-            <a:fillRect/>
-          </a:stretch>
-        </p:blipFill>
-        <p:spPr bwMode="auto">
-          <a:xfrm>
-            <a:off x="529021" y="4184097"/>
-            <a:ext cx="659283" cy="659283"/>
-          </a:xfrm>
-          <a:prstGeom prst="rect">
-            <a:avLst/>
-          </a:prstGeom>
-          <a:noFill/>
-          <a:extLst>
-            <a:ext uri="{909E8E84-426E-40DD-AFC4-6F175D3DCCD1}">
-              <a14:hiddenFill xmlns:a14="http://schemas.microsoft.com/office/drawing/2010/main">
-                <a:solidFill>
-                  <a:srgbClr val="FFFFFF"/>
-                </a:solidFill>
-              </a14:hiddenFill>
-            </a:ext>
-          </a:extLst>
-        </p:spPr>
-      </p:pic>
-      <p:pic>
-        <p:nvPicPr>
-          <p:cNvPr id="1034" name="Picture 10" descr="Navigation Toolbar Left icon. The navigation toolbar left is a rectangle shape and inside the rectangle it is divided in two sides. On the left side of the rectangle there will be other buttons or selections, which are represented by tiny circles or rectangles.">
+          </p:spPr>
+        </p:pic>
+        <p:sp>
+          <p:nvSpPr>
+            <p:cNvPr id="9" name="CaixaDeTexto 8">
+              <a:extLst>
+                <a:ext uri="{FF2B5EF4-FFF2-40B4-BE49-F238E27FC236}">
+                  <a16:creationId xmlns:a16="http://schemas.microsoft.com/office/drawing/2014/main" id="{01B45D06-9969-4E06-AB3A-4B8DEA3BDD0E}"/>
+                </a:ext>
+              </a:extLst>
+            </p:cNvPr>
+            <p:cNvSpPr txBox="1"/>
+            <p:nvPr/>
+          </p:nvSpPr>
+          <p:spPr>
+            <a:xfrm>
+              <a:off x="5949392" y="6904300"/>
+              <a:ext cx="1377474" cy="600164"/>
+            </a:xfrm>
+            <a:prstGeom prst="rect">
+              <a:avLst/>
+            </a:prstGeom>
+            <a:noFill/>
+          </p:spPr>
+          <p:txBody>
+            <a:bodyPr wrap="square" rtlCol="0">
+              <a:spAutoFit/>
+            </a:bodyPr>
+            <a:lstStyle/>
+            <a:p>
+              <a:pPr algn="ctr"/>
+              <a:r>
+                <a:rPr lang="pt-BR" sz="1100" dirty="0">
+                  <a:latin typeface="Open Sans" panose="020B0606030504020204" pitchFamily="34" charset="0"/>
+                  <a:ea typeface="Open Sans" panose="020B0606030504020204" pitchFamily="34" charset="0"/>
+                  <a:cs typeface="Open Sans" panose="020B0606030504020204" pitchFamily="34" charset="0"/>
+                </a:rPr>
+                <a:t>Prototipação da interface (</a:t>
+              </a:r>
+              <a:r>
+                <a:rPr lang="pt-BR" sz="1100" dirty="0" err="1">
+                  <a:latin typeface="Open Sans" panose="020B0606030504020204" pitchFamily="34" charset="0"/>
+                  <a:ea typeface="Open Sans" panose="020B0606030504020204" pitchFamily="34" charset="0"/>
+                  <a:cs typeface="Open Sans" panose="020B0606030504020204" pitchFamily="34" charset="0"/>
+                </a:rPr>
+                <a:t>storyboards</a:t>
+              </a:r>
+              <a:r>
+                <a:rPr lang="pt-BR" sz="1100" dirty="0">
+                  <a:latin typeface="Open Sans" panose="020B0606030504020204" pitchFamily="34" charset="0"/>
+                  <a:ea typeface="Open Sans" panose="020B0606030504020204" pitchFamily="34" charset="0"/>
+                  <a:cs typeface="Open Sans" panose="020B0606030504020204" pitchFamily="34" charset="0"/>
+                </a:rPr>
+                <a:t>)</a:t>
+              </a:r>
+            </a:p>
+          </p:txBody>
+        </p:sp>
+      </p:grpSp>
+      <p:grpSp>
+        <p:nvGrpSpPr>
+          <p:cNvPr id="1029" name="Agrupar 1028">
             <a:extLst>
               <a:ext uri="{FF2B5EF4-FFF2-40B4-BE49-F238E27FC236}">
-                <a16:creationId xmlns:a16="http://schemas.microsoft.com/office/drawing/2014/main" id="{EDE2F5C1-1B62-405E-983C-341143D4DC08}"/>
+                <a16:creationId xmlns:a16="http://schemas.microsoft.com/office/drawing/2014/main" id="{64B3CC5C-8007-4F53-9B5E-66105A8E70B1}"/>
               </a:ext>
             </a:extLst>
           </p:cNvPr>
-          <p:cNvPicPr>
-            <a:picLocks noChangeAspect="1" noChangeArrowheads="1"/>
-          </p:cNvPicPr>
+          <p:cNvGrpSpPr/>
           <p:nvPr/>
-        </p:nvPicPr>
-        <p:blipFill>
-          <a:blip r:embed="rId3">
+        </p:nvGrpSpPr>
+        <p:grpSpPr>
+          <a:xfrm>
+            <a:off x="4383242" y="8286155"/>
+            <a:ext cx="1311341" cy="813599"/>
+            <a:chOff x="5997006" y="7594842"/>
+            <a:chExt cx="1311341" cy="813599"/>
+          </a:xfrm>
+        </p:grpSpPr>
+        <p:pic>
+          <p:nvPicPr>
+            <p:cNvPr id="1032" name="Picture 8" descr="Collaboration icon. Two outlines of people from the chest up to the top of the head are positioned next to each other. There are six circles, three on each outer side, growing in size from near the people's heads until the circles are large and directly above the people's heads.">
+              <a:extLst>
+                <a:ext uri="{FF2B5EF4-FFF2-40B4-BE49-F238E27FC236}">
+                  <a16:creationId xmlns:a16="http://schemas.microsoft.com/office/drawing/2014/main" id="{FDD1C1C9-1BF1-415D-894D-EEC99A6541E8}"/>
+                </a:ext>
+              </a:extLst>
+            </p:cNvPr>
+            <p:cNvPicPr>
+              <a:picLocks noChangeAspect="1" noChangeArrowheads="1"/>
+            </p:cNvPicPr>
+            <p:nvPr/>
+          </p:nvPicPr>
+          <p:blipFill>
+            <a:blip r:embed="rId3">
+              <a:extLst>
+                <a:ext uri="{28A0092B-C50C-407E-A947-70E740481C1C}">
+                  <a14:useLocalDpi xmlns:a14="http://schemas.microsoft.com/office/drawing/2010/main" val="0"/>
+                </a:ext>
+              </a:extLst>
+            </a:blip>
+            <a:srcRect/>
+            <a:stretch>
+              <a:fillRect/>
+            </a:stretch>
+          </p:blipFill>
+          <p:spPr bwMode="auto">
+            <a:xfrm>
+              <a:off x="6313078" y="7594842"/>
+              <a:ext cx="659283" cy="659283"/>
+            </a:xfrm>
+            <a:prstGeom prst="rect">
+              <a:avLst/>
+            </a:prstGeom>
+            <a:noFill/>
             <a:extLst>
-              <a:ext uri="{28A0092B-C50C-407E-A947-70E740481C1C}">
-                <a14:useLocalDpi xmlns:a14="http://schemas.microsoft.com/office/drawing/2010/main" val="0"/>
+              <a:ext uri="{909E8E84-426E-40DD-AFC4-6F175D3DCCD1}">
+                <a14:hiddenFill xmlns:a14="http://schemas.microsoft.com/office/drawing/2010/main">
+                  <a:solidFill>
+                    <a:srgbClr val="FFFFFF"/>
+                  </a:solidFill>
+                </a14:hiddenFill>
               </a:ext>
             </a:extLst>
-          </a:blip>
-          <a:srcRect/>
-          <a:stretch>
-            <a:fillRect/>
-          </a:stretch>
-        </p:blipFill>
-        <p:spPr bwMode="auto">
-          <a:xfrm>
-            <a:off x="534206" y="2930006"/>
-            <a:ext cx="659283" cy="659283"/>
-          </a:xfrm>
-          <a:prstGeom prst="rect">
-            <a:avLst/>
-          </a:prstGeom>
-          <a:noFill/>
-          <a:extLst>
-            <a:ext uri="{909E8E84-426E-40DD-AFC4-6F175D3DCCD1}">
-              <a14:hiddenFill xmlns:a14="http://schemas.microsoft.com/office/drawing/2010/main">
-                <a:solidFill>
-                  <a:srgbClr val="FFFFFF"/>
-                </a:solidFill>
-              </a14:hiddenFill>
-            </a:ext>
-          </a:extLst>
-        </p:spPr>
-      </p:pic>
-      <p:sp>
-        <p:nvSpPr>
-          <p:cNvPr id="9" name="CaixaDeTexto 8">
-            <a:extLst>
-              <a:ext uri="{FF2B5EF4-FFF2-40B4-BE49-F238E27FC236}">
-                <a16:creationId xmlns:a16="http://schemas.microsoft.com/office/drawing/2014/main" id="{01B45D06-9969-4E06-AB3A-4B8DEA3BDD0E}"/>
-              </a:ext>
-            </a:extLst>
-          </p:cNvPr>
-          <p:cNvSpPr txBox="1"/>
-          <p:nvPr/>
-        </p:nvSpPr>
-        <p:spPr>
-          <a:xfrm>
-            <a:off x="165336" y="3493556"/>
-            <a:ext cx="1377474" cy="600164"/>
-          </a:xfrm>
-          <a:prstGeom prst="rect">
-            <a:avLst/>
-          </a:prstGeom>
-          <a:noFill/>
-        </p:spPr>
-        <p:txBody>
-          <a:bodyPr wrap="square" rtlCol="0">
-            <a:spAutoFit/>
-          </a:bodyPr>
-          <a:lstStyle/>
-          <a:p>
-            <a:pPr algn="ctr"/>
-            <a:r>
-              <a:rPr lang="pt-BR" sz="1100" dirty="0"/>
-              <a:t>Prototipação da interface (</a:t>
-            </a:r>
-            <a:r>
-              <a:rPr lang="pt-BR" sz="1100" dirty="0" err="1"/>
-              <a:t>storyboards</a:t>
-            </a:r>
-            <a:r>
-              <a:rPr lang="pt-BR" sz="1100" dirty="0"/>
-              <a:t>)</a:t>
-            </a:r>
-          </a:p>
-        </p:txBody>
-      </p:sp>
-      <p:sp>
-        <p:nvSpPr>
-          <p:cNvPr id="16" name="CaixaDeTexto 15">
-            <a:extLst>
-              <a:ext uri="{FF2B5EF4-FFF2-40B4-BE49-F238E27FC236}">
-                <a16:creationId xmlns:a16="http://schemas.microsoft.com/office/drawing/2014/main" id="{F63DA47E-4B7E-4C3B-9E14-2EFB4F99BFAC}"/>
-              </a:ext>
-            </a:extLst>
-          </p:cNvPr>
-          <p:cNvSpPr txBox="1"/>
-          <p:nvPr/>
-        </p:nvSpPr>
-        <p:spPr>
-          <a:xfrm>
-            <a:off x="202991" y="2502853"/>
-            <a:ext cx="1311341" cy="261610"/>
-          </a:xfrm>
-          <a:prstGeom prst="rect">
-            <a:avLst/>
-          </a:prstGeom>
-          <a:noFill/>
-        </p:spPr>
-        <p:txBody>
-          <a:bodyPr wrap="square" rtlCol="0">
-            <a:spAutoFit/>
-          </a:bodyPr>
-          <a:lstStyle/>
-          <a:p>
-            <a:pPr algn="ctr"/>
-            <a:r>
-              <a:rPr lang="pt-BR" sz="1100" dirty="0" err="1"/>
-              <a:t>User</a:t>
-            </a:r>
-            <a:r>
-              <a:rPr lang="pt-BR" sz="1100" dirty="0"/>
-              <a:t> Stories</a:t>
-            </a:r>
-          </a:p>
-        </p:txBody>
-      </p:sp>
-      <p:pic>
-        <p:nvPicPr>
-          <p:cNvPr id="17" name="Picture 6" descr="Document icon">
-            <a:extLst>
-              <a:ext uri="{FF2B5EF4-FFF2-40B4-BE49-F238E27FC236}">
-                <a16:creationId xmlns:a16="http://schemas.microsoft.com/office/drawing/2014/main" id="{7BBD18A6-C81D-46FE-B5BC-7706F65A8808}"/>
-              </a:ext>
-            </a:extLst>
-          </p:cNvPr>
-          <p:cNvPicPr>
-            <a:picLocks noChangeAspect="1" noChangeArrowheads="1"/>
-          </p:cNvPicPr>
-          <p:nvPr/>
-        </p:nvPicPr>
-        <p:blipFill>
-          <a:blip r:embed="rId4">
-            <a:extLst>
-              <a:ext uri="{28A0092B-C50C-407E-A947-70E740481C1C}">
-                <a14:useLocalDpi xmlns:a14="http://schemas.microsoft.com/office/drawing/2010/main" val="0"/>
-              </a:ext>
-            </a:extLst>
-          </a:blip>
-          <a:srcRect/>
-          <a:stretch>
-            <a:fillRect/>
-          </a:stretch>
-        </p:blipFill>
-        <p:spPr bwMode="auto">
-          <a:xfrm>
-            <a:off x="-930333" y="5653698"/>
-            <a:ext cx="659283" cy="659283"/>
-          </a:xfrm>
-          <a:prstGeom prst="rect">
-            <a:avLst/>
-          </a:prstGeom>
-          <a:noFill/>
-          <a:extLst>
-            <a:ext uri="{909E8E84-426E-40DD-AFC4-6F175D3DCCD1}">
-              <a14:hiddenFill xmlns:a14="http://schemas.microsoft.com/office/drawing/2010/main">
-                <a:solidFill>
-                  <a:srgbClr val="FFFFFF"/>
-                </a:solidFill>
-              </a14:hiddenFill>
-            </a:ext>
-          </a:extLst>
-        </p:spPr>
-      </p:pic>
-      <p:sp>
-        <p:nvSpPr>
-          <p:cNvPr id="19" name="CaixaDeTexto 18">
-            <a:extLst>
-              <a:ext uri="{FF2B5EF4-FFF2-40B4-BE49-F238E27FC236}">
-                <a16:creationId xmlns:a16="http://schemas.microsoft.com/office/drawing/2014/main" id="{A2D351B7-7535-44D9-844A-1917AE1766DE}"/>
-              </a:ext>
-            </a:extLst>
-          </p:cNvPr>
-          <p:cNvSpPr txBox="1"/>
-          <p:nvPr/>
-        </p:nvSpPr>
-        <p:spPr>
-          <a:xfrm>
-            <a:off x="212949" y="4736087"/>
-            <a:ext cx="1311341" cy="261610"/>
-          </a:xfrm>
-          <a:prstGeom prst="rect">
-            <a:avLst/>
-          </a:prstGeom>
-          <a:noFill/>
-        </p:spPr>
-        <p:txBody>
-          <a:bodyPr wrap="square" rtlCol="0">
-            <a:spAutoFit/>
-          </a:bodyPr>
-          <a:lstStyle/>
-          <a:p>
-            <a:pPr algn="ctr"/>
-            <a:r>
-              <a:rPr lang="pt-BR" sz="1100" dirty="0"/>
-              <a:t>Entrevistas</a:t>
-            </a:r>
-          </a:p>
-        </p:txBody>
-      </p:sp>
+          </p:spPr>
+        </p:pic>
+        <p:sp>
+          <p:nvSpPr>
+            <p:cNvPr id="19" name="CaixaDeTexto 18">
+              <a:extLst>
+                <a:ext uri="{FF2B5EF4-FFF2-40B4-BE49-F238E27FC236}">
+                  <a16:creationId xmlns:a16="http://schemas.microsoft.com/office/drawing/2014/main" id="{A2D351B7-7535-44D9-844A-1917AE1766DE}"/>
+                </a:ext>
+              </a:extLst>
+            </p:cNvPr>
+            <p:cNvSpPr txBox="1"/>
+            <p:nvPr/>
+          </p:nvSpPr>
+          <p:spPr>
+            <a:xfrm>
+              <a:off x="5997006" y="8146831"/>
+              <a:ext cx="1311341" cy="261610"/>
+            </a:xfrm>
+            <a:prstGeom prst="rect">
+              <a:avLst/>
+            </a:prstGeom>
+            <a:noFill/>
+          </p:spPr>
+          <p:txBody>
+            <a:bodyPr wrap="square" rtlCol="0">
+              <a:spAutoFit/>
+            </a:bodyPr>
+            <a:lstStyle/>
+            <a:p>
+              <a:pPr algn="ctr"/>
+              <a:r>
+                <a:rPr lang="pt-BR" sz="1100" dirty="0">
+                  <a:latin typeface="Open Sans" panose="020B0606030504020204" pitchFamily="34" charset="0"/>
+                  <a:ea typeface="Open Sans" panose="020B0606030504020204" pitchFamily="34" charset="0"/>
+                  <a:cs typeface="Open Sans" panose="020B0606030504020204" pitchFamily="34" charset="0"/>
+                </a:rPr>
+                <a:t>Entrevistas</a:t>
+              </a:r>
+            </a:p>
+          </p:txBody>
+        </p:sp>
+      </p:grpSp>
       <p:grpSp>
         <p:nvGrpSpPr>
           <p:cNvPr id="12" name="Agrupar 11">
@@ -3977,7 +3736,7 @@
         </p:nvGrpSpPr>
         <p:grpSpPr>
           <a:xfrm>
-            <a:off x="2403825" y="1603682"/>
+            <a:off x="7391462" y="6567937"/>
             <a:ext cx="1437376" cy="1620846"/>
             <a:chOff x="2365725" y="1207890"/>
             <a:chExt cx="1437376" cy="1620846"/>
@@ -3998,7 +3757,7 @@
             <p:nvPr/>
           </p:nvPicPr>
           <p:blipFill>
-            <a:blip r:embed="rId5">
+            <a:blip r:embed="rId4">
               <a:duotone>
                 <a:prstClr val="black"/>
                 <a:srgbClr val="FF0000">
@@ -4051,7 +3810,11 @@
             <a:p>
               <a:pPr algn="ctr"/>
               <a:r>
-                <a:rPr lang="pt-BR" sz="1100" dirty="0"/>
+                <a:rPr lang="pt-BR" sz="1100" dirty="0">
+                  <a:latin typeface="Open Sans" panose="020B0606030504020204" pitchFamily="34" charset="0"/>
+                  <a:ea typeface="Open Sans" panose="020B0606030504020204" pitchFamily="34" charset="0"/>
+                  <a:cs typeface="Open Sans" panose="020B0606030504020204" pitchFamily="34" charset="0"/>
+                </a:rPr>
                 <a:t>Diagrama de Caso de Uso</a:t>
               </a:r>
             </a:p>
@@ -4072,10 +3835,10 @@
         </p:nvGrpSpPr>
         <p:grpSpPr>
           <a:xfrm>
-            <a:off x="2262802" y="4528681"/>
-            <a:ext cx="1757554" cy="1960810"/>
-            <a:chOff x="2224702" y="4132889"/>
-            <a:chExt cx="1757554" cy="1960810"/>
+            <a:off x="7250439" y="9842092"/>
+            <a:ext cx="1986508" cy="1916454"/>
+            <a:chOff x="2224702" y="4177245"/>
+            <a:chExt cx="1986508" cy="1916454"/>
           </a:xfrm>
         </p:grpSpPr>
         <p:pic>
@@ -4093,7 +3856,7 @@
             <p:nvPr/>
           </p:nvPicPr>
           <p:blipFill>
-            <a:blip r:embed="rId6">
+            <a:blip r:embed="rId5">
               <a:duotone>
                 <a:prstClr val="black"/>
                 <a:schemeClr val="accent4">
@@ -4108,7 +3871,7 @@
           </p:blipFill>
           <p:spPr>
             <a:xfrm>
-              <a:off x="2300902" y="4132889"/>
+              <a:off x="2481038" y="4177245"/>
               <a:ext cx="1567022" cy="1303411"/>
             </a:xfrm>
             <a:prstGeom prst="rect">
@@ -4131,7 +3894,7 @@
           <p:spPr>
             <a:xfrm>
               <a:off x="2224702" y="5493535"/>
-              <a:ext cx="1757554" cy="600164"/>
+              <a:ext cx="1986508" cy="600164"/>
             </a:xfrm>
             <a:prstGeom prst="rect">
               <a:avLst/>
@@ -4146,7 +3909,11 @@
             <a:p>
               <a:pPr algn="ctr"/>
               <a:r>
-                <a:rPr lang="pt-BR" sz="1100" dirty="0"/>
+                <a:rPr lang="pt-BR" sz="1100" dirty="0">
+                  <a:latin typeface="Open Sans" panose="020B0606030504020204" pitchFamily="34" charset="0"/>
+                  <a:ea typeface="Open Sans" panose="020B0606030504020204" pitchFamily="34" charset="0"/>
+                  <a:cs typeface="Open Sans" panose="020B0606030504020204" pitchFamily="34" charset="0"/>
+                </a:rPr>
                 <a:t>Modelo de Análise/Modelo Conceitual/ Diagrama de Domínio</a:t>
               </a:r>
             </a:p>
@@ -4167,7 +3934,7 @@
         </p:nvGrpSpPr>
         <p:grpSpPr>
           <a:xfrm>
-            <a:off x="7326250" y="1579338"/>
+            <a:off x="12938001" y="6543593"/>
             <a:ext cx="1954273" cy="1641414"/>
             <a:chOff x="7288150" y="1183546"/>
             <a:chExt cx="1954273" cy="1641414"/>
@@ -4188,7 +3955,7 @@
             <p:nvPr/>
           </p:nvPicPr>
           <p:blipFill>
-            <a:blip r:embed="rId7">
+            <a:blip r:embed="rId6">
               <a:duotone>
                 <a:prstClr val="black"/>
                 <a:srgbClr val="FF0000">
@@ -4241,7 +4008,11 @@
             <a:p>
               <a:pPr algn="ctr"/>
               <a:r>
-                <a:rPr lang="pt-BR" sz="1100" dirty="0"/>
+                <a:rPr lang="pt-BR" sz="1100" dirty="0">
+                  <a:latin typeface="Open Sans" panose="020B0606030504020204" pitchFamily="34" charset="0"/>
+                  <a:ea typeface="Open Sans" panose="020B0606030504020204" pitchFamily="34" charset="0"/>
+                  <a:cs typeface="Open Sans" panose="020B0606030504020204" pitchFamily="34" charset="0"/>
+                </a:rPr>
                 <a:t>Diagrama de Sequência</a:t>
               </a:r>
             </a:p>
@@ -4262,10 +4033,10 @@
         </p:nvGrpSpPr>
         <p:grpSpPr>
           <a:xfrm>
-            <a:off x="7443800" y="4269160"/>
-            <a:ext cx="1608091" cy="2225164"/>
+            <a:off x="15430714" y="9525766"/>
+            <a:ext cx="1608091" cy="2394441"/>
             <a:chOff x="7405700" y="3873368"/>
-            <a:chExt cx="1608091" cy="2225164"/>
+            <a:chExt cx="1608091" cy="2394441"/>
           </a:xfrm>
         </p:grpSpPr>
         <p:pic>
@@ -4283,7 +4054,7 @@
             <p:nvPr/>
           </p:nvPicPr>
           <p:blipFill>
-            <a:blip r:embed="rId8">
+            <a:blip r:embed="rId7">
               <a:duotone>
                 <a:prstClr val="black"/>
                 <a:schemeClr val="accent4">
@@ -4321,7 +4092,7 @@
           <p:spPr>
             <a:xfrm>
               <a:off x="7554074" y="5667645"/>
-              <a:ext cx="1311341" cy="430887"/>
+              <a:ext cx="1311341" cy="600164"/>
             </a:xfrm>
             <a:prstGeom prst="rect">
               <a:avLst/>
@@ -4336,8 +4107,12 @@
             <a:p>
               <a:pPr algn="ctr"/>
               <a:r>
-                <a:rPr lang="pt-BR" sz="1100" dirty="0"/>
-                <a:t>Diagrama de Classes</a:t>
+                <a:rPr lang="pt-BR" sz="1100" dirty="0">
+                  <a:latin typeface="Open Sans" panose="020B0606030504020204" pitchFamily="34" charset="0"/>
+                  <a:ea typeface="Open Sans" panose="020B0606030504020204" pitchFamily="34" charset="0"/>
+                  <a:cs typeface="Open Sans" panose="020B0606030504020204" pitchFamily="34" charset="0"/>
+                </a:rPr>
+                <a:t>Diagrama de Classes (de projeto)</a:t>
               </a:r>
             </a:p>
           </p:txBody>
@@ -4357,7 +4132,7 @@
         </p:nvGrpSpPr>
         <p:grpSpPr>
           <a:xfrm>
-            <a:off x="10518332" y="1820771"/>
+            <a:off x="19251562" y="7089827"/>
             <a:ext cx="1194696" cy="920223"/>
             <a:chOff x="10480232" y="1424979"/>
             <a:chExt cx="1194696" cy="920223"/>
@@ -4378,7 +4153,7 @@
             <p:nvPr/>
           </p:nvPicPr>
           <p:blipFill>
-            <a:blip r:embed="rId9">
+            <a:blip r:embed="rId8">
               <a:extLst>
                 <a:ext uri="{28A0092B-C50C-407E-A947-70E740481C1C}">
                   <a14:useLocalDpi xmlns:a14="http://schemas.microsoft.com/office/drawing/2010/main" val="0"/>
@@ -4440,7 +4215,11 @@
             <a:p>
               <a:pPr algn="ctr"/>
               <a:r>
-                <a:rPr lang="pt-BR" sz="1100" dirty="0"/>
+                <a:rPr lang="pt-BR" sz="1100" dirty="0">
+                  <a:latin typeface="Open Sans" panose="020B0606030504020204" pitchFamily="34" charset="0"/>
+                  <a:ea typeface="Open Sans" panose="020B0606030504020204" pitchFamily="34" charset="0"/>
+                  <a:cs typeface="Open Sans" panose="020B0606030504020204" pitchFamily="34" charset="0"/>
+                </a:rPr>
                 <a:t>Codificação</a:t>
               </a:r>
             </a:p>
@@ -4461,10 +4240,10 @@
         </p:nvGrpSpPr>
         <p:grpSpPr>
           <a:xfrm>
-            <a:off x="10412384" y="4276896"/>
-            <a:ext cx="1311341" cy="958435"/>
-            <a:chOff x="10374284" y="3881104"/>
-            <a:chExt cx="1311341" cy="958435"/>
+            <a:off x="19033699" y="9727490"/>
+            <a:ext cx="1311341" cy="800872"/>
+            <a:chOff x="10337017" y="3884792"/>
+            <a:chExt cx="1311341" cy="800872"/>
           </a:xfrm>
         </p:grpSpPr>
         <p:pic>
@@ -4482,7 +4261,7 @@
             <p:nvPr/>
           </p:nvPicPr>
           <p:blipFill>
-            <a:blip r:embed="rId10">
+            <a:blip r:embed="rId9">
               <a:extLst>
                 <a:ext uri="{28A0092B-C50C-407E-A947-70E740481C1C}">
                   <a14:useLocalDpi xmlns:a14="http://schemas.microsoft.com/office/drawing/2010/main" val="0"/>
@@ -4496,8 +4275,8 @@
           </p:blipFill>
           <p:spPr bwMode="auto">
             <a:xfrm>
-              <a:off x="10651960" y="3881104"/>
-              <a:ext cx="749398" cy="749398"/>
+              <a:off x="10700439" y="3884792"/>
+              <a:ext cx="570311" cy="570311"/>
             </a:xfrm>
             <a:prstGeom prst="rect">
               <a:avLst/>
@@ -4529,7 +4308,7 @@
           </p:nvSpPr>
           <p:spPr>
             <a:xfrm>
-              <a:off x="10374284" y="4577929"/>
+              <a:off x="10337017" y="4424054"/>
               <a:ext cx="1311341" cy="261610"/>
             </a:xfrm>
             <a:prstGeom prst="rect">
@@ -4545,103 +4324,17 @@
             <a:p>
               <a:pPr algn="ctr"/>
               <a:r>
-                <a:rPr lang="pt-BR" sz="1100" dirty="0"/>
+                <a:rPr lang="pt-BR" sz="1100" dirty="0">
+                  <a:latin typeface="Open Sans" panose="020B0606030504020204" pitchFamily="34" charset="0"/>
+                  <a:ea typeface="Open Sans" panose="020B0606030504020204" pitchFamily="34" charset="0"/>
+                  <a:cs typeface="Open Sans" panose="020B0606030504020204" pitchFamily="34" charset="0"/>
+                </a:rPr>
                 <a:t>Testes</a:t>
               </a:r>
             </a:p>
           </p:txBody>
         </p:sp>
       </p:grpSp>
-      <p:cxnSp>
-        <p:nvCxnSpPr>
-          <p:cNvPr id="13" name="Conector de Seta Reta 12">
-            <a:extLst>
-              <a:ext uri="{FF2B5EF4-FFF2-40B4-BE49-F238E27FC236}">
-                <a16:creationId xmlns:a16="http://schemas.microsoft.com/office/drawing/2014/main" id="{44C8245B-3861-45E9-94F5-95BB66003A0E}"/>
-              </a:ext>
-            </a:extLst>
-          </p:cNvPr>
-          <p:cNvCxnSpPr>
-            <a:stCxn id="1032" idx="3"/>
-            <a:endCxn id="4" idx="1"/>
-          </p:cNvCxnSpPr>
-          <p:nvPr/>
-        </p:nvCxnSpPr>
-        <p:spPr>
-          <a:xfrm flipV="1">
-            <a:off x="1188304" y="2198662"/>
-            <a:ext cx="1215521" cy="2315077"/>
-          </a:xfrm>
-          <a:prstGeom prst="straightConnector1">
-            <a:avLst/>
-          </a:prstGeom>
-          <a:ln w="38100">
-            <a:solidFill>
-              <a:srgbClr val="3366FF"/>
-            </a:solidFill>
-            <a:tailEnd type="triangle"/>
-          </a:ln>
-        </p:spPr>
-        <p:style>
-          <a:lnRef idx="1">
-            <a:schemeClr val="accent1"/>
-          </a:lnRef>
-          <a:fillRef idx="0">
-            <a:schemeClr val="accent1"/>
-          </a:fillRef>
-          <a:effectRef idx="0">
-            <a:schemeClr val="accent1"/>
-          </a:effectRef>
-          <a:fontRef idx="minor">
-            <a:schemeClr val="tx1"/>
-          </a:fontRef>
-        </p:style>
-      </p:cxnSp>
-      <p:cxnSp>
-        <p:nvCxnSpPr>
-          <p:cNvPr id="15" name="Conector de Seta Reta 14">
-            <a:extLst>
-              <a:ext uri="{FF2B5EF4-FFF2-40B4-BE49-F238E27FC236}">
-                <a16:creationId xmlns:a16="http://schemas.microsoft.com/office/drawing/2014/main" id="{EDBFA7A1-8166-44F9-A940-C2BB9D7F5FD3}"/>
-              </a:ext>
-            </a:extLst>
-          </p:cNvPr>
-          <p:cNvCxnSpPr>
-            <a:stCxn id="1034" idx="3"/>
-            <a:endCxn id="4" idx="1"/>
-          </p:cNvCxnSpPr>
-          <p:nvPr/>
-        </p:nvCxnSpPr>
-        <p:spPr>
-          <a:xfrm flipV="1">
-            <a:off x="1193489" y="2198662"/>
-            <a:ext cx="1210336" cy="1060986"/>
-          </a:xfrm>
-          <a:prstGeom prst="straightConnector1">
-            <a:avLst/>
-          </a:prstGeom>
-          <a:ln w="38100">
-            <a:solidFill>
-              <a:srgbClr val="3366FF"/>
-            </a:solidFill>
-            <a:tailEnd type="triangle"/>
-          </a:ln>
-        </p:spPr>
-        <p:style>
-          <a:lnRef idx="1">
-            <a:schemeClr val="accent1"/>
-          </a:lnRef>
-          <a:fillRef idx="0">
-            <a:schemeClr val="accent1"/>
-          </a:fillRef>
-          <a:effectRef idx="0">
-            <a:schemeClr val="accent1"/>
-          </a:effectRef>
-          <a:fontRef idx="minor">
-            <a:schemeClr val="tx1"/>
-          </a:fontRef>
-        </p:style>
-      </p:cxnSp>
       <p:cxnSp>
         <p:nvCxnSpPr>
           <p:cNvPr id="28" name="Conector de Seta Reta 27">
@@ -4653,65 +4346,20 @@
           </p:cNvPr>
           <p:cNvCxnSpPr>
             <a:cxnSpLocks/>
-            <a:stCxn id="2" idx="3"/>
-            <a:endCxn id="4" idx="1"/>
+            <a:stCxn id="4" idx="0"/>
+            <a:endCxn id="54" idx="2"/>
           </p:cNvCxnSpPr>
           <p:nvPr/>
         </p:nvCxnSpPr>
         <p:spPr>
-          <a:xfrm>
-            <a:off x="1287647" y="2182964"/>
-            <a:ext cx="1116178" cy="15698"/>
+          <a:xfrm flipV="1">
+            <a:off x="8110150" y="5777695"/>
+            <a:ext cx="1978" cy="790242"/>
           </a:xfrm>
           <a:prstGeom prst="straightConnector1">
             <a:avLst/>
           </a:prstGeom>
           <a:ln w="76200">
-            <a:solidFill>
-              <a:srgbClr val="3366FF"/>
-            </a:solidFill>
-            <a:tailEnd type="triangle"/>
-          </a:ln>
-        </p:spPr>
-        <p:style>
-          <a:lnRef idx="1">
-            <a:schemeClr val="accent1"/>
-          </a:lnRef>
-          <a:fillRef idx="0">
-            <a:schemeClr val="accent1"/>
-          </a:fillRef>
-          <a:effectRef idx="0">
-            <a:schemeClr val="accent1"/>
-          </a:effectRef>
-          <a:fontRef idx="minor">
-            <a:schemeClr val="tx1"/>
-          </a:fontRef>
-        </p:style>
-      </p:cxnSp>
-      <p:cxnSp>
-        <p:nvCxnSpPr>
-          <p:cNvPr id="31" name="Conector de Seta Reta 30">
-            <a:extLst>
-              <a:ext uri="{FF2B5EF4-FFF2-40B4-BE49-F238E27FC236}">
-                <a16:creationId xmlns:a16="http://schemas.microsoft.com/office/drawing/2014/main" id="{BDECB0BA-B2C2-448C-83AD-9A5DFA2A4741}"/>
-              </a:ext>
-            </a:extLst>
-          </p:cNvPr>
-          <p:cNvCxnSpPr>
-            <a:stCxn id="20" idx="2"/>
-            <a:endCxn id="5" idx="0"/>
-          </p:cNvCxnSpPr>
-          <p:nvPr/>
-        </p:nvCxnSpPr>
-        <p:spPr>
-          <a:xfrm>
-            <a:off x="3114517" y="3224528"/>
-            <a:ext cx="7996" cy="1304153"/>
-          </a:xfrm>
-          <a:prstGeom prst="straightConnector1">
-            <a:avLst/>
-          </a:prstGeom>
-          <a:ln w="38100">
             <a:solidFill>
               <a:srgbClr val="3366FF"/>
             </a:solidFill>
@@ -4751,13 +4399,13 @@
         </p:nvCxnSpPr>
         <p:spPr>
           <a:xfrm flipV="1">
-            <a:off x="3841201" y="2195888"/>
-            <a:ext cx="879535" cy="2774"/>
+            <a:off x="8828838" y="7160144"/>
+            <a:ext cx="1451035" cy="2773"/>
           </a:xfrm>
           <a:prstGeom prst="straightConnector1">
             <a:avLst/>
           </a:prstGeom>
-          <a:ln w="38100">
+          <a:ln w="76200">
             <a:solidFill>
               <a:srgbClr val="3366FF"/>
             </a:solidFill>
@@ -4797,194 +4445,13 @@
         </p:nvCxnSpPr>
         <p:spPr>
           <a:xfrm flipV="1">
-            <a:off x="6360728" y="2195127"/>
-            <a:ext cx="965522" cy="761"/>
+            <a:off x="11919865" y="7159382"/>
+            <a:ext cx="1018136" cy="762"/>
           </a:xfrm>
           <a:prstGeom prst="straightConnector1">
             <a:avLst/>
           </a:prstGeom>
           <a:ln w="76200">
-            <a:solidFill>
-              <a:srgbClr val="3366FF"/>
-            </a:solidFill>
-            <a:tailEnd type="triangle"/>
-          </a:ln>
-        </p:spPr>
-        <p:style>
-          <a:lnRef idx="1">
-            <a:schemeClr val="accent1"/>
-          </a:lnRef>
-          <a:fillRef idx="0">
-            <a:schemeClr val="accent1"/>
-          </a:fillRef>
-          <a:effectRef idx="0">
-            <a:schemeClr val="accent1"/>
-          </a:effectRef>
-          <a:fontRef idx="minor">
-            <a:schemeClr val="tx1"/>
-          </a:fontRef>
-        </p:style>
-      </p:cxnSp>
-      <p:cxnSp>
-        <p:nvCxnSpPr>
-          <p:cNvPr id="1037" name="Conector de Seta Reta 1036">
-            <a:extLst>
-              <a:ext uri="{FF2B5EF4-FFF2-40B4-BE49-F238E27FC236}">
-                <a16:creationId xmlns:a16="http://schemas.microsoft.com/office/drawing/2014/main" id="{AE6CD1E1-6451-4AF9-A5AC-C1A6ECE59ABD}"/>
-              </a:ext>
-            </a:extLst>
-          </p:cNvPr>
-          <p:cNvCxnSpPr>
-            <a:stCxn id="23" idx="2"/>
-            <a:endCxn id="8" idx="0"/>
-          </p:cNvCxnSpPr>
-          <p:nvPr/>
-        </p:nvCxnSpPr>
-        <p:spPr>
-          <a:xfrm>
-            <a:off x="8247846" y="3220752"/>
-            <a:ext cx="0" cy="1048408"/>
-          </a:xfrm>
-          <a:prstGeom prst="straightConnector1">
-            <a:avLst/>
-          </a:prstGeom>
-          <a:ln w="76200">
-            <a:solidFill>
-              <a:srgbClr val="3366FF"/>
-            </a:solidFill>
-            <a:tailEnd type="triangle"/>
-          </a:ln>
-        </p:spPr>
-        <p:style>
-          <a:lnRef idx="1">
-            <a:schemeClr val="accent1"/>
-          </a:lnRef>
-          <a:fillRef idx="0">
-            <a:schemeClr val="accent1"/>
-          </a:fillRef>
-          <a:effectRef idx="0">
-            <a:schemeClr val="accent1"/>
-          </a:effectRef>
-          <a:fontRef idx="minor">
-            <a:schemeClr val="tx1"/>
-          </a:fontRef>
-        </p:style>
-      </p:cxnSp>
-      <p:cxnSp>
-        <p:nvCxnSpPr>
-          <p:cNvPr id="1040" name="Conector de Seta Reta 1039">
-            <a:extLst>
-              <a:ext uri="{FF2B5EF4-FFF2-40B4-BE49-F238E27FC236}">
-                <a16:creationId xmlns:a16="http://schemas.microsoft.com/office/drawing/2014/main" id="{94A3BF98-4F41-4FD1-AEEE-4BB496874BDD}"/>
-              </a:ext>
-            </a:extLst>
-          </p:cNvPr>
-          <p:cNvCxnSpPr>
-            <a:cxnSpLocks/>
-            <a:stCxn id="5" idx="3"/>
-            <a:endCxn id="68" idx="1"/>
-          </p:cNvCxnSpPr>
-          <p:nvPr/>
-        </p:nvCxnSpPr>
-        <p:spPr>
-          <a:xfrm flipV="1">
-            <a:off x="3906024" y="2195888"/>
-            <a:ext cx="814712" cy="2984499"/>
-          </a:xfrm>
-          <a:prstGeom prst="straightConnector1">
-            <a:avLst/>
-          </a:prstGeom>
-          <a:ln w="38100">
-            <a:solidFill>
-              <a:srgbClr val="3366FF"/>
-            </a:solidFill>
-            <a:tailEnd type="triangle"/>
-          </a:ln>
-        </p:spPr>
-        <p:style>
-          <a:lnRef idx="1">
-            <a:schemeClr val="accent1"/>
-          </a:lnRef>
-          <a:fillRef idx="0">
-            <a:schemeClr val="accent1"/>
-          </a:fillRef>
-          <a:effectRef idx="0">
-            <a:schemeClr val="accent1"/>
-          </a:effectRef>
-          <a:fontRef idx="minor">
-            <a:schemeClr val="tx1"/>
-          </a:fontRef>
-        </p:style>
-      </p:cxnSp>
-      <p:cxnSp>
-        <p:nvCxnSpPr>
-          <p:cNvPr id="1042" name="Conector de Seta Reta 1041">
-            <a:extLst>
-              <a:ext uri="{FF2B5EF4-FFF2-40B4-BE49-F238E27FC236}">
-                <a16:creationId xmlns:a16="http://schemas.microsoft.com/office/drawing/2014/main" id="{4B98AF76-2924-4C62-8715-850A3779785B}"/>
-              </a:ext>
-            </a:extLst>
-          </p:cNvPr>
-          <p:cNvCxnSpPr>
-            <a:stCxn id="7" idx="3"/>
-            <a:endCxn id="1026" idx="1"/>
-          </p:cNvCxnSpPr>
-          <p:nvPr/>
-        </p:nvCxnSpPr>
-        <p:spPr>
-          <a:xfrm>
-            <a:off x="9280523" y="2195127"/>
-            <a:ext cx="1383368" cy="343"/>
-          </a:xfrm>
-          <a:prstGeom prst="straightConnector1">
-            <a:avLst/>
-          </a:prstGeom>
-          <a:ln w="76200">
-            <a:solidFill>
-              <a:srgbClr val="3366FF"/>
-            </a:solidFill>
-            <a:tailEnd type="triangle"/>
-          </a:ln>
-        </p:spPr>
-        <p:style>
-          <a:lnRef idx="1">
-            <a:schemeClr val="accent1"/>
-          </a:lnRef>
-          <a:fillRef idx="0">
-            <a:schemeClr val="accent1"/>
-          </a:fillRef>
-          <a:effectRef idx="0">
-            <a:schemeClr val="accent1"/>
-          </a:effectRef>
-          <a:fontRef idx="minor">
-            <a:schemeClr val="tx1"/>
-          </a:fontRef>
-        </p:style>
-      </p:cxnSp>
-      <p:cxnSp>
-        <p:nvCxnSpPr>
-          <p:cNvPr id="1044" name="Conector de Seta Reta 1043">
-            <a:extLst>
-              <a:ext uri="{FF2B5EF4-FFF2-40B4-BE49-F238E27FC236}">
-                <a16:creationId xmlns:a16="http://schemas.microsoft.com/office/drawing/2014/main" id="{BD2CA117-4E84-4B9B-9DCD-B2AB65589F32}"/>
-              </a:ext>
-            </a:extLst>
-          </p:cNvPr>
-          <p:cNvCxnSpPr>
-            <a:stCxn id="8" idx="3"/>
-            <a:endCxn id="1026" idx="1"/>
-          </p:cNvCxnSpPr>
-          <p:nvPr/>
-        </p:nvCxnSpPr>
-        <p:spPr>
-          <a:xfrm flipV="1">
-            <a:off x="9051891" y="2195470"/>
-            <a:ext cx="1612000" cy="2983317"/>
-          </a:xfrm>
-          <a:prstGeom prst="straightConnector1">
-            <a:avLst/>
-          </a:prstGeom>
-          <a:ln w="38100">
             <a:solidFill>
               <a:srgbClr val="3366FF"/>
             </a:solidFill>
@@ -5022,15 +4489,15 @@
         </p:nvCxnSpPr>
         <p:spPr>
           <a:xfrm rot="10800000" flipH="1" flipV="1">
-            <a:off x="10518332" y="2610189"/>
+            <a:off x="19190509" y="7651254"/>
             <a:ext cx="171728" cy="2041406"/>
           </a:xfrm>
           <a:prstGeom prst="curvedConnector3">
             <a:avLst>
-              <a:gd name="adj1" fmla="val -133117"/>
+              <a:gd name="adj1" fmla="val -217425"/>
             </a:avLst>
           </a:prstGeom>
-          <a:ln w="38100">
+          <a:ln w="76200">
             <a:solidFill>
               <a:srgbClr val="3366FF"/>
             </a:solidFill>
@@ -5068,7 +4535,7 @@
         </p:nvCxnSpPr>
         <p:spPr>
           <a:xfrm flipV="1">
-            <a:off x="11439458" y="2610189"/>
+            <a:off x="20044678" y="7653435"/>
             <a:ext cx="273570" cy="2041406"/>
           </a:xfrm>
           <a:prstGeom prst="curvedConnector3">
@@ -5076,7 +4543,7 @@
               <a:gd name="adj1" fmla="val 183562"/>
             </a:avLst>
           </a:prstGeom>
-          <a:ln w="38100">
+          <a:ln w="76200">
             <a:solidFill>
               <a:srgbClr val="3366FF"/>
             </a:solidFill>
@@ -5098,248 +4565,129 @@
           </a:fontRef>
         </p:style>
       </p:cxnSp>
-      <p:sp>
-        <p:nvSpPr>
-          <p:cNvPr id="1079" name="CaixaDeTexto 1078">
+      <p:grpSp>
+        <p:nvGrpSpPr>
+          <p:cNvPr id="1024" name="Agrupar 1023">
             <a:extLst>
               <a:ext uri="{FF2B5EF4-FFF2-40B4-BE49-F238E27FC236}">
-                <a16:creationId xmlns:a16="http://schemas.microsoft.com/office/drawing/2014/main" id="{7A95E6E8-253C-469D-B9F3-9F9698B14745}"/>
+                <a16:creationId xmlns:a16="http://schemas.microsoft.com/office/drawing/2014/main" id="{1BC6E0D0-C610-4FD6-B6C9-4F0F3E5D0832}"/>
               </a:ext>
             </a:extLst>
           </p:cNvPr>
-          <p:cNvSpPr txBox="1"/>
+          <p:cNvGrpSpPr/>
           <p:nvPr/>
-        </p:nvSpPr>
-        <p:spPr>
+        </p:nvGrpSpPr>
+        <p:grpSpPr>
           <a:xfrm>
-            <a:off x="6646305" y="1782671"/>
-            <a:ext cx="413896" cy="646331"/>
+            <a:off x="4452639" y="5770230"/>
+            <a:ext cx="1311341" cy="901387"/>
+            <a:chOff x="5987048" y="5273820"/>
+            <a:chExt cx="1311341" cy="901387"/>
           </a:xfrm>
-          <a:prstGeom prst="rect">
-            <a:avLst/>
-          </a:prstGeom>
-          <a:noFill/>
-          <a:ln>
+        </p:grpSpPr>
+        <p:sp>
+          <p:nvSpPr>
+            <p:cNvPr id="16" name="CaixaDeTexto 15">
+              <a:extLst>
+                <a:ext uri="{FF2B5EF4-FFF2-40B4-BE49-F238E27FC236}">
+                  <a16:creationId xmlns:a16="http://schemas.microsoft.com/office/drawing/2014/main" id="{F63DA47E-4B7E-4C3B-9E14-2EFB4F99BFAC}"/>
+                </a:ext>
+              </a:extLst>
+            </p:cNvPr>
+            <p:cNvSpPr txBox="1"/>
+            <p:nvPr/>
+          </p:nvSpPr>
+          <p:spPr>
+            <a:xfrm>
+              <a:off x="5987048" y="5913597"/>
+              <a:ext cx="1311341" cy="261610"/>
+            </a:xfrm>
+            <a:prstGeom prst="rect">
+              <a:avLst/>
+            </a:prstGeom>
             <a:noFill/>
-          </a:ln>
-        </p:spPr>
-        <p:txBody>
-          <a:bodyPr wrap="none" rtlCol="0">
-            <a:spAutoFit/>
-          </a:bodyPr>
-          <a:lstStyle/>
-          <a:p>
-            <a:r>
-              <a:rPr lang="pt-BR" sz="3600" dirty="0">
-                <a:solidFill>
-                  <a:srgbClr val="3366FF"/>
-                </a:solidFill>
-              </a:rPr>
-              <a:t>*</a:t>
-            </a:r>
-            <a:endParaRPr lang="pt-BR" dirty="0">
-              <a:solidFill>
-                <a:srgbClr val="3366FF"/>
-              </a:solidFill>
-            </a:endParaRPr>
-          </a:p>
-        </p:txBody>
-      </p:sp>
-      <p:sp>
-        <p:nvSpPr>
-          <p:cNvPr id="95" name="CaixaDeTexto 94">
+          </p:spPr>
+          <p:txBody>
+            <a:bodyPr wrap="square" rtlCol="0">
+              <a:spAutoFit/>
+            </a:bodyPr>
+            <a:lstStyle/>
+            <a:p>
+              <a:pPr algn="ctr"/>
+              <a:r>
+                <a:rPr lang="pt-BR" sz="1100" dirty="0" err="1">
+                  <a:latin typeface="Open Sans" panose="020B0606030504020204" pitchFamily="34" charset="0"/>
+                  <a:ea typeface="Open Sans" panose="020B0606030504020204" pitchFamily="34" charset="0"/>
+                  <a:cs typeface="Open Sans" panose="020B0606030504020204" pitchFamily="34" charset="0"/>
+                </a:rPr>
+                <a:t>User</a:t>
+              </a:r>
+              <a:r>
+                <a:rPr lang="pt-BR" sz="1100" dirty="0">
+                  <a:latin typeface="Open Sans" panose="020B0606030504020204" pitchFamily="34" charset="0"/>
+                  <a:ea typeface="Open Sans" panose="020B0606030504020204" pitchFamily="34" charset="0"/>
+                  <a:cs typeface="Open Sans" panose="020B0606030504020204" pitchFamily="34" charset="0"/>
+                </a:rPr>
+                <a:t> Stories</a:t>
+              </a:r>
+            </a:p>
+          </p:txBody>
+        </p:sp>
+        <p:pic>
+          <p:nvPicPr>
+            <p:cNvPr id="2" name="Picture 2" descr="Exemplo de User Story, representando uma necessidade do usuÃ¡rio">
+              <a:extLst>
+                <a:ext uri="{FF2B5EF4-FFF2-40B4-BE49-F238E27FC236}">
+                  <a16:creationId xmlns:a16="http://schemas.microsoft.com/office/drawing/2014/main" id="{0B73B2CE-DC9F-43A1-9D32-D15AA2A6C7CE}"/>
+                </a:ext>
+              </a:extLst>
+            </p:cNvPr>
+            <p:cNvPicPr>
+              <a:picLocks noChangeAspect="1" noChangeArrowheads="1"/>
+            </p:cNvPicPr>
+            <p:nvPr/>
+          </p:nvPicPr>
+          <p:blipFill>
+            <a:blip r:embed="rId10">
+              <a:duotone>
+                <a:prstClr val="black"/>
+                <a:schemeClr val="accent6">
+                  <a:tint val="45000"/>
+                  <a:satMod val="400000"/>
+                </a:schemeClr>
+              </a:duotone>
+              <a:extLst>
+                <a:ext uri="{28A0092B-C50C-407E-A947-70E740481C1C}">
+                  <a14:useLocalDpi xmlns:a14="http://schemas.microsoft.com/office/drawing/2010/main" val="0"/>
+                </a:ext>
+              </a:extLst>
+            </a:blip>
+            <a:srcRect/>
+            <a:stretch>
+              <a:fillRect/>
+            </a:stretch>
+          </p:blipFill>
+          <p:spPr bwMode="auto">
+            <a:xfrm>
+              <a:off x="6087431" y="5273820"/>
+              <a:ext cx="984273" cy="639777"/>
+            </a:xfrm>
+            <a:prstGeom prst="rect">
+              <a:avLst/>
+            </a:prstGeom>
+            <a:noFill/>
             <a:extLst>
-              <a:ext uri="{FF2B5EF4-FFF2-40B4-BE49-F238E27FC236}">
-                <a16:creationId xmlns:a16="http://schemas.microsoft.com/office/drawing/2014/main" id="{FD78E052-50DB-440C-9AA3-DC4D31394549}"/>
+              <a:ext uri="{909E8E84-426E-40DD-AFC4-6F175D3DCCD1}">
+                <a14:hiddenFill xmlns:a14="http://schemas.microsoft.com/office/drawing/2010/main">
+                  <a:solidFill>
+                    <a:srgbClr val="FFFFFF"/>
+                  </a:solidFill>
+                </a14:hiddenFill>
               </a:ext>
             </a:extLst>
-          </p:cNvPr>
-          <p:cNvSpPr txBox="1"/>
-          <p:nvPr/>
-        </p:nvSpPr>
-        <p:spPr>
-          <a:xfrm>
-            <a:off x="9549508" y="1782671"/>
-            <a:ext cx="413896" cy="646331"/>
-          </a:xfrm>
-          <a:prstGeom prst="rect">
-            <a:avLst/>
-          </a:prstGeom>
-          <a:noFill/>
-          <a:ln>
-            <a:noFill/>
-          </a:ln>
-        </p:spPr>
-        <p:txBody>
-          <a:bodyPr wrap="none" rtlCol="0">
-            <a:spAutoFit/>
-          </a:bodyPr>
-          <a:lstStyle/>
-          <a:p>
-            <a:r>
-              <a:rPr lang="pt-BR" sz="3600" dirty="0">
-                <a:solidFill>
-                  <a:srgbClr val="3366FF"/>
-                </a:solidFill>
-              </a:rPr>
-              <a:t>*</a:t>
-            </a:r>
-            <a:endParaRPr lang="pt-BR" dirty="0">
-              <a:solidFill>
-                <a:srgbClr val="3366FF"/>
-              </a:solidFill>
-            </a:endParaRPr>
-          </a:p>
-        </p:txBody>
-      </p:sp>
-      <p:sp>
-        <p:nvSpPr>
-          <p:cNvPr id="96" name="CaixaDeTexto 95">
-            <a:extLst>
-              <a:ext uri="{FF2B5EF4-FFF2-40B4-BE49-F238E27FC236}">
-                <a16:creationId xmlns:a16="http://schemas.microsoft.com/office/drawing/2014/main" id="{75C0895D-D011-4FC6-BBB5-DBBAF4997E4C}"/>
-              </a:ext>
-            </a:extLst>
-          </p:cNvPr>
-          <p:cNvSpPr txBox="1"/>
-          <p:nvPr/>
-        </p:nvSpPr>
-        <p:spPr>
-          <a:xfrm>
-            <a:off x="7834131" y="3232706"/>
-            <a:ext cx="413896" cy="646331"/>
-          </a:xfrm>
-          <a:prstGeom prst="rect">
-            <a:avLst/>
-          </a:prstGeom>
-          <a:noFill/>
-          <a:ln>
-            <a:noFill/>
-          </a:ln>
-        </p:spPr>
-        <p:txBody>
-          <a:bodyPr wrap="none" rtlCol="0">
-            <a:spAutoFit/>
-          </a:bodyPr>
-          <a:lstStyle/>
-          <a:p>
-            <a:r>
-              <a:rPr lang="pt-BR" sz="3600" dirty="0">
-                <a:solidFill>
-                  <a:srgbClr val="3366FF"/>
-                </a:solidFill>
-              </a:rPr>
-              <a:t>*</a:t>
-            </a:r>
-            <a:endParaRPr lang="pt-BR" dirty="0">
-              <a:solidFill>
-                <a:srgbClr val="3366FF"/>
-              </a:solidFill>
-            </a:endParaRPr>
-          </a:p>
-        </p:txBody>
-      </p:sp>
-      <p:sp>
-        <p:nvSpPr>
-          <p:cNvPr id="110" name="CaixaDeTexto 109">
-            <a:extLst>
-              <a:ext uri="{FF2B5EF4-FFF2-40B4-BE49-F238E27FC236}">
-                <a16:creationId xmlns:a16="http://schemas.microsoft.com/office/drawing/2014/main" id="{450D8230-76D4-4176-A8CF-5604CE5CD777}"/>
-              </a:ext>
-            </a:extLst>
-          </p:cNvPr>
-          <p:cNvSpPr txBox="1"/>
-          <p:nvPr/>
-        </p:nvSpPr>
-        <p:spPr>
-          <a:xfrm>
-            <a:off x="1530795" y="1820771"/>
-            <a:ext cx="413896" cy="646331"/>
-          </a:xfrm>
-          <a:prstGeom prst="rect">
-            <a:avLst/>
-          </a:prstGeom>
-          <a:noFill/>
-          <a:ln>
-            <a:noFill/>
-          </a:ln>
-        </p:spPr>
-        <p:txBody>
-          <a:bodyPr wrap="none" rtlCol="0">
-            <a:spAutoFit/>
-          </a:bodyPr>
-          <a:lstStyle/>
-          <a:p>
-            <a:r>
-              <a:rPr lang="pt-BR" sz="3600" dirty="0">
-                <a:solidFill>
-                  <a:srgbClr val="3366FF"/>
-                </a:solidFill>
-              </a:rPr>
-              <a:t>*</a:t>
-            </a:r>
-            <a:endParaRPr lang="pt-BR" dirty="0">
-              <a:solidFill>
-                <a:srgbClr val="3366FF"/>
-              </a:solidFill>
-            </a:endParaRPr>
-          </a:p>
-        </p:txBody>
-      </p:sp>
-      <p:pic>
-        <p:nvPicPr>
-          <p:cNvPr id="2" name="Picture 2" descr="Exemplo de User Story, representando uma necessidade do usuÃ¡rio">
-            <a:extLst>
-              <a:ext uri="{FF2B5EF4-FFF2-40B4-BE49-F238E27FC236}">
-                <a16:creationId xmlns:a16="http://schemas.microsoft.com/office/drawing/2014/main" id="{0B73B2CE-DC9F-43A1-9D32-D15AA2A6C7CE}"/>
-              </a:ext>
-            </a:extLst>
-          </p:cNvPr>
-          <p:cNvPicPr>
-            <a:picLocks noChangeAspect="1" noChangeArrowheads="1"/>
-          </p:cNvPicPr>
-          <p:nvPr/>
-        </p:nvPicPr>
-        <p:blipFill>
-          <a:blip r:embed="rId11">
-            <a:duotone>
-              <a:prstClr val="black"/>
-              <a:schemeClr val="accent6">
-                <a:tint val="45000"/>
-                <a:satMod val="400000"/>
-              </a:schemeClr>
-            </a:duotone>
-            <a:extLst>
-              <a:ext uri="{28A0092B-C50C-407E-A947-70E740481C1C}">
-                <a14:useLocalDpi xmlns:a14="http://schemas.microsoft.com/office/drawing/2010/main" val="0"/>
-              </a:ext>
-            </a:extLst>
-          </a:blip>
-          <a:srcRect/>
-          <a:stretch>
-            <a:fillRect/>
-          </a:stretch>
-        </p:blipFill>
-        <p:spPr bwMode="auto">
-          <a:xfrm>
-            <a:off x="303374" y="1863075"/>
-            <a:ext cx="984273" cy="639777"/>
-          </a:xfrm>
-          <a:prstGeom prst="rect">
-            <a:avLst/>
-          </a:prstGeom>
-          <a:noFill/>
-          <a:extLst>
-            <a:ext uri="{909E8E84-426E-40DD-AFC4-6F175D3DCCD1}">
-              <a14:hiddenFill xmlns:a14="http://schemas.microsoft.com/office/drawing/2010/main">
-                <a:solidFill>
-                  <a:srgbClr val="FFFFFF"/>
-                </a:solidFill>
-              </a14:hiddenFill>
-            </a:ext>
-          </a:extLst>
-        </p:spPr>
-      </p:pic>
+          </p:spPr>
+        </p:pic>
+      </p:grpSp>
       <p:grpSp>
         <p:nvGrpSpPr>
           <p:cNvPr id="14" name="Agrupar 13">
@@ -5354,7 +4702,7 @@
         </p:nvGrpSpPr>
         <p:grpSpPr>
           <a:xfrm>
-            <a:off x="4720736" y="1458113"/>
+            <a:off x="10279873" y="6422369"/>
             <a:ext cx="1639992" cy="1871035"/>
             <a:chOff x="4682636" y="1062321"/>
             <a:chExt cx="1639992" cy="1871035"/>
@@ -5390,7 +4738,11 @@
             <a:p>
               <a:pPr algn="ctr"/>
               <a:r>
-                <a:rPr lang="pt-BR" sz="1100" dirty="0"/>
+                <a:rPr lang="pt-BR" sz="1100" dirty="0">
+                  <a:latin typeface="Open Sans" panose="020B0606030504020204" pitchFamily="34" charset="0"/>
+                  <a:ea typeface="Open Sans" panose="020B0606030504020204" pitchFamily="34" charset="0"/>
+                  <a:cs typeface="Open Sans" panose="020B0606030504020204" pitchFamily="34" charset="0"/>
+                </a:rPr>
                 <a:t>Análise de Robustez</a:t>
               </a:r>
             </a:p>
@@ -5411,7 +4763,7 @@
             <p:nvPr/>
           </p:nvPicPr>
           <p:blipFill>
-            <a:blip r:embed="rId12">
+            <a:blip r:embed="rId11">
               <a:duotone>
                 <a:prstClr val="black"/>
                 <a:srgbClr val="FF0000">
@@ -5435,12 +4787,1242 @@
           </p:spPr>
         </p:pic>
       </p:grpSp>
-      <p:sp>
-        <p:nvSpPr>
-          <p:cNvPr id="66" name="CaixaDeTexto 65">
+      <p:grpSp>
+        <p:nvGrpSpPr>
+          <p:cNvPr id="6" name="Agrupar 5">
             <a:extLst>
               <a:ext uri="{FF2B5EF4-FFF2-40B4-BE49-F238E27FC236}">
-                <a16:creationId xmlns:a16="http://schemas.microsoft.com/office/drawing/2014/main" id="{529B088A-E688-4AD3-BAA0-F0C0F0BF558E}"/>
+                <a16:creationId xmlns:a16="http://schemas.microsoft.com/office/drawing/2014/main" id="{11AF1D98-2898-4E4E-A94C-797D01DB78D9}"/>
+              </a:ext>
+            </a:extLst>
+          </p:cNvPr>
+          <p:cNvGrpSpPr/>
+          <p:nvPr/>
+        </p:nvGrpSpPr>
+        <p:grpSpPr>
+          <a:xfrm>
+            <a:off x="7430596" y="3925448"/>
+            <a:ext cx="1394620" cy="1852247"/>
+            <a:chOff x="4469842" y="1857803"/>
+            <a:chExt cx="1394620" cy="1559507"/>
+          </a:xfrm>
+        </p:grpSpPr>
+        <p:sp>
+          <p:nvSpPr>
+            <p:cNvPr id="3" name="Retângulo 2">
+              <a:extLst>
+                <a:ext uri="{FF2B5EF4-FFF2-40B4-BE49-F238E27FC236}">
+                  <a16:creationId xmlns:a16="http://schemas.microsoft.com/office/drawing/2014/main" id="{50351B17-2436-4C6C-98C3-2C042D87908C}"/>
+                </a:ext>
+              </a:extLst>
+            </p:cNvPr>
+            <p:cNvSpPr/>
+            <p:nvPr/>
+          </p:nvSpPr>
+          <p:spPr>
+            <a:xfrm>
+              <a:off x="4469842" y="1857803"/>
+              <a:ext cx="1394620" cy="1304497"/>
+            </a:xfrm>
+            <a:prstGeom prst="rect">
+              <a:avLst/>
+            </a:prstGeom>
+            <a:solidFill>
+              <a:srgbClr val="33CCCC"/>
+            </a:solidFill>
+            <a:ln>
+              <a:noFill/>
+            </a:ln>
+          </p:spPr>
+          <p:style>
+            <a:lnRef idx="2">
+              <a:schemeClr val="accent1">
+                <a:shade val="50000"/>
+              </a:schemeClr>
+            </a:lnRef>
+            <a:fillRef idx="1">
+              <a:schemeClr val="accent1"/>
+            </a:fillRef>
+            <a:effectRef idx="0">
+              <a:schemeClr val="accent1"/>
+            </a:effectRef>
+            <a:fontRef idx="minor">
+              <a:schemeClr val="lt1"/>
+            </a:fontRef>
+          </p:style>
+          <p:txBody>
+            <a:bodyPr rtlCol="0" anchor="t"/>
+            <a:lstStyle/>
+            <a:p>
+              <a:r>
+                <a:rPr lang="pt-BR" sz="800" b="1" dirty="0">
+                  <a:solidFill>
+                    <a:srgbClr val="002060"/>
+                  </a:solidFill>
+                  <a:latin typeface="Open Sans" panose="020B0606030504020204" pitchFamily="34" charset="0"/>
+                  <a:ea typeface="Open Sans" panose="020B0606030504020204" pitchFamily="34" charset="0"/>
+                  <a:cs typeface="Open Sans" panose="020B0606030504020204" pitchFamily="34" charset="0"/>
+                </a:rPr>
+                <a:t>Use case</a:t>
+              </a:r>
+              <a:r>
+                <a:rPr lang="pt-BR" sz="800" dirty="0">
+                  <a:solidFill>
+                    <a:srgbClr val="002060"/>
+                  </a:solidFill>
+                  <a:latin typeface="Open Sans" panose="020B0606030504020204" pitchFamily="34" charset="0"/>
+                  <a:ea typeface="Open Sans" panose="020B0606030504020204" pitchFamily="34" charset="0"/>
+                  <a:cs typeface="Open Sans" panose="020B0606030504020204" pitchFamily="34" charset="0"/>
+                </a:rPr>
+                <a:t>: UseCase1</a:t>
+              </a:r>
+            </a:p>
+            <a:p>
+              <a:r>
+                <a:rPr lang="pt-BR" sz="800" dirty="0">
+                  <a:solidFill>
+                    <a:srgbClr val="002060"/>
+                  </a:solidFill>
+                  <a:latin typeface="Open Sans" panose="020B0606030504020204" pitchFamily="34" charset="0"/>
+                  <a:ea typeface="Open Sans" panose="020B0606030504020204" pitchFamily="34" charset="0"/>
+                  <a:cs typeface="Open Sans" panose="020B0606030504020204" pitchFamily="34" charset="0"/>
+                </a:rPr>
+                <a:t>1. </a:t>
+              </a:r>
+              <a:r>
+                <a:rPr lang="pt-BR" sz="800" dirty="0" err="1">
+                  <a:solidFill>
+                    <a:srgbClr val="002060"/>
+                  </a:solidFill>
+                  <a:latin typeface="Open Sans" panose="020B0606030504020204" pitchFamily="34" charset="0"/>
+                  <a:ea typeface="Open Sans" panose="020B0606030504020204" pitchFamily="34" charset="0"/>
+                  <a:cs typeface="Open Sans" panose="020B0606030504020204" pitchFamily="34" charset="0"/>
+                </a:rPr>
+                <a:t>User</a:t>
+              </a:r>
+              <a:r>
+                <a:rPr lang="pt-BR" sz="800" dirty="0">
+                  <a:solidFill>
+                    <a:srgbClr val="002060"/>
+                  </a:solidFill>
+                  <a:latin typeface="Open Sans" panose="020B0606030504020204" pitchFamily="34" charset="0"/>
+                  <a:ea typeface="Open Sans" panose="020B0606030504020204" pitchFamily="34" charset="0"/>
+                  <a:cs typeface="Open Sans" panose="020B0606030504020204" pitchFamily="34" charset="0"/>
+                </a:rPr>
+                <a:t> </a:t>
+              </a:r>
+              <a:r>
+                <a:rPr lang="pt-BR" sz="800" dirty="0" err="1">
+                  <a:solidFill>
+                    <a:srgbClr val="002060"/>
+                  </a:solidFill>
+                  <a:latin typeface="Open Sans" panose="020B0606030504020204" pitchFamily="34" charset="0"/>
+                  <a:ea typeface="Open Sans" panose="020B0606030504020204" pitchFamily="34" charset="0"/>
+                  <a:cs typeface="Open Sans" panose="020B0606030504020204" pitchFamily="34" charset="0"/>
+                </a:rPr>
+                <a:t>step</a:t>
+              </a:r>
+              <a:r>
+                <a:rPr lang="pt-BR" sz="800" dirty="0">
+                  <a:solidFill>
+                    <a:srgbClr val="002060"/>
+                  </a:solidFill>
+                  <a:latin typeface="Open Sans" panose="020B0606030504020204" pitchFamily="34" charset="0"/>
+                  <a:ea typeface="Open Sans" panose="020B0606030504020204" pitchFamily="34" charset="0"/>
+                  <a:cs typeface="Open Sans" panose="020B0606030504020204" pitchFamily="34" charset="0"/>
+                </a:rPr>
+                <a:t> A</a:t>
+              </a:r>
+            </a:p>
+            <a:p>
+              <a:r>
+                <a:rPr lang="pt-BR" sz="800" dirty="0">
+                  <a:solidFill>
+                    <a:srgbClr val="002060"/>
+                  </a:solidFill>
+                  <a:latin typeface="Open Sans" panose="020B0606030504020204" pitchFamily="34" charset="0"/>
+                  <a:ea typeface="Open Sans" panose="020B0606030504020204" pitchFamily="34" charset="0"/>
+                  <a:cs typeface="Open Sans" panose="020B0606030504020204" pitchFamily="34" charset="0"/>
+                </a:rPr>
+                <a:t>2. System </a:t>
+              </a:r>
+              <a:r>
+                <a:rPr lang="pt-BR" sz="800" dirty="0" err="1">
+                  <a:solidFill>
+                    <a:srgbClr val="002060"/>
+                  </a:solidFill>
+                  <a:latin typeface="Open Sans" panose="020B0606030504020204" pitchFamily="34" charset="0"/>
+                  <a:ea typeface="Open Sans" panose="020B0606030504020204" pitchFamily="34" charset="0"/>
+                  <a:cs typeface="Open Sans" panose="020B0606030504020204" pitchFamily="34" charset="0"/>
+                </a:rPr>
+                <a:t>step</a:t>
+              </a:r>
+              <a:r>
+                <a:rPr lang="pt-BR" sz="800" dirty="0">
+                  <a:solidFill>
+                    <a:srgbClr val="002060"/>
+                  </a:solidFill>
+                  <a:latin typeface="Open Sans" panose="020B0606030504020204" pitchFamily="34" charset="0"/>
+                  <a:ea typeface="Open Sans" panose="020B0606030504020204" pitchFamily="34" charset="0"/>
+                  <a:cs typeface="Open Sans" panose="020B0606030504020204" pitchFamily="34" charset="0"/>
+                </a:rPr>
+                <a:t> B</a:t>
+              </a:r>
+            </a:p>
+            <a:p>
+              <a:r>
+                <a:rPr lang="pt-BR" sz="800" dirty="0">
+                  <a:solidFill>
+                    <a:srgbClr val="002060"/>
+                  </a:solidFill>
+                  <a:latin typeface="Open Sans" panose="020B0606030504020204" pitchFamily="34" charset="0"/>
+                  <a:ea typeface="Open Sans" panose="020B0606030504020204" pitchFamily="34" charset="0"/>
+                  <a:cs typeface="Open Sans" panose="020B0606030504020204" pitchFamily="34" charset="0"/>
+                </a:rPr>
+                <a:t>      2.1. </a:t>
+              </a:r>
+              <a:r>
+                <a:rPr lang="pt-BR" sz="800" dirty="0" err="1">
+                  <a:solidFill>
+                    <a:srgbClr val="002060"/>
+                  </a:solidFill>
+                  <a:latin typeface="Open Sans" panose="020B0606030504020204" pitchFamily="34" charset="0"/>
+                  <a:ea typeface="Open Sans" panose="020B0606030504020204" pitchFamily="34" charset="0"/>
+                  <a:cs typeface="Open Sans" panose="020B0606030504020204" pitchFamily="34" charset="0"/>
+                </a:rPr>
+                <a:t>Syestem</a:t>
+              </a:r>
+              <a:r>
+                <a:rPr lang="pt-BR" sz="800" dirty="0">
+                  <a:solidFill>
+                    <a:srgbClr val="002060"/>
+                  </a:solidFill>
+                  <a:latin typeface="Open Sans" panose="020B0606030504020204" pitchFamily="34" charset="0"/>
+                  <a:ea typeface="Open Sans" panose="020B0606030504020204" pitchFamily="34" charset="0"/>
+                  <a:cs typeface="Open Sans" panose="020B0606030504020204" pitchFamily="34" charset="0"/>
+                </a:rPr>
+                <a:t> </a:t>
+              </a:r>
+              <a:r>
+                <a:rPr lang="pt-BR" sz="800" dirty="0" err="1">
+                  <a:solidFill>
+                    <a:srgbClr val="002060"/>
+                  </a:solidFill>
+                  <a:latin typeface="Open Sans" panose="020B0606030504020204" pitchFamily="34" charset="0"/>
+                  <a:ea typeface="Open Sans" panose="020B0606030504020204" pitchFamily="34" charset="0"/>
+                  <a:cs typeface="Open Sans" panose="020B0606030504020204" pitchFamily="34" charset="0"/>
+                </a:rPr>
+                <a:t>substep</a:t>
+              </a:r>
+              <a:endParaRPr lang="pt-BR" sz="800" dirty="0">
+                <a:solidFill>
+                  <a:srgbClr val="002060"/>
+                </a:solidFill>
+                <a:latin typeface="Open Sans" panose="020B0606030504020204" pitchFamily="34" charset="0"/>
+                <a:ea typeface="Open Sans" panose="020B0606030504020204" pitchFamily="34" charset="0"/>
+                <a:cs typeface="Open Sans" panose="020B0606030504020204" pitchFamily="34" charset="0"/>
+              </a:endParaRPr>
+            </a:p>
+            <a:p>
+              <a:r>
+                <a:rPr lang="pt-BR" sz="800" dirty="0">
+                  <a:solidFill>
+                    <a:srgbClr val="002060"/>
+                  </a:solidFill>
+                  <a:latin typeface="Open Sans" panose="020B0606030504020204" pitchFamily="34" charset="0"/>
+                  <a:ea typeface="Open Sans" panose="020B0606030504020204" pitchFamily="34" charset="0"/>
+                  <a:cs typeface="Open Sans" panose="020B0606030504020204" pitchFamily="34" charset="0"/>
+                </a:rPr>
+                <a:t>      2.2. </a:t>
+              </a:r>
+              <a:r>
+                <a:rPr lang="pt-BR" sz="800" dirty="0" err="1">
+                  <a:solidFill>
+                    <a:srgbClr val="002060"/>
+                  </a:solidFill>
+                  <a:latin typeface="Open Sans" panose="020B0606030504020204" pitchFamily="34" charset="0"/>
+                  <a:ea typeface="Open Sans" panose="020B0606030504020204" pitchFamily="34" charset="0"/>
+                  <a:cs typeface="Open Sans" panose="020B0606030504020204" pitchFamily="34" charset="0"/>
+                </a:rPr>
+                <a:t>Stystem</a:t>
+              </a:r>
+              <a:r>
+                <a:rPr lang="pt-BR" sz="800" dirty="0">
+                  <a:solidFill>
+                    <a:srgbClr val="002060"/>
+                  </a:solidFill>
+                  <a:latin typeface="Open Sans" panose="020B0606030504020204" pitchFamily="34" charset="0"/>
+                  <a:ea typeface="Open Sans" panose="020B0606030504020204" pitchFamily="34" charset="0"/>
+                  <a:cs typeface="Open Sans" panose="020B0606030504020204" pitchFamily="34" charset="0"/>
+                </a:rPr>
+                <a:t> </a:t>
+              </a:r>
+              <a:r>
+                <a:rPr lang="pt-BR" sz="800" dirty="0" err="1">
+                  <a:solidFill>
+                    <a:srgbClr val="002060"/>
+                  </a:solidFill>
+                  <a:latin typeface="Open Sans" panose="020B0606030504020204" pitchFamily="34" charset="0"/>
+                  <a:ea typeface="Open Sans" panose="020B0606030504020204" pitchFamily="34" charset="0"/>
+                  <a:cs typeface="Open Sans" panose="020B0606030504020204" pitchFamily="34" charset="0"/>
+                </a:rPr>
+                <a:t>substep</a:t>
+              </a:r>
+              <a:endParaRPr lang="pt-BR" sz="800" dirty="0">
+                <a:solidFill>
+                  <a:srgbClr val="002060"/>
+                </a:solidFill>
+                <a:latin typeface="Open Sans" panose="020B0606030504020204" pitchFamily="34" charset="0"/>
+                <a:ea typeface="Open Sans" panose="020B0606030504020204" pitchFamily="34" charset="0"/>
+                <a:cs typeface="Open Sans" panose="020B0606030504020204" pitchFamily="34" charset="0"/>
+              </a:endParaRPr>
+            </a:p>
+            <a:p>
+              <a:r>
+                <a:rPr lang="pt-BR" sz="800" dirty="0">
+                  <a:solidFill>
+                    <a:srgbClr val="002060"/>
+                  </a:solidFill>
+                  <a:latin typeface="Open Sans" panose="020B0606030504020204" pitchFamily="34" charset="0"/>
+                  <a:ea typeface="Open Sans" panose="020B0606030504020204" pitchFamily="34" charset="0"/>
+                  <a:cs typeface="Open Sans" panose="020B0606030504020204" pitchFamily="34" charset="0"/>
+                </a:rPr>
+                <a:t>3. </a:t>
+              </a:r>
+              <a:r>
+                <a:rPr lang="pt-BR" sz="800" dirty="0" err="1">
+                  <a:solidFill>
+                    <a:srgbClr val="002060"/>
+                  </a:solidFill>
+                  <a:latin typeface="Open Sans" panose="020B0606030504020204" pitchFamily="34" charset="0"/>
+                  <a:ea typeface="Open Sans" panose="020B0606030504020204" pitchFamily="34" charset="0"/>
+                  <a:cs typeface="Open Sans" panose="020B0606030504020204" pitchFamily="34" charset="0"/>
+                </a:rPr>
+                <a:t>Run</a:t>
+              </a:r>
+              <a:r>
+                <a:rPr lang="pt-BR" sz="800" dirty="0">
+                  <a:solidFill>
+                    <a:srgbClr val="002060"/>
+                  </a:solidFill>
+                  <a:latin typeface="Open Sans" panose="020B0606030504020204" pitchFamily="34" charset="0"/>
+                  <a:ea typeface="Open Sans" panose="020B0606030504020204" pitchFamily="34" charset="0"/>
+                  <a:cs typeface="Open Sans" panose="020B0606030504020204" pitchFamily="34" charset="0"/>
+                </a:rPr>
+                <a:t> </a:t>
+              </a:r>
+              <a:r>
+                <a:rPr lang="pt-BR" sz="800" dirty="0" err="1">
+                  <a:solidFill>
+                    <a:srgbClr val="002060"/>
+                  </a:solidFill>
+                  <a:latin typeface="Open Sans" panose="020B0606030504020204" pitchFamily="34" charset="0"/>
+                  <a:ea typeface="Open Sans" panose="020B0606030504020204" pitchFamily="34" charset="0"/>
+                  <a:cs typeface="Open Sans" panose="020B0606030504020204" pitchFamily="34" charset="0"/>
+                </a:rPr>
+                <a:t>scenery</a:t>
+              </a:r>
+              <a:r>
+                <a:rPr lang="pt-BR" sz="800" dirty="0">
+                  <a:solidFill>
+                    <a:srgbClr val="002060"/>
+                  </a:solidFill>
+                  <a:latin typeface="Open Sans" panose="020B0606030504020204" pitchFamily="34" charset="0"/>
+                  <a:ea typeface="Open Sans" panose="020B0606030504020204" pitchFamily="34" charset="0"/>
+                  <a:cs typeface="Open Sans" panose="020B0606030504020204" pitchFamily="34" charset="0"/>
+                </a:rPr>
+                <a:t> X</a:t>
+              </a:r>
+            </a:p>
+            <a:p>
+              <a:r>
+                <a:rPr lang="pt-BR" sz="800" b="1" dirty="0" err="1">
+                  <a:solidFill>
+                    <a:srgbClr val="002060"/>
+                  </a:solidFill>
+                  <a:latin typeface="Open Sans" panose="020B0606030504020204" pitchFamily="34" charset="0"/>
+                  <a:ea typeface="Open Sans" panose="020B0606030504020204" pitchFamily="34" charset="0"/>
+                  <a:cs typeface="Open Sans" panose="020B0606030504020204" pitchFamily="34" charset="0"/>
+                </a:rPr>
+                <a:t>Alternative</a:t>
+              </a:r>
+              <a:r>
+                <a:rPr lang="pt-BR" sz="800" b="1" dirty="0">
+                  <a:solidFill>
+                    <a:srgbClr val="002060"/>
+                  </a:solidFill>
+                  <a:latin typeface="Open Sans" panose="020B0606030504020204" pitchFamily="34" charset="0"/>
+                  <a:ea typeface="Open Sans" panose="020B0606030504020204" pitchFamily="34" charset="0"/>
+                  <a:cs typeface="Open Sans" panose="020B0606030504020204" pitchFamily="34" charset="0"/>
+                </a:rPr>
+                <a:t> </a:t>
+              </a:r>
+              <a:r>
+                <a:rPr lang="pt-BR" sz="800" b="1" dirty="0" err="1">
+                  <a:solidFill>
+                    <a:srgbClr val="002060"/>
+                  </a:solidFill>
+                  <a:latin typeface="Open Sans" panose="020B0606030504020204" pitchFamily="34" charset="0"/>
+                  <a:ea typeface="Open Sans" panose="020B0606030504020204" pitchFamily="34" charset="0"/>
+                  <a:cs typeface="Open Sans" panose="020B0606030504020204" pitchFamily="34" charset="0"/>
+                </a:rPr>
+                <a:t>sceneries</a:t>
+              </a:r>
+              <a:endParaRPr lang="pt-BR" sz="800" b="1" dirty="0">
+                <a:solidFill>
+                  <a:srgbClr val="002060"/>
+                </a:solidFill>
+                <a:latin typeface="Open Sans" panose="020B0606030504020204" pitchFamily="34" charset="0"/>
+                <a:ea typeface="Open Sans" panose="020B0606030504020204" pitchFamily="34" charset="0"/>
+                <a:cs typeface="Open Sans" panose="020B0606030504020204" pitchFamily="34" charset="0"/>
+              </a:endParaRPr>
+            </a:p>
+            <a:p>
+              <a:r>
+                <a:rPr lang="pt-BR" sz="800" b="1" dirty="0">
+                  <a:solidFill>
+                    <a:srgbClr val="002060"/>
+                  </a:solidFill>
+                  <a:latin typeface="Open Sans" panose="020B0606030504020204" pitchFamily="34" charset="0"/>
+                  <a:ea typeface="Open Sans" panose="020B0606030504020204" pitchFamily="34" charset="0"/>
+                  <a:cs typeface="Open Sans" panose="020B0606030504020204" pitchFamily="34" charset="0"/>
+                </a:rPr>
+                <a:t>A1 – </a:t>
+              </a:r>
+              <a:r>
+                <a:rPr lang="pt-BR" sz="800" b="1" dirty="0" err="1">
+                  <a:solidFill>
+                    <a:srgbClr val="002060"/>
+                  </a:solidFill>
+                  <a:latin typeface="Open Sans" panose="020B0606030504020204" pitchFamily="34" charset="0"/>
+                  <a:ea typeface="Open Sans" panose="020B0606030504020204" pitchFamily="34" charset="0"/>
+                  <a:cs typeface="Open Sans" panose="020B0606030504020204" pitchFamily="34" charset="0"/>
+                </a:rPr>
+                <a:t>From</a:t>
+              </a:r>
+              <a:r>
+                <a:rPr lang="pt-BR" sz="800" b="1" dirty="0">
+                  <a:solidFill>
+                    <a:srgbClr val="002060"/>
+                  </a:solidFill>
+                  <a:latin typeface="Open Sans" panose="020B0606030504020204" pitchFamily="34" charset="0"/>
+                  <a:ea typeface="Open Sans" panose="020B0606030504020204" pitchFamily="34" charset="0"/>
+                  <a:cs typeface="Open Sans" panose="020B0606030504020204" pitchFamily="34" charset="0"/>
+                </a:rPr>
+                <a:t> </a:t>
+              </a:r>
+              <a:r>
+                <a:rPr lang="pt-BR" sz="800" b="1" dirty="0" err="1">
+                  <a:solidFill>
+                    <a:srgbClr val="002060"/>
+                  </a:solidFill>
+                  <a:latin typeface="Open Sans" panose="020B0606030504020204" pitchFamily="34" charset="0"/>
+                  <a:ea typeface="Open Sans" panose="020B0606030504020204" pitchFamily="34" charset="0"/>
+                  <a:cs typeface="Open Sans" panose="020B0606030504020204" pitchFamily="34" charset="0"/>
+                </a:rPr>
+                <a:t>step</a:t>
+              </a:r>
+              <a:r>
+                <a:rPr lang="pt-BR" sz="800" b="1" dirty="0">
+                  <a:solidFill>
+                    <a:srgbClr val="002060"/>
+                  </a:solidFill>
+                  <a:latin typeface="Open Sans" panose="020B0606030504020204" pitchFamily="34" charset="0"/>
+                  <a:ea typeface="Open Sans" panose="020B0606030504020204" pitchFamily="34" charset="0"/>
+                  <a:cs typeface="Open Sans" panose="020B0606030504020204" pitchFamily="34" charset="0"/>
+                </a:rPr>
+                <a:t> 2</a:t>
+              </a:r>
+            </a:p>
+            <a:p>
+              <a:r>
+                <a:rPr lang="pt-BR" sz="800" dirty="0">
+                  <a:solidFill>
+                    <a:srgbClr val="002060"/>
+                  </a:solidFill>
+                  <a:latin typeface="Open Sans" panose="020B0606030504020204" pitchFamily="34" charset="0"/>
+                  <a:ea typeface="Open Sans" panose="020B0606030504020204" pitchFamily="34" charset="0"/>
+                  <a:cs typeface="Open Sans" panose="020B0606030504020204" pitchFamily="34" charset="0"/>
+                </a:rPr>
+                <a:t>1. </a:t>
+              </a:r>
+              <a:r>
+                <a:rPr lang="pt-BR" sz="800" dirty="0" err="1">
+                  <a:solidFill>
+                    <a:srgbClr val="002060"/>
+                  </a:solidFill>
+                  <a:latin typeface="Open Sans" panose="020B0606030504020204" pitchFamily="34" charset="0"/>
+                  <a:ea typeface="Open Sans" panose="020B0606030504020204" pitchFamily="34" charset="0"/>
+                  <a:cs typeface="Open Sans" panose="020B0606030504020204" pitchFamily="34" charset="0"/>
+                </a:rPr>
+                <a:t>User</a:t>
+              </a:r>
+              <a:r>
+                <a:rPr lang="pt-BR" sz="800" dirty="0">
+                  <a:solidFill>
+                    <a:srgbClr val="002060"/>
+                  </a:solidFill>
+                  <a:latin typeface="Open Sans" panose="020B0606030504020204" pitchFamily="34" charset="0"/>
+                  <a:ea typeface="Open Sans" panose="020B0606030504020204" pitchFamily="34" charset="0"/>
+                  <a:cs typeface="Open Sans" panose="020B0606030504020204" pitchFamily="34" charset="0"/>
+                </a:rPr>
+                <a:t> </a:t>
+              </a:r>
+              <a:r>
+                <a:rPr lang="pt-BR" sz="800" dirty="0" err="1">
+                  <a:solidFill>
+                    <a:srgbClr val="002060"/>
+                  </a:solidFill>
+                  <a:latin typeface="Open Sans" panose="020B0606030504020204" pitchFamily="34" charset="0"/>
+                  <a:ea typeface="Open Sans" panose="020B0606030504020204" pitchFamily="34" charset="0"/>
+                  <a:cs typeface="Open Sans" panose="020B0606030504020204" pitchFamily="34" charset="0"/>
+                </a:rPr>
+                <a:t>step</a:t>
+              </a:r>
+              <a:r>
+                <a:rPr lang="pt-BR" sz="800" dirty="0">
+                  <a:solidFill>
+                    <a:srgbClr val="002060"/>
+                  </a:solidFill>
+                  <a:latin typeface="Open Sans" panose="020B0606030504020204" pitchFamily="34" charset="0"/>
+                  <a:ea typeface="Open Sans" panose="020B0606030504020204" pitchFamily="34" charset="0"/>
+                  <a:cs typeface="Open Sans" panose="020B0606030504020204" pitchFamily="34" charset="0"/>
+                </a:rPr>
+                <a:t> A</a:t>
+              </a:r>
+            </a:p>
+            <a:p>
+              <a:r>
+                <a:rPr lang="pt-BR" sz="800" dirty="0">
+                  <a:solidFill>
+                    <a:srgbClr val="002060"/>
+                  </a:solidFill>
+                  <a:latin typeface="Open Sans" panose="020B0606030504020204" pitchFamily="34" charset="0"/>
+                  <a:ea typeface="Open Sans" panose="020B0606030504020204" pitchFamily="34" charset="0"/>
+                  <a:cs typeface="Open Sans" panose="020B0606030504020204" pitchFamily="34" charset="0"/>
+                </a:rPr>
+                <a:t>2. System </a:t>
+              </a:r>
+              <a:r>
+                <a:rPr lang="pt-BR" sz="800" dirty="0" err="1">
+                  <a:solidFill>
+                    <a:srgbClr val="002060"/>
+                  </a:solidFill>
+                  <a:latin typeface="Open Sans" panose="020B0606030504020204" pitchFamily="34" charset="0"/>
+                  <a:ea typeface="Open Sans" panose="020B0606030504020204" pitchFamily="34" charset="0"/>
+                  <a:cs typeface="Open Sans" panose="020B0606030504020204" pitchFamily="34" charset="0"/>
+                </a:rPr>
+                <a:t>step</a:t>
+              </a:r>
+              <a:r>
+                <a:rPr lang="pt-BR" sz="800" dirty="0">
+                  <a:solidFill>
+                    <a:srgbClr val="002060"/>
+                  </a:solidFill>
+                  <a:latin typeface="Open Sans" panose="020B0606030504020204" pitchFamily="34" charset="0"/>
+                  <a:ea typeface="Open Sans" panose="020B0606030504020204" pitchFamily="34" charset="0"/>
+                  <a:cs typeface="Open Sans" panose="020B0606030504020204" pitchFamily="34" charset="0"/>
+                </a:rPr>
+                <a:t> B</a:t>
+              </a:r>
+            </a:p>
+            <a:p>
+              <a:endParaRPr lang="pt-BR" sz="800" b="1" dirty="0">
+                <a:solidFill>
+                  <a:srgbClr val="002060"/>
+                </a:solidFill>
+                <a:latin typeface="Open Sans" panose="020B0606030504020204" pitchFamily="34" charset="0"/>
+                <a:ea typeface="Open Sans" panose="020B0606030504020204" pitchFamily="34" charset="0"/>
+                <a:cs typeface="Open Sans" panose="020B0606030504020204" pitchFamily="34" charset="0"/>
+              </a:endParaRPr>
+            </a:p>
+            <a:p>
+              <a:endParaRPr lang="pt-BR" sz="800" dirty="0">
+                <a:solidFill>
+                  <a:srgbClr val="002060"/>
+                </a:solidFill>
+                <a:latin typeface="Open Sans" panose="020B0606030504020204" pitchFamily="34" charset="0"/>
+                <a:ea typeface="Open Sans" panose="020B0606030504020204" pitchFamily="34" charset="0"/>
+                <a:cs typeface="Open Sans" panose="020B0606030504020204" pitchFamily="34" charset="0"/>
+              </a:endParaRPr>
+            </a:p>
+            <a:p>
+              <a:endParaRPr lang="pt-BR" sz="800" dirty="0">
+                <a:solidFill>
+                  <a:srgbClr val="002060"/>
+                </a:solidFill>
+                <a:latin typeface="Open Sans" panose="020B0606030504020204" pitchFamily="34" charset="0"/>
+                <a:ea typeface="Open Sans" panose="020B0606030504020204" pitchFamily="34" charset="0"/>
+                <a:cs typeface="Open Sans" panose="020B0606030504020204" pitchFamily="34" charset="0"/>
+              </a:endParaRPr>
+            </a:p>
+          </p:txBody>
+        </p:sp>
+        <p:sp>
+          <p:nvSpPr>
+            <p:cNvPr id="54" name="CaixaDeTexto 53">
+              <a:extLst>
+                <a:ext uri="{FF2B5EF4-FFF2-40B4-BE49-F238E27FC236}">
+                  <a16:creationId xmlns:a16="http://schemas.microsoft.com/office/drawing/2014/main" id="{D04D908D-4E1A-459F-866D-86F372E42DE7}"/>
+                </a:ext>
+              </a:extLst>
+            </p:cNvPr>
+            <p:cNvSpPr txBox="1"/>
+            <p:nvPr/>
+          </p:nvSpPr>
+          <p:spPr>
+            <a:xfrm>
+              <a:off x="4694097" y="3155700"/>
+              <a:ext cx="914554" cy="261610"/>
+            </a:xfrm>
+            <a:prstGeom prst="rect">
+              <a:avLst/>
+            </a:prstGeom>
+            <a:noFill/>
+          </p:spPr>
+          <p:txBody>
+            <a:bodyPr wrap="square" rtlCol="0">
+              <a:spAutoFit/>
+            </a:bodyPr>
+            <a:lstStyle/>
+            <a:p>
+              <a:pPr algn="ctr"/>
+              <a:r>
+                <a:rPr lang="pt-BR" sz="1100" dirty="0">
+                  <a:latin typeface="Open Sans" panose="020B0606030504020204" pitchFamily="34" charset="0"/>
+                  <a:ea typeface="Open Sans" panose="020B0606030504020204" pitchFamily="34" charset="0"/>
+                  <a:cs typeface="Open Sans" panose="020B0606030504020204" pitchFamily="34" charset="0"/>
+                </a:rPr>
+                <a:t>Cenários</a:t>
+              </a:r>
+            </a:p>
+          </p:txBody>
+        </p:sp>
+      </p:grpSp>
+      <p:grpSp>
+        <p:nvGrpSpPr>
+          <p:cNvPr id="45" name="Agrupar 44">
+            <a:extLst>
+              <a:ext uri="{FF2B5EF4-FFF2-40B4-BE49-F238E27FC236}">
+                <a16:creationId xmlns:a16="http://schemas.microsoft.com/office/drawing/2014/main" id="{BA996231-D991-46ED-9421-A1AAA33D2C53}"/>
+              </a:ext>
+            </a:extLst>
+          </p:cNvPr>
+          <p:cNvGrpSpPr/>
+          <p:nvPr/>
+        </p:nvGrpSpPr>
+        <p:grpSpPr>
+          <a:xfrm>
+            <a:off x="15542748" y="6582795"/>
+            <a:ext cx="1311341" cy="2338361"/>
+            <a:chOff x="20764994" y="4224661"/>
+            <a:chExt cx="1311341" cy="2338361"/>
+          </a:xfrm>
+        </p:grpSpPr>
+        <p:pic>
+          <p:nvPicPr>
+            <p:cNvPr id="34" name="Picture 2" descr="Resultado de imagem para uml diagrama de estados">
+              <a:extLst>
+                <a:ext uri="{FF2B5EF4-FFF2-40B4-BE49-F238E27FC236}">
+                  <a16:creationId xmlns:a16="http://schemas.microsoft.com/office/drawing/2014/main" id="{C555B212-D100-4A69-BFC4-F1B844141B8A}"/>
+                </a:ext>
+              </a:extLst>
+            </p:cNvPr>
+            <p:cNvPicPr>
+              <a:picLocks noChangeAspect="1" noChangeArrowheads="1"/>
+            </p:cNvPicPr>
+            <p:nvPr/>
+          </p:nvPicPr>
+          <p:blipFill>
+            <a:blip r:embed="rId12">
+              <a:duotone>
+                <a:prstClr val="black"/>
+                <a:srgbClr val="FF0000">
+                  <a:tint val="45000"/>
+                  <a:satMod val="400000"/>
+                </a:srgbClr>
+              </a:duotone>
+              <a:extLst>
+                <a:ext uri="{28A0092B-C50C-407E-A947-70E740481C1C}">
+                  <a14:useLocalDpi xmlns:a14="http://schemas.microsoft.com/office/drawing/2010/main" val="0"/>
+                </a:ext>
+              </a:extLst>
+            </a:blip>
+            <a:srcRect/>
+            <a:stretch>
+              <a:fillRect/>
+            </a:stretch>
+          </p:blipFill>
+          <p:spPr bwMode="auto">
+            <a:xfrm>
+              <a:off x="20833984" y="4224661"/>
+              <a:ext cx="1239489" cy="1383358"/>
+            </a:xfrm>
+            <a:prstGeom prst="rect">
+              <a:avLst/>
+            </a:prstGeom>
+            <a:noFill/>
+            <a:extLst>
+              <a:ext uri="{909E8E84-426E-40DD-AFC4-6F175D3DCCD1}">
+                <a14:hiddenFill xmlns:a14="http://schemas.microsoft.com/office/drawing/2010/main">
+                  <a:solidFill>
+                    <a:srgbClr val="FFFFFF"/>
+                  </a:solidFill>
+                </a14:hiddenFill>
+              </a:ext>
+            </a:extLst>
+          </p:spPr>
+        </p:pic>
+        <p:sp>
+          <p:nvSpPr>
+            <p:cNvPr id="75" name="CaixaDeTexto 74">
+              <a:extLst>
+                <a:ext uri="{FF2B5EF4-FFF2-40B4-BE49-F238E27FC236}">
+                  <a16:creationId xmlns:a16="http://schemas.microsoft.com/office/drawing/2014/main" id="{FBC10536-3998-4C5C-849E-983FC656D539}"/>
+                </a:ext>
+              </a:extLst>
+            </p:cNvPr>
+            <p:cNvSpPr txBox="1"/>
+            <p:nvPr/>
+          </p:nvSpPr>
+          <p:spPr>
+            <a:xfrm>
+              <a:off x="20764994" y="5624303"/>
+              <a:ext cx="1311341" cy="938719"/>
+            </a:xfrm>
+            <a:prstGeom prst="rect">
+              <a:avLst/>
+            </a:prstGeom>
+            <a:noFill/>
+          </p:spPr>
+          <p:txBody>
+            <a:bodyPr wrap="square" rtlCol="0">
+              <a:spAutoFit/>
+            </a:bodyPr>
+            <a:lstStyle/>
+            <a:p>
+              <a:pPr algn="ctr"/>
+              <a:r>
+                <a:rPr lang="pt-BR" sz="1100" dirty="0">
+                  <a:latin typeface="Open Sans" panose="020B0606030504020204" pitchFamily="34" charset="0"/>
+                  <a:ea typeface="Open Sans" panose="020B0606030504020204" pitchFamily="34" charset="0"/>
+                  <a:cs typeface="Open Sans" panose="020B0606030504020204" pitchFamily="34" charset="0"/>
+                </a:rPr>
+                <a:t>Diagrama de Estados / Máquina de Estados (</a:t>
+              </a:r>
+              <a:r>
+                <a:rPr lang="pt-BR" sz="1100" i="1" dirty="0" err="1">
+                  <a:latin typeface="Open Sans" panose="020B0606030504020204" pitchFamily="34" charset="0"/>
+                  <a:ea typeface="Open Sans" panose="020B0606030504020204" pitchFamily="34" charset="0"/>
+                  <a:cs typeface="Open Sans" panose="020B0606030504020204" pitchFamily="34" charset="0"/>
+                </a:rPr>
+                <a:t>Statemachine</a:t>
+              </a:r>
+              <a:r>
+                <a:rPr lang="pt-BR" sz="1100" dirty="0">
+                  <a:latin typeface="Open Sans" panose="020B0606030504020204" pitchFamily="34" charset="0"/>
+                  <a:ea typeface="Open Sans" panose="020B0606030504020204" pitchFamily="34" charset="0"/>
+                  <a:cs typeface="Open Sans" panose="020B0606030504020204" pitchFamily="34" charset="0"/>
+                </a:rPr>
+                <a:t>)</a:t>
+              </a:r>
+            </a:p>
+          </p:txBody>
+        </p:sp>
+      </p:grpSp>
+      <p:cxnSp>
+        <p:nvCxnSpPr>
+          <p:cNvPr id="82" name="Conector: Curvo 81">
+            <a:extLst>
+              <a:ext uri="{FF2B5EF4-FFF2-40B4-BE49-F238E27FC236}">
+                <a16:creationId xmlns:a16="http://schemas.microsoft.com/office/drawing/2014/main" id="{8A70D025-892D-43C0-9F1F-BC1EB6F45E3F}"/>
+              </a:ext>
+            </a:extLst>
+          </p:cNvPr>
+          <p:cNvCxnSpPr>
+            <a:cxnSpLocks/>
+            <a:stCxn id="34" idx="3"/>
+            <a:endCxn id="8" idx="3"/>
+          </p:cNvCxnSpPr>
+          <p:nvPr/>
+        </p:nvCxnSpPr>
+        <p:spPr>
+          <a:xfrm>
+            <a:off x="16851227" y="7274474"/>
+            <a:ext cx="187578" cy="3160919"/>
+          </a:xfrm>
+          <a:prstGeom prst="curvedConnector3">
+            <a:avLst>
+              <a:gd name="adj1" fmla="val 221869"/>
+            </a:avLst>
+          </a:prstGeom>
+          <a:ln w="76200">
+            <a:solidFill>
+              <a:srgbClr val="3366FF"/>
+            </a:solidFill>
+            <a:prstDash val="sysDash"/>
+            <a:tailEnd type="triangle"/>
+          </a:ln>
+        </p:spPr>
+        <p:style>
+          <a:lnRef idx="1">
+            <a:schemeClr val="accent1"/>
+          </a:lnRef>
+          <a:fillRef idx="0">
+            <a:schemeClr val="accent1"/>
+          </a:fillRef>
+          <a:effectRef idx="0">
+            <a:schemeClr val="accent1"/>
+          </a:effectRef>
+          <a:fontRef idx="minor">
+            <a:schemeClr val="tx1"/>
+          </a:fontRef>
+        </p:style>
+      </p:cxnSp>
+      <p:cxnSp>
+        <p:nvCxnSpPr>
+          <p:cNvPr id="83" name="Conector: Curvo 82">
+            <a:extLst>
+              <a:ext uri="{FF2B5EF4-FFF2-40B4-BE49-F238E27FC236}">
+                <a16:creationId xmlns:a16="http://schemas.microsoft.com/office/drawing/2014/main" id="{4454878A-D390-429F-A84A-A323BC504952}"/>
+              </a:ext>
+            </a:extLst>
+          </p:cNvPr>
+          <p:cNvCxnSpPr>
+            <a:cxnSpLocks/>
+            <a:stCxn id="7" idx="0"/>
+            <a:endCxn id="1026" idx="0"/>
+          </p:cNvCxnSpPr>
+          <p:nvPr/>
+        </p:nvCxnSpPr>
+        <p:spPr>
+          <a:xfrm rot="16200000" flipH="1">
+            <a:off x="16570362" y="3888369"/>
+            <a:ext cx="546234" cy="5856682"/>
+          </a:xfrm>
+          <a:prstGeom prst="curvedConnector3">
+            <a:avLst>
+              <a:gd name="adj1" fmla="val -149963"/>
+            </a:avLst>
+          </a:prstGeom>
+          <a:ln w="76200">
+            <a:solidFill>
+              <a:srgbClr val="3366FF"/>
+            </a:solidFill>
+            <a:tailEnd type="triangle"/>
+          </a:ln>
+        </p:spPr>
+        <p:style>
+          <a:lnRef idx="1">
+            <a:schemeClr val="accent1"/>
+          </a:lnRef>
+          <a:fillRef idx="0">
+            <a:schemeClr val="accent1"/>
+          </a:fillRef>
+          <a:effectRef idx="0">
+            <a:schemeClr val="accent1"/>
+          </a:effectRef>
+          <a:fontRef idx="minor">
+            <a:schemeClr val="tx1"/>
+          </a:fontRef>
+        </p:style>
+      </p:cxnSp>
+      <p:cxnSp>
+        <p:nvCxnSpPr>
+          <p:cNvPr id="91" name="Conector: Curvo 90">
+            <a:extLst>
+              <a:ext uri="{FF2B5EF4-FFF2-40B4-BE49-F238E27FC236}">
+                <a16:creationId xmlns:a16="http://schemas.microsoft.com/office/drawing/2014/main" id="{EDCB29AA-CAB1-49CB-B72B-C3000F0B9427}"/>
+              </a:ext>
+            </a:extLst>
+          </p:cNvPr>
+          <p:cNvCxnSpPr>
+            <a:cxnSpLocks/>
+            <a:stCxn id="8" idx="1"/>
+            <a:endCxn id="34" idx="1"/>
+          </p:cNvCxnSpPr>
+          <p:nvPr/>
+        </p:nvCxnSpPr>
+        <p:spPr>
+          <a:xfrm rot="10800000" flipH="1">
+            <a:off x="15430714" y="7274475"/>
+            <a:ext cx="181024" cy="3160919"/>
+          </a:xfrm>
+          <a:prstGeom prst="curvedConnector3">
+            <a:avLst>
+              <a:gd name="adj1" fmla="val -126282"/>
+            </a:avLst>
+          </a:prstGeom>
+          <a:ln w="76200">
+            <a:solidFill>
+              <a:srgbClr val="3366FF"/>
+            </a:solidFill>
+            <a:tailEnd type="triangle"/>
+          </a:ln>
+        </p:spPr>
+        <p:style>
+          <a:lnRef idx="1">
+            <a:schemeClr val="accent1"/>
+          </a:lnRef>
+          <a:fillRef idx="0">
+            <a:schemeClr val="accent1"/>
+          </a:fillRef>
+          <a:effectRef idx="0">
+            <a:schemeClr val="accent1"/>
+          </a:effectRef>
+          <a:fontRef idx="minor">
+            <a:schemeClr val="tx1"/>
+          </a:fontRef>
+        </p:style>
+      </p:cxnSp>
+      <p:cxnSp>
+        <p:nvCxnSpPr>
+          <p:cNvPr id="111" name="Conector: Curvo 110">
+            <a:extLst>
+              <a:ext uri="{FF2B5EF4-FFF2-40B4-BE49-F238E27FC236}">
+                <a16:creationId xmlns:a16="http://schemas.microsoft.com/office/drawing/2014/main" id="{FDC38DF9-831E-4BC0-A1C2-3E84AA459845}"/>
+              </a:ext>
+            </a:extLst>
+          </p:cNvPr>
+          <p:cNvCxnSpPr>
+            <a:cxnSpLocks/>
+            <a:stCxn id="23" idx="2"/>
+            <a:endCxn id="24" idx="1"/>
+          </p:cNvCxnSpPr>
+          <p:nvPr/>
+        </p:nvCxnSpPr>
+        <p:spPr>
+          <a:xfrm rot="16200000" flipH="1">
+            <a:off x="13001783" y="9042820"/>
+            <a:ext cx="3435118" cy="1719491"/>
+          </a:xfrm>
+          <a:prstGeom prst="curvedConnector2">
+            <a:avLst/>
+          </a:prstGeom>
+          <a:ln w="76200">
+            <a:solidFill>
+              <a:srgbClr val="3366FF"/>
+            </a:solidFill>
+            <a:tailEnd type="triangle"/>
+          </a:ln>
+        </p:spPr>
+        <p:style>
+          <a:lnRef idx="1">
+            <a:schemeClr val="accent1"/>
+          </a:lnRef>
+          <a:fillRef idx="0">
+            <a:schemeClr val="accent1"/>
+          </a:fillRef>
+          <a:effectRef idx="0">
+            <a:schemeClr val="accent1"/>
+          </a:effectRef>
+          <a:fontRef idx="minor">
+            <a:schemeClr val="tx1"/>
+          </a:fontRef>
+        </p:style>
+      </p:cxnSp>
+      <p:cxnSp>
+        <p:nvCxnSpPr>
+          <p:cNvPr id="129" name="Conector: Curvo 128">
+            <a:extLst>
+              <a:ext uri="{FF2B5EF4-FFF2-40B4-BE49-F238E27FC236}">
+                <a16:creationId xmlns:a16="http://schemas.microsoft.com/office/drawing/2014/main" id="{6F983362-10D4-4539-8D32-DC6958E5EB37}"/>
+              </a:ext>
+            </a:extLst>
+          </p:cNvPr>
+          <p:cNvCxnSpPr>
+            <a:cxnSpLocks/>
+            <a:stCxn id="24" idx="3"/>
+            <a:endCxn id="1026" idx="1"/>
+          </p:cNvCxnSpPr>
+          <p:nvPr/>
+        </p:nvCxnSpPr>
+        <p:spPr>
+          <a:xfrm flipV="1">
+            <a:off x="16890429" y="7464526"/>
+            <a:ext cx="2506692" cy="4155599"/>
+          </a:xfrm>
+          <a:prstGeom prst="curvedConnector3">
+            <a:avLst>
+              <a:gd name="adj1" fmla="val 50000"/>
+            </a:avLst>
+          </a:prstGeom>
+          <a:ln w="76200">
+            <a:solidFill>
+              <a:srgbClr val="3366FF"/>
+            </a:solidFill>
+            <a:tailEnd type="triangle"/>
+          </a:ln>
+        </p:spPr>
+        <p:style>
+          <a:lnRef idx="1">
+            <a:schemeClr val="accent1"/>
+          </a:lnRef>
+          <a:fillRef idx="0">
+            <a:schemeClr val="accent1"/>
+          </a:fillRef>
+          <a:effectRef idx="0">
+            <a:schemeClr val="accent1"/>
+          </a:effectRef>
+          <a:fontRef idx="minor">
+            <a:schemeClr val="tx1"/>
+          </a:fontRef>
+        </p:style>
+      </p:cxnSp>
+      <p:cxnSp>
+        <p:nvCxnSpPr>
+          <p:cNvPr id="138" name="Conector: Curvo 137">
+            <a:extLst>
+              <a:ext uri="{FF2B5EF4-FFF2-40B4-BE49-F238E27FC236}">
+                <a16:creationId xmlns:a16="http://schemas.microsoft.com/office/drawing/2014/main" id="{A281F7C0-802D-4E05-A641-81D4907F9E25}"/>
+              </a:ext>
+            </a:extLst>
+          </p:cNvPr>
+          <p:cNvCxnSpPr>
+            <a:cxnSpLocks/>
+            <a:stCxn id="1033" idx="1"/>
+            <a:endCxn id="4" idx="1"/>
+          </p:cNvCxnSpPr>
+          <p:nvPr/>
+        </p:nvCxnSpPr>
+        <p:spPr>
+          <a:xfrm rot="10800000" flipH="1">
+            <a:off x="6264252" y="7162917"/>
+            <a:ext cx="1127209" cy="292400"/>
+          </a:xfrm>
+          <a:prstGeom prst="curvedConnector5">
+            <a:avLst>
+              <a:gd name="adj1" fmla="val 77580"/>
+              <a:gd name="adj2" fmla="val 8903"/>
+              <a:gd name="adj3" fmla="val 87123"/>
+            </a:avLst>
+          </a:prstGeom>
+          <a:ln w="76200">
+            <a:solidFill>
+              <a:srgbClr val="3366FF"/>
+            </a:solidFill>
+            <a:tailEnd type="triangle"/>
+          </a:ln>
+        </p:spPr>
+        <p:style>
+          <a:lnRef idx="1">
+            <a:schemeClr val="accent1"/>
+          </a:lnRef>
+          <a:fillRef idx="0">
+            <a:schemeClr val="accent1"/>
+          </a:fillRef>
+          <a:effectRef idx="0">
+            <a:schemeClr val="accent1"/>
+          </a:effectRef>
+          <a:fontRef idx="minor">
+            <a:schemeClr val="tx1"/>
+          </a:fontRef>
+        </p:style>
+      </p:cxnSp>
+      <p:cxnSp>
+        <p:nvCxnSpPr>
+          <p:cNvPr id="141" name="Conector: Curvo 140">
+            <a:extLst>
+              <a:ext uri="{FF2B5EF4-FFF2-40B4-BE49-F238E27FC236}">
+                <a16:creationId xmlns:a16="http://schemas.microsoft.com/office/drawing/2014/main" id="{24CA8AAE-62C0-4D81-B8DB-1553F6A6C096}"/>
+              </a:ext>
+            </a:extLst>
+          </p:cNvPr>
+          <p:cNvCxnSpPr>
+            <a:cxnSpLocks/>
+            <a:stCxn id="3" idx="3"/>
+            <a:endCxn id="68" idx="0"/>
+          </p:cNvCxnSpPr>
+          <p:nvPr/>
+        </p:nvCxnSpPr>
+        <p:spPr>
+          <a:xfrm>
+            <a:off x="8825216" y="4700132"/>
+            <a:ext cx="2274653" cy="1722237"/>
+          </a:xfrm>
+          <a:prstGeom prst="curvedConnector2">
+            <a:avLst/>
+          </a:prstGeom>
+          <a:ln w="76200">
+            <a:solidFill>
+              <a:srgbClr val="3366FF"/>
+            </a:solidFill>
+            <a:tailEnd type="triangle"/>
+          </a:ln>
+        </p:spPr>
+        <p:style>
+          <a:lnRef idx="1">
+            <a:schemeClr val="accent1"/>
+          </a:lnRef>
+          <a:fillRef idx="0">
+            <a:schemeClr val="accent1"/>
+          </a:fillRef>
+          <a:effectRef idx="0">
+            <a:schemeClr val="accent1"/>
+          </a:effectRef>
+          <a:fontRef idx="minor">
+            <a:schemeClr val="tx1"/>
+          </a:fontRef>
+        </p:style>
+      </p:cxnSp>
+      <p:sp>
+        <p:nvSpPr>
+          <p:cNvPr id="1033" name="Chave Direita 1032">
+            <a:extLst>
+              <a:ext uri="{FF2B5EF4-FFF2-40B4-BE49-F238E27FC236}">
+                <a16:creationId xmlns:a16="http://schemas.microsoft.com/office/drawing/2014/main" id="{3B88D415-DBC8-460B-814D-E910F9947316}"/>
+              </a:ext>
+            </a:extLst>
+          </p:cNvPr>
+          <p:cNvSpPr/>
+          <p:nvPr/>
+        </p:nvSpPr>
+        <p:spPr>
+          <a:xfrm>
+            <a:off x="5845799" y="5524286"/>
+            <a:ext cx="418454" cy="3862061"/>
+          </a:xfrm>
+          <a:prstGeom prst="rightBrace">
+            <a:avLst>
+              <a:gd name="adj1" fmla="val 113040"/>
+              <a:gd name="adj2" fmla="val 50000"/>
+            </a:avLst>
+          </a:prstGeom>
+          <a:ln w="76200"/>
+        </p:spPr>
+        <p:style>
+          <a:lnRef idx="1">
+            <a:schemeClr val="accent1"/>
+          </a:lnRef>
+          <a:fillRef idx="0">
+            <a:schemeClr val="accent1"/>
+          </a:fillRef>
+          <a:effectRef idx="0">
+            <a:schemeClr val="accent1"/>
+          </a:effectRef>
+          <a:fontRef idx="minor">
+            <a:schemeClr val="tx1"/>
+          </a:fontRef>
+        </p:style>
+        <p:txBody>
+          <a:bodyPr rtlCol="0" anchor="ctr"/>
+          <a:lstStyle/>
+          <a:p>
+            <a:pPr algn="ctr"/>
+            <a:endParaRPr lang="pt-BR">
+              <a:latin typeface="Open Sans" panose="020B0606030504020204" pitchFamily="34" charset="0"/>
+              <a:ea typeface="Open Sans" panose="020B0606030504020204" pitchFamily="34" charset="0"/>
+              <a:cs typeface="Open Sans" panose="020B0606030504020204" pitchFamily="34" charset="0"/>
+            </a:endParaRPr>
+          </a:p>
+        </p:txBody>
+      </p:sp>
+      <p:sp>
+        <p:nvSpPr>
+          <p:cNvPr id="151" name="Chave Direita 150">
+            <a:extLst>
+              <a:ext uri="{FF2B5EF4-FFF2-40B4-BE49-F238E27FC236}">
+                <a16:creationId xmlns:a16="http://schemas.microsoft.com/office/drawing/2014/main" id="{2D206082-B8F3-4582-8C28-0B316EBB6632}"/>
+              </a:ext>
+            </a:extLst>
+          </p:cNvPr>
+          <p:cNvSpPr/>
+          <p:nvPr/>
+        </p:nvSpPr>
+        <p:spPr>
+          <a:xfrm flipH="1">
+            <a:off x="3998041" y="5551087"/>
+            <a:ext cx="388240" cy="3862061"/>
+          </a:xfrm>
+          <a:prstGeom prst="rightBrace">
+            <a:avLst>
+              <a:gd name="adj1" fmla="val 113040"/>
+              <a:gd name="adj2" fmla="val 50000"/>
+            </a:avLst>
+          </a:prstGeom>
+          <a:ln w="76200"/>
+        </p:spPr>
+        <p:style>
+          <a:lnRef idx="1">
+            <a:schemeClr val="accent1"/>
+          </a:lnRef>
+          <a:fillRef idx="0">
+            <a:schemeClr val="accent1"/>
+          </a:fillRef>
+          <a:effectRef idx="0">
+            <a:schemeClr val="accent1"/>
+          </a:effectRef>
+          <a:fontRef idx="minor">
+            <a:schemeClr val="tx1"/>
+          </a:fontRef>
+        </p:style>
+        <p:txBody>
+          <a:bodyPr rtlCol="0" anchor="ctr"/>
+          <a:lstStyle/>
+          <a:p>
+            <a:pPr algn="ctr"/>
+            <a:endParaRPr lang="pt-BR">
+              <a:latin typeface="Open Sans" panose="020B0606030504020204" pitchFamily="34" charset="0"/>
+              <a:ea typeface="Open Sans" panose="020B0606030504020204" pitchFamily="34" charset="0"/>
+              <a:cs typeface="Open Sans" panose="020B0606030504020204" pitchFamily="34" charset="0"/>
+            </a:endParaRPr>
+          </a:p>
+        </p:txBody>
+      </p:sp>
+      <p:cxnSp>
+        <p:nvCxnSpPr>
+          <p:cNvPr id="152" name="Conector: Curvo 151">
+            <a:extLst>
+              <a:ext uri="{FF2B5EF4-FFF2-40B4-BE49-F238E27FC236}">
+                <a16:creationId xmlns:a16="http://schemas.microsoft.com/office/drawing/2014/main" id="{46E787AB-91A3-4DC3-B703-77073F8503DE}"/>
+              </a:ext>
+            </a:extLst>
+          </p:cNvPr>
+          <p:cNvCxnSpPr>
+            <a:cxnSpLocks/>
+            <a:stCxn id="5" idx="3"/>
+            <a:endCxn id="68" idx="1"/>
+          </p:cNvCxnSpPr>
+          <p:nvPr/>
+        </p:nvCxnSpPr>
+        <p:spPr>
+          <a:xfrm flipV="1">
+            <a:off x="9073797" y="7160144"/>
+            <a:ext cx="1206076" cy="3333654"/>
+          </a:xfrm>
+          <a:prstGeom prst="curvedConnector3">
+            <a:avLst>
+              <a:gd name="adj1" fmla="val 50000"/>
+            </a:avLst>
+          </a:prstGeom>
+          <a:ln w="76200">
+            <a:solidFill>
+              <a:srgbClr val="3366FF"/>
+            </a:solidFill>
+            <a:tailEnd type="triangle"/>
+          </a:ln>
+        </p:spPr>
+        <p:style>
+          <a:lnRef idx="1">
+            <a:schemeClr val="accent1"/>
+          </a:lnRef>
+          <a:fillRef idx="0">
+            <a:schemeClr val="accent1"/>
+          </a:fillRef>
+          <a:effectRef idx="0">
+            <a:schemeClr val="accent1"/>
+          </a:effectRef>
+          <a:fontRef idx="minor">
+            <a:schemeClr val="tx1"/>
+          </a:fontRef>
+        </p:style>
+      </p:cxnSp>
+      <p:sp>
+        <p:nvSpPr>
+          <p:cNvPr id="1041" name="CaixaDeTexto 1040">
+            <a:extLst>
+              <a:ext uri="{FF2B5EF4-FFF2-40B4-BE49-F238E27FC236}">
+                <a16:creationId xmlns:a16="http://schemas.microsoft.com/office/drawing/2014/main" id="{D8D9FEBC-0D97-4F28-AD7D-C17818415EBC}"/>
               </a:ext>
             </a:extLst>
           </p:cNvPr>
@@ -5449,8 +6031,8 @@
         </p:nvSpPr>
         <p:spPr>
           <a:xfrm>
-            <a:off x="252281" y="81747"/>
-            <a:ext cx="4054956" cy="707886"/>
+            <a:off x="12436012" y="6185335"/>
+            <a:ext cx="3359214" cy="307777"/>
           </a:xfrm>
           <a:prstGeom prst="rect">
             <a:avLst/>
@@ -5458,19 +6040,247 @@
           <a:noFill/>
         </p:spPr>
         <p:txBody>
-          <a:bodyPr wrap="none" rtlCol="0">
+          <a:bodyPr wrap="square" rtlCol="0">
             <a:spAutoFit/>
           </a:bodyPr>
           <a:lstStyle/>
           <a:p>
             <a:r>
-              <a:rPr lang="pt-BR" sz="4000" b="1" dirty="0"/>
+              <a:rPr lang="pt-BR" sz="1400" b="1" dirty="0">
+                <a:solidFill>
+                  <a:srgbClr val="C00000"/>
+                </a:solidFill>
+                <a:latin typeface="Open Sans" panose="020B0606030504020204" pitchFamily="34" charset="0"/>
+                <a:ea typeface="Open Sans" panose="020B0606030504020204" pitchFamily="34" charset="0"/>
+                <a:cs typeface="Open Sans" panose="020B0606030504020204" pitchFamily="34" charset="0"/>
+              </a:rPr>
+              <a:t>*Comportamental &gt; De interação</a:t>
+            </a:r>
+          </a:p>
+        </p:txBody>
+      </p:sp>
+      <p:sp>
+        <p:nvSpPr>
+          <p:cNvPr id="157" name="Chave Direita 156">
+            <a:extLst>
+              <a:ext uri="{FF2B5EF4-FFF2-40B4-BE49-F238E27FC236}">
+                <a16:creationId xmlns:a16="http://schemas.microsoft.com/office/drawing/2014/main" id="{B13A5785-A23D-46C6-86A6-A8D65E9EB23E}"/>
+              </a:ext>
+            </a:extLst>
+          </p:cNvPr>
+          <p:cNvSpPr/>
+          <p:nvPr/>
+        </p:nvSpPr>
+        <p:spPr>
+          <a:xfrm rot="16200000">
+            <a:off x="11676005" y="2024681"/>
+            <a:ext cx="418454" cy="4491760"/>
+          </a:xfrm>
+          <a:prstGeom prst="rightBrace">
+            <a:avLst>
+              <a:gd name="adj1" fmla="val 113040"/>
+              <a:gd name="adj2" fmla="val 50000"/>
+            </a:avLst>
+          </a:prstGeom>
+          <a:ln w="76200">
+            <a:solidFill>
+              <a:srgbClr val="7030A0"/>
+            </a:solidFill>
+          </a:ln>
+        </p:spPr>
+        <p:style>
+          <a:lnRef idx="1">
+            <a:schemeClr val="accent1"/>
+          </a:lnRef>
+          <a:fillRef idx="0">
+            <a:schemeClr val="accent1"/>
+          </a:fillRef>
+          <a:effectRef idx="0">
+            <a:schemeClr val="accent1"/>
+          </a:effectRef>
+          <a:fontRef idx="minor">
+            <a:schemeClr val="tx1"/>
+          </a:fontRef>
+        </p:style>
+        <p:txBody>
+          <a:bodyPr rtlCol="0" anchor="ctr"/>
+          <a:lstStyle/>
+          <a:p>
+            <a:pPr algn="ctr"/>
+            <a:endParaRPr lang="pt-BR">
+              <a:latin typeface="Open Sans" panose="020B0606030504020204" pitchFamily="34" charset="0"/>
+              <a:ea typeface="Open Sans" panose="020B0606030504020204" pitchFamily="34" charset="0"/>
+              <a:cs typeface="Open Sans" panose="020B0606030504020204" pitchFamily="34" charset="0"/>
+            </a:endParaRPr>
+          </a:p>
+        </p:txBody>
+      </p:sp>
+      <p:sp>
+        <p:nvSpPr>
+          <p:cNvPr id="1047" name="CaixaDeTexto 1046">
+            <a:extLst>
+              <a:ext uri="{FF2B5EF4-FFF2-40B4-BE49-F238E27FC236}">
+                <a16:creationId xmlns:a16="http://schemas.microsoft.com/office/drawing/2014/main" id="{2E0216A5-9669-4105-B6B2-0AB563512EAD}"/>
+              </a:ext>
+            </a:extLst>
+          </p:cNvPr>
+          <p:cNvSpPr txBox="1"/>
+          <p:nvPr/>
+        </p:nvSpPr>
+        <p:spPr>
+          <a:xfrm>
+            <a:off x="11116233" y="3304081"/>
+            <a:ext cx="1533978" cy="523220"/>
+          </a:xfrm>
+          <a:prstGeom prst="rect">
+            <a:avLst/>
+          </a:prstGeom>
+          <a:solidFill>
+            <a:srgbClr val="CC99FF"/>
+          </a:solidFill>
+        </p:spPr>
+        <p:txBody>
+          <a:bodyPr wrap="square" rtlCol="0">
+            <a:spAutoFit/>
+          </a:bodyPr>
+          <a:lstStyle/>
+          <a:p>
+            <a:pPr algn="ctr"/>
+            <a:r>
+              <a:rPr lang="pt-BR" sz="2800" b="1" dirty="0">
+                <a:solidFill>
+                  <a:srgbClr val="7030A0"/>
+                </a:solidFill>
+                <a:latin typeface="Open Sans" panose="020B0606030504020204" pitchFamily="34" charset="0"/>
+                <a:ea typeface="Open Sans" panose="020B0606030504020204" pitchFamily="34" charset="0"/>
+                <a:cs typeface="Open Sans" panose="020B0606030504020204" pitchFamily="34" charset="0"/>
+              </a:rPr>
+              <a:t>GAP</a:t>
+            </a:r>
+            <a:endParaRPr lang="pt-BR" b="1" dirty="0">
+              <a:solidFill>
+                <a:srgbClr val="7030A0"/>
+              </a:solidFill>
+              <a:latin typeface="Open Sans" panose="020B0606030504020204" pitchFamily="34" charset="0"/>
+              <a:ea typeface="Open Sans" panose="020B0606030504020204" pitchFamily="34" charset="0"/>
+              <a:cs typeface="Open Sans" panose="020B0606030504020204" pitchFamily="34" charset="0"/>
+            </a:endParaRPr>
+          </a:p>
+        </p:txBody>
+      </p:sp>
+      <p:sp>
+        <p:nvSpPr>
+          <p:cNvPr id="170" name="Retângulo 169">
+            <a:extLst>
+              <a:ext uri="{FF2B5EF4-FFF2-40B4-BE49-F238E27FC236}">
+                <a16:creationId xmlns:a16="http://schemas.microsoft.com/office/drawing/2014/main" id="{E1468F1D-D737-445C-8A99-24D29A69777D}"/>
+              </a:ext>
+            </a:extLst>
+          </p:cNvPr>
+          <p:cNvSpPr/>
+          <p:nvPr/>
+        </p:nvSpPr>
+        <p:spPr>
+          <a:xfrm>
+            <a:off x="3459496" y="862774"/>
+            <a:ext cx="17998134" cy="2055544"/>
+          </a:xfrm>
+          <a:prstGeom prst="rect">
+            <a:avLst/>
+          </a:prstGeom>
+          <a:solidFill>
+            <a:srgbClr val="CCFFCC"/>
+          </a:solidFill>
+          <a:ln w="57150">
+            <a:solidFill>
+              <a:srgbClr val="00B050"/>
+            </a:solidFill>
+            <a:prstDash val="solid"/>
+          </a:ln>
+        </p:spPr>
+        <p:style>
+          <a:lnRef idx="2">
+            <a:schemeClr val="accent1">
+              <a:shade val="50000"/>
+            </a:schemeClr>
+          </a:lnRef>
+          <a:fillRef idx="1">
+            <a:schemeClr val="accent1"/>
+          </a:fillRef>
+          <a:effectRef idx="0">
+            <a:schemeClr val="accent1"/>
+          </a:effectRef>
+          <a:fontRef idx="minor">
+            <a:schemeClr val="lt1"/>
+          </a:fontRef>
+        </p:style>
+        <p:txBody>
+          <a:bodyPr rtlCol="0" anchor="ctr"/>
+          <a:lstStyle/>
+          <a:p>
+            <a:pPr algn="ctr"/>
+            <a:r>
+              <a:rPr lang="pt-BR" sz="11500" b="1" dirty="0">
+                <a:solidFill>
+                  <a:srgbClr val="00B050"/>
+                </a:solidFill>
+                <a:latin typeface="Open Sans" panose="020B0606030504020204" pitchFamily="34" charset="0"/>
+                <a:ea typeface="Open Sans" panose="020B0606030504020204" pitchFamily="34" charset="0"/>
+                <a:cs typeface="Open Sans" panose="020B0606030504020204" pitchFamily="34" charset="0"/>
+              </a:rPr>
               <a:t>PROCESSO ICONIX</a:t>
             </a:r>
-            <a:endParaRPr lang="pt-BR" b="1" dirty="0"/>
-          </a:p>
-        </p:txBody>
-      </p:sp>
+          </a:p>
+        </p:txBody>
+      </p:sp>
+      <p:cxnSp>
+        <p:nvCxnSpPr>
+          <p:cNvPr id="173" name="Conector: Curvo 172">
+            <a:extLst>
+              <a:ext uri="{FF2B5EF4-FFF2-40B4-BE49-F238E27FC236}">
+                <a16:creationId xmlns:a16="http://schemas.microsoft.com/office/drawing/2014/main" id="{48A4DBD5-51DC-4E40-BB1A-31C0693261E7}"/>
+              </a:ext>
+            </a:extLst>
+          </p:cNvPr>
+          <p:cNvCxnSpPr>
+            <a:cxnSpLocks/>
+            <a:stCxn id="20" idx="2"/>
+            <a:endCxn id="5" idx="0"/>
+          </p:cNvCxnSpPr>
+          <p:nvPr/>
+        </p:nvCxnSpPr>
+        <p:spPr>
+          <a:xfrm rot="16200000" flipH="1">
+            <a:off x="7369566" y="8921371"/>
+            <a:ext cx="1653309" cy="188132"/>
+          </a:xfrm>
+          <a:prstGeom prst="curvedConnector3">
+            <a:avLst>
+              <a:gd name="adj1" fmla="val 101796"/>
+            </a:avLst>
+          </a:prstGeom>
+          <a:ln w="76200">
+            <a:solidFill>
+              <a:srgbClr val="3366FF"/>
+            </a:solidFill>
+            <a:tailEnd type="triangle"/>
+          </a:ln>
+        </p:spPr>
+        <p:style>
+          <a:lnRef idx="1">
+            <a:schemeClr val="accent1"/>
+          </a:lnRef>
+          <a:fillRef idx="0">
+            <a:schemeClr val="accent1"/>
+          </a:fillRef>
+          <a:effectRef idx="0">
+            <a:schemeClr val="accent1"/>
+          </a:effectRef>
+          <a:fontRef idx="minor">
+            <a:schemeClr val="tx1"/>
+          </a:fontRef>
+        </p:style>
+      </p:cxnSp>
     </p:spTree>
     <p:extLst>
       <p:ext uri="{BB962C8B-B14F-4D97-AF65-F5344CB8AC3E}">
@@ -5487,7 +6297,7 @@
 <file path=ppt/theme/theme1.xml><?xml version="1.0" encoding="utf-8"?>
 <a:theme xmlns:a="http://schemas.openxmlformats.org/drawingml/2006/main" name="Tema do Office">
   <a:themeElements>
-    <a:clrScheme name="Office">
+    <a:clrScheme name="Tema do Office">
       <a:dk1>
         <a:sysClr val="windowText" lastClr="000000"/>
       </a:dk1>
@@ -5525,7 +6335,7 @@
         <a:srgbClr val="954F72"/>
       </a:folHlink>
     </a:clrScheme>
-    <a:fontScheme name="Office">
+    <a:fontScheme name="Tema do Office">
       <a:majorFont>
         <a:latin typeface="Calibri Light" panose="020F0302020204030204"/>
         <a:ea typeface=""/>
@@ -5560,23 +6370,6 @@
         <a:font script="Viet" typeface="Times New Roman"/>
         <a:font script="Uigh" typeface="Microsoft Uighur"/>
         <a:font script="Geor" typeface="Sylfaen"/>
-        <a:font script="Armn" typeface="Arial"/>
-        <a:font script="Bugi" typeface="Leelawadee UI"/>
-        <a:font script="Bopo" typeface="Microsoft JhengHei"/>
-        <a:font script="Java" typeface="Javanese Text"/>
-        <a:font script="Lisu" typeface="Segoe UI"/>
-        <a:font script="Mymr" typeface="Myanmar Text"/>
-        <a:font script="Nkoo" typeface="Ebrima"/>
-        <a:font script="Olck" typeface="Nirmala UI"/>
-        <a:font script="Osma" typeface="Ebrima"/>
-        <a:font script="Phag" typeface="Phagspa"/>
-        <a:font script="Syrn" typeface="Estrangelo Edessa"/>
-        <a:font script="Syrj" typeface="Estrangelo Edessa"/>
-        <a:font script="Syre" typeface="Estrangelo Edessa"/>
-        <a:font script="Sora" typeface="Nirmala UI"/>
-        <a:font script="Tale" typeface="Microsoft Tai Le"/>
-        <a:font script="Talu" typeface="Microsoft New Tai Lue"/>
-        <a:font script="Tfng" typeface="Ebrima"/>
       </a:majorFont>
       <a:minorFont>
         <a:latin typeface="Calibri" panose="020F0502020204030204"/>
@@ -5612,26 +6405,9 @@
         <a:font script="Viet" typeface="Arial"/>
         <a:font script="Uigh" typeface="Microsoft Uighur"/>
         <a:font script="Geor" typeface="Sylfaen"/>
-        <a:font script="Armn" typeface="Arial"/>
-        <a:font script="Bugi" typeface="Leelawadee UI"/>
-        <a:font script="Bopo" typeface="Microsoft JhengHei"/>
-        <a:font script="Java" typeface="Javanese Text"/>
-        <a:font script="Lisu" typeface="Segoe UI"/>
-        <a:font script="Mymr" typeface="Myanmar Text"/>
-        <a:font script="Nkoo" typeface="Ebrima"/>
-        <a:font script="Olck" typeface="Nirmala UI"/>
-        <a:font script="Osma" typeface="Ebrima"/>
-        <a:font script="Phag" typeface="Phagspa"/>
-        <a:font script="Syrn" typeface="Estrangelo Edessa"/>
-        <a:font script="Syrj" typeface="Estrangelo Edessa"/>
-        <a:font script="Syre" typeface="Estrangelo Edessa"/>
-        <a:font script="Sora" typeface="Nirmala UI"/>
-        <a:font script="Tale" typeface="Microsoft Tai Le"/>
-        <a:font script="Talu" typeface="Microsoft New Tai Lue"/>
-        <a:font script="Tfng" typeface="Ebrima"/>
       </a:minorFont>
     </a:fontScheme>
-    <a:fmtScheme name="Office">
+    <a:fmtScheme name="Tema do Office">
       <a:fillStyleLst>
         <a:solidFill>
           <a:schemeClr val="phClr"/>

--- a/ICONIX.pptx
+++ b/ICONIX.pptx
@@ -243,7 +243,7 @@
           <a:p>
             <a:fld id="{AEE6760F-541C-41C7-94C9-CF71FF152BC5}" type="datetimeFigureOut">
               <a:rPr lang="pt-BR" smtClean="0"/>
-              <a:t>24/10/2018</a:t>
+              <a:t>26/10/2018</a:t>
             </a:fld>
             <a:endParaRPr lang="pt-BR"/>
           </a:p>
@@ -413,7 +413,7 @@
           <a:p>
             <a:fld id="{AEE6760F-541C-41C7-94C9-CF71FF152BC5}" type="datetimeFigureOut">
               <a:rPr lang="pt-BR" smtClean="0"/>
-              <a:t>24/10/2018</a:t>
+              <a:t>26/10/2018</a:t>
             </a:fld>
             <a:endParaRPr lang="pt-BR"/>
           </a:p>
@@ -593,7 +593,7 @@
           <a:p>
             <a:fld id="{AEE6760F-541C-41C7-94C9-CF71FF152BC5}" type="datetimeFigureOut">
               <a:rPr lang="pt-BR" smtClean="0"/>
-              <a:t>24/10/2018</a:t>
+              <a:t>26/10/2018</a:t>
             </a:fld>
             <a:endParaRPr lang="pt-BR"/>
           </a:p>
@@ -763,7 +763,7 @@
           <a:p>
             <a:fld id="{AEE6760F-541C-41C7-94C9-CF71FF152BC5}" type="datetimeFigureOut">
               <a:rPr lang="pt-BR" smtClean="0"/>
-              <a:t>24/10/2018</a:t>
+              <a:t>26/10/2018</a:t>
             </a:fld>
             <a:endParaRPr lang="pt-BR"/>
           </a:p>
@@ -1009,7 +1009,7 @@
           <a:p>
             <a:fld id="{AEE6760F-541C-41C7-94C9-CF71FF152BC5}" type="datetimeFigureOut">
               <a:rPr lang="pt-BR" smtClean="0"/>
-              <a:t>24/10/2018</a:t>
+              <a:t>26/10/2018</a:t>
             </a:fld>
             <a:endParaRPr lang="pt-BR"/>
           </a:p>
@@ -1241,7 +1241,7 @@
           <a:p>
             <a:fld id="{AEE6760F-541C-41C7-94C9-CF71FF152BC5}" type="datetimeFigureOut">
               <a:rPr lang="pt-BR" smtClean="0"/>
-              <a:t>24/10/2018</a:t>
+              <a:t>26/10/2018</a:t>
             </a:fld>
             <a:endParaRPr lang="pt-BR"/>
           </a:p>
@@ -1608,7 +1608,7 @@
           <a:p>
             <a:fld id="{AEE6760F-541C-41C7-94C9-CF71FF152BC5}" type="datetimeFigureOut">
               <a:rPr lang="pt-BR" smtClean="0"/>
-              <a:t>24/10/2018</a:t>
+              <a:t>26/10/2018</a:t>
             </a:fld>
             <a:endParaRPr lang="pt-BR"/>
           </a:p>
@@ -1726,7 +1726,7 @@
           <a:p>
             <a:fld id="{AEE6760F-541C-41C7-94C9-CF71FF152BC5}" type="datetimeFigureOut">
               <a:rPr lang="pt-BR" smtClean="0"/>
-              <a:t>24/10/2018</a:t>
+              <a:t>26/10/2018</a:t>
             </a:fld>
             <a:endParaRPr lang="pt-BR"/>
           </a:p>
@@ -1821,7 +1821,7 @@
           <a:p>
             <a:fld id="{AEE6760F-541C-41C7-94C9-CF71FF152BC5}" type="datetimeFigureOut">
               <a:rPr lang="pt-BR" smtClean="0"/>
-              <a:t>24/10/2018</a:t>
+              <a:t>26/10/2018</a:t>
             </a:fld>
             <a:endParaRPr lang="pt-BR"/>
           </a:p>
@@ -2098,7 +2098,7 @@
           <a:p>
             <a:fld id="{AEE6760F-541C-41C7-94C9-CF71FF152BC5}" type="datetimeFigureOut">
               <a:rPr lang="pt-BR" smtClean="0"/>
-              <a:t>24/10/2018</a:t>
+              <a:t>26/10/2018</a:t>
             </a:fld>
             <a:endParaRPr lang="pt-BR"/>
           </a:p>
@@ -2355,7 +2355,7 @@
           <a:p>
             <a:fld id="{AEE6760F-541C-41C7-94C9-CF71FF152BC5}" type="datetimeFigureOut">
               <a:rPr lang="pt-BR" smtClean="0"/>
-              <a:t>24/10/2018</a:t>
+              <a:t>26/10/2018</a:t>
             </a:fld>
             <a:endParaRPr lang="pt-BR"/>
           </a:p>
@@ -2568,7 +2568,7 @@
           <a:p>
             <a:fld id="{AEE6760F-541C-41C7-94C9-CF71FF152BC5}" type="datetimeFigureOut">
               <a:rPr lang="pt-BR" smtClean="0"/>
-              <a:t>24/10/2018</a:t>
+              <a:t>26/10/2018</a:t>
             </a:fld>
             <a:endParaRPr lang="pt-BR"/>
           </a:p>
@@ -2987,18 +2987,21 @@
         </p:nvSpPr>
         <p:spPr>
           <a:xfrm>
-            <a:off x="3459497" y="2950703"/>
+            <a:off x="3459497" y="2419757"/>
             <a:ext cx="3450137" cy="9007286"/>
           </a:xfrm>
           <a:prstGeom prst="rect">
             <a:avLst/>
           </a:prstGeom>
           <a:solidFill>
-            <a:srgbClr val="CCFFCC"/>
+            <a:schemeClr val="accent5">
+              <a:lumMod val="60000"/>
+              <a:lumOff val="40000"/>
+            </a:schemeClr>
           </a:solidFill>
           <a:ln w="57150">
             <a:solidFill>
-              <a:srgbClr val="00B050"/>
+              <a:srgbClr val="3366FF"/>
             </a:solidFill>
             <a:prstDash val="sysDot"/>
           </a:ln>
@@ -3026,7 +3029,7 @@
             <a:pPr algn="ctr"/>
             <a:endParaRPr lang="pt-BR" sz="2800" b="1" dirty="0">
               <a:solidFill>
-                <a:srgbClr val="00B050"/>
+                <a:srgbClr val="0070C0"/>
               </a:solidFill>
               <a:latin typeface="Open Sans" panose="020B0606030504020204" pitchFamily="34" charset="0"/>
               <a:ea typeface="Open Sans" panose="020B0606030504020204" pitchFamily="34" charset="0"/>
@@ -3038,7 +3041,7 @@
             <a:r>
               <a:rPr lang="pt-BR" sz="2800" b="1" dirty="0">
                 <a:solidFill>
-                  <a:srgbClr val="00B050"/>
+                  <a:srgbClr val="0070C0"/>
                 </a:solidFill>
                 <a:latin typeface="Open Sans" panose="020B0606030504020204" pitchFamily="34" charset="0"/>
                 <a:ea typeface="Open Sans" panose="020B0606030504020204" pitchFamily="34" charset="0"/>
@@ -3063,18 +3066,21 @@
         </p:nvSpPr>
         <p:spPr>
           <a:xfrm>
-            <a:off x="6898960" y="2949677"/>
+            <a:off x="6898960" y="2418731"/>
             <a:ext cx="5088266" cy="9021011"/>
           </a:xfrm>
           <a:prstGeom prst="rect">
             <a:avLst/>
           </a:prstGeom>
           <a:solidFill>
-            <a:srgbClr val="CCFFCC"/>
+            <a:schemeClr val="accent5">
+              <a:lumMod val="20000"/>
+              <a:lumOff val="80000"/>
+            </a:schemeClr>
           </a:solidFill>
           <a:ln w="57150">
             <a:solidFill>
-              <a:srgbClr val="00B050"/>
+              <a:srgbClr val="3366FF"/>
             </a:solidFill>
             <a:prstDash val="sysDot"/>
           </a:ln>
@@ -3102,7 +3108,7 @@
             <a:pPr algn="ctr"/>
             <a:endParaRPr lang="pt-BR" b="1" dirty="0">
               <a:solidFill>
-                <a:srgbClr val="00B050"/>
+                <a:srgbClr val="0070C0"/>
               </a:solidFill>
               <a:latin typeface="Open Sans" panose="020B0606030504020204" pitchFamily="34" charset="0"/>
               <a:ea typeface="Open Sans" panose="020B0606030504020204" pitchFamily="34" charset="0"/>
@@ -3114,7 +3120,7 @@
             <a:r>
               <a:rPr lang="pt-BR" sz="2800" b="1" dirty="0">
                 <a:solidFill>
-                  <a:srgbClr val="00B050"/>
+                  <a:srgbClr val="0070C0"/>
                 </a:solidFill>
                 <a:latin typeface="Open Sans" panose="020B0606030504020204" pitchFamily="34" charset="0"/>
                 <a:ea typeface="Open Sans" panose="020B0606030504020204" pitchFamily="34" charset="0"/>
@@ -3124,7 +3130,7 @@
             </a:r>
             <a:endParaRPr lang="pt-BR" b="1" dirty="0">
               <a:solidFill>
-                <a:srgbClr val="00B050"/>
+                <a:srgbClr val="0070C0"/>
               </a:solidFill>
               <a:latin typeface="Open Sans" panose="020B0606030504020204" pitchFamily="34" charset="0"/>
               <a:ea typeface="Open Sans" panose="020B0606030504020204" pitchFamily="34" charset="0"/>
@@ -3147,7 +3153,7 @@
         </p:nvSpPr>
         <p:spPr>
           <a:xfrm>
-            <a:off x="11966665" y="2949677"/>
+            <a:off x="11966665" y="2418731"/>
             <a:ext cx="6284409" cy="9021011"/>
           </a:xfrm>
           <a:prstGeom prst="rect">
@@ -3231,14 +3237,14 @@
         </p:nvSpPr>
         <p:spPr>
           <a:xfrm>
-            <a:off x="18226572" y="2949101"/>
+            <a:off x="18226572" y="2418155"/>
             <a:ext cx="3231058" cy="9028727"/>
           </a:xfrm>
           <a:prstGeom prst="rect">
             <a:avLst/>
           </a:prstGeom>
           <a:solidFill>
-            <a:srgbClr val="CCFFCC"/>
+            <a:srgbClr val="66FF99"/>
           </a:solidFill>
           <a:ln w="57150">
             <a:solidFill>
@@ -3307,7 +3313,7 @@
         </p:nvSpPr>
         <p:spPr>
           <a:xfrm>
-            <a:off x="7051359" y="9411013"/>
+            <a:off x="7051359" y="8880067"/>
             <a:ext cx="10995224" cy="2373308"/>
           </a:xfrm>
           <a:prstGeom prst="rect">
@@ -3401,7 +3407,7 @@
         </p:nvSpPr>
         <p:spPr>
           <a:xfrm>
-            <a:off x="7051360" y="5825266"/>
+            <a:off x="7051360" y="5294320"/>
             <a:ext cx="10995224" cy="3268582"/>
           </a:xfrm>
           <a:prstGeom prst="rect">
@@ -3504,7 +3510,7 @@
         </p:nvGrpSpPr>
         <p:grpSpPr>
           <a:xfrm>
-            <a:off x="4398299" y="6917907"/>
+            <a:off x="4398299" y="6386961"/>
             <a:ext cx="1377474" cy="1163713"/>
             <a:chOff x="5949392" y="6340751"/>
             <a:chExt cx="1377474" cy="1163713"/>
@@ -3628,7 +3634,7 @@
         </p:nvGrpSpPr>
         <p:grpSpPr>
           <a:xfrm>
-            <a:off x="4383242" y="8286155"/>
+            <a:off x="4383242" y="7755209"/>
             <a:ext cx="1311341" cy="813599"/>
             <a:chOff x="5997006" y="7594842"/>
             <a:chExt cx="1311341" cy="813599"/>
@@ -3736,7 +3742,7 @@
         </p:nvGrpSpPr>
         <p:grpSpPr>
           <a:xfrm>
-            <a:off x="7391462" y="6567937"/>
+            <a:off x="7391462" y="6036991"/>
             <a:ext cx="1437376" cy="1620846"/>
             <a:chOff x="2365725" y="1207890"/>
             <a:chExt cx="1437376" cy="1620846"/>
@@ -3835,7 +3841,7 @@
         </p:nvGrpSpPr>
         <p:grpSpPr>
           <a:xfrm>
-            <a:off x="7250439" y="9842092"/>
+            <a:off x="7250439" y="9311146"/>
             <a:ext cx="1986508" cy="1916454"/>
             <a:chOff x="2224702" y="4177245"/>
             <a:chExt cx="1986508" cy="1916454"/>
@@ -3934,7 +3940,7 @@
         </p:nvGrpSpPr>
         <p:grpSpPr>
           <a:xfrm>
-            <a:off x="12938001" y="6543593"/>
+            <a:off x="12938001" y="6012647"/>
             <a:ext cx="1954273" cy="1641414"/>
             <a:chOff x="7288150" y="1183546"/>
             <a:chExt cx="1954273" cy="1641414"/>
@@ -4033,7 +4039,7 @@
         </p:nvGrpSpPr>
         <p:grpSpPr>
           <a:xfrm>
-            <a:off x="15430714" y="9525766"/>
+            <a:off x="15430714" y="8994820"/>
             <a:ext cx="1608091" cy="2394441"/>
             <a:chOff x="7405700" y="3873368"/>
             <a:chExt cx="1608091" cy="2394441"/>
@@ -4132,7 +4138,7 @@
         </p:nvGrpSpPr>
         <p:grpSpPr>
           <a:xfrm>
-            <a:off x="19251562" y="7089827"/>
+            <a:off x="19251562" y="6558881"/>
             <a:ext cx="1194696" cy="920223"/>
             <a:chOff x="10480232" y="1424979"/>
             <a:chExt cx="1194696" cy="920223"/>
@@ -4240,7 +4246,7 @@
         </p:nvGrpSpPr>
         <p:grpSpPr>
           <a:xfrm>
-            <a:off x="19033699" y="9727490"/>
+            <a:off x="19033699" y="9196544"/>
             <a:ext cx="1311341" cy="800872"/>
             <a:chOff x="10337017" y="3884792"/>
             <a:chExt cx="1311341" cy="800872"/>
@@ -4353,7 +4359,7 @@
         </p:nvCxnSpPr>
         <p:spPr>
           <a:xfrm flipV="1">
-            <a:off x="8110150" y="5777695"/>
+            <a:off x="8110150" y="5246749"/>
             <a:ext cx="1978" cy="790242"/>
           </a:xfrm>
           <a:prstGeom prst="straightConnector1">
@@ -4399,7 +4405,7 @@
         </p:nvCxnSpPr>
         <p:spPr>
           <a:xfrm flipV="1">
-            <a:off x="8828838" y="7160144"/>
+            <a:off x="8828838" y="6629198"/>
             <a:ext cx="1451035" cy="2773"/>
           </a:xfrm>
           <a:prstGeom prst="straightConnector1">
@@ -4445,7 +4451,7 @@
         </p:nvCxnSpPr>
         <p:spPr>
           <a:xfrm flipV="1">
-            <a:off x="11919865" y="7159382"/>
+            <a:off x="11919865" y="6628436"/>
             <a:ext cx="1018136" cy="762"/>
           </a:xfrm>
           <a:prstGeom prst="straightConnector1">
@@ -4489,7 +4495,7 @@
         </p:nvCxnSpPr>
         <p:spPr>
           <a:xfrm rot="10800000" flipH="1" flipV="1">
-            <a:off x="19190509" y="7651254"/>
+            <a:off x="19190509" y="7120308"/>
             <a:ext cx="171728" cy="2041406"/>
           </a:xfrm>
           <a:prstGeom prst="curvedConnector3">
@@ -4535,7 +4541,7 @@
         </p:nvCxnSpPr>
         <p:spPr>
           <a:xfrm flipV="1">
-            <a:off x="20044678" y="7653435"/>
+            <a:off x="20044678" y="7122489"/>
             <a:ext cx="273570" cy="2041406"/>
           </a:xfrm>
           <a:prstGeom prst="curvedConnector3">
@@ -4579,7 +4585,7 @@
         </p:nvGrpSpPr>
         <p:grpSpPr>
           <a:xfrm>
-            <a:off x="4452639" y="5770230"/>
+            <a:off x="4452639" y="5239284"/>
             <a:ext cx="1311341" cy="901387"/>
             <a:chOff x="5987048" y="5273820"/>
             <a:chExt cx="1311341" cy="901387"/>
@@ -4702,7 +4708,7 @@
         </p:nvGrpSpPr>
         <p:grpSpPr>
           <a:xfrm>
-            <a:off x="10279873" y="6422369"/>
+            <a:off x="10279873" y="5891423"/>
             <a:ext cx="1639992" cy="1871035"/>
             <a:chOff x="4682636" y="1062321"/>
             <a:chExt cx="1639992" cy="1871035"/>
@@ -4801,7 +4807,7 @@
         </p:nvGrpSpPr>
         <p:grpSpPr>
           <a:xfrm>
-            <a:off x="7430596" y="3925448"/>
+            <a:off x="7430596" y="3394502"/>
             <a:ext cx="1394620" cy="1852247"/>
             <a:chOff x="4469842" y="1857803"/>
             <a:chExt cx="1394620" cy="1559507"/>
@@ -5413,7 +5419,7 @@
         </p:nvGrpSpPr>
         <p:grpSpPr>
           <a:xfrm>
-            <a:off x="15542748" y="6582795"/>
+            <a:off x="15542748" y="6051849"/>
             <a:ext cx="1311341" cy="2338361"/>
             <a:chOff x="20764994" y="4224661"/>
             <a:chExt cx="1311341" cy="2338361"/>
@@ -5548,7 +5554,7 @@
         </p:nvCxnSpPr>
         <p:spPr>
           <a:xfrm>
-            <a:off x="16851227" y="7274474"/>
+            <a:off x="16851227" y="6743528"/>
             <a:ext cx="187578" cy="3160919"/>
           </a:xfrm>
           <a:prstGeom prst="curvedConnector3">
@@ -5597,7 +5603,7 @@
         </p:nvCxnSpPr>
         <p:spPr>
           <a:xfrm rot="16200000" flipH="1">
-            <a:off x="16570362" y="3888369"/>
+            <a:off x="16570362" y="3357423"/>
             <a:ext cx="546234" cy="5856682"/>
           </a:xfrm>
           <a:prstGeom prst="curvedConnector3">
@@ -5645,7 +5651,7 @@
         </p:nvCxnSpPr>
         <p:spPr>
           <a:xfrm rot="10800000" flipH="1">
-            <a:off x="15430714" y="7274475"/>
+            <a:off x="15430714" y="6743529"/>
             <a:ext cx="181024" cy="3160919"/>
           </a:xfrm>
           <a:prstGeom prst="curvedConnector3">
@@ -5693,7 +5699,7 @@
         </p:nvCxnSpPr>
         <p:spPr>
           <a:xfrm rot="16200000" flipH="1">
-            <a:off x="13001783" y="9042820"/>
+            <a:off x="13001783" y="8511874"/>
             <a:ext cx="3435118" cy="1719491"/>
           </a:xfrm>
           <a:prstGeom prst="curvedConnector2">
@@ -5739,7 +5745,7 @@
         </p:nvCxnSpPr>
         <p:spPr>
           <a:xfrm flipV="1">
-            <a:off x="16890429" y="7464526"/>
+            <a:off x="16890429" y="6933580"/>
             <a:ext cx="2506692" cy="4155599"/>
           </a:xfrm>
           <a:prstGeom prst="curvedConnector3">
@@ -5787,7 +5793,7 @@
         </p:nvCxnSpPr>
         <p:spPr>
           <a:xfrm rot="10800000" flipH="1">
-            <a:off x="6264252" y="7162917"/>
+            <a:off x="6264252" y="6631971"/>
             <a:ext cx="1127209" cy="292400"/>
           </a:xfrm>
           <a:prstGeom prst="curvedConnector5">
@@ -5837,7 +5843,7 @@
         </p:nvCxnSpPr>
         <p:spPr>
           <a:xfrm>
-            <a:off x="8825216" y="4700132"/>
+            <a:off x="8825216" y="4169186"/>
             <a:ext cx="2274653" cy="1722237"/>
           </a:xfrm>
           <a:prstGeom prst="curvedConnector2">
@@ -5879,7 +5885,7 @@
         </p:nvSpPr>
         <p:spPr>
           <a:xfrm>
-            <a:off x="5845799" y="5524286"/>
+            <a:off x="5845799" y="4993340"/>
             <a:ext cx="418454" cy="3862061"/>
           </a:xfrm>
           <a:prstGeom prst="rightBrace">
@@ -5931,7 +5937,7 @@
         </p:nvSpPr>
         <p:spPr>
           <a:xfrm flipH="1">
-            <a:off x="3998041" y="5551087"/>
+            <a:off x="3998041" y="5020141"/>
             <a:ext cx="388240" cy="3862061"/>
           </a:xfrm>
           <a:prstGeom prst="rightBrace">
@@ -5987,7 +5993,7 @@
         </p:nvCxnSpPr>
         <p:spPr>
           <a:xfrm flipV="1">
-            <a:off x="9073797" y="7160144"/>
+            <a:off x="9073797" y="6629198"/>
             <a:ext cx="1206076" cy="3333654"/>
           </a:xfrm>
           <a:prstGeom prst="curvedConnector3">
@@ -6031,7 +6037,7 @@
         </p:nvSpPr>
         <p:spPr>
           <a:xfrm>
-            <a:off x="12436012" y="6185335"/>
+            <a:off x="12436012" y="5654389"/>
             <a:ext cx="3359214" cy="307777"/>
           </a:xfrm>
           <a:prstGeom prst="rect">
@@ -6073,7 +6079,7 @@
         </p:nvSpPr>
         <p:spPr>
           <a:xfrm rot="16200000">
-            <a:off x="11676005" y="2024681"/>
+            <a:off x="11676005" y="1493735"/>
             <a:ext cx="418454" cy="4491760"/>
           </a:xfrm>
           <a:prstGeom prst="rightBrace">
@@ -6129,7 +6135,7 @@
         </p:nvSpPr>
         <p:spPr>
           <a:xfrm>
-            <a:off x="11116233" y="3304081"/>
+            <a:off x="11116233" y="2773135"/>
             <a:ext cx="1533978" cy="523220"/>
           </a:xfrm>
           <a:prstGeom prst="rect">
@@ -6182,7 +6188,7 @@
         </p:nvSpPr>
         <p:spPr>
           <a:xfrm>
-            <a:off x="3459496" y="862774"/>
+            <a:off x="3459496" y="331828"/>
             <a:ext cx="17998134" cy="2055544"/>
           </a:xfrm>
           <a:prstGeom prst="rect">
@@ -6251,7 +6257,7 @@
         </p:nvCxnSpPr>
         <p:spPr>
           <a:xfrm rot="16200000" flipH="1">
-            <a:off x="7369566" y="8921371"/>
+            <a:off x="7369566" y="8390425"/>
             <a:ext cx="1653309" cy="188132"/>
           </a:xfrm>
           <a:prstGeom prst="curvedConnector3">
@@ -6281,6 +6287,223 @@
           </a:fontRef>
         </p:style>
       </p:cxnSp>
+      <p:sp>
+        <p:nvSpPr>
+          <p:cNvPr id="10" name="CaixaDeTexto 9">
+            <a:extLst>
+              <a:ext uri="{FF2B5EF4-FFF2-40B4-BE49-F238E27FC236}">
+                <a16:creationId xmlns:a16="http://schemas.microsoft.com/office/drawing/2014/main" id="{537C30C9-C121-438B-B42D-D98C153BFDF3}"/>
+              </a:ext>
+            </a:extLst>
+          </p:cNvPr>
+          <p:cNvSpPr txBox="1"/>
+          <p:nvPr/>
+        </p:nvSpPr>
+        <p:spPr>
+          <a:xfrm>
+            <a:off x="2282174" y="11585823"/>
+            <a:ext cx="4232249" cy="1015663"/>
+          </a:xfrm>
+          <a:prstGeom prst="rect">
+            <a:avLst/>
+          </a:prstGeom>
+          <a:noFill/>
+        </p:spPr>
+        <p:txBody>
+          <a:bodyPr wrap="none" rtlCol="0">
+            <a:spAutoFit/>
+          </a:bodyPr>
+          <a:lstStyle/>
+          <a:p>
+            <a:r>
+              <a:rPr lang="pt-BR" sz="6000" b="1" dirty="0">
+                <a:solidFill>
+                  <a:srgbClr val="0070C0"/>
+                </a:solidFill>
+                <a:latin typeface="Open Sans" panose="020B0606030504020204" pitchFamily="34" charset="0"/>
+                <a:ea typeface="Open Sans" panose="020B0606030504020204" pitchFamily="34" charset="0"/>
+                <a:cs typeface="Open Sans" panose="020B0606030504020204" pitchFamily="34" charset="0"/>
+              </a:rPr>
+              <a:t>PROBLEMA</a:t>
+            </a:r>
+            <a:endParaRPr lang="pt-BR" sz="7200" b="1" dirty="0">
+              <a:solidFill>
+                <a:srgbClr val="0070C0"/>
+              </a:solidFill>
+              <a:latin typeface="Open Sans" panose="020B0606030504020204" pitchFamily="34" charset="0"/>
+              <a:ea typeface="Open Sans" panose="020B0606030504020204" pitchFamily="34" charset="0"/>
+              <a:cs typeface="Open Sans" panose="020B0606030504020204" pitchFamily="34" charset="0"/>
+            </a:endParaRPr>
+          </a:p>
+        </p:txBody>
+      </p:sp>
+      <p:sp>
+        <p:nvSpPr>
+          <p:cNvPr id="66" name="CaixaDeTexto 65">
+            <a:extLst>
+              <a:ext uri="{FF2B5EF4-FFF2-40B4-BE49-F238E27FC236}">
+                <a16:creationId xmlns:a16="http://schemas.microsoft.com/office/drawing/2014/main" id="{096F8F1D-A31C-4169-804E-C0EF055BC07C}"/>
+              </a:ext>
+            </a:extLst>
+          </p:cNvPr>
+          <p:cNvSpPr txBox="1"/>
+          <p:nvPr/>
+        </p:nvSpPr>
+        <p:spPr>
+          <a:xfrm>
+            <a:off x="18587640" y="11698741"/>
+            <a:ext cx="3717236" cy="1015663"/>
+          </a:xfrm>
+          <a:prstGeom prst="rect">
+            <a:avLst/>
+          </a:prstGeom>
+          <a:noFill/>
+        </p:spPr>
+        <p:txBody>
+          <a:bodyPr wrap="none" rtlCol="0">
+            <a:spAutoFit/>
+          </a:bodyPr>
+          <a:lstStyle/>
+          <a:p>
+            <a:r>
+              <a:rPr lang="pt-BR" sz="6000" b="1" dirty="0">
+                <a:solidFill>
+                  <a:srgbClr val="33CC33"/>
+                </a:solidFill>
+                <a:latin typeface="Open Sans" panose="020B0606030504020204" pitchFamily="34" charset="0"/>
+                <a:ea typeface="Open Sans" panose="020B0606030504020204" pitchFamily="34" charset="0"/>
+                <a:cs typeface="Open Sans" panose="020B0606030504020204" pitchFamily="34" charset="0"/>
+              </a:rPr>
+              <a:t>SOLUÇÃO</a:t>
+            </a:r>
+            <a:endParaRPr lang="pt-BR" sz="7200" b="1" dirty="0">
+              <a:solidFill>
+                <a:srgbClr val="33CC33"/>
+              </a:solidFill>
+              <a:latin typeface="Open Sans" panose="020B0606030504020204" pitchFamily="34" charset="0"/>
+              <a:ea typeface="Open Sans" panose="020B0606030504020204" pitchFamily="34" charset="0"/>
+              <a:cs typeface="Open Sans" panose="020B0606030504020204" pitchFamily="34" charset="0"/>
+            </a:endParaRPr>
+          </a:p>
+        </p:txBody>
+      </p:sp>
+      <p:sp>
+        <p:nvSpPr>
+          <p:cNvPr id="67" name="CaixaDeTexto 66">
+            <a:extLst>
+              <a:ext uri="{FF2B5EF4-FFF2-40B4-BE49-F238E27FC236}">
+                <a16:creationId xmlns:a16="http://schemas.microsoft.com/office/drawing/2014/main" id="{6DB28C46-B31A-4037-AE8D-3096583F5769}"/>
+              </a:ext>
+            </a:extLst>
+          </p:cNvPr>
+          <p:cNvSpPr txBox="1"/>
+          <p:nvPr/>
+        </p:nvSpPr>
+        <p:spPr>
+          <a:xfrm>
+            <a:off x="8317663" y="12350273"/>
+            <a:ext cx="7339125" cy="923330"/>
+          </a:xfrm>
+          <a:prstGeom prst="rect">
+            <a:avLst/>
+          </a:prstGeom>
+          <a:noFill/>
+        </p:spPr>
+        <p:txBody>
+          <a:bodyPr wrap="none" rtlCol="0">
+            <a:spAutoFit/>
+          </a:bodyPr>
+          <a:lstStyle/>
+          <a:p>
+            <a:r>
+              <a:rPr lang="pt-BR" sz="5400" dirty="0">
+                <a:latin typeface="Open Sans" panose="020B0606030504020204" pitchFamily="34" charset="0"/>
+                <a:ea typeface="Open Sans" panose="020B0606030504020204" pitchFamily="34" charset="0"/>
+                <a:cs typeface="Open Sans" panose="020B0606030504020204" pitchFamily="34" charset="0"/>
+              </a:rPr>
+              <a:t>[PLANO DE SOLUÇÃO]</a:t>
+            </a:r>
+          </a:p>
+        </p:txBody>
+      </p:sp>
+      <p:sp>
+        <p:nvSpPr>
+          <p:cNvPr id="69" name="CaixaDeTexto 68">
+            <a:extLst>
+              <a:ext uri="{FF2B5EF4-FFF2-40B4-BE49-F238E27FC236}">
+                <a16:creationId xmlns:a16="http://schemas.microsoft.com/office/drawing/2014/main" id="{C7DDEFC3-1BB2-4F34-B394-1AE9AA28E4B7}"/>
+              </a:ext>
+            </a:extLst>
+          </p:cNvPr>
+          <p:cNvSpPr txBox="1"/>
+          <p:nvPr/>
+        </p:nvSpPr>
+        <p:spPr>
+          <a:xfrm>
+            <a:off x="6774609" y="11564016"/>
+            <a:ext cx="10053714" cy="707886"/>
+          </a:xfrm>
+          <a:prstGeom prst="rect">
+            <a:avLst/>
+          </a:prstGeom>
+          <a:noFill/>
+        </p:spPr>
+        <p:txBody>
+          <a:bodyPr wrap="none" rtlCol="0">
+            <a:spAutoFit/>
+          </a:bodyPr>
+          <a:lstStyle/>
+          <a:p>
+            <a:r>
+              <a:rPr lang="pt-BR" sz="4000" dirty="0">
+                <a:solidFill>
+                  <a:srgbClr val="00B0F0"/>
+                </a:solidFill>
+                <a:highlight>
+                  <a:srgbClr val="0000FF"/>
+                </a:highlight>
+                <a:latin typeface="Open Sans" panose="020B0606030504020204" pitchFamily="34" charset="0"/>
+                <a:ea typeface="Open Sans" panose="020B0606030504020204" pitchFamily="34" charset="0"/>
+                <a:cs typeface="Open Sans" panose="020B0606030504020204" pitchFamily="34" charset="0"/>
+              </a:rPr>
+              <a:t>Modelar o problema</a:t>
+            </a:r>
+            <a:r>
+              <a:rPr lang="pt-BR" sz="4000" dirty="0">
+                <a:highlight>
+                  <a:srgbClr val="0000FF"/>
+                </a:highlight>
+                <a:latin typeface="Open Sans" panose="020B0606030504020204" pitchFamily="34" charset="0"/>
+                <a:ea typeface="Open Sans" panose="020B0606030504020204" pitchFamily="34" charset="0"/>
+                <a:cs typeface="Open Sans" panose="020B0606030504020204" pitchFamily="34" charset="0"/>
+              </a:rPr>
+              <a:t> </a:t>
+            </a:r>
+            <a:r>
+              <a:rPr lang="pt-BR" sz="4000" dirty="0">
+                <a:latin typeface="Open Sans" panose="020B0606030504020204" pitchFamily="34" charset="0"/>
+                <a:ea typeface="Open Sans" panose="020B0606030504020204" pitchFamily="34" charset="0"/>
+                <a:cs typeface="Open Sans" panose="020B0606030504020204" pitchFamily="34" charset="0"/>
+              </a:rPr>
+              <a:t>| </a:t>
+            </a:r>
+            <a:r>
+              <a:rPr lang="pt-BR" sz="4000" dirty="0">
+                <a:solidFill>
+                  <a:srgbClr val="66FF33"/>
+                </a:solidFill>
+                <a:highlight>
+                  <a:srgbClr val="008000"/>
+                </a:highlight>
+                <a:latin typeface="Open Sans" panose="020B0606030504020204" pitchFamily="34" charset="0"/>
+                <a:ea typeface="Open Sans" panose="020B0606030504020204" pitchFamily="34" charset="0"/>
+                <a:cs typeface="Open Sans" panose="020B0606030504020204" pitchFamily="34" charset="0"/>
+              </a:rPr>
+              <a:t>Modelar a Solução</a:t>
+            </a:r>
+          </a:p>
+        </p:txBody>
+      </p:sp>
     </p:spTree>
     <p:extLst>
       <p:ext uri="{BB962C8B-B14F-4D97-AF65-F5344CB8AC3E}">

--- a/ICONIX.pptx
+++ b/ICONIX.pptx
@@ -2,12 +2,13 @@
 <file path=ppt/presentation.xml><?xml version="1.0" encoding="utf-8"?>
 <p:presentation xmlns:a="http://schemas.openxmlformats.org/drawingml/2006/main" xmlns:r="http://schemas.openxmlformats.org/officeDocument/2006/relationships" xmlns:p="http://schemas.openxmlformats.org/presentationml/2006/main" saveSubsetFonts="1">
   <p:sldMasterIdLst>
-    <p:sldMasterId id="2147483660" r:id="rId1"/>
+    <p:sldMasterId id="2147483672" r:id="rId1"/>
   </p:sldMasterIdLst>
   <p:sldIdLst>
-    <p:sldId id="256" r:id="rId2"/>
+    <p:sldId id="257" r:id="rId2"/>
+    <p:sldId id="256" r:id="rId3"/>
   </p:sldIdLst>
-  <p:sldSz cx="23760113" cy="13679488"/>
+  <p:sldSz cx="28800425" cy="25560338"/>
   <p:notesSz cx="6858000" cy="9144000"/>
   <p:defaultTextStyle>
     <a:defPPr>
@@ -141,15 +142,15 @@
         </p:nvSpPr>
         <p:spPr>
           <a:xfrm>
-            <a:off x="2970014" y="2238751"/>
-            <a:ext cx="17820085" cy="4762488"/>
+            <a:off x="2160032" y="4183141"/>
+            <a:ext cx="24480361" cy="8898784"/>
           </a:xfrm>
         </p:spPr>
         <p:txBody>
           <a:bodyPr anchor="b"/>
           <a:lstStyle>
             <a:lvl1pPr algn="ctr">
-              <a:defRPr sz="11693"/>
+              <a:defRPr sz="18898"/>
             </a:lvl1pPr>
           </a:lstStyle>
           <a:p>
@@ -173,8 +174,8 @@
         </p:nvSpPr>
         <p:spPr>
           <a:xfrm>
-            <a:off x="2970014" y="7184899"/>
-            <a:ext cx="17820085" cy="3302709"/>
+            <a:off x="3600053" y="13425096"/>
+            <a:ext cx="21600319" cy="6171163"/>
           </a:xfrm>
         </p:spPr>
         <p:txBody>
@@ -182,39 +183,39 @@
           <a:lstStyle>
             <a:lvl1pPr marL="0" indent="0" algn="ctr">
               <a:buNone/>
-              <a:defRPr sz="4677"/>
+              <a:defRPr sz="7559"/>
             </a:lvl1pPr>
-            <a:lvl2pPr marL="890991" indent="0" algn="ctr">
+            <a:lvl2pPr marL="1440043" indent="0" algn="ctr">
               <a:buNone/>
-              <a:defRPr sz="3898"/>
+              <a:defRPr sz="6299"/>
             </a:lvl2pPr>
-            <a:lvl3pPr marL="1781983" indent="0" algn="ctr">
+            <a:lvl3pPr marL="2880086" indent="0" algn="ctr">
               <a:buNone/>
-              <a:defRPr sz="3508"/>
+              <a:defRPr sz="5669"/>
             </a:lvl3pPr>
-            <a:lvl4pPr marL="2672974" indent="0" algn="ctr">
+            <a:lvl4pPr marL="4320129" indent="0" algn="ctr">
               <a:buNone/>
-              <a:defRPr sz="3118"/>
+              <a:defRPr sz="5040"/>
             </a:lvl4pPr>
-            <a:lvl5pPr marL="3563965" indent="0" algn="ctr">
+            <a:lvl5pPr marL="5760171" indent="0" algn="ctr">
               <a:buNone/>
-              <a:defRPr sz="3118"/>
+              <a:defRPr sz="5040"/>
             </a:lvl5pPr>
-            <a:lvl6pPr marL="4454957" indent="0" algn="ctr">
+            <a:lvl6pPr marL="7200214" indent="0" algn="ctr">
               <a:buNone/>
-              <a:defRPr sz="3118"/>
+              <a:defRPr sz="5040"/>
             </a:lvl6pPr>
-            <a:lvl7pPr marL="5345948" indent="0" algn="ctr">
+            <a:lvl7pPr marL="8640257" indent="0" algn="ctr">
               <a:buNone/>
-              <a:defRPr sz="3118"/>
+              <a:defRPr sz="5040"/>
             </a:lvl7pPr>
-            <a:lvl8pPr marL="6236940" indent="0" algn="ctr">
+            <a:lvl8pPr marL="10080300" indent="0" algn="ctr">
               <a:buNone/>
-              <a:defRPr sz="3118"/>
+              <a:defRPr sz="5040"/>
             </a:lvl8pPr>
-            <a:lvl9pPr marL="7127931" indent="0" algn="ctr">
+            <a:lvl9pPr marL="11520343" indent="0" algn="ctr">
               <a:buNone/>
-              <a:defRPr sz="3118"/>
+              <a:defRPr sz="5040"/>
             </a:lvl9pPr>
           </a:lstStyle>
           <a:p>
@@ -294,7 +295,7 @@
     </p:spTree>
     <p:extLst>
       <p:ext uri="{BB962C8B-B14F-4D97-AF65-F5344CB8AC3E}">
-        <p14:creationId xmlns:p14="http://schemas.microsoft.com/office/powerpoint/2010/main" val="1953922111"/>
+        <p14:creationId xmlns:p14="http://schemas.microsoft.com/office/powerpoint/2010/main" val="3349513816"/>
       </p:ext>
     </p:extLst>
   </p:cSld>
@@ -464,7 +465,7 @@
     </p:spTree>
     <p:extLst>
       <p:ext uri="{BB962C8B-B14F-4D97-AF65-F5344CB8AC3E}">
-        <p14:creationId xmlns:p14="http://schemas.microsoft.com/office/powerpoint/2010/main" val="1878797398"/>
+        <p14:creationId xmlns:p14="http://schemas.microsoft.com/office/powerpoint/2010/main" val="2086232516"/>
       </p:ext>
     </p:extLst>
   </p:cSld>
@@ -503,8 +504,8 @@
         </p:nvSpPr>
         <p:spPr>
           <a:xfrm>
-            <a:off x="17003331" y="728306"/>
-            <a:ext cx="5123274" cy="11592734"/>
+            <a:off x="20610306" y="1360851"/>
+            <a:ext cx="6210092" cy="21661205"/>
           </a:xfrm>
         </p:spPr>
         <p:txBody>
@@ -531,8 +532,8 @@
         </p:nvSpPr>
         <p:spPr>
           <a:xfrm>
-            <a:off x="1633508" y="728306"/>
-            <a:ext cx="15072822" cy="11592734"/>
+            <a:off x="1980031" y="1360851"/>
+            <a:ext cx="18270270" cy="21661205"/>
           </a:xfrm>
         </p:spPr>
         <p:txBody>
@@ -644,7 +645,7 @@
     </p:spTree>
     <p:extLst>
       <p:ext uri="{BB962C8B-B14F-4D97-AF65-F5344CB8AC3E}">
-        <p14:creationId xmlns:p14="http://schemas.microsoft.com/office/powerpoint/2010/main" val="2185950267"/>
+        <p14:creationId xmlns:p14="http://schemas.microsoft.com/office/powerpoint/2010/main" val="2220376949"/>
       </p:ext>
     </p:extLst>
   </p:cSld>
@@ -814,7 +815,7 @@
     </p:spTree>
     <p:extLst>
       <p:ext uri="{BB962C8B-B14F-4D97-AF65-F5344CB8AC3E}">
-        <p14:creationId xmlns:p14="http://schemas.microsoft.com/office/powerpoint/2010/main" val="1215046056"/>
+        <p14:creationId xmlns:p14="http://schemas.microsoft.com/office/powerpoint/2010/main" val="3022199928"/>
       </p:ext>
     </p:extLst>
   </p:cSld>
@@ -853,15 +854,15 @@
         </p:nvSpPr>
         <p:spPr>
           <a:xfrm>
-            <a:off x="1621133" y="3410374"/>
-            <a:ext cx="20493097" cy="5690286"/>
+            <a:off x="1965030" y="6372342"/>
+            <a:ext cx="24840367" cy="10632389"/>
           </a:xfrm>
         </p:spPr>
         <p:txBody>
           <a:bodyPr anchor="b"/>
           <a:lstStyle>
             <a:lvl1pPr>
-              <a:defRPr sz="11693"/>
+              <a:defRPr sz="18898"/>
             </a:lvl1pPr>
           </a:lstStyle>
           <a:p>
@@ -885,8 +886,8 @@
         </p:nvSpPr>
         <p:spPr>
           <a:xfrm>
-            <a:off x="1621133" y="9154493"/>
-            <a:ext cx="20493097" cy="2992387"/>
+            <a:off x="1965030" y="17105317"/>
+            <a:ext cx="24840367" cy="5591322"/>
           </a:xfrm>
         </p:spPr>
         <p:txBody>
@@ -894,17 +895,15 @@
           <a:lstStyle>
             <a:lvl1pPr marL="0" indent="0">
               <a:buNone/>
-              <a:defRPr sz="4677">
+              <a:defRPr sz="7559">
                 <a:solidFill>
-                  <a:schemeClr val="tx1">
-                    <a:tint val="75000"/>
-                  </a:schemeClr>
+                  <a:schemeClr val="tx1"/>
                 </a:solidFill>
               </a:defRPr>
             </a:lvl1pPr>
-            <a:lvl2pPr marL="890991" indent="0">
+            <a:lvl2pPr marL="1440043" indent="0">
               <a:buNone/>
-              <a:defRPr sz="3898">
+              <a:defRPr sz="6299">
                 <a:solidFill>
                   <a:schemeClr val="tx1">
                     <a:tint val="75000"/>
@@ -912,9 +911,9 @@
                 </a:solidFill>
               </a:defRPr>
             </a:lvl2pPr>
-            <a:lvl3pPr marL="1781983" indent="0">
+            <a:lvl3pPr marL="2880086" indent="0">
               <a:buNone/>
-              <a:defRPr sz="3508">
+              <a:defRPr sz="5669">
                 <a:solidFill>
                   <a:schemeClr val="tx1">
                     <a:tint val="75000"/>
@@ -922,9 +921,9 @@
                 </a:solidFill>
               </a:defRPr>
             </a:lvl3pPr>
-            <a:lvl4pPr marL="2672974" indent="0">
+            <a:lvl4pPr marL="4320129" indent="0">
               <a:buNone/>
-              <a:defRPr sz="3118">
+              <a:defRPr sz="5040">
                 <a:solidFill>
                   <a:schemeClr val="tx1">
                     <a:tint val="75000"/>
@@ -932,9 +931,9 @@
                 </a:solidFill>
               </a:defRPr>
             </a:lvl4pPr>
-            <a:lvl5pPr marL="3563965" indent="0">
+            <a:lvl5pPr marL="5760171" indent="0">
               <a:buNone/>
-              <a:defRPr sz="3118">
+              <a:defRPr sz="5040">
                 <a:solidFill>
                   <a:schemeClr val="tx1">
                     <a:tint val="75000"/>
@@ -942,9 +941,9 @@
                 </a:solidFill>
               </a:defRPr>
             </a:lvl5pPr>
-            <a:lvl6pPr marL="4454957" indent="0">
+            <a:lvl6pPr marL="7200214" indent="0">
               <a:buNone/>
-              <a:defRPr sz="3118">
+              <a:defRPr sz="5040">
                 <a:solidFill>
                   <a:schemeClr val="tx1">
                     <a:tint val="75000"/>
@@ -952,9 +951,9 @@
                 </a:solidFill>
               </a:defRPr>
             </a:lvl6pPr>
-            <a:lvl7pPr marL="5345948" indent="0">
+            <a:lvl7pPr marL="8640257" indent="0">
               <a:buNone/>
-              <a:defRPr sz="3118">
+              <a:defRPr sz="5040">
                 <a:solidFill>
                   <a:schemeClr val="tx1">
                     <a:tint val="75000"/>
@@ -962,9 +961,9 @@
                 </a:solidFill>
               </a:defRPr>
             </a:lvl7pPr>
-            <a:lvl8pPr marL="6236940" indent="0">
+            <a:lvl8pPr marL="10080300" indent="0">
               <a:buNone/>
-              <a:defRPr sz="3118">
+              <a:defRPr sz="5040">
                 <a:solidFill>
                   <a:schemeClr val="tx1">
                     <a:tint val="75000"/>
@@ -972,9 +971,9 @@
                 </a:solidFill>
               </a:defRPr>
             </a:lvl8pPr>
-            <a:lvl9pPr marL="7127931" indent="0">
+            <a:lvl9pPr marL="11520343" indent="0">
               <a:buNone/>
-              <a:defRPr sz="3118">
+              <a:defRPr sz="5040">
                 <a:solidFill>
                   <a:schemeClr val="tx1">
                     <a:tint val="75000"/>
@@ -1060,7 +1059,7 @@
     </p:spTree>
     <p:extLst>
       <p:ext uri="{BB962C8B-B14F-4D97-AF65-F5344CB8AC3E}">
-        <p14:creationId xmlns:p14="http://schemas.microsoft.com/office/powerpoint/2010/main" val="2059137029"/>
+        <p14:creationId xmlns:p14="http://schemas.microsoft.com/office/powerpoint/2010/main" val="2693701552"/>
       </p:ext>
     </p:extLst>
   </p:cSld>
@@ -1122,8 +1121,8 @@
         </p:nvSpPr>
         <p:spPr>
           <a:xfrm>
-            <a:off x="1633508" y="3641531"/>
-            <a:ext cx="10098048" cy="8679509"/>
+            <a:off x="1980029" y="6804256"/>
+            <a:ext cx="12240181" cy="16217800"/>
           </a:xfrm>
         </p:spPr>
         <p:txBody>
@@ -1179,8 +1178,8 @@
         </p:nvSpPr>
         <p:spPr>
           <a:xfrm>
-            <a:off x="12028557" y="3641531"/>
-            <a:ext cx="10098048" cy="8679509"/>
+            <a:off x="14580215" y="6804256"/>
+            <a:ext cx="12240181" cy="16217800"/>
           </a:xfrm>
         </p:spPr>
         <p:txBody>
@@ -1292,7 +1291,7 @@
     </p:spTree>
     <p:extLst>
       <p:ext uri="{BB962C8B-B14F-4D97-AF65-F5344CB8AC3E}">
-        <p14:creationId xmlns:p14="http://schemas.microsoft.com/office/powerpoint/2010/main" val="4072950376"/>
+        <p14:creationId xmlns:p14="http://schemas.microsoft.com/office/powerpoint/2010/main" val="2650335113"/>
       </p:ext>
     </p:extLst>
   </p:cSld>
@@ -1331,8 +1330,8 @@
         </p:nvSpPr>
         <p:spPr>
           <a:xfrm>
-            <a:off x="1636603" y="728307"/>
-            <a:ext cx="20493097" cy="2644069"/>
+            <a:off x="1983780" y="1360857"/>
+            <a:ext cx="24840367" cy="4940484"/>
           </a:xfrm>
         </p:spPr>
         <p:txBody>
@@ -1359,8 +1358,8 @@
         </p:nvSpPr>
         <p:spPr>
           <a:xfrm>
-            <a:off x="1636603" y="3353376"/>
-            <a:ext cx="10051641" cy="1643437"/>
+            <a:off x="1983784" y="6265835"/>
+            <a:ext cx="12183928" cy="3070789"/>
           </a:xfrm>
         </p:spPr>
         <p:txBody>
@@ -1368,39 +1367,39 @@
           <a:lstStyle>
             <a:lvl1pPr marL="0" indent="0">
               <a:buNone/>
-              <a:defRPr sz="4677" b="1"/>
+              <a:defRPr sz="7559" b="1"/>
             </a:lvl1pPr>
-            <a:lvl2pPr marL="890991" indent="0">
+            <a:lvl2pPr marL="1440043" indent="0">
               <a:buNone/>
-              <a:defRPr sz="3898" b="1"/>
+              <a:defRPr sz="6299" b="1"/>
             </a:lvl2pPr>
-            <a:lvl3pPr marL="1781983" indent="0">
+            <a:lvl3pPr marL="2880086" indent="0">
               <a:buNone/>
-              <a:defRPr sz="3508" b="1"/>
+              <a:defRPr sz="5669" b="1"/>
             </a:lvl3pPr>
-            <a:lvl4pPr marL="2672974" indent="0">
+            <a:lvl4pPr marL="4320129" indent="0">
               <a:buNone/>
-              <a:defRPr sz="3118" b="1"/>
+              <a:defRPr sz="5040" b="1"/>
             </a:lvl4pPr>
-            <a:lvl5pPr marL="3563965" indent="0">
+            <a:lvl5pPr marL="5760171" indent="0">
               <a:buNone/>
-              <a:defRPr sz="3118" b="1"/>
+              <a:defRPr sz="5040" b="1"/>
             </a:lvl5pPr>
-            <a:lvl6pPr marL="4454957" indent="0">
+            <a:lvl6pPr marL="7200214" indent="0">
               <a:buNone/>
-              <a:defRPr sz="3118" b="1"/>
+              <a:defRPr sz="5040" b="1"/>
             </a:lvl6pPr>
-            <a:lvl7pPr marL="5345948" indent="0">
+            <a:lvl7pPr marL="8640257" indent="0">
               <a:buNone/>
-              <a:defRPr sz="3118" b="1"/>
+              <a:defRPr sz="5040" b="1"/>
             </a:lvl7pPr>
-            <a:lvl8pPr marL="6236940" indent="0">
+            <a:lvl8pPr marL="10080300" indent="0">
               <a:buNone/>
-              <a:defRPr sz="3118" b="1"/>
+              <a:defRPr sz="5040" b="1"/>
             </a:lvl8pPr>
-            <a:lvl9pPr marL="7127931" indent="0">
+            <a:lvl9pPr marL="11520343" indent="0">
               <a:buNone/>
-              <a:defRPr sz="3118" b="1"/>
+              <a:defRPr sz="5040" b="1"/>
             </a:lvl9pPr>
           </a:lstStyle>
           <a:p>
@@ -1424,8 +1423,8 @@
         </p:nvSpPr>
         <p:spPr>
           <a:xfrm>
-            <a:off x="1636603" y="4996813"/>
-            <a:ext cx="10051641" cy="7349559"/>
+            <a:off x="1983784" y="9336623"/>
+            <a:ext cx="12183928" cy="13732767"/>
           </a:xfrm>
         </p:spPr>
         <p:txBody>
@@ -1481,8 +1480,8 @@
         </p:nvSpPr>
         <p:spPr>
           <a:xfrm>
-            <a:off x="12028557" y="3353376"/>
-            <a:ext cx="10101143" cy="1643437"/>
+            <a:off x="14580217" y="6265835"/>
+            <a:ext cx="12243932" cy="3070789"/>
           </a:xfrm>
         </p:spPr>
         <p:txBody>
@@ -1490,39 +1489,39 @@
           <a:lstStyle>
             <a:lvl1pPr marL="0" indent="0">
               <a:buNone/>
-              <a:defRPr sz="4677" b="1"/>
+              <a:defRPr sz="7559" b="1"/>
             </a:lvl1pPr>
-            <a:lvl2pPr marL="890991" indent="0">
+            <a:lvl2pPr marL="1440043" indent="0">
               <a:buNone/>
-              <a:defRPr sz="3898" b="1"/>
+              <a:defRPr sz="6299" b="1"/>
             </a:lvl2pPr>
-            <a:lvl3pPr marL="1781983" indent="0">
+            <a:lvl3pPr marL="2880086" indent="0">
               <a:buNone/>
-              <a:defRPr sz="3508" b="1"/>
+              <a:defRPr sz="5669" b="1"/>
             </a:lvl3pPr>
-            <a:lvl4pPr marL="2672974" indent="0">
+            <a:lvl4pPr marL="4320129" indent="0">
               <a:buNone/>
-              <a:defRPr sz="3118" b="1"/>
+              <a:defRPr sz="5040" b="1"/>
             </a:lvl4pPr>
-            <a:lvl5pPr marL="3563965" indent="0">
+            <a:lvl5pPr marL="5760171" indent="0">
               <a:buNone/>
-              <a:defRPr sz="3118" b="1"/>
+              <a:defRPr sz="5040" b="1"/>
             </a:lvl5pPr>
-            <a:lvl6pPr marL="4454957" indent="0">
+            <a:lvl6pPr marL="7200214" indent="0">
               <a:buNone/>
-              <a:defRPr sz="3118" b="1"/>
+              <a:defRPr sz="5040" b="1"/>
             </a:lvl6pPr>
-            <a:lvl7pPr marL="5345948" indent="0">
+            <a:lvl7pPr marL="8640257" indent="0">
               <a:buNone/>
-              <a:defRPr sz="3118" b="1"/>
+              <a:defRPr sz="5040" b="1"/>
             </a:lvl7pPr>
-            <a:lvl8pPr marL="6236940" indent="0">
+            <a:lvl8pPr marL="10080300" indent="0">
               <a:buNone/>
-              <a:defRPr sz="3118" b="1"/>
+              <a:defRPr sz="5040" b="1"/>
             </a:lvl8pPr>
-            <a:lvl9pPr marL="7127931" indent="0">
+            <a:lvl9pPr marL="11520343" indent="0">
               <a:buNone/>
-              <a:defRPr sz="3118" b="1"/>
+              <a:defRPr sz="5040" b="1"/>
             </a:lvl9pPr>
           </a:lstStyle>
           <a:p>
@@ -1546,8 +1545,8 @@
         </p:nvSpPr>
         <p:spPr>
           <a:xfrm>
-            <a:off x="12028557" y="4996813"/>
-            <a:ext cx="10101143" cy="7349559"/>
+            <a:off x="14580217" y="9336623"/>
+            <a:ext cx="12243932" cy="13732767"/>
           </a:xfrm>
         </p:spPr>
         <p:txBody>
@@ -1659,7 +1658,7 @@
     </p:spTree>
     <p:extLst>
       <p:ext uri="{BB962C8B-B14F-4D97-AF65-F5344CB8AC3E}">
-        <p14:creationId xmlns:p14="http://schemas.microsoft.com/office/powerpoint/2010/main" val="2459362026"/>
+        <p14:creationId xmlns:p14="http://schemas.microsoft.com/office/powerpoint/2010/main" val="1158059695"/>
       </p:ext>
     </p:extLst>
   </p:cSld>
@@ -1777,7 +1776,7 @@
     </p:spTree>
     <p:extLst>
       <p:ext uri="{BB962C8B-B14F-4D97-AF65-F5344CB8AC3E}">
-        <p14:creationId xmlns:p14="http://schemas.microsoft.com/office/powerpoint/2010/main" val="476249849"/>
+        <p14:creationId xmlns:p14="http://schemas.microsoft.com/office/powerpoint/2010/main" val="2346838112"/>
       </p:ext>
     </p:extLst>
   </p:cSld>
@@ -1872,7 +1871,7 @@
     </p:spTree>
     <p:extLst>
       <p:ext uri="{BB962C8B-B14F-4D97-AF65-F5344CB8AC3E}">
-        <p14:creationId xmlns:p14="http://schemas.microsoft.com/office/powerpoint/2010/main" val="4219759842"/>
+        <p14:creationId xmlns:p14="http://schemas.microsoft.com/office/powerpoint/2010/main" val="1681802351"/>
       </p:ext>
     </p:extLst>
   </p:cSld>
@@ -1911,15 +1910,15 @@
         </p:nvSpPr>
         <p:spPr>
           <a:xfrm>
-            <a:off x="1636604" y="911966"/>
-            <a:ext cx="7663254" cy="3191881"/>
+            <a:off x="1983780" y="1704022"/>
+            <a:ext cx="9288887" cy="5964079"/>
           </a:xfrm>
         </p:spPr>
         <p:txBody>
           <a:bodyPr anchor="b"/>
           <a:lstStyle>
             <a:lvl1pPr>
-              <a:defRPr sz="6236"/>
+              <a:defRPr sz="10079"/>
             </a:lvl1pPr>
           </a:lstStyle>
           <a:p>
@@ -1943,39 +1942,39 @@
         </p:nvSpPr>
         <p:spPr>
           <a:xfrm>
-            <a:off x="10101143" y="1969594"/>
-            <a:ext cx="12028557" cy="9721303"/>
+            <a:off x="12243932" y="3680221"/>
+            <a:ext cx="14580215" cy="18164407"/>
           </a:xfrm>
         </p:spPr>
         <p:txBody>
           <a:bodyPr/>
           <a:lstStyle>
             <a:lvl1pPr>
-              <a:defRPr sz="6236"/>
+              <a:defRPr sz="10079"/>
             </a:lvl1pPr>
             <a:lvl2pPr>
-              <a:defRPr sz="5457"/>
+              <a:defRPr sz="8819"/>
             </a:lvl2pPr>
             <a:lvl3pPr>
-              <a:defRPr sz="4677"/>
+              <a:defRPr sz="7559"/>
             </a:lvl3pPr>
             <a:lvl4pPr>
-              <a:defRPr sz="3898"/>
+              <a:defRPr sz="6299"/>
             </a:lvl4pPr>
             <a:lvl5pPr>
-              <a:defRPr sz="3898"/>
+              <a:defRPr sz="6299"/>
             </a:lvl5pPr>
             <a:lvl6pPr>
-              <a:defRPr sz="3898"/>
+              <a:defRPr sz="6299"/>
             </a:lvl6pPr>
             <a:lvl7pPr>
-              <a:defRPr sz="3898"/>
+              <a:defRPr sz="6299"/>
             </a:lvl7pPr>
             <a:lvl8pPr>
-              <a:defRPr sz="3898"/>
+              <a:defRPr sz="6299"/>
             </a:lvl8pPr>
             <a:lvl9pPr>
-              <a:defRPr sz="3898"/>
+              <a:defRPr sz="6299"/>
             </a:lvl9pPr>
           </a:lstStyle>
           <a:p>
@@ -2028,8 +2027,8 @@
         </p:nvSpPr>
         <p:spPr>
           <a:xfrm>
-            <a:off x="1636604" y="4103846"/>
-            <a:ext cx="7663254" cy="7602883"/>
+            <a:off x="1983780" y="7668102"/>
+            <a:ext cx="9288887" cy="14206106"/>
           </a:xfrm>
         </p:spPr>
         <p:txBody>
@@ -2037,39 +2036,39 @@
           <a:lstStyle>
             <a:lvl1pPr marL="0" indent="0">
               <a:buNone/>
-              <a:defRPr sz="3118"/>
+              <a:defRPr sz="5040"/>
             </a:lvl1pPr>
-            <a:lvl2pPr marL="890991" indent="0">
+            <a:lvl2pPr marL="1440043" indent="0">
               <a:buNone/>
-              <a:defRPr sz="2728"/>
+              <a:defRPr sz="4410"/>
             </a:lvl2pPr>
-            <a:lvl3pPr marL="1781983" indent="0">
+            <a:lvl3pPr marL="2880086" indent="0">
               <a:buNone/>
-              <a:defRPr sz="2339"/>
+              <a:defRPr sz="3780"/>
             </a:lvl3pPr>
-            <a:lvl4pPr marL="2672974" indent="0">
+            <a:lvl4pPr marL="4320129" indent="0">
               <a:buNone/>
-              <a:defRPr sz="1949"/>
+              <a:defRPr sz="3150"/>
             </a:lvl4pPr>
-            <a:lvl5pPr marL="3563965" indent="0">
+            <a:lvl5pPr marL="5760171" indent="0">
               <a:buNone/>
-              <a:defRPr sz="1949"/>
+              <a:defRPr sz="3150"/>
             </a:lvl5pPr>
-            <a:lvl6pPr marL="4454957" indent="0">
+            <a:lvl6pPr marL="7200214" indent="0">
               <a:buNone/>
-              <a:defRPr sz="1949"/>
+              <a:defRPr sz="3150"/>
             </a:lvl6pPr>
-            <a:lvl7pPr marL="5345948" indent="0">
+            <a:lvl7pPr marL="8640257" indent="0">
               <a:buNone/>
-              <a:defRPr sz="1949"/>
+              <a:defRPr sz="3150"/>
             </a:lvl7pPr>
-            <a:lvl8pPr marL="6236940" indent="0">
+            <a:lvl8pPr marL="10080300" indent="0">
               <a:buNone/>
-              <a:defRPr sz="1949"/>
+              <a:defRPr sz="3150"/>
             </a:lvl8pPr>
-            <a:lvl9pPr marL="7127931" indent="0">
+            <a:lvl9pPr marL="11520343" indent="0">
               <a:buNone/>
-              <a:defRPr sz="1949"/>
+              <a:defRPr sz="3150"/>
             </a:lvl9pPr>
           </a:lstStyle>
           <a:p>
@@ -2149,7 +2148,7 @@
     </p:spTree>
     <p:extLst>
       <p:ext uri="{BB962C8B-B14F-4D97-AF65-F5344CB8AC3E}">
-        <p14:creationId xmlns:p14="http://schemas.microsoft.com/office/powerpoint/2010/main" val="3460242933"/>
+        <p14:creationId xmlns:p14="http://schemas.microsoft.com/office/powerpoint/2010/main" val="3896780489"/>
       </p:ext>
     </p:extLst>
   </p:cSld>
@@ -2188,15 +2187,15 @@
         </p:nvSpPr>
         <p:spPr>
           <a:xfrm>
-            <a:off x="1636604" y="911966"/>
-            <a:ext cx="7663254" cy="3191881"/>
+            <a:off x="1983780" y="1704022"/>
+            <a:ext cx="9288887" cy="5964079"/>
           </a:xfrm>
         </p:spPr>
         <p:txBody>
           <a:bodyPr anchor="b"/>
           <a:lstStyle>
             <a:lvl1pPr>
-              <a:defRPr sz="6236"/>
+              <a:defRPr sz="10079"/>
             </a:lvl1pPr>
           </a:lstStyle>
           <a:p>
@@ -2220,8 +2219,8 @@
         </p:nvSpPr>
         <p:spPr>
           <a:xfrm>
-            <a:off x="10101143" y="1969594"/>
-            <a:ext cx="12028557" cy="9721303"/>
+            <a:off x="12243932" y="3680221"/>
+            <a:ext cx="14580215" cy="18164407"/>
           </a:xfrm>
         </p:spPr>
         <p:txBody>
@@ -2229,39 +2228,39 @@
           <a:lstStyle>
             <a:lvl1pPr marL="0" indent="0">
               <a:buNone/>
-              <a:defRPr sz="6236"/>
+              <a:defRPr sz="10079"/>
             </a:lvl1pPr>
-            <a:lvl2pPr marL="890991" indent="0">
+            <a:lvl2pPr marL="1440043" indent="0">
               <a:buNone/>
-              <a:defRPr sz="5457"/>
+              <a:defRPr sz="8819"/>
             </a:lvl2pPr>
-            <a:lvl3pPr marL="1781983" indent="0">
+            <a:lvl3pPr marL="2880086" indent="0">
               <a:buNone/>
-              <a:defRPr sz="4677"/>
+              <a:defRPr sz="7559"/>
             </a:lvl3pPr>
-            <a:lvl4pPr marL="2672974" indent="0">
+            <a:lvl4pPr marL="4320129" indent="0">
               <a:buNone/>
-              <a:defRPr sz="3898"/>
+              <a:defRPr sz="6299"/>
             </a:lvl4pPr>
-            <a:lvl5pPr marL="3563965" indent="0">
+            <a:lvl5pPr marL="5760171" indent="0">
               <a:buNone/>
-              <a:defRPr sz="3898"/>
+              <a:defRPr sz="6299"/>
             </a:lvl5pPr>
-            <a:lvl6pPr marL="4454957" indent="0">
+            <a:lvl6pPr marL="7200214" indent="0">
               <a:buNone/>
-              <a:defRPr sz="3898"/>
+              <a:defRPr sz="6299"/>
             </a:lvl6pPr>
-            <a:lvl7pPr marL="5345948" indent="0">
+            <a:lvl7pPr marL="8640257" indent="0">
               <a:buNone/>
-              <a:defRPr sz="3898"/>
+              <a:defRPr sz="6299"/>
             </a:lvl7pPr>
-            <a:lvl8pPr marL="6236940" indent="0">
+            <a:lvl8pPr marL="10080300" indent="0">
               <a:buNone/>
-              <a:defRPr sz="3898"/>
+              <a:defRPr sz="6299"/>
             </a:lvl8pPr>
-            <a:lvl9pPr marL="7127931" indent="0">
+            <a:lvl9pPr marL="11520343" indent="0">
               <a:buNone/>
-              <a:defRPr sz="3898"/>
+              <a:defRPr sz="6299"/>
             </a:lvl9pPr>
           </a:lstStyle>
           <a:p>
@@ -2285,8 +2284,8 @@
         </p:nvSpPr>
         <p:spPr>
           <a:xfrm>
-            <a:off x="1636604" y="4103846"/>
-            <a:ext cx="7663254" cy="7602883"/>
+            <a:off x="1983780" y="7668102"/>
+            <a:ext cx="9288887" cy="14206106"/>
           </a:xfrm>
         </p:spPr>
         <p:txBody>
@@ -2294,39 +2293,39 @@
           <a:lstStyle>
             <a:lvl1pPr marL="0" indent="0">
               <a:buNone/>
-              <a:defRPr sz="3118"/>
+              <a:defRPr sz="5040"/>
             </a:lvl1pPr>
-            <a:lvl2pPr marL="890991" indent="0">
+            <a:lvl2pPr marL="1440043" indent="0">
               <a:buNone/>
-              <a:defRPr sz="2728"/>
+              <a:defRPr sz="4410"/>
             </a:lvl2pPr>
-            <a:lvl3pPr marL="1781983" indent="0">
+            <a:lvl3pPr marL="2880086" indent="0">
               <a:buNone/>
-              <a:defRPr sz="2339"/>
+              <a:defRPr sz="3780"/>
             </a:lvl3pPr>
-            <a:lvl4pPr marL="2672974" indent="0">
+            <a:lvl4pPr marL="4320129" indent="0">
               <a:buNone/>
-              <a:defRPr sz="1949"/>
+              <a:defRPr sz="3150"/>
             </a:lvl4pPr>
-            <a:lvl5pPr marL="3563965" indent="0">
+            <a:lvl5pPr marL="5760171" indent="0">
               <a:buNone/>
-              <a:defRPr sz="1949"/>
+              <a:defRPr sz="3150"/>
             </a:lvl5pPr>
-            <a:lvl6pPr marL="4454957" indent="0">
+            <a:lvl6pPr marL="7200214" indent="0">
               <a:buNone/>
-              <a:defRPr sz="1949"/>
+              <a:defRPr sz="3150"/>
             </a:lvl6pPr>
-            <a:lvl7pPr marL="5345948" indent="0">
+            <a:lvl7pPr marL="8640257" indent="0">
               <a:buNone/>
-              <a:defRPr sz="1949"/>
+              <a:defRPr sz="3150"/>
             </a:lvl7pPr>
-            <a:lvl8pPr marL="6236940" indent="0">
+            <a:lvl8pPr marL="10080300" indent="0">
               <a:buNone/>
-              <a:defRPr sz="1949"/>
+              <a:defRPr sz="3150"/>
             </a:lvl8pPr>
-            <a:lvl9pPr marL="7127931" indent="0">
+            <a:lvl9pPr marL="11520343" indent="0">
               <a:buNone/>
-              <a:defRPr sz="1949"/>
+              <a:defRPr sz="3150"/>
             </a:lvl9pPr>
           </a:lstStyle>
           <a:p>
@@ -2406,7 +2405,7 @@
     </p:spTree>
     <p:extLst>
       <p:ext uri="{BB962C8B-B14F-4D97-AF65-F5344CB8AC3E}">
-        <p14:creationId xmlns:p14="http://schemas.microsoft.com/office/powerpoint/2010/main" val="132514755"/>
+        <p14:creationId xmlns:p14="http://schemas.microsoft.com/office/powerpoint/2010/main" val="3500092418"/>
       </p:ext>
     </p:extLst>
   </p:cSld>
@@ -2450,8 +2449,8 @@
         </p:nvSpPr>
         <p:spPr>
           <a:xfrm>
-            <a:off x="1633508" y="728307"/>
-            <a:ext cx="20493097" cy="2644069"/>
+            <a:off x="1980029" y="1360857"/>
+            <a:ext cx="24840367" cy="4940484"/>
           </a:xfrm>
           <a:prstGeom prst="rect">
             <a:avLst/>
@@ -2483,8 +2482,8 @@
         </p:nvSpPr>
         <p:spPr>
           <a:xfrm>
-            <a:off x="1633508" y="3641531"/>
-            <a:ext cx="20493097" cy="8679509"/>
+            <a:off x="1980029" y="6804256"/>
+            <a:ext cx="24840367" cy="16217800"/>
           </a:xfrm>
           <a:prstGeom prst="rect">
             <a:avLst/>
@@ -2545,8 +2544,8 @@
         </p:nvSpPr>
         <p:spPr>
           <a:xfrm>
-            <a:off x="1633508" y="12678860"/>
-            <a:ext cx="5346025" cy="728306"/>
+            <a:off x="1980029" y="23690652"/>
+            <a:ext cx="6480096" cy="1360851"/>
           </a:xfrm>
           <a:prstGeom prst="rect">
             <a:avLst/>
@@ -2556,7 +2555,7 @@
           <a:bodyPr vert="horz" lIns="91440" tIns="45720" rIns="91440" bIns="45720" rtlCol="0" anchor="ctr"/>
           <a:lstStyle>
             <a:lvl1pPr algn="l">
-              <a:defRPr sz="2339">
+              <a:defRPr sz="3780">
                 <a:solidFill>
                   <a:schemeClr val="tx1">
                     <a:tint val="75000"/>
@@ -2586,8 +2585,8 @@
         </p:nvSpPr>
         <p:spPr>
           <a:xfrm>
-            <a:off x="7870538" y="12678860"/>
-            <a:ext cx="8019038" cy="728306"/>
+            <a:off x="9540141" y="23690652"/>
+            <a:ext cx="9720143" cy="1360851"/>
           </a:xfrm>
           <a:prstGeom prst="rect">
             <a:avLst/>
@@ -2597,7 +2596,7 @@
           <a:bodyPr vert="horz" lIns="91440" tIns="45720" rIns="91440" bIns="45720" rtlCol="0" anchor="ctr"/>
           <a:lstStyle>
             <a:lvl1pPr algn="ctr">
-              <a:defRPr sz="2339">
+              <a:defRPr sz="3780">
                 <a:solidFill>
                   <a:schemeClr val="tx1">
                     <a:tint val="75000"/>
@@ -2623,8 +2622,8 @@
         </p:nvSpPr>
         <p:spPr>
           <a:xfrm>
-            <a:off x="16780580" y="12678860"/>
-            <a:ext cx="5346025" cy="728306"/>
+            <a:off x="20340300" y="23690652"/>
+            <a:ext cx="6480096" cy="1360851"/>
           </a:xfrm>
           <a:prstGeom prst="rect">
             <a:avLst/>
@@ -2634,7 +2633,7 @@
           <a:bodyPr vert="horz" lIns="91440" tIns="45720" rIns="91440" bIns="45720" rtlCol="0" anchor="ctr"/>
           <a:lstStyle>
             <a:lvl1pPr algn="r">
-              <a:defRPr sz="2339">
+              <a:defRPr sz="3780">
                 <a:solidFill>
                   <a:schemeClr val="tx1">
                     <a:tint val="75000"/>
@@ -2655,27 +2654,27 @@
     </p:spTree>
     <p:extLst>
       <p:ext uri="{BB962C8B-B14F-4D97-AF65-F5344CB8AC3E}">
-        <p14:creationId xmlns:p14="http://schemas.microsoft.com/office/powerpoint/2010/main" val="3751747609"/>
+        <p14:creationId xmlns:p14="http://schemas.microsoft.com/office/powerpoint/2010/main" val="3151316410"/>
       </p:ext>
     </p:extLst>
   </p:cSld>
   <p:clrMap bg1="lt1" tx1="dk1" bg2="lt2" tx2="dk2" accent1="accent1" accent2="accent2" accent3="accent3" accent4="accent4" accent5="accent5" accent6="accent6" hlink="hlink" folHlink="folHlink"/>
   <p:sldLayoutIdLst>
-    <p:sldLayoutId id="2147483661" r:id="rId1"/>
-    <p:sldLayoutId id="2147483662" r:id="rId2"/>
-    <p:sldLayoutId id="2147483663" r:id="rId3"/>
-    <p:sldLayoutId id="2147483664" r:id="rId4"/>
-    <p:sldLayoutId id="2147483665" r:id="rId5"/>
-    <p:sldLayoutId id="2147483666" r:id="rId6"/>
-    <p:sldLayoutId id="2147483667" r:id="rId7"/>
-    <p:sldLayoutId id="2147483668" r:id="rId8"/>
-    <p:sldLayoutId id="2147483669" r:id="rId9"/>
-    <p:sldLayoutId id="2147483670" r:id="rId10"/>
-    <p:sldLayoutId id="2147483671" r:id="rId11"/>
+    <p:sldLayoutId id="2147483673" r:id="rId1"/>
+    <p:sldLayoutId id="2147483674" r:id="rId2"/>
+    <p:sldLayoutId id="2147483675" r:id="rId3"/>
+    <p:sldLayoutId id="2147483676" r:id="rId4"/>
+    <p:sldLayoutId id="2147483677" r:id="rId5"/>
+    <p:sldLayoutId id="2147483678" r:id="rId6"/>
+    <p:sldLayoutId id="2147483679" r:id="rId7"/>
+    <p:sldLayoutId id="2147483680" r:id="rId8"/>
+    <p:sldLayoutId id="2147483681" r:id="rId9"/>
+    <p:sldLayoutId id="2147483682" r:id="rId10"/>
+    <p:sldLayoutId id="2147483683" r:id="rId11"/>
   </p:sldLayoutIdLst>
   <p:txStyles>
     <p:titleStyle>
-      <a:lvl1pPr algn="l" defTabSz="1781983" rtl="0" eaLnBrk="1" latinLnBrk="0" hangingPunct="1">
+      <a:lvl1pPr algn="l" defTabSz="2880086" rtl="0" eaLnBrk="1" latinLnBrk="0" hangingPunct="1">
         <a:lnSpc>
           <a:spcPct val="90000"/>
         </a:lnSpc>
@@ -2683,7 +2682,7 @@
           <a:spcPct val="0"/>
         </a:spcBef>
         <a:buNone/>
-        <a:defRPr sz="8575" kern="1200">
+        <a:defRPr sz="13859" kern="1200">
           <a:solidFill>
             <a:schemeClr val="tx1"/>
           </a:solidFill>
@@ -2694,16 +2693,16 @@
       </a:lvl1pPr>
     </p:titleStyle>
     <p:bodyStyle>
-      <a:lvl1pPr marL="445496" indent="-445496" algn="l" defTabSz="1781983" rtl="0" eaLnBrk="1" latinLnBrk="0" hangingPunct="1">
+      <a:lvl1pPr marL="720021" indent="-720021" algn="l" defTabSz="2880086" rtl="0" eaLnBrk="1" latinLnBrk="0" hangingPunct="1">
         <a:lnSpc>
           <a:spcPct val="90000"/>
         </a:lnSpc>
         <a:spcBef>
-          <a:spcPts val="1949"/>
+          <a:spcPts val="3150"/>
         </a:spcBef>
         <a:buFont typeface="Arial" panose="020B0604020202020204" pitchFamily="34" charset="0"/>
         <a:buChar char="•"/>
-        <a:defRPr sz="5457" kern="1200">
+        <a:defRPr sz="8819" kern="1200">
           <a:solidFill>
             <a:schemeClr val="tx1"/>
           </a:solidFill>
@@ -2712,16 +2711,16 @@
           <a:cs typeface="+mn-cs"/>
         </a:defRPr>
       </a:lvl1pPr>
-      <a:lvl2pPr marL="1336487" indent="-445496" algn="l" defTabSz="1781983" rtl="0" eaLnBrk="1" latinLnBrk="0" hangingPunct="1">
+      <a:lvl2pPr marL="2160064" indent="-720021" algn="l" defTabSz="2880086" rtl="0" eaLnBrk="1" latinLnBrk="0" hangingPunct="1">
         <a:lnSpc>
           <a:spcPct val="90000"/>
         </a:lnSpc>
         <a:spcBef>
-          <a:spcPts val="974"/>
+          <a:spcPts val="1575"/>
         </a:spcBef>
         <a:buFont typeface="Arial" panose="020B0604020202020204" pitchFamily="34" charset="0"/>
         <a:buChar char="•"/>
-        <a:defRPr sz="4677" kern="1200">
+        <a:defRPr sz="7559" kern="1200">
           <a:solidFill>
             <a:schemeClr val="tx1"/>
           </a:solidFill>
@@ -2730,16 +2729,16 @@
           <a:cs typeface="+mn-cs"/>
         </a:defRPr>
       </a:lvl2pPr>
-      <a:lvl3pPr marL="2227478" indent="-445496" algn="l" defTabSz="1781983" rtl="0" eaLnBrk="1" latinLnBrk="0" hangingPunct="1">
+      <a:lvl3pPr marL="3600107" indent="-720021" algn="l" defTabSz="2880086" rtl="0" eaLnBrk="1" latinLnBrk="0" hangingPunct="1">
         <a:lnSpc>
           <a:spcPct val="90000"/>
         </a:lnSpc>
         <a:spcBef>
-          <a:spcPts val="974"/>
+          <a:spcPts val="1575"/>
         </a:spcBef>
         <a:buFont typeface="Arial" panose="020B0604020202020204" pitchFamily="34" charset="0"/>
         <a:buChar char="•"/>
-        <a:defRPr sz="3898" kern="1200">
+        <a:defRPr sz="6299" kern="1200">
           <a:solidFill>
             <a:schemeClr val="tx1"/>
           </a:solidFill>
@@ -2748,16 +2747,16 @@
           <a:cs typeface="+mn-cs"/>
         </a:defRPr>
       </a:lvl3pPr>
-      <a:lvl4pPr marL="3118470" indent="-445496" algn="l" defTabSz="1781983" rtl="0" eaLnBrk="1" latinLnBrk="0" hangingPunct="1">
+      <a:lvl4pPr marL="5040150" indent="-720021" algn="l" defTabSz="2880086" rtl="0" eaLnBrk="1" latinLnBrk="0" hangingPunct="1">
         <a:lnSpc>
           <a:spcPct val="90000"/>
         </a:lnSpc>
         <a:spcBef>
-          <a:spcPts val="974"/>
+          <a:spcPts val="1575"/>
         </a:spcBef>
         <a:buFont typeface="Arial" panose="020B0604020202020204" pitchFamily="34" charset="0"/>
         <a:buChar char="•"/>
-        <a:defRPr sz="3508" kern="1200">
+        <a:defRPr sz="5669" kern="1200">
           <a:solidFill>
             <a:schemeClr val="tx1"/>
           </a:solidFill>
@@ -2766,16 +2765,16 @@
           <a:cs typeface="+mn-cs"/>
         </a:defRPr>
       </a:lvl4pPr>
-      <a:lvl5pPr marL="4009461" indent="-445496" algn="l" defTabSz="1781983" rtl="0" eaLnBrk="1" latinLnBrk="0" hangingPunct="1">
+      <a:lvl5pPr marL="6480193" indent="-720021" algn="l" defTabSz="2880086" rtl="0" eaLnBrk="1" latinLnBrk="0" hangingPunct="1">
         <a:lnSpc>
           <a:spcPct val="90000"/>
         </a:lnSpc>
         <a:spcBef>
-          <a:spcPts val="974"/>
+          <a:spcPts val="1575"/>
         </a:spcBef>
         <a:buFont typeface="Arial" panose="020B0604020202020204" pitchFamily="34" charset="0"/>
         <a:buChar char="•"/>
-        <a:defRPr sz="3508" kern="1200">
+        <a:defRPr sz="5669" kern="1200">
           <a:solidFill>
             <a:schemeClr val="tx1"/>
           </a:solidFill>
@@ -2784,16 +2783,16 @@
           <a:cs typeface="+mn-cs"/>
         </a:defRPr>
       </a:lvl5pPr>
-      <a:lvl6pPr marL="4900452" indent="-445496" algn="l" defTabSz="1781983" rtl="0" eaLnBrk="1" latinLnBrk="0" hangingPunct="1">
+      <a:lvl6pPr marL="7920236" indent="-720021" algn="l" defTabSz="2880086" rtl="0" eaLnBrk="1" latinLnBrk="0" hangingPunct="1">
         <a:lnSpc>
           <a:spcPct val="90000"/>
         </a:lnSpc>
         <a:spcBef>
-          <a:spcPts val="974"/>
+          <a:spcPts val="1575"/>
         </a:spcBef>
         <a:buFont typeface="Arial" panose="020B0604020202020204" pitchFamily="34" charset="0"/>
         <a:buChar char="•"/>
-        <a:defRPr sz="3508" kern="1200">
+        <a:defRPr sz="5669" kern="1200">
           <a:solidFill>
             <a:schemeClr val="tx1"/>
           </a:solidFill>
@@ -2802,16 +2801,16 @@
           <a:cs typeface="+mn-cs"/>
         </a:defRPr>
       </a:lvl6pPr>
-      <a:lvl7pPr marL="5791444" indent="-445496" algn="l" defTabSz="1781983" rtl="0" eaLnBrk="1" latinLnBrk="0" hangingPunct="1">
+      <a:lvl7pPr marL="9360278" indent="-720021" algn="l" defTabSz="2880086" rtl="0" eaLnBrk="1" latinLnBrk="0" hangingPunct="1">
         <a:lnSpc>
           <a:spcPct val="90000"/>
         </a:lnSpc>
         <a:spcBef>
-          <a:spcPts val="974"/>
+          <a:spcPts val="1575"/>
         </a:spcBef>
         <a:buFont typeface="Arial" panose="020B0604020202020204" pitchFamily="34" charset="0"/>
         <a:buChar char="•"/>
-        <a:defRPr sz="3508" kern="1200">
+        <a:defRPr sz="5669" kern="1200">
           <a:solidFill>
             <a:schemeClr val="tx1"/>
           </a:solidFill>
@@ -2820,16 +2819,16 @@
           <a:cs typeface="+mn-cs"/>
         </a:defRPr>
       </a:lvl7pPr>
-      <a:lvl8pPr marL="6682435" indent="-445496" algn="l" defTabSz="1781983" rtl="0" eaLnBrk="1" latinLnBrk="0" hangingPunct="1">
+      <a:lvl8pPr marL="10800321" indent="-720021" algn="l" defTabSz="2880086" rtl="0" eaLnBrk="1" latinLnBrk="0" hangingPunct="1">
         <a:lnSpc>
           <a:spcPct val="90000"/>
         </a:lnSpc>
         <a:spcBef>
-          <a:spcPts val="974"/>
+          <a:spcPts val="1575"/>
         </a:spcBef>
         <a:buFont typeface="Arial" panose="020B0604020202020204" pitchFamily="34" charset="0"/>
         <a:buChar char="•"/>
-        <a:defRPr sz="3508" kern="1200">
+        <a:defRPr sz="5669" kern="1200">
           <a:solidFill>
             <a:schemeClr val="tx1"/>
           </a:solidFill>
@@ -2838,16 +2837,16 @@
           <a:cs typeface="+mn-cs"/>
         </a:defRPr>
       </a:lvl8pPr>
-      <a:lvl9pPr marL="7573427" indent="-445496" algn="l" defTabSz="1781983" rtl="0" eaLnBrk="1" latinLnBrk="0" hangingPunct="1">
+      <a:lvl9pPr marL="12240364" indent="-720021" algn="l" defTabSz="2880086" rtl="0" eaLnBrk="1" latinLnBrk="0" hangingPunct="1">
         <a:lnSpc>
           <a:spcPct val="90000"/>
         </a:lnSpc>
         <a:spcBef>
-          <a:spcPts val="974"/>
+          <a:spcPts val="1575"/>
         </a:spcBef>
         <a:buFont typeface="Arial" panose="020B0604020202020204" pitchFamily="34" charset="0"/>
         <a:buChar char="•"/>
-        <a:defRPr sz="3508" kern="1200">
+        <a:defRPr sz="5669" kern="1200">
           <a:solidFill>
             <a:schemeClr val="tx1"/>
           </a:solidFill>
@@ -2861,8 +2860,8 @@
       <a:defPPr>
         <a:defRPr lang="en-US"/>
       </a:defPPr>
-      <a:lvl1pPr marL="0" algn="l" defTabSz="1781983" rtl="0" eaLnBrk="1" latinLnBrk="0" hangingPunct="1">
-        <a:defRPr sz="3508" kern="1200">
+      <a:lvl1pPr marL="0" algn="l" defTabSz="2880086" rtl="0" eaLnBrk="1" latinLnBrk="0" hangingPunct="1">
+        <a:defRPr sz="5669" kern="1200">
           <a:solidFill>
             <a:schemeClr val="tx1"/>
           </a:solidFill>
@@ -2871,8 +2870,8 @@
           <a:cs typeface="+mn-cs"/>
         </a:defRPr>
       </a:lvl1pPr>
-      <a:lvl2pPr marL="890991" algn="l" defTabSz="1781983" rtl="0" eaLnBrk="1" latinLnBrk="0" hangingPunct="1">
-        <a:defRPr sz="3508" kern="1200">
+      <a:lvl2pPr marL="1440043" algn="l" defTabSz="2880086" rtl="0" eaLnBrk="1" latinLnBrk="0" hangingPunct="1">
+        <a:defRPr sz="5669" kern="1200">
           <a:solidFill>
             <a:schemeClr val="tx1"/>
           </a:solidFill>
@@ -2881,8 +2880,8 @@
           <a:cs typeface="+mn-cs"/>
         </a:defRPr>
       </a:lvl2pPr>
-      <a:lvl3pPr marL="1781983" algn="l" defTabSz="1781983" rtl="0" eaLnBrk="1" latinLnBrk="0" hangingPunct="1">
-        <a:defRPr sz="3508" kern="1200">
+      <a:lvl3pPr marL="2880086" algn="l" defTabSz="2880086" rtl="0" eaLnBrk="1" latinLnBrk="0" hangingPunct="1">
+        <a:defRPr sz="5669" kern="1200">
           <a:solidFill>
             <a:schemeClr val="tx1"/>
           </a:solidFill>
@@ -2891,8 +2890,8 @@
           <a:cs typeface="+mn-cs"/>
         </a:defRPr>
       </a:lvl3pPr>
-      <a:lvl4pPr marL="2672974" algn="l" defTabSz="1781983" rtl="0" eaLnBrk="1" latinLnBrk="0" hangingPunct="1">
-        <a:defRPr sz="3508" kern="1200">
+      <a:lvl4pPr marL="4320129" algn="l" defTabSz="2880086" rtl="0" eaLnBrk="1" latinLnBrk="0" hangingPunct="1">
+        <a:defRPr sz="5669" kern="1200">
           <a:solidFill>
             <a:schemeClr val="tx1"/>
           </a:solidFill>
@@ -2901,8 +2900,8 @@
           <a:cs typeface="+mn-cs"/>
         </a:defRPr>
       </a:lvl4pPr>
-      <a:lvl5pPr marL="3563965" algn="l" defTabSz="1781983" rtl="0" eaLnBrk="1" latinLnBrk="0" hangingPunct="1">
-        <a:defRPr sz="3508" kern="1200">
+      <a:lvl5pPr marL="5760171" algn="l" defTabSz="2880086" rtl="0" eaLnBrk="1" latinLnBrk="0" hangingPunct="1">
+        <a:defRPr sz="5669" kern="1200">
           <a:solidFill>
             <a:schemeClr val="tx1"/>
           </a:solidFill>
@@ -2911,8 +2910,8 @@
           <a:cs typeface="+mn-cs"/>
         </a:defRPr>
       </a:lvl5pPr>
-      <a:lvl6pPr marL="4454957" algn="l" defTabSz="1781983" rtl="0" eaLnBrk="1" latinLnBrk="0" hangingPunct="1">
-        <a:defRPr sz="3508" kern="1200">
+      <a:lvl6pPr marL="7200214" algn="l" defTabSz="2880086" rtl="0" eaLnBrk="1" latinLnBrk="0" hangingPunct="1">
+        <a:defRPr sz="5669" kern="1200">
           <a:solidFill>
             <a:schemeClr val="tx1"/>
           </a:solidFill>
@@ -2921,8 +2920,8 @@
           <a:cs typeface="+mn-cs"/>
         </a:defRPr>
       </a:lvl6pPr>
-      <a:lvl7pPr marL="5345948" algn="l" defTabSz="1781983" rtl="0" eaLnBrk="1" latinLnBrk="0" hangingPunct="1">
-        <a:defRPr sz="3508" kern="1200">
+      <a:lvl7pPr marL="8640257" algn="l" defTabSz="2880086" rtl="0" eaLnBrk="1" latinLnBrk="0" hangingPunct="1">
+        <a:defRPr sz="5669" kern="1200">
           <a:solidFill>
             <a:schemeClr val="tx1"/>
           </a:solidFill>
@@ -2931,8 +2930,8 @@
           <a:cs typeface="+mn-cs"/>
         </a:defRPr>
       </a:lvl7pPr>
-      <a:lvl8pPr marL="6236940" algn="l" defTabSz="1781983" rtl="0" eaLnBrk="1" latinLnBrk="0" hangingPunct="1">
-        <a:defRPr sz="3508" kern="1200">
+      <a:lvl8pPr marL="10080300" algn="l" defTabSz="2880086" rtl="0" eaLnBrk="1" latinLnBrk="0" hangingPunct="1">
+        <a:defRPr sz="5669" kern="1200">
           <a:solidFill>
             <a:schemeClr val="tx1"/>
           </a:solidFill>
@@ -2941,8 +2940,8 @@
           <a:cs typeface="+mn-cs"/>
         </a:defRPr>
       </a:lvl8pPr>
-      <a:lvl9pPr marL="7127931" algn="l" defTabSz="1781983" rtl="0" eaLnBrk="1" latinLnBrk="0" hangingPunct="1">
-        <a:defRPr sz="3508" kern="1200">
+      <a:lvl9pPr marL="11520343" algn="l" defTabSz="2880086" rtl="0" eaLnBrk="1" latinLnBrk="0" hangingPunct="1">
+        <a:defRPr sz="5669" kern="1200">
           <a:solidFill>
             <a:schemeClr val="tx1"/>
           </a:solidFill>
@@ -2975,6 +2974,354 @@
       </p:grpSpPr>
       <p:sp>
         <p:nvSpPr>
+          <p:cNvPr id="4" name="CaixaDeTexto 3">
+            <a:extLst>
+              <a:ext uri="{FF2B5EF4-FFF2-40B4-BE49-F238E27FC236}">
+                <a16:creationId xmlns:a16="http://schemas.microsoft.com/office/drawing/2014/main" id="{3931BE8D-47D0-43FA-855A-FB18F591C2AD}"/>
+              </a:ext>
+            </a:extLst>
+          </p:cNvPr>
+          <p:cNvSpPr txBox="1"/>
+          <p:nvPr/>
+        </p:nvSpPr>
+        <p:spPr>
+          <a:xfrm>
+            <a:off x="0" y="3957"/>
+            <a:ext cx="28800425" cy="21698248"/>
+          </a:xfrm>
+          <a:prstGeom prst="rect">
+            <a:avLst/>
+          </a:prstGeom>
+          <a:noFill/>
+        </p:spPr>
+        <p:txBody>
+          <a:bodyPr wrap="square" rtlCol="0">
+            <a:spAutoFit/>
+          </a:bodyPr>
+          <a:lstStyle/>
+          <a:p>
+            <a:r>
+              <a:rPr lang="pt-BR" sz="3600" dirty="0"/>
+              <a:t>Softwares são soluções para problemas...</a:t>
+            </a:r>
+          </a:p>
+          <a:p>
+            <a:r>
+              <a:rPr lang="pt-BR" sz="3600" b="1" dirty="0"/>
+              <a:t>I – O que é uma metodologia de desenvolvimento de software?</a:t>
+            </a:r>
+          </a:p>
+          <a:p>
+            <a:r>
+              <a:rPr lang="pt-BR" sz="3600" dirty="0"/>
+              <a:t>Softwares são complexos, problemas são complexos, comunicação é difícil e geralmente possui problemas</a:t>
+            </a:r>
+          </a:p>
+          <a:p>
+            <a:pPr marL="571500" indent="-571500">
+              <a:buFont typeface="Arial" panose="020B0604020202020204" pitchFamily="34" charset="0"/>
+              <a:buChar char="•"/>
+            </a:pPr>
+            <a:r>
+              <a:rPr lang="pt-BR" sz="3600" dirty="0"/>
+              <a:t>Como o cliente se comunica com alguém que produz software? </a:t>
+            </a:r>
+            <a:r>
+              <a:rPr lang="pt-BR" sz="3600" b="1" dirty="0"/>
+              <a:t>Normalmente: </a:t>
+            </a:r>
+            <a:r>
+              <a:rPr lang="pt-BR" sz="3600" dirty="0"/>
+              <a:t>O cliente não sabe comunicar o que quer, o desenvolvedor não sabe entender o que o cliente precisa, o cliente não sabe que o problema dele pode ser resolvido de forma mais eficiente e não quer mudar</a:t>
+            </a:r>
+          </a:p>
+          <a:p>
+            <a:pPr marL="571500" indent="-571500">
+              <a:buFont typeface="Arial" panose="020B0604020202020204" pitchFamily="34" charset="0"/>
+              <a:buChar char="•"/>
+            </a:pPr>
+            <a:r>
+              <a:rPr lang="pt-BR" sz="3600" dirty="0"/>
+              <a:t>Como as pessoas que desenvolvem o sistema se comunicam entre si?</a:t>
+            </a:r>
+          </a:p>
+          <a:p>
+            <a:pPr marL="1028700" lvl="1" indent="-571500">
+              <a:buFont typeface="Arial" panose="020B0604020202020204" pitchFamily="34" charset="0"/>
+              <a:buChar char="•"/>
+            </a:pPr>
+            <a:r>
+              <a:rPr lang="pt-BR" sz="3600" dirty="0"/>
+              <a:t>Como garantir que todos estão resolvendo o mesmo problema? – Cada um pode interpretar o problema de forma diferente</a:t>
+            </a:r>
+          </a:p>
+          <a:p>
+            <a:pPr marL="1028700" lvl="1" indent="-571500">
+              <a:buFont typeface="Arial" panose="020B0604020202020204" pitchFamily="34" charset="0"/>
+              <a:buChar char="•"/>
+            </a:pPr>
+            <a:r>
+              <a:rPr lang="pt-BR" sz="3600" dirty="0"/>
+              <a:t>Como garantir que todos saibam as decisões tomadas? Como documentar essas decisões?</a:t>
+            </a:r>
+          </a:p>
+          <a:p>
+            <a:pPr marL="1028700" lvl="1" indent="-571500">
+              <a:buFont typeface="Arial" panose="020B0604020202020204" pitchFamily="34" charset="0"/>
+              <a:buChar char="•"/>
+            </a:pPr>
+            <a:r>
+              <a:rPr lang="pt-BR" sz="3600" dirty="0"/>
+              <a:t>Como garantir que um trabalho não seja feito duas vezes por pessoas diferentes?</a:t>
+            </a:r>
+          </a:p>
+          <a:p>
+            <a:pPr lvl="1"/>
+            <a:endParaRPr lang="pt-BR" sz="3600" dirty="0"/>
+          </a:p>
+          <a:p>
+            <a:r>
+              <a:rPr lang="pt-BR" sz="3600" dirty="0"/>
+              <a:t>Uma forma de tentar resolver estes problemas é utilizando uma metodologia de desenvolvimento, ou seja, um conjunto de passos bem definidos que levem ao desenvolvimento de software de qualidade</a:t>
+            </a:r>
+          </a:p>
+          <a:p>
+            <a:endParaRPr lang="pt-BR" sz="3600" dirty="0"/>
+          </a:p>
+          <a:p>
+            <a:r>
+              <a:rPr lang="pt-BR" sz="3600" b="1" dirty="0"/>
+              <a:t>Nem toda metodologia usa a UML </a:t>
+            </a:r>
+            <a:r>
+              <a:rPr lang="pt-BR" sz="3600" dirty="0"/>
+              <a:t>– as metodologias ágeis prezam por entregar código continuamente, recebendo sempre o feedback do cliente</a:t>
+            </a:r>
+          </a:p>
+          <a:p>
+            <a:r>
+              <a:rPr lang="pt-BR" sz="3600" dirty="0" err="1"/>
+              <a:t>Iconix</a:t>
+            </a:r>
+            <a:r>
+              <a:rPr lang="pt-BR" sz="3600" dirty="0"/>
+              <a:t> é uma metodologia que usa </a:t>
+            </a:r>
+            <a:r>
+              <a:rPr lang="pt-BR" sz="3600" b="1" dirty="0"/>
+              <a:t>parte da UML </a:t>
+            </a:r>
+            <a:r>
+              <a:rPr lang="pt-BR" sz="3600" dirty="0"/>
+              <a:t>(uma linguagem), alguns outros </a:t>
+            </a:r>
+            <a:r>
+              <a:rPr lang="pt-BR" sz="3600" b="1" dirty="0"/>
+              <a:t>artefatos</a:t>
+            </a:r>
+            <a:r>
+              <a:rPr lang="pt-BR" sz="3600" dirty="0"/>
+              <a:t> e </a:t>
+            </a:r>
+            <a:r>
+              <a:rPr lang="pt-BR" sz="3600" b="1" dirty="0"/>
+              <a:t>diagramas</a:t>
+            </a:r>
+            <a:r>
+              <a:rPr lang="pt-BR" sz="3600" dirty="0"/>
+              <a:t>.</a:t>
+            </a:r>
+          </a:p>
+          <a:p>
+            <a:pPr marL="1028700" lvl="1" indent="-571500">
+              <a:buFont typeface="Arial" panose="020B0604020202020204" pitchFamily="34" charset="0"/>
+              <a:buChar char="•"/>
+            </a:pPr>
+            <a:r>
+              <a:rPr lang="pt-BR" sz="3600" dirty="0"/>
+              <a:t>O levantamento de cenários é um artefato, não é um diagrama</a:t>
+            </a:r>
+          </a:p>
+          <a:p>
+            <a:pPr marL="1028700" lvl="1" indent="-571500">
+              <a:buFont typeface="Arial" panose="020B0604020202020204" pitchFamily="34" charset="0"/>
+              <a:buChar char="•"/>
+            </a:pPr>
+            <a:r>
+              <a:rPr lang="pt-BR" sz="3600" dirty="0"/>
+              <a:t>O diagrama de robustez não pertence a UML, mas é de um de seus criadores</a:t>
+            </a:r>
+          </a:p>
+          <a:p>
+            <a:pPr marL="571500" indent="-571500">
+              <a:buFont typeface="Arial" panose="020B0604020202020204" pitchFamily="34" charset="0"/>
+              <a:buChar char="•"/>
+            </a:pPr>
+            <a:endParaRPr lang="pt-BR" sz="3600" dirty="0"/>
+          </a:p>
+          <a:p>
+            <a:endParaRPr lang="pt-BR" sz="3600" b="1" dirty="0"/>
+          </a:p>
+          <a:p>
+            <a:r>
+              <a:rPr lang="pt-BR" sz="3600" b="1" dirty="0"/>
+              <a:t>II - Como solucionar um problema criando um software? – usando a metodologia </a:t>
+            </a:r>
+            <a:r>
+              <a:rPr lang="pt-BR" sz="3600" b="1" dirty="0" err="1"/>
+              <a:t>Iconix</a:t>
+            </a:r>
+            <a:endParaRPr lang="pt-BR" sz="3600" b="1" dirty="0"/>
+          </a:p>
+          <a:p>
+            <a:pPr marL="914400" indent="-914400">
+              <a:buAutoNum type="arabicPeriod"/>
+            </a:pPr>
+            <a:r>
+              <a:rPr lang="pt-BR" sz="3600" dirty="0"/>
+              <a:t>Colete dados sobre o problema a ser resolvido</a:t>
+            </a:r>
+          </a:p>
+          <a:p>
+            <a:pPr marL="914400" indent="-914400">
+              <a:buAutoNum type="arabicPeriod"/>
+            </a:pPr>
+            <a:r>
+              <a:rPr lang="pt-BR" sz="3600" dirty="0"/>
+              <a:t>Descubra e documente que problema é esse</a:t>
+            </a:r>
+          </a:p>
+          <a:p>
+            <a:pPr marL="914400" indent="-914400">
+              <a:buAutoNum type="arabicPeriod"/>
+            </a:pPr>
+            <a:r>
+              <a:rPr lang="pt-BR" sz="3600" dirty="0"/>
+              <a:t>Delimite o escopo da solução</a:t>
+            </a:r>
+          </a:p>
+          <a:p>
+            <a:pPr marL="914400" indent="-914400">
+              <a:buAutoNum type="arabicPeriod"/>
+            </a:pPr>
+            <a:r>
+              <a:rPr lang="pt-BR" sz="3600" dirty="0"/>
+              <a:t>Determine o que sua solução irá fazer, quais componentes irá manipular e os termos que vai utilizar para se referir aos componentes do problema e como eles estão relacionados</a:t>
+            </a:r>
+          </a:p>
+          <a:p>
+            <a:pPr marL="914400" indent="-914400">
+              <a:buAutoNum type="arabicPeriod"/>
+            </a:pPr>
+            <a:r>
+              <a:rPr lang="pt-BR" sz="3600" dirty="0"/>
+              <a:t>Levante como o usuário vai se comunicar com o sistema passo a passo. Identifique componentes que interagem com os usuários, que processam coisas e que armazenam dados</a:t>
+            </a:r>
+          </a:p>
+          <a:p>
+            <a:pPr marL="914400" indent="-914400">
+              <a:buAutoNum type="arabicPeriod"/>
+            </a:pPr>
+            <a:r>
+              <a:rPr lang="pt-BR" sz="3600" dirty="0"/>
+              <a:t>Use as informações levantadas para desenvolver a estrutura de uma solução que possa ser traduzida para código facilmente. Levante como estes componentes interagem entre si ao longo do tempo</a:t>
+            </a:r>
+          </a:p>
+          <a:p>
+            <a:pPr marL="914400" indent="-914400">
+              <a:buAutoNum type="arabicPeriod"/>
+            </a:pPr>
+            <a:r>
+              <a:rPr lang="pt-BR" sz="3600" dirty="0"/>
+              <a:t>Levante as partes do sistema que mudam de acordo com regras bem definidas e que podem estar em um conjunto finito de estados – incorpore isso na visão de estrutura e de comportamento </a:t>
+            </a:r>
+          </a:p>
+          <a:p>
+            <a:pPr marL="914400" indent="-914400">
+              <a:buAutoNum type="arabicPeriod"/>
+            </a:pPr>
+            <a:r>
+              <a:rPr lang="pt-BR" sz="3600" dirty="0"/>
+              <a:t>Use o projeto para construir o software tanto em sua estrutura (classes, métodos, assinaturas, herança, associações) quanto em seu comportamento (como estes itens estruturais se comportam ao longo do tempo, como interagem entre si e usam os serviços uns dos outros)</a:t>
+            </a:r>
+          </a:p>
+          <a:p>
+            <a:pPr marL="914400" indent="-914400">
+              <a:buAutoNum type="arabicPeriod"/>
+            </a:pPr>
+            <a:r>
+              <a:rPr lang="pt-BR" sz="3600" dirty="0"/>
+              <a:t>Procure e corrija possíveis erros que não foram encontrados previamente</a:t>
+            </a:r>
+          </a:p>
+          <a:p>
+            <a:pPr marL="914400" indent="-914400">
+              <a:buAutoNum type="arabicPeriod"/>
+            </a:pPr>
+            <a:endParaRPr lang="pt-BR" sz="3600" dirty="0"/>
+          </a:p>
+          <a:p>
+            <a:pPr marL="914400" indent="-914400">
+              <a:buAutoNum type="arabicPeriod"/>
+            </a:pPr>
+            <a:endParaRPr lang="pt-BR" sz="3600" dirty="0"/>
+          </a:p>
+          <a:p>
+            <a:r>
+              <a:rPr lang="pt-BR" sz="3600" dirty="0" err="1"/>
+              <a:t>Milestones</a:t>
+            </a:r>
+            <a:r>
+              <a:rPr lang="pt-BR" sz="3600" dirty="0"/>
+              <a:t> do ICONIX</a:t>
+            </a:r>
+          </a:p>
+          <a:p>
+            <a:r>
+              <a:rPr lang="pt-BR" sz="3600" dirty="0">
+                <a:hlinkClick r:id="rId2"/>
+              </a:rPr>
+              <a:t>https://en.wikipedia.org/wiki/ICONIX</a:t>
+            </a:r>
+            <a:endParaRPr lang="pt-BR" sz="3600" dirty="0"/>
+          </a:p>
+          <a:p>
+            <a:endParaRPr lang="pt-BR" sz="3600" dirty="0"/>
+          </a:p>
+        </p:txBody>
+      </p:sp>
+    </p:spTree>
+    <p:extLst>
+      <p:ext uri="{BB962C8B-B14F-4D97-AF65-F5344CB8AC3E}">
+        <p14:creationId xmlns:p14="http://schemas.microsoft.com/office/powerpoint/2010/main" val="3844710515"/>
+      </p:ext>
+    </p:extLst>
+  </p:cSld>
+  <p:clrMapOvr>
+    <a:masterClrMapping/>
+  </p:clrMapOvr>
+</p:sld>
+</file>
+
+<file path=ppt/slides/slide2.xml><?xml version="1.0" encoding="utf-8"?>
+<p:sld xmlns:a="http://schemas.openxmlformats.org/drawingml/2006/main" xmlns:r="http://schemas.openxmlformats.org/officeDocument/2006/relationships" xmlns:p="http://schemas.openxmlformats.org/presentationml/2006/main">
+  <p:cSld>
+    <p:spTree>
+      <p:nvGrpSpPr>
+        <p:cNvPr id="1" name=""/>
+        <p:cNvGrpSpPr/>
+        <p:nvPr/>
+      </p:nvGrpSpPr>
+      <p:grpSpPr>
+        <a:xfrm>
+          <a:off x="0" y="0"/>
+          <a:ext cx="0" cy="0"/>
+          <a:chOff x="0" y="0"/>
+          <a:chExt cx="0" cy="0"/>
+        </a:xfrm>
+      </p:grpSpPr>
+      <p:sp>
+        <p:nvSpPr>
           <p:cNvPr id="1080" name="Retângulo 1079">
             <a:extLst>
               <a:ext uri="{FF2B5EF4-FFF2-40B4-BE49-F238E27FC236}">
@@ -2987,8 +3334,8 @@
         </p:nvSpPr>
         <p:spPr>
           <a:xfrm>
-            <a:off x="3459497" y="2419757"/>
-            <a:ext cx="3450137" cy="9007286"/>
+            <a:off x="3072929" y="5540782"/>
+            <a:ext cx="4831425" cy="12060606"/>
           </a:xfrm>
           <a:prstGeom prst="rect">
             <a:avLst/>
@@ -3066,8 +3413,8 @@
         </p:nvSpPr>
         <p:spPr>
           <a:xfrm>
-            <a:off x="6898960" y="2418731"/>
-            <a:ext cx="5088266" cy="9021011"/>
+            <a:off x="7893679" y="5539757"/>
+            <a:ext cx="5088266" cy="12078984"/>
           </a:xfrm>
           <a:prstGeom prst="rect">
             <a:avLst/>
@@ -3153,8 +3500,8 @@
         </p:nvSpPr>
         <p:spPr>
           <a:xfrm>
-            <a:off x="11966665" y="2418731"/>
-            <a:ext cx="6284409" cy="9021011"/>
+            <a:off x="12961385" y="5539757"/>
+            <a:ext cx="6284409" cy="12078984"/>
           </a:xfrm>
           <a:prstGeom prst="rect">
             <a:avLst/>
@@ -3237,8 +3584,8 @@
         </p:nvSpPr>
         <p:spPr>
           <a:xfrm>
-            <a:off x="18226572" y="2418155"/>
-            <a:ext cx="3231058" cy="9028727"/>
+            <a:off x="19221291" y="5539181"/>
+            <a:ext cx="3231058" cy="12089316"/>
           </a:xfrm>
           <a:prstGeom prst="rect">
             <a:avLst/>
@@ -3313,8 +3660,8 @@
         </p:nvSpPr>
         <p:spPr>
           <a:xfrm>
-            <a:off x="7051359" y="8880067"/>
-            <a:ext cx="10995224" cy="2373308"/>
+            <a:off x="8046078" y="12001091"/>
+            <a:ext cx="10995224" cy="2664485"/>
           </a:xfrm>
           <a:prstGeom prst="rect">
             <a:avLst/>
@@ -3407,7 +3754,7 @@
         </p:nvSpPr>
         <p:spPr>
           <a:xfrm>
-            <a:off x="7051360" y="5294320"/>
+            <a:off x="8046079" y="8415345"/>
             <a:ext cx="10995224" cy="3268582"/>
           </a:xfrm>
           <a:prstGeom prst="rect">
@@ -3498,10 +3845,10 @@
       </p:sp>
       <p:grpSp>
         <p:nvGrpSpPr>
-          <p:cNvPr id="1027" name="Agrupar 1026">
+          <p:cNvPr id="12" name="Agrupar 11">
             <a:extLst>
               <a:ext uri="{FF2B5EF4-FFF2-40B4-BE49-F238E27FC236}">
-                <a16:creationId xmlns:a16="http://schemas.microsoft.com/office/drawing/2014/main" id="{AF58E679-A35C-4DD0-88B3-D6917DBEFDDD}"/>
+                <a16:creationId xmlns:a16="http://schemas.microsoft.com/office/drawing/2014/main" id="{2E161B18-1024-474D-A3E8-4522A05F7973}"/>
               </a:ext>
             </a:extLst>
           </p:cNvPr>
@@ -3510,242 +3857,10 @@
         </p:nvGrpSpPr>
         <p:grpSpPr>
           <a:xfrm>
-            <a:off x="4398299" y="6386961"/>
-            <a:ext cx="1377474" cy="1163713"/>
-            <a:chOff x="5949392" y="6340751"/>
-            <a:chExt cx="1377474" cy="1163713"/>
-          </a:xfrm>
-        </p:grpSpPr>
-        <p:pic>
-          <p:nvPicPr>
-            <p:cNvPr id="1034" name="Picture 10" descr="Navigation Toolbar Left icon. The navigation toolbar left is a rectangle shape and inside the rectangle it is divided in two sides. On the left side of the rectangle there will be other buttons or selections, which are represented by tiny circles or rectangles.">
-              <a:extLst>
-                <a:ext uri="{FF2B5EF4-FFF2-40B4-BE49-F238E27FC236}">
-                  <a16:creationId xmlns:a16="http://schemas.microsoft.com/office/drawing/2014/main" id="{EDE2F5C1-1B62-405E-983C-341143D4DC08}"/>
-                </a:ext>
-              </a:extLst>
-            </p:cNvPr>
-            <p:cNvPicPr>
-              <a:picLocks noChangeAspect="1" noChangeArrowheads="1"/>
-            </p:cNvPicPr>
-            <p:nvPr/>
-          </p:nvPicPr>
-          <p:blipFill>
-            <a:blip r:embed="rId2">
-              <a:extLst>
-                <a:ext uri="{28A0092B-C50C-407E-A947-70E740481C1C}">
-                  <a14:useLocalDpi xmlns:a14="http://schemas.microsoft.com/office/drawing/2010/main" val="0"/>
-                </a:ext>
-              </a:extLst>
-            </a:blip>
-            <a:srcRect/>
-            <a:stretch>
-              <a:fillRect/>
-            </a:stretch>
-          </p:blipFill>
-          <p:spPr bwMode="auto">
-            <a:xfrm>
-              <a:off x="6318263" y="6340751"/>
-              <a:ext cx="659283" cy="659283"/>
-            </a:xfrm>
-            <a:prstGeom prst="rect">
-              <a:avLst/>
-            </a:prstGeom>
-            <a:noFill/>
-            <a:extLst>
-              <a:ext uri="{909E8E84-426E-40DD-AFC4-6F175D3DCCD1}">
-                <a14:hiddenFill xmlns:a14="http://schemas.microsoft.com/office/drawing/2010/main">
-                  <a:solidFill>
-                    <a:srgbClr val="FFFFFF"/>
-                  </a:solidFill>
-                </a14:hiddenFill>
-              </a:ext>
-            </a:extLst>
-          </p:spPr>
-        </p:pic>
-        <p:sp>
-          <p:nvSpPr>
-            <p:cNvPr id="9" name="CaixaDeTexto 8">
-              <a:extLst>
-                <a:ext uri="{FF2B5EF4-FFF2-40B4-BE49-F238E27FC236}">
-                  <a16:creationId xmlns:a16="http://schemas.microsoft.com/office/drawing/2014/main" id="{01B45D06-9969-4E06-AB3A-4B8DEA3BDD0E}"/>
-                </a:ext>
-              </a:extLst>
-            </p:cNvPr>
-            <p:cNvSpPr txBox="1"/>
-            <p:nvPr/>
-          </p:nvSpPr>
-          <p:spPr>
-            <a:xfrm>
-              <a:off x="5949392" y="6904300"/>
-              <a:ext cx="1377474" cy="600164"/>
-            </a:xfrm>
-            <a:prstGeom prst="rect">
-              <a:avLst/>
-            </a:prstGeom>
-            <a:noFill/>
-          </p:spPr>
-          <p:txBody>
-            <a:bodyPr wrap="square" rtlCol="0">
-              <a:spAutoFit/>
-            </a:bodyPr>
-            <a:lstStyle/>
-            <a:p>
-              <a:pPr algn="ctr"/>
-              <a:r>
-                <a:rPr lang="pt-BR" sz="1100" dirty="0">
-                  <a:latin typeface="Open Sans" panose="020B0606030504020204" pitchFamily="34" charset="0"/>
-                  <a:ea typeface="Open Sans" panose="020B0606030504020204" pitchFamily="34" charset="0"/>
-                  <a:cs typeface="Open Sans" panose="020B0606030504020204" pitchFamily="34" charset="0"/>
-                </a:rPr>
-                <a:t>Prototipação da interface (</a:t>
-              </a:r>
-              <a:r>
-                <a:rPr lang="pt-BR" sz="1100" dirty="0" err="1">
-                  <a:latin typeface="Open Sans" panose="020B0606030504020204" pitchFamily="34" charset="0"/>
-                  <a:ea typeface="Open Sans" panose="020B0606030504020204" pitchFamily="34" charset="0"/>
-                  <a:cs typeface="Open Sans" panose="020B0606030504020204" pitchFamily="34" charset="0"/>
-                </a:rPr>
-                <a:t>storyboards</a:t>
-              </a:r>
-              <a:r>
-                <a:rPr lang="pt-BR" sz="1100" dirty="0">
-                  <a:latin typeface="Open Sans" panose="020B0606030504020204" pitchFamily="34" charset="0"/>
-                  <a:ea typeface="Open Sans" panose="020B0606030504020204" pitchFamily="34" charset="0"/>
-                  <a:cs typeface="Open Sans" panose="020B0606030504020204" pitchFamily="34" charset="0"/>
-                </a:rPr>
-                <a:t>)</a:t>
-              </a:r>
-            </a:p>
-          </p:txBody>
-        </p:sp>
-      </p:grpSp>
-      <p:grpSp>
-        <p:nvGrpSpPr>
-          <p:cNvPr id="1029" name="Agrupar 1028">
-            <a:extLst>
-              <a:ext uri="{FF2B5EF4-FFF2-40B4-BE49-F238E27FC236}">
-                <a16:creationId xmlns:a16="http://schemas.microsoft.com/office/drawing/2014/main" id="{64B3CC5C-8007-4F53-9B5E-66105A8E70B1}"/>
-              </a:ext>
-            </a:extLst>
-          </p:cNvPr>
-          <p:cNvGrpSpPr/>
-          <p:nvPr/>
-        </p:nvGrpSpPr>
-        <p:grpSpPr>
-          <a:xfrm>
-            <a:off x="4383242" y="7755209"/>
-            <a:ext cx="1311341" cy="813599"/>
-            <a:chOff x="5997006" y="7594842"/>
-            <a:chExt cx="1311341" cy="813599"/>
-          </a:xfrm>
-        </p:grpSpPr>
-        <p:pic>
-          <p:nvPicPr>
-            <p:cNvPr id="1032" name="Picture 8" descr="Collaboration icon. Two outlines of people from the chest up to the top of the head are positioned next to each other. There are six circles, three on each outer side, growing in size from near the people's heads until the circles are large and directly above the people's heads.">
-              <a:extLst>
-                <a:ext uri="{FF2B5EF4-FFF2-40B4-BE49-F238E27FC236}">
-                  <a16:creationId xmlns:a16="http://schemas.microsoft.com/office/drawing/2014/main" id="{FDD1C1C9-1BF1-415D-894D-EEC99A6541E8}"/>
-                </a:ext>
-              </a:extLst>
-            </p:cNvPr>
-            <p:cNvPicPr>
-              <a:picLocks noChangeAspect="1" noChangeArrowheads="1"/>
-            </p:cNvPicPr>
-            <p:nvPr/>
-          </p:nvPicPr>
-          <p:blipFill>
-            <a:blip r:embed="rId3">
-              <a:extLst>
-                <a:ext uri="{28A0092B-C50C-407E-A947-70E740481C1C}">
-                  <a14:useLocalDpi xmlns:a14="http://schemas.microsoft.com/office/drawing/2010/main" val="0"/>
-                </a:ext>
-              </a:extLst>
-            </a:blip>
-            <a:srcRect/>
-            <a:stretch>
-              <a:fillRect/>
-            </a:stretch>
-          </p:blipFill>
-          <p:spPr bwMode="auto">
-            <a:xfrm>
-              <a:off x="6313078" y="7594842"/>
-              <a:ext cx="659283" cy="659283"/>
-            </a:xfrm>
-            <a:prstGeom prst="rect">
-              <a:avLst/>
-            </a:prstGeom>
-            <a:noFill/>
-            <a:extLst>
-              <a:ext uri="{909E8E84-426E-40DD-AFC4-6F175D3DCCD1}">
-                <a14:hiddenFill xmlns:a14="http://schemas.microsoft.com/office/drawing/2010/main">
-                  <a:solidFill>
-                    <a:srgbClr val="FFFFFF"/>
-                  </a:solidFill>
-                </a14:hiddenFill>
-              </a:ext>
-            </a:extLst>
-          </p:spPr>
-        </p:pic>
-        <p:sp>
-          <p:nvSpPr>
-            <p:cNvPr id="19" name="CaixaDeTexto 18">
-              <a:extLst>
-                <a:ext uri="{FF2B5EF4-FFF2-40B4-BE49-F238E27FC236}">
-                  <a16:creationId xmlns:a16="http://schemas.microsoft.com/office/drawing/2014/main" id="{A2D351B7-7535-44D9-844A-1917AE1766DE}"/>
-                </a:ext>
-              </a:extLst>
-            </p:cNvPr>
-            <p:cNvSpPr txBox="1"/>
-            <p:nvPr/>
-          </p:nvSpPr>
-          <p:spPr>
-            <a:xfrm>
-              <a:off x="5997006" y="8146831"/>
-              <a:ext cx="1311341" cy="261610"/>
-            </a:xfrm>
-            <a:prstGeom prst="rect">
-              <a:avLst/>
-            </a:prstGeom>
-            <a:noFill/>
-          </p:spPr>
-          <p:txBody>
-            <a:bodyPr wrap="square" rtlCol="0">
-              <a:spAutoFit/>
-            </a:bodyPr>
-            <a:lstStyle/>
-            <a:p>
-              <a:pPr algn="ctr"/>
-              <a:r>
-                <a:rPr lang="pt-BR" sz="1100" dirty="0">
-                  <a:latin typeface="Open Sans" panose="020B0606030504020204" pitchFamily="34" charset="0"/>
-                  <a:ea typeface="Open Sans" panose="020B0606030504020204" pitchFamily="34" charset="0"/>
-                  <a:cs typeface="Open Sans" panose="020B0606030504020204" pitchFamily="34" charset="0"/>
-                </a:rPr>
-                <a:t>Entrevistas</a:t>
-              </a:r>
-            </a:p>
-          </p:txBody>
-        </p:sp>
-      </p:grpSp>
-      <p:grpSp>
-        <p:nvGrpSpPr>
-          <p:cNvPr id="12" name="Agrupar 11">
-            <a:extLst>
-              <a:ext uri="{FF2B5EF4-FFF2-40B4-BE49-F238E27FC236}">
-                <a16:creationId xmlns:a16="http://schemas.microsoft.com/office/drawing/2014/main" id="{2E161B18-1024-474D-A3E8-4522A05F7973}"/>
-              </a:ext>
-            </a:extLst>
-          </p:cNvPr>
-          <p:cNvGrpSpPr/>
-          <p:nvPr/>
-        </p:nvGrpSpPr>
-        <p:grpSpPr>
-          <a:xfrm>
-            <a:off x="7391462" y="6036991"/>
-            <a:ext cx="1437376" cy="1620846"/>
+            <a:off x="8386181" y="9158016"/>
+            <a:ext cx="1437376" cy="1959400"/>
             <a:chOff x="2365725" y="1207890"/>
-            <a:chExt cx="1437376" cy="1620846"/>
+            <a:chExt cx="1437376" cy="1959400"/>
           </a:xfrm>
         </p:grpSpPr>
         <p:pic>
@@ -3763,7 +3878,7 @@
             <p:nvPr/>
           </p:nvPicPr>
           <p:blipFill>
-            <a:blip r:embed="rId4">
+            <a:blip r:embed="rId2">
               <a:duotone>
                 <a:prstClr val="black"/>
                 <a:srgbClr val="FF0000">
@@ -3801,7 +3916,7 @@
           <p:spPr>
             <a:xfrm>
               <a:off x="2420746" y="2397849"/>
-              <a:ext cx="1311341" cy="430887"/>
+              <a:ext cx="1311341" cy="769441"/>
             </a:xfrm>
             <a:prstGeom prst="rect">
               <a:avLst/>
@@ -3824,6 +3939,33 @@
                 <a:t>Diagrama de Caso de Uso</a:t>
               </a:r>
             </a:p>
+            <a:p>
+              <a:pPr algn="ctr"/>
+              <a:r>
+                <a:rPr lang="pt-BR" sz="1100" i="1" dirty="0">
+                  <a:latin typeface="Open Sans" panose="020B0606030504020204" pitchFamily="34" charset="0"/>
+                  <a:ea typeface="Open Sans" panose="020B0606030504020204" pitchFamily="34" charset="0"/>
+                  <a:cs typeface="Open Sans" panose="020B0606030504020204" pitchFamily="34" charset="0"/>
+                </a:rPr>
+                <a:t>(Use Case </a:t>
+              </a:r>
+              <a:r>
+                <a:rPr lang="pt-BR" sz="1100" i="1" dirty="0" err="1">
+                  <a:latin typeface="Open Sans" panose="020B0606030504020204" pitchFamily="34" charset="0"/>
+                  <a:ea typeface="Open Sans" panose="020B0606030504020204" pitchFamily="34" charset="0"/>
+                  <a:cs typeface="Open Sans" panose="020B0606030504020204" pitchFamily="34" charset="0"/>
+                </a:rPr>
+                <a:t>Diagram</a:t>
+              </a:r>
+              <a:r>
+                <a:rPr lang="pt-BR" sz="1100" i="1" dirty="0">
+                  <a:latin typeface="Open Sans" panose="020B0606030504020204" pitchFamily="34" charset="0"/>
+                  <a:ea typeface="Open Sans" panose="020B0606030504020204" pitchFamily="34" charset="0"/>
+                  <a:cs typeface="Open Sans" panose="020B0606030504020204" pitchFamily="34" charset="0"/>
+                </a:rPr>
+                <a:t>)</a:t>
+              </a:r>
+            </a:p>
           </p:txBody>
         </p:sp>
       </p:grpSp>
@@ -3841,10 +3983,10 @@
         </p:nvGrpSpPr>
         <p:grpSpPr>
           <a:xfrm>
-            <a:off x="7250439" y="9311146"/>
-            <a:ext cx="1986508" cy="1916454"/>
-            <a:chOff x="2224702" y="4177245"/>
-            <a:chExt cx="1986508" cy="1916454"/>
+            <a:off x="8319129" y="12296708"/>
+            <a:ext cx="1986508" cy="2086580"/>
+            <a:chOff x="2298673" y="3863982"/>
+            <a:chExt cx="1986508" cy="2086580"/>
           </a:xfrm>
         </p:grpSpPr>
         <p:pic>
@@ -3862,7 +4004,7 @@
             <p:nvPr/>
           </p:nvPicPr>
           <p:blipFill>
-            <a:blip r:embed="rId5">
+            <a:blip r:embed="rId3">
               <a:duotone>
                 <a:prstClr val="black"/>
                 <a:schemeClr val="accent4">
@@ -3877,7 +4019,7 @@
           </p:blipFill>
           <p:spPr>
             <a:xfrm>
-              <a:off x="2481038" y="4177245"/>
+              <a:off x="2481040" y="3863982"/>
               <a:ext cx="1567022" cy="1303411"/>
             </a:xfrm>
             <a:prstGeom prst="rect">
@@ -3899,8 +4041,8 @@
           </p:nvSpPr>
           <p:spPr>
             <a:xfrm>
-              <a:off x="2224702" y="5493535"/>
-              <a:ext cx="1986508" cy="600164"/>
+              <a:off x="2298673" y="5181121"/>
+              <a:ext cx="1986508" cy="769441"/>
             </a:xfrm>
             <a:prstGeom prst="rect">
               <a:avLst/>
@@ -3923,6 +4065,65 @@
                 <a:t>Modelo de Análise/Modelo Conceitual/ Diagrama de Domínio</a:t>
               </a:r>
             </a:p>
+            <a:p>
+              <a:pPr algn="ctr"/>
+              <a:r>
+                <a:rPr lang="pt-BR" sz="1100" dirty="0">
+                  <a:latin typeface="Open Sans" panose="020B0606030504020204" pitchFamily="34" charset="0"/>
+                  <a:ea typeface="Open Sans" panose="020B0606030504020204" pitchFamily="34" charset="0"/>
+                  <a:cs typeface="Open Sans" panose="020B0606030504020204" pitchFamily="34" charset="0"/>
+                </a:rPr>
+                <a:t>(</a:t>
+              </a:r>
+              <a:r>
+                <a:rPr lang="pt-BR" sz="1100" i="1" dirty="0" err="1">
+                  <a:latin typeface="Open Sans" panose="020B0606030504020204" pitchFamily="34" charset="0"/>
+                  <a:ea typeface="Open Sans" panose="020B0606030504020204" pitchFamily="34" charset="0"/>
+                  <a:cs typeface="Open Sans" panose="020B0606030504020204" pitchFamily="34" charset="0"/>
+                </a:rPr>
+                <a:t>Analysis</a:t>
+              </a:r>
+              <a:r>
+                <a:rPr lang="pt-BR" sz="1100" i="1" dirty="0">
+                  <a:latin typeface="Open Sans" panose="020B0606030504020204" pitchFamily="34" charset="0"/>
+                  <a:ea typeface="Open Sans" panose="020B0606030504020204" pitchFamily="34" charset="0"/>
+                  <a:cs typeface="Open Sans" panose="020B0606030504020204" pitchFamily="34" charset="0"/>
+                </a:rPr>
+                <a:t> </a:t>
+              </a:r>
+              <a:r>
+                <a:rPr lang="pt-BR" sz="1100" i="1" dirty="0" err="1">
+                  <a:latin typeface="Open Sans" panose="020B0606030504020204" pitchFamily="34" charset="0"/>
+                  <a:ea typeface="Open Sans" panose="020B0606030504020204" pitchFamily="34" charset="0"/>
+                  <a:cs typeface="Open Sans" panose="020B0606030504020204" pitchFamily="34" charset="0"/>
+                </a:rPr>
+                <a:t>class</a:t>
+              </a:r>
+              <a:r>
+                <a:rPr lang="pt-BR" sz="1100" i="1" dirty="0">
+                  <a:latin typeface="Open Sans" panose="020B0606030504020204" pitchFamily="34" charset="0"/>
+                  <a:ea typeface="Open Sans" panose="020B0606030504020204" pitchFamily="34" charset="0"/>
+                  <a:cs typeface="Open Sans" panose="020B0606030504020204" pitchFamily="34" charset="0"/>
+                </a:rPr>
+                <a:t> </a:t>
+              </a:r>
+              <a:r>
+                <a:rPr lang="pt-BR" sz="1100" i="1" dirty="0" err="1">
+                  <a:latin typeface="Open Sans" panose="020B0606030504020204" pitchFamily="34" charset="0"/>
+                  <a:ea typeface="Open Sans" panose="020B0606030504020204" pitchFamily="34" charset="0"/>
+                  <a:cs typeface="Open Sans" panose="020B0606030504020204" pitchFamily="34" charset="0"/>
+                </a:rPr>
+                <a:t>diagram</a:t>
+              </a:r>
+              <a:r>
+                <a:rPr lang="pt-BR" sz="1100" dirty="0">
+                  <a:latin typeface="Open Sans" panose="020B0606030504020204" pitchFamily="34" charset="0"/>
+                  <a:ea typeface="Open Sans" panose="020B0606030504020204" pitchFamily="34" charset="0"/>
+                  <a:cs typeface="Open Sans" panose="020B0606030504020204" pitchFamily="34" charset="0"/>
+                </a:rPr>
+                <a:t>)</a:t>
+              </a:r>
+            </a:p>
           </p:txBody>
         </p:sp>
       </p:grpSp>
@@ -3940,10 +4141,10 @@
         </p:nvGrpSpPr>
         <p:grpSpPr>
           <a:xfrm>
-            <a:off x="12938001" y="6012647"/>
-            <a:ext cx="1954273" cy="1641414"/>
+            <a:off x="13932721" y="9133672"/>
+            <a:ext cx="1989157" cy="1641414"/>
             <a:chOff x="7288150" y="1183546"/>
-            <a:chExt cx="1954273" cy="1641414"/>
+            <a:chExt cx="1989157" cy="1641414"/>
           </a:xfrm>
         </p:grpSpPr>
         <p:pic>
@@ -3961,7 +4162,7 @@
             <p:nvPr/>
           </p:nvPicPr>
           <p:blipFill>
-            <a:blip r:embed="rId6">
+            <a:blip r:embed="rId4">
               <a:duotone>
                 <a:prstClr val="black"/>
                 <a:srgbClr val="FF0000">
@@ -3998,8 +4199,8 @@
           </p:nvSpPr>
           <p:spPr>
             <a:xfrm>
-              <a:off x="7554075" y="2394073"/>
-              <a:ext cx="1311341" cy="430887"/>
+              <a:off x="7301798" y="2394073"/>
+              <a:ext cx="1975509" cy="430887"/>
             </a:xfrm>
             <a:prstGeom prst="rect">
               <a:avLst/>
@@ -4022,6 +4223,49 @@
                 <a:t>Diagrama de Sequência</a:t>
               </a:r>
             </a:p>
+            <a:p>
+              <a:pPr algn="ctr"/>
+              <a:r>
+                <a:rPr lang="pt-BR" sz="1100" i="1" dirty="0">
+                  <a:latin typeface="Open Sans" panose="020B0606030504020204" pitchFamily="34" charset="0"/>
+                  <a:ea typeface="Open Sans" panose="020B0606030504020204" pitchFamily="34" charset="0"/>
+                  <a:cs typeface="Open Sans" panose="020B0606030504020204" pitchFamily="34" charset="0"/>
+                </a:rPr>
+                <a:t>(</a:t>
+              </a:r>
+              <a:r>
+                <a:rPr lang="pt-BR" sz="1100" i="1" dirty="0" err="1">
+                  <a:latin typeface="Open Sans" panose="020B0606030504020204" pitchFamily="34" charset="0"/>
+                  <a:ea typeface="Open Sans" panose="020B0606030504020204" pitchFamily="34" charset="0"/>
+                  <a:cs typeface="Open Sans" panose="020B0606030504020204" pitchFamily="34" charset="0"/>
+                </a:rPr>
+                <a:t>Sequence</a:t>
+              </a:r>
+              <a:r>
+                <a:rPr lang="pt-BR" sz="1100" i="1" dirty="0">
+                  <a:latin typeface="Open Sans" panose="020B0606030504020204" pitchFamily="34" charset="0"/>
+                  <a:ea typeface="Open Sans" panose="020B0606030504020204" pitchFamily="34" charset="0"/>
+                  <a:cs typeface="Open Sans" panose="020B0606030504020204" pitchFamily="34" charset="0"/>
+                </a:rPr>
+                <a:t> </a:t>
+              </a:r>
+              <a:r>
+                <a:rPr lang="pt-BR" sz="1100" i="1" dirty="0" err="1">
+                  <a:latin typeface="Open Sans" panose="020B0606030504020204" pitchFamily="34" charset="0"/>
+                  <a:ea typeface="Open Sans" panose="020B0606030504020204" pitchFamily="34" charset="0"/>
+                  <a:cs typeface="Open Sans" panose="020B0606030504020204" pitchFamily="34" charset="0"/>
+                </a:rPr>
+                <a:t>Diagram</a:t>
+              </a:r>
+              <a:r>
+                <a:rPr lang="pt-BR" sz="1100" i="1" dirty="0">
+                  <a:latin typeface="Open Sans" panose="020B0606030504020204" pitchFamily="34" charset="0"/>
+                  <a:ea typeface="Open Sans" panose="020B0606030504020204" pitchFamily="34" charset="0"/>
+                  <a:cs typeface="Open Sans" panose="020B0606030504020204" pitchFamily="34" charset="0"/>
+                </a:rPr>
+                <a:t>)</a:t>
+              </a:r>
+            </a:p>
           </p:txBody>
         </p:sp>
       </p:grpSp>
@@ -4039,10 +4283,10 @@
         </p:nvGrpSpPr>
         <p:grpSpPr>
           <a:xfrm>
-            <a:off x="15430714" y="8994820"/>
-            <a:ext cx="1608091" cy="2394441"/>
-            <a:chOff x="7405700" y="3873368"/>
-            <a:chExt cx="1608091" cy="2394441"/>
+            <a:off x="16094646" y="12069358"/>
+            <a:ext cx="2229843" cy="2275256"/>
+            <a:chOff x="7103661" y="3992553"/>
+            <a:chExt cx="2229843" cy="2275256"/>
           </a:xfrm>
         </p:grpSpPr>
         <p:pic>
@@ -4059,8 +4303,8 @@
             </p:cNvPicPr>
             <p:nvPr/>
           </p:nvPicPr>
-          <p:blipFill>
-            <a:blip r:embed="rId7">
+          <p:blipFill rotWithShape="1">
+            <a:blip r:embed="rId5">
               <a:duotone>
                 <a:prstClr val="black"/>
                 <a:schemeClr val="accent4">
@@ -4069,14 +4313,13 @@
                 </a:schemeClr>
               </a:duotone>
             </a:blip>
-            <a:stretch>
-              <a:fillRect/>
-            </a:stretch>
+            <a:srcRect l="211" t="8815" r="-211" b="-5398"/>
+            <a:stretch/>
           </p:blipFill>
           <p:spPr>
             <a:xfrm>
-              <a:off x="7405700" y="3873368"/>
-              <a:ext cx="1608091" cy="1819254"/>
+              <a:off x="7414537" y="3992553"/>
+              <a:ext cx="1608091" cy="1757085"/>
             </a:xfrm>
             <a:prstGeom prst="rect">
               <a:avLst/>
@@ -4097,8 +4340,8 @@
           </p:nvSpPr>
           <p:spPr>
             <a:xfrm>
-              <a:off x="7554074" y="5667645"/>
-              <a:ext cx="1311341" cy="600164"/>
+              <a:off x="7103661" y="5667645"/>
+              <a:ext cx="2229843" cy="600164"/>
             </a:xfrm>
             <a:prstGeom prst="rect">
               <a:avLst/>
@@ -4118,7 +4361,54 @@
                   <a:ea typeface="Open Sans" panose="020B0606030504020204" pitchFamily="34" charset="0"/>
                   <a:cs typeface="Open Sans" panose="020B0606030504020204" pitchFamily="34" charset="0"/>
                 </a:rPr>
-                <a:t>Diagrama de Classes (de projeto)</a:t>
+                <a:t>Diagrama de Classes (de projeto) </a:t>
+              </a:r>
+              <a:br>
+                <a:rPr lang="pt-BR" sz="1100" dirty="0">
+                  <a:latin typeface="Open Sans" panose="020B0606030504020204" pitchFamily="34" charset="0"/>
+                  <a:ea typeface="Open Sans" panose="020B0606030504020204" pitchFamily="34" charset="0"/>
+                  <a:cs typeface="Open Sans" panose="020B0606030504020204" pitchFamily="34" charset="0"/>
+                </a:rPr>
+              </a:br>
+              <a:r>
+                <a:rPr lang="pt-BR" sz="1100" i="1" dirty="0">
+                  <a:latin typeface="Open Sans" panose="020B0606030504020204" pitchFamily="34" charset="0"/>
+                  <a:ea typeface="Open Sans" panose="020B0606030504020204" pitchFamily="34" charset="0"/>
+                  <a:cs typeface="Open Sans" panose="020B0606030504020204" pitchFamily="34" charset="0"/>
+                </a:rPr>
+                <a:t>(</a:t>
+              </a:r>
+              <a:r>
+                <a:rPr lang="pt-BR" sz="1100" i="1" dirty="0" err="1">
+                  <a:latin typeface="Open Sans" panose="020B0606030504020204" pitchFamily="34" charset="0"/>
+                  <a:ea typeface="Open Sans" panose="020B0606030504020204" pitchFamily="34" charset="0"/>
+                  <a:cs typeface="Open Sans" panose="020B0606030504020204" pitchFamily="34" charset="0"/>
+                </a:rPr>
+                <a:t>Class</a:t>
+              </a:r>
+              <a:r>
+                <a:rPr lang="pt-BR" sz="1100" i="1" dirty="0">
+                  <a:latin typeface="Open Sans" panose="020B0606030504020204" pitchFamily="34" charset="0"/>
+                  <a:ea typeface="Open Sans" panose="020B0606030504020204" pitchFamily="34" charset="0"/>
+                  <a:cs typeface="Open Sans" panose="020B0606030504020204" pitchFamily="34" charset="0"/>
+                </a:rPr>
+                <a:t> </a:t>
+              </a:r>
+              <a:r>
+                <a:rPr lang="pt-BR" sz="1100" i="1" dirty="0" err="1">
+                  <a:latin typeface="Open Sans" panose="020B0606030504020204" pitchFamily="34" charset="0"/>
+                  <a:ea typeface="Open Sans" panose="020B0606030504020204" pitchFamily="34" charset="0"/>
+                  <a:cs typeface="Open Sans" panose="020B0606030504020204" pitchFamily="34" charset="0"/>
+                </a:rPr>
+                <a:t>Diagram</a:t>
+              </a:r>
+              <a:r>
+                <a:rPr lang="pt-BR" sz="1100" i="1" dirty="0">
+                  <a:latin typeface="Open Sans" panose="020B0606030504020204" pitchFamily="34" charset="0"/>
+                  <a:ea typeface="Open Sans" panose="020B0606030504020204" pitchFamily="34" charset="0"/>
+                  <a:cs typeface="Open Sans" panose="020B0606030504020204" pitchFamily="34" charset="0"/>
+                </a:rPr>
+                <a:t>)</a:t>
               </a:r>
             </a:p>
           </p:txBody>
@@ -4138,7 +4428,7 @@
         </p:nvGrpSpPr>
         <p:grpSpPr>
           <a:xfrm>
-            <a:off x="19251562" y="6558881"/>
+            <a:off x="20246281" y="9679907"/>
             <a:ext cx="1194696" cy="920223"/>
             <a:chOff x="10480232" y="1424979"/>
             <a:chExt cx="1194696" cy="920223"/>
@@ -4159,7 +4449,7 @@
             <p:nvPr/>
           </p:nvPicPr>
           <p:blipFill>
-            <a:blip r:embed="rId8">
+            <a:blip r:embed="rId6">
               <a:extLst>
                 <a:ext uri="{28A0092B-C50C-407E-A947-70E740481C1C}">
                   <a14:useLocalDpi xmlns:a14="http://schemas.microsoft.com/office/drawing/2010/main" val="0"/>
@@ -4246,7 +4536,7 @@
         </p:nvGrpSpPr>
         <p:grpSpPr>
           <a:xfrm>
-            <a:off x="19033699" y="9196544"/>
+            <a:off x="20161982" y="12015632"/>
             <a:ext cx="1311341" cy="800872"/>
             <a:chOff x="10337017" y="3884792"/>
             <a:chExt cx="1311341" cy="800872"/>
@@ -4267,7 +4557,7 @@
             <p:nvPr/>
           </p:nvPicPr>
           <p:blipFill>
-            <a:blip r:embed="rId9">
+            <a:blip r:embed="rId7">
               <a:extLst>
                 <a:ext uri="{28A0092B-C50C-407E-A947-70E740481C1C}">
                   <a14:useLocalDpi xmlns:a14="http://schemas.microsoft.com/office/drawing/2010/main" val="0"/>
@@ -4359,8 +4649,8 @@
         </p:nvCxnSpPr>
         <p:spPr>
           <a:xfrm flipV="1">
-            <a:off x="8110150" y="5246749"/>
-            <a:ext cx="1978" cy="790242"/>
+            <a:off x="9104869" y="8318668"/>
+            <a:ext cx="1978" cy="839349"/>
           </a:xfrm>
           <a:prstGeom prst="straightConnector1">
             <a:avLst/>
@@ -4405,7 +4695,7 @@
         </p:nvCxnSpPr>
         <p:spPr>
           <a:xfrm flipV="1">
-            <a:off x="8828838" y="6629198"/>
+            <a:off x="9823558" y="9750224"/>
             <a:ext cx="1451035" cy="2773"/>
           </a:xfrm>
           <a:prstGeom prst="straightConnector1">
@@ -4451,7 +4741,7 @@
         </p:nvCxnSpPr>
         <p:spPr>
           <a:xfrm flipV="1">
-            <a:off x="11919865" y="6628436"/>
+            <a:off x="12914584" y="9749461"/>
             <a:ext cx="1018136" cy="762"/>
           </a:xfrm>
           <a:prstGeom prst="straightConnector1">
@@ -4495,7 +4785,7 @@
         </p:nvCxnSpPr>
         <p:spPr>
           <a:xfrm rot="10800000" flipH="1" flipV="1">
-            <a:off x="19190509" y="7120308"/>
+            <a:off x="20185228" y="10241333"/>
             <a:ext cx="171728" cy="2041406"/>
           </a:xfrm>
           <a:prstGeom prst="curvedConnector3">
@@ -4541,7 +4831,7 @@
         </p:nvCxnSpPr>
         <p:spPr>
           <a:xfrm flipV="1">
-            <a:off x="20044678" y="7122489"/>
+            <a:off x="21243465" y="10167270"/>
             <a:ext cx="273570" cy="2041406"/>
           </a:xfrm>
           <a:prstGeom prst="curvedConnector3">
@@ -4585,10 +4875,10 @@
         </p:nvGrpSpPr>
         <p:grpSpPr>
           <a:xfrm>
-            <a:off x="4452639" y="5239284"/>
-            <a:ext cx="1311341" cy="901387"/>
-            <a:chOff x="5987048" y="5273820"/>
-            <a:chExt cx="1311341" cy="901387"/>
+            <a:off x="4798427" y="8380422"/>
+            <a:ext cx="1311341" cy="881275"/>
+            <a:chOff x="5987048" y="5293932"/>
+            <a:chExt cx="1311341" cy="881275"/>
           </a:xfrm>
         </p:grpSpPr>
         <p:sp>
@@ -4621,7 +4911,7 @@
             <a:p>
               <a:pPr algn="ctr"/>
               <a:r>
-                <a:rPr lang="pt-BR" sz="1100" dirty="0" err="1">
+                <a:rPr lang="pt-BR" sz="1100" i="1" dirty="0" err="1">
                   <a:latin typeface="Open Sans" panose="020B0606030504020204" pitchFamily="34" charset="0"/>
                   <a:ea typeface="Open Sans" panose="020B0606030504020204" pitchFamily="34" charset="0"/>
                   <a:cs typeface="Open Sans" panose="020B0606030504020204" pitchFamily="34" charset="0"/>
@@ -4629,7 +4919,7 @@
                 <a:t>User</a:t>
               </a:r>
               <a:r>
-                <a:rPr lang="pt-BR" sz="1100" dirty="0">
+                <a:rPr lang="pt-BR" sz="1100" i="1" dirty="0">
                   <a:latin typeface="Open Sans" panose="020B0606030504020204" pitchFamily="34" charset="0"/>
                   <a:ea typeface="Open Sans" panose="020B0606030504020204" pitchFamily="34" charset="0"/>
                   <a:cs typeface="Open Sans" panose="020B0606030504020204" pitchFamily="34" charset="0"/>
@@ -4654,7 +4944,7 @@
             <p:nvPr/>
           </p:nvPicPr>
           <p:blipFill>
-            <a:blip r:embed="rId10">
+            <a:blip r:embed="rId8">
               <a:duotone>
                 <a:prstClr val="black"/>
                 <a:schemeClr val="accent6">
@@ -4675,7 +4965,7 @@
           </p:blipFill>
           <p:spPr bwMode="auto">
             <a:xfrm>
-              <a:off x="6087431" y="5273820"/>
+              <a:off x="6144884" y="5293932"/>
               <a:ext cx="984273" cy="639777"/>
             </a:xfrm>
             <a:prstGeom prst="rect">
@@ -4708,10 +4998,10 @@
         </p:nvGrpSpPr>
         <p:grpSpPr>
           <a:xfrm>
-            <a:off x="10279873" y="5891423"/>
-            <a:ext cx="1639992" cy="1871035"/>
-            <a:chOff x="4682636" y="1062321"/>
-            <a:chExt cx="1639992" cy="1871035"/>
+            <a:off x="10992032" y="9012449"/>
+            <a:ext cx="2234873" cy="2040312"/>
+            <a:chOff x="4400076" y="1062321"/>
+            <a:chExt cx="2234873" cy="2040312"/>
           </a:xfrm>
         </p:grpSpPr>
         <p:sp>
@@ -4728,8 +5018,8 @@
           </p:nvSpPr>
           <p:spPr>
             <a:xfrm>
-              <a:off x="4892888" y="2502469"/>
-              <a:ext cx="1311341" cy="430887"/>
+              <a:off x="4400076" y="2502469"/>
+              <a:ext cx="2234873" cy="600164"/>
             </a:xfrm>
             <a:prstGeom prst="rect">
               <a:avLst/>
@@ -4749,7 +5039,66 @@
                   <a:ea typeface="Open Sans" panose="020B0606030504020204" pitchFamily="34" charset="0"/>
                   <a:cs typeface="Open Sans" panose="020B0606030504020204" pitchFamily="34" charset="0"/>
                 </a:rPr>
-                <a:t>Análise de Robustez</a:t>
+                <a:t>Diagrama de Análise de Robustez</a:t>
+              </a:r>
+            </a:p>
+            <a:p>
+              <a:pPr algn="ctr"/>
+              <a:r>
+                <a:rPr lang="pt-BR" sz="1100" i="1" dirty="0">
+                  <a:latin typeface="Open Sans" panose="020B0606030504020204" pitchFamily="34" charset="0"/>
+                  <a:ea typeface="Open Sans" panose="020B0606030504020204" pitchFamily="34" charset="0"/>
+                  <a:cs typeface="Open Sans" panose="020B0606030504020204" pitchFamily="34" charset="0"/>
+                </a:rPr>
+                <a:t>(</a:t>
+              </a:r>
+              <a:r>
+                <a:rPr lang="pt-BR" sz="1100" i="1" dirty="0" err="1">
+                  <a:latin typeface="Open Sans" panose="020B0606030504020204" pitchFamily="34" charset="0"/>
+                  <a:ea typeface="Open Sans" panose="020B0606030504020204" pitchFamily="34" charset="0"/>
+                  <a:cs typeface="Open Sans" panose="020B0606030504020204" pitchFamily="34" charset="0"/>
+                </a:rPr>
+                <a:t>Robustness</a:t>
+              </a:r>
+              <a:r>
+                <a:rPr lang="pt-BR" sz="1100" i="1" dirty="0">
+                  <a:latin typeface="Open Sans" panose="020B0606030504020204" pitchFamily="34" charset="0"/>
+                  <a:ea typeface="Open Sans" panose="020B0606030504020204" pitchFamily="34" charset="0"/>
+                  <a:cs typeface="Open Sans" panose="020B0606030504020204" pitchFamily="34" charset="0"/>
+                </a:rPr>
+                <a:t> </a:t>
+              </a:r>
+              <a:r>
+                <a:rPr lang="pt-BR" sz="1100" i="1" dirty="0" err="1">
+                  <a:latin typeface="Open Sans" panose="020B0606030504020204" pitchFamily="34" charset="0"/>
+                  <a:ea typeface="Open Sans" panose="020B0606030504020204" pitchFamily="34" charset="0"/>
+                  <a:cs typeface="Open Sans" panose="020B0606030504020204" pitchFamily="34" charset="0"/>
+                </a:rPr>
+                <a:t>Analysis</a:t>
+              </a:r>
+              <a:r>
+                <a:rPr lang="pt-BR" sz="1100" i="1" dirty="0">
+                  <a:latin typeface="Open Sans" panose="020B0606030504020204" pitchFamily="34" charset="0"/>
+                  <a:ea typeface="Open Sans" panose="020B0606030504020204" pitchFamily="34" charset="0"/>
+                  <a:cs typeface="Open Sans" panose="020B0606030504020204" pitchFamily="34" charset="0"/>
+                </a:rPr>
+                <a:t> </a:t>
+              </a:r>
+              <a:r>
+                <a:rPr lang="pt-BR" sz="1100" i="1" dirty="0" err="1">
+                  <a:latin typeface="Open Sans" panose="020B0606030504020204" pitchFamily="34" charset="0"/>
+                  <a:ea typeface="Open Sans" panose="020B0606030504020204" pitchFamily="34" charset="0"/>
+                  <a:cs typeface="Open Sans" panose="020B0606030504020204" pitchFamily="34" charset="0"/>
+                </a:rPr>
+                <a:t>Diagram</a:t>
+              </a:r>
+              <a:r>
+                <a:rPr lang="pt-BR" sz="1100" i="1" dirty="0">
+                  <a:latin typeface="Open Sans" panose="020B0606030504020204" pitchFamily="34" charset="0"/>
+                  <a:ea typeface="Open Sans" panose="020B0606030504020204" pitchFamily="34" charset="0"/>
+                  <a:cs typeface="Open Sans" panose="020B0606030504020204" pitchFamily="34" charset="0"/>
+                </a:rPr>
+                <a:t>)</a:t>
               </a:r>
             </a:p>
           </p:txBody>
@@ -4769,7 +5118,7 @@
             <p:nvPr/>
           </p:nvPicPr>
           <p:blipFill>
-            <a:blip r:embed="rId11">
+            <a:blip r:embed="rId9">
               <a:duotone>
                 <a:prstClr val="black"/>
                 <a:srgbClr val="FF0000">
@@ -4807,10 +5156,10 @@
         </p:nvGrpSpPr>
         <p:grpSpPr>
           <a:xfrm>
-            <a:off x="7430596" y="3394502"/>
-            <a:ext cx="1394620" cy="1852247"/>
+            <a:off x="8425315" y="6515527"/>
+            <a:ext cx="1394620" cy="1803140"/>
             <a:chOff x="4469842" y="1857803"/>
-            <a:chExt cx="1394620" cy="1559507"/>
+            <a:chExt cx="1394620" cy="1518161"/>
           </a:xfrm>
         </p:grpSpPr>
         <p:sp>
@@ -5379,7 +5728,7 @@
           <p:spPr>
             <a:xfrm>
               <a:off x="4694097" y="3155700"/>
-              <a:ext cx="914554" cy="261610"/>
+              <a:ext cx="914554" cy="220264"/>
             </a:xfrm>
             <a:prstGeom prst="rect">
               <a:avLst/>
@@ -5419,10 +5768,10 @@
         </p:nvGrpSpPr>
         <p:grpSpPr>
           <a:xfrm>
-            <a:off x="15542748" y="6051849"/>
-            <a:ext cx="1311341" cy="2338361"/>
+            <a:off x="16537468" y="9172875"/>
+            <a:ext cx="1311341" cy="2507638"/>
             <a:chOff x="20764994" y="4224661"/>
-            <a:chExt cx="1311341" cy="2338361"/>
+            <a:chExt cx="1311341" cy="2507638"/>
           </a:xfrm>
         </p:grpSpPr>
         <p:pic>
@@ -5440,7 +5789,7 @@
             <p:nvPr/>
           </p:nvPicPr>
           <p:blipFill>
-            <a:blip r:embed="rId12">
+            <a:blip r:embed="rId10">
               <a:duotone>
                 <a:prstClr val="black"/>
                 <a:srgbClr val="FF0000">
@@ -5494,7 +5843,7 @@
           <p:spPr>
             <a:xfrm>
               <a:off x="20764994" y="5624303"/>
-              <a:ext cx="1311341" cy="938719"/>
+              <a:ext cx="1311341" cy="1107996"/>
             </a:xfrm>
             <a:prstGeom prst="rect">
               <a:avLst/>
@@ -5525,6 +5874,22 @@
                 <a:t>Statemachine</a:t>
               </a:r>
               <a:r>
+                <a:rPr lang="pt-BR" sz="1100" i="1" dirty="0">
+                  <a:latin typeface="Open Sans" panose="020B0606030504020204" pitchFamily="34" charset="0"/>
+                  <a:ea typeface="Open Sans" panose="020B0606030504020204" pitchFamily="34" charset="0"/>
+                  <a:cs typeface="Open Sans" panose="020B0606030504020204" pitchFamily="34" charset="0"/>
+                </a:rPr>
+                <a:t> </a:t>
+              </a:r>
+              <a:r>
+                <a:rPr lang="pt-BR" sz="1100" i="1" dirty="0" err="1">
+                  <a:latin typeface="Open Sans" panose="020B0606030504020204" pitchFamily="34" charset="0"/>
+                  <a:ea typeface="Open Sans" panose="020B0606030504020204" pitchFamily="34" charset="0"/>
+                  <a:cs typeface="Open Sans" panose="020B0606030504020204" pitchFamily="34" charset="0"/>
+                </a:rPr>
+                <a:t>Diagram</a:t>
+              </a:r>
+              <a:r>
                 <a:rPr lang="pt-BR" sz="1100" dirty="0">
                   <a:latin typeface="Open Sans" panose="020B0606030504020204" pitchFamily="34" charset="0"/>
                   <a:ea typeface="Open Sans" panose="020B0606030504020204" pitchFamily="34" charset="0"/>
@@ -5554,12 +5919,12 @@
         </p:nvCxnSpPr>
         <p:spPr>
           <a:xfrm>
-            <a:off x="16851227" y="6743528"/>
-            <a:ext cx="187578" cy="3160919"/>
+            <a:off x="17845947" y="9864554"/>
+            <a:ext cx="167666" cy="3083347"/>
           </a:xfrm>
           <a:prstGeom prst="curvedConnector3">
             <a:avLst>
-              <a:gd name="adj1" fmla="val 221869"/>
+              <a:gd name="adj1" fmla="val 236342"/>
             </a:avLst>
           </a:prstGeom>
           <a:ln w="76200">
@@ -5603,7 +5968,7 @@
         </p:nvCxnSpPr>
         <p:spPr>
           <a:xfrm rot="16200000" flipH="1">
-            <a:off x="16570362" y="3357423"/>
+            <a:off x="17565081" y="6478448"/>
             <a:ext cx="546234" cy="5856682"/>
           </a:xfrm>
           <a:prstGeom prst="curvedConnector3">
@@ -5651,12 +6016,12 @@
         </p:nvCxnSpPr>
         <p:spPr>
           <a:xfrm rot="10800000" flipH="1">
-            <a:off x="15430714" y="6743529"/>
-            <a:ext cx="181024" cy="3160919"/>
+            <a:off x="16405522" y="9864555"/>
+            <a:ext cx="200936" cy="3083347"/>
           </a:xfrm>
           <a:prstGeom prst="curvedConnector3">
             <a:avLst>
-              <a:gd name="adj1" fmla="val -126282"/>
+              <a:gd name="adj1" fmla="val -113768"/>
             </a:avLst>
           </a:prstGeom>
           <a:ln w="76200">
@@ -5693,14 +6058,14 @@
           <p:cNvCxnSpPr>
             <a:cxnSpLocks/>
             <a:stCxn id="23" idx="2"/>
-            <a:endCxn id="24" idx="1"/>
+            <a:endCxn id="8" idx="1"/>
           </p:cNvCxnSpPr>
           <p:nvPr/>
         </p:nvCxnSpPr>
         <p:spPr>
           <a:xfrm rot="16200000" flipH="1">
-            <a:off x="13001783" y="8511874"/>
-            <a:ext cx="3435118" cy="1719491"/>
+            <a:off x="14583416" y="11125794"/>
+            <a:ext cx="2172815" cy="1471398"/>
           </a:xfrm>
           <a:prstGeom prst="curvedConnector2">
             <a:avLst/>
@@ -5745,8 +6110,8 @@
         </p:nvCxnSpPr>
         <p:spPr>
           <a:xfrm flipV="1">
-            <a:off x="16890429" y="6933580"/>
-            <a:ext cx="2506692" cy="4155599"/>
+            <a:off x="18324489" y="10054606"/>
+            <a:ext cx="2067351" cy="3989926"/>
           </a:xfrm>
           <a:prstGeom prst="curvedConnector3">
             <a:avLst>
@@ -5793,14 +6158,14 @@
         </p:nvCxnSpPr>
         <p:spPr>
           <a:xfrm rot="10800000" flipH="1">
-            <a:off x="6264252" y="6631971"/>
-            <a:ext cx="1127209" cy="292400"/>
+            <a:off x="6610039" y="9752996"/>
+            <a:ext cx="1776141" cy="300362"/>
           </a:xfrm>
           <a:prstGeom prst="curvedConnector5">
             <a:avLst>
-              <a:gd name="adj1" fmla="val 77580"/>
-              <a:gd name="adj2" fmla="val 8903"/>
-              <a:gd name="adj3" fmla="val 87123"/>
+              <a:gd name="adj1" fmla="val 41472"/>
+              <a:gd name="adj2" fmla="val 44695"/>
+              <a:gd name="adj3" fmla="val 73560"/>
             </a:avLst>
           </a:prstGeom>
           <a:ln w="76200">
@@ -5843,7 +6208,7 @@
         </p:nvCxnSpPr>
         <p:spPr>
           <a:xfrm>
-            <a:off x="8825216" y="4169186"/>
+            <a:off x="9819936" y="7290212"/>
             <a:ext cx="2274653" cy="1722237"/>
           </a:xfrm>
           <a:prstGeom prst="curvedConnector2">
@@ -5885,8 +6250,8 @@
         </p:nvSpPr>
         <p:spPr>
           <a:xfrm>
-            <a:off x="5845799" y="4993340"/>
-            <a:ext cx="418454" cy="3862061"/>
+            <a:off x="6191586" y="7290212"/>
+            <a:ext cx="418454" cy="5526292"/>
           </a:xfrm>
           <a:prstGeom prst="rightBrace">
             <a:avLst>
@@ -5937,8 +6302,8 @@
         </p:nvSpPr>
         <p:spPr>
           <a:xfrm flipH="1">
-            <a:off x="3998041" y="5020141"/>
-            <a:ext cx="388240" cy="3862061"/>
+            <a:off x="4343828" y="7290213"/>
+            <a:ext cx="388240" cy="5526292"/>
           </a:xfrm>
           <a:prstGeom prst="rightBrace">
             <a:avLst>
@@ -5993,8 +6358,8 @@
         </p:nvCxnSpPr>
         <p:spPr>
           <a:xfrm flipV="1">
-            <a:off x="9073797" y="6629198"/>
-            <a:ext cx="1206076" cy="3333654"/>
+            <a:off x="10068518" y="9750224"/>
+            <a:ext cx="1206074" cy="3198190"/>
           </a:xfrm>
           <a:prstGeom prst="curvedConnector3">
             <a:avLst>
@@ -6037,7 +6402,7 @@
         </p:nvSpPr>
         <p:spPr>
           <a:xfrm>
-            <a:off x="12436012" y="5654389"/>
+            <a:off x="13430731" y="8775415"/>
             <a:ext cx="3359214" cy="307777"/>
           </a:xfrm>
           <a:prstGeom prst="rect">
@@ -6079,7 +6444,7 @@
         </p:nvSpPr>
         <p:spPr>
           <a:xfrm rot="16200000">
-            <a:off x="11676005" y="1493735"/>
+            <a:off x="12670724" y="4614760"/>
             <a:ext cx="418454" cy="4491760"/>
           </a:xfrm>
           <a:prstGeom prst="rightBrace">
@@ -6135,7 +6500,7 @@
         </p:nvSpPr>
         <p:spPr>
           <a:xfrm>
-            <a:off x="11116233" y="2773135"/>
+            <a:off x="12110952" y="5894160"/>
             <a:ext cx="1533978" cy="523220"/>
           </a:xfrm>
           <a:prstGeom prst="rect">
@@ -6188,8 +6553,8 @@
         </p:nvSpPr>
         <p:spPr>
           <a:xfrm>
-            <a:off x="3459496" y="331828"/>
-            <a:ext cx="17998134" cy="2055544"/>
+            <a:off x="2969575" y="1624005"/>
+            <a:ext cx="19379420" cy="2055544"/>
           </a:xfrm>
           <a:prstGeom prst="rect">
             <a:avLst/>
@@ -6257,12 +6622,12 @@
         </p:nvCxnSpPr>
         <p:spPr>
           <a:xfrm rot="16200000" flipH="1">
-            <a:off x="7369566" y="8390425"/>
-            <a:ext cx="1653309" cy="188132"/>
+            <a:off x="8601294" y="11612995"/>
+            <a:ext cx="1179292" cy="188134"/>
           </a:xfrm>
           <a:prstGeom prst="curvedConnector3">
             <a:avLst>
-              <a:gd name="adj1" fmla="val 101796"/>
+              <a:gd name="adj1" fmla="val 50000"/>
             </a:avLst>
           </a:prstGeom>
           <a:ln w="76200">
@@ -6301,8 +6666,110 @@
         </p:nvSpPr>
         <p:spPr>
           <a:xfrm>
-            <a:off x="2282174" y="11585823"/>
-            <a:ext cx="4232249" cy="1015663"/>
+            <a:off x="2969575" y="21841844"/>
+            <a:ext cx="4232249" cy="1938992"/>
+          </a:xfrm>
+          <a:prstGeom prst="rect">
+            <a:avLst/>
+          </a:prstGeom>
+          <a:noFill/>
+        </p:spPr>
+        <p:txBody>
+          <a:bodyPr wrap="square" rtlCol="0">
+            <a:spAutoFit/>
+          </a:bodyPr>
+          <a:lstStyle/>
+          <a:p>
+            <a:pPr algn="ctr"/>
+            <a:r>
+              <a:rPr lang="pt-BR" sz="6000" b="1" dirty="0">
+                <a:solidFill>
+                  <a:srgbClr val="0070C0"/>
+                </a:solidFill>
+                <a:latin typeface="Open Sans" panose="020B0606030504020204" pitchFamily="34" charset="0"/>
+                <a:ea typeface="Open Sans" panose="020B0606030504020204" pitchFamily="34" charset="0"/>
+                <a:cs typeface="Open Sans" panose="020B0606030504020204" pitchFamily="34" charset="0"/>
+              </a:rPr>
+              <a:t>LADO DO PROBLEMA</a:t>
+            </a:r>
+            <a:endParaRPr lang="pt-BR" sz="7200" b="1" dirty="0">
+              <a:solidFill>
+                <a:srgbClr val="0070C0"/>
+              </a:solidFill>
+              <a:latin typeface="Open Sans" panose="020B0606030504020204" pitchFamily="34" charset="0"/>
+              <a:ea typeface="Open Sans" panose="020B0606030504020204" pitchFamily="34" charset="0"/>
+              <a:cs typeface="Open Sans" panose="020B0606030504020204" pitchFamily="34" charset="0"/>
+            </a:endParaRPr>
+          </a:p>
+        </p:txBody>
+      </p:sp>
+      <p:sp>
+        <p:nvSpPr>
+          <p:cNvPr id="66" name="CaixaDeTexto 65">
+            <a:extLst>
+              <a:ext uri="{FF2B5EF4-FFF2-40B4-BE49-F238E27FC236}">
+                <a16:creationId xmlns:a16="http://schemas.microsoft.com/office/drawing/2014/main" id="{096F8F1D-A31C-4169-804E-C0EF055BC07C}"/>
+              </a:ext>
+            </a:extLst>
+          </p:cNvPr>
+          <p:cNvSpPr txBox="1"/>
+          <p:nvPr/>
+        </p:nvSpPr>
+        <p:spPr>
+          <a:xfrm>
+            <a:off x="19992124" y="21828473"/>
+            <a:ext cx="4582376" cy="1938992"/>
+          </a:xfrm>
+          <a:prstGeom prst="rect">
+            <a:avLst/>
+          </a:prstGeom>
+          <a:noFill/>
+        </p:spPr>
+        <p:txBody>
+          <a:bodyPr wrap="square" rtlCol="0">
+            <a:spAutoFit/>
+          </a:bodyPr>
+          <a:lstStyle/>
+          <a:p>
+            <a:pPr algn="ctr"/>
+            <a:r>
+              <a:rPr lang="pt-BR" sz="6000" b="1" dirty="0">
+                <a:solidFill>
+                  <a:srgbClr val="33CC33"/>
+                </a:solidFill>
+                <a:latin typeface="Open Sans" panose="020B0606030504020204" pitchFamily="34" charset="0"/>
+                <a:ea typeface="Open Sans" panose="020B0606030504020204" pitchFamily="34" charset="0"/>
+                <a:cs typeface="Open Sans" panose="020B0606030504020204" pitchFamily="34" charset="0"/>
+              </a:rPr>
+              <a:t>LADO DA SOLUÇÃO</a:t>
+            </a:r>
+            <a:endParaRPr lang="pt-BR" sz="7200" b="1" dirty="0">
+              <a:solidFill>
+                <a:srgbClr val="33CC33"/>
+              </a:solidFill>
+              <a:latin typeface="Open Sans" panose="020B0606030504020204" pitchFamily="34" charset="0"/>
+              <a:ea typeface="Open Sans" panose="020B0606030504020204" pitchFamily="34" charset="0"/>
+              <a:cs typeface="Open Sans" panose="020B0606030504020204" pitchFamily="34" charset="0"/>
+            </a:endParaRPr>
+          </a:p>
+        </p:txBody>
+      </p:sp>
+      <p:sp>
+        <p:nvSpPr>
+          <p:cNvPr id="67" name="CaixaDeTexto 66">
+            <a:extLst>
+              <a:ext uri="{FF2B5EF4-FFF2-40B4-BE49-F238E27FC236}">
+                <a16:creationId xmlns:a16="http://schemas.microsoft.com/office/drawing/2014/main" id="{6DB28C46-B31A-4037-AE8D-3096583F5769}"/>
+              </a:ext>
+            </a:extLst>
+          </p:cNvPr>
+          <p:cNvSpPr txBox="1"/>
+          <p:nvPr/>
+        </p:nvSpPr>
+        <p:spPr>
+          <a:xfrm>
+            <a:off x="9905534" y="23094922"/>
+            <a:ext cx="7339125" cy="923330"/>
           </a:xfrm>
           <a:prstGeom prst="rect">
             <a:avLst/>
@@ -6316,33 +6783,22 @@
           <a:lstStyle/>
           <a:p>
             <a:r>
-              <a:rPr lang="pt-BR" sz="6000" b="1" dirty="0">
-                <a:solidFill>
-                  <a:srgbClr val="0070C0"/>
-                </a:solidFill>
+              <a:rPr lang="pt-BR" sz="5400" dirty="0">
                 <a:latin typeface="Open Sans" panose="020B0606030504020204" pitchFamily="34" charset="0"/>
                 <a:ea typeface="Open Sans" panose="020B0606030504020204" pitchFamily="34" charset="0"/>
                 <a:cs typeface="Open Sans" panose="020B0606030504020204" pitchFamily="34" charset="0"/>
               </a:rPr>
-              <a:t>PROBLEMA</a:t>
-            </a:r>
-            <a:endParaRPr lang="pt-BR" sz="7200" b="1" dirty="0">
-              <a:solidFill>
-                <a:srgbClr val="0070C0"/>
-              </a:solidFill>
-              <a:latin typeface="Open Sans" panose="020B0606030504020204" pitchFamily="34" charset="0"/>
-              <a:ea typeface="Open Sans" panose="020B0606030504020204" pitchFamily="34" charset="0"/>
-              <a:cs typeface="Open Sans" panose="020B0606030504020204" pitchFamily="34" charset="0"/>
-            </a:endParaRPr>
+              <a:t>[PLANO DE SOLUÇÃO]</a:t>
+            </a:r>
           </a:p>
         </p:txBody>
       </p:sp>
       <p:sp>
         <p:nvSpPr>
-          <p:cNvPr id="66" name="CaixaDeTexto 65">
+          <p:cNvPr id="69" name="CaixaDeTexto 68">
             <a:extLst>
               <a:ext uri="{FF2B5EF4-FFF2-40B4-BE49-F238E27FC236}">
-                <a16:creationId xmlns:a16="http://schemas.microsoft.com/office/drawing/2014/main" id="{096F8F1D-A31C-4169-804E-C0EF055BC07C}"/>
+                <a16:creationId xmlns:a16="http://schemas.microsoft.com/office/drawing/2014/main" id="{C7DDEFC3-1BB2-4F34-B394-1AE9AA28E4B7}"/>
               </a:ext>
             </a:extLst>
           </p:cNvPr>
@@ -6351,8 +6807,8 @@
         </p:nvSpPr>
         <p:spPr>
           <a:xfrm>
-            <a:off x="18587640" y="11698741"/>
-            <a:ext cx="3717236" cy="1015663"/>
+            <a:off x="13226905" y="17761806"/>
+            <a:ext cx="5994386" cy="1077218"/>
           </a:xfrm>
           <a:prstGeom prst="rect">
             <a:avLst/>
@@ -6360,39 +6816,366 @@
           <a:noFill/>
         </p:spPr>
         <p:txBody>
-          <a:bodyPr wrap="none" rtlCol="0">
+          <a:bodyPr wrap="square" rtlCol="0">
             <a:spAutoFit/>
           </a:bodyPr>
           <a:lstStyle/>
           <a:p>
-            <a:r>
-              <a:rPr lang="pt-BR" sz="6000" b="1" dirty="0">
+            <a:pPr algn="ctr"/>
+            <a:r>
+              <a:rPr lang="pt-BR" sz="3200" dirty="0">
                 <a:solidFill>
-                  <a:srgbClr val="33CC33"/>
+                  <a:srgbClr val="66FF33"/>
                 </a:solidFill>
+                <a:highlight>
+                  <a:srgbClr val="008000"/>
+                </a:highlight>
                 <a:latin typeface="Open Sans" panose="020B0606030504020204" pitchFamily="34" charset="0"/>
                 <a:ea typeface="Open Sans" panose="020B0606030504020204" pitchFamily="34" charset="0"/>
                 <a:cs typeface="Open Sans" panose="020B0606030504020204" pitchFamily="34" charset="0"/>
               </a:rPr>
-              <a:t>SOLUÇÃO</a:t>
-            </a:r>
-            <a:endParaRPr lang="pt-BR" sz="7200" b="1" dirty="0">
-              <a:solidFill>
-                <a:srgbClr val="33CC33"/>
-              </a:solidFill>
-              <a:latin typeface="Open Sans" panose="020B0606030504020204" pitchFamily="34" charset="0"/>
-              <a:ea typeface="Open Sans" panose="020B0606030504020204" pitchFamily="34" charset="0"/>
-              <a:cs typeface="Open Sans" panose="020B0606030504020204" pitchFamily="34" charset="0"/>
-            </a:endParaRPr>
+              <a:t>Como software pode solucionar o problema</a:t>
+            </a:r>
           </a:p>
         </p:txBody>
       </p:sp>
+      <p:grpSp>
+        <p:nvGrpSpPr>
+          <p:cNvPr id="94" name="Agrupar 93">
+            <a:extLst>
+              <a:ext uri="{FF2B5EF4-FFF2-40B4-BE49-F238E27FC236}">
+                <a16:creationId xmlns:a16="http://schemas.microsoft.com/office/drawing/2014/main" id="{43CAC3A9-169E-4CB8-956A-15ADD49CD253}"/>
+              </a:ext>
+            </a:extLst>
+          </p:cNvPr>
+          <p:cNvGrpSpPr/>
+          <p:nvPr/>
+        </p:nvGrpSpPr>
+        <p:grpSpPr>
+          <a:xfrm>
+            <a:off x="4873163" y="11126471"/>
+            <a:ext cx="1319592" cy="1082205"/>
+            <a:chOff x="5522095" y="11126471"/>
+            <a:chExt cx="1319592" cy="1082205"/>
+          </a:xfrm>
+        </p:grpSpPr>
+        <p:pic>
+          <p:nvPicPr>
+            <p:cNvPr id="43" name="Imagem 42">
+              <a:extLst>
+                <a:ext uri="{FF2B5EF4-FFF2-40B4-BE49-F238E27FC236}">
+                  <a16:creationId xmlns:a16="http://schemas.microsoft.com/office/drawing/2014/main" id="{1339D7EE-C073-43AB-BF96-9161846D51C9}"/>
+                </a:ext>
+              </a:extLst>
+            </p:cNvPr>
+            <p:cNvPicPr>
+              <a:picLocks noChangeAspect="1"/>
+            </p:cNvPicPr>
+            <p:nvPr/>
+          </p:nvPicPr>
+          <p:blipFill>
+            <a:blip r:embed="rId11">
+              <a:extLst>
+                <a:ext uri="{28A0092B-C50C-407E-A947-70E740481C1C}">
+                  <a14:useLocalDpi xmlns:a14="http://schemas.microsoft.com/office/drawing/2010/main" val="0"/>
+                </a:ext>
+              </a:extLst>
+            </a:blip>
+            <a:stretch>
+              <a:fillRect/>
+            </a:stretch>
+          </p:blipFill>
+          <p:spPr>
+            <a:xfrm>
+              <a:off x="5522095" y="11126471"/>
+              <a:ext cx="782149" cy="782149"/>
+            </a:xfrm>
+            <a:prstGeom prst="rect">
+              <a:avLst/>
+            </a:prstGeom>
+          </p:spPr>
+        </p:pic>
+        <p:grpSp>
+          <p:nvGrpSpPr>
+            <p:cNvPr id="1029" name="Agrupar 1028">
+              <a:extLst>
+                <a:ext uri="{FF2B5EF4-FFF2-40B4-BE49-F238E27FC236}">
+                  <a16:creationId xmlns:a16="http://schemas.microsoft.com/office/drawing/2014/main" id="{64B3CC5C-8007-4F53-9B5E-66105A8E70B1}"/>
+                </a:ext>
+              </a:extLst>
+            </p:cNvPr>
+            <p:cNvGrpSpPr/>
+            <p:nvPr/>
+          </p:nvGrpSpPr>
+          <p:grpSpPr>
+            <a:xfrm>
+              <a:off x="5530346" y="11376926"/>
+              <a:ext cx="1311341" cy="831750"/>
+              <a:chOff x="5940136" y="7583280"/>
+              <a:chExt cx="1311341" cy="831750"/>
+            </a:xfrm>
+          </p:grpSpPr>
+          <p:pic>
+            <p:nvPicPr>
+              <p:cNvPr id="1032" name="Picture 8" descr="Collaboration icon. Two outlines of people from the chest up to the top of the head are positioned next to each other. There are six circles, three on each outer side, growing in size from near the people's heads until the circles are large and directly above the people's heads.">
+                <a:extLst>
+                  <a:ext uri="{FF2B5EF4-FFF2-40B4-BE49-F238E27FC236}">
+                    <a16:creationId xmlns:a16="http://schemas.microsoft.com/office/drawing/2014/main" id="{FDD1C1C9-1BF1-415D-894D-EEC99A6541E8}"/>
+                  </a:ext>
+                </a:extLst>
+              </p:cNvPr>
+              <p:cNvPicPr>
+                <a:picLocks noChangeAspect="1" noChangeArrowheads="1"/>
+              </p:cNvPicPr>
+              <p:nvPr/>
+            </p:nvPicPr>
+            <p:blipFill>
+              <a:blip r:embed="rId12">
+                <a:extLst>
+                  <a:ext uri="{28A0092B-C50C-407E-A947-70E740481C1C}">
+                    <a14:useLocalDpi xmlns:a14="http://schemas.microsoft.com/office/drawing/2010/main" val="0"/>
+                  </a:ext>
+                </a:extLst>
+              </a:blip>
+              <a:srcRect/>
+              <a:stretch>
+                <a:fillRect/>
+              </a:stretch>
+            </p:blipFill>
+            <p:spPr bwMode="auto">
+              <a:xfrm>
+                <a:off x="6234828" y="7583280"/>
+                <a:ext cx="659283" cy="659283"/>
+              </a:xfrm>
+              <a:prstGeom prst="rect">
+                <a:avLst/>
+              </a:prstGeom>
+              <a:noFill/>
+              <a:extLst>
+                <a:ext uri="{909E8E84-426E-40DD-AFC4-6F175D3DCCD1}">
+                  <a14:hiddenFill xmlns:a14="http://schemas.microsoft.com/office/drawing/2010/main">
+                    <a:solidFill>
+                      <a:srgbClr val="FFFFFF"/>
+                    </a:solidFill>
+                  </a14:hiddenFill>
+                </a:ext>
+              </a:extLst>
+            </p:spPr>
+          </p:pic>
+          <p:sp>
+            <p:nvSpPr>
+              <p:cNvPr id="19" name="CaixaDeTexto 18">
+                <a:extLst>
+                  <a:ext uri="{FF2B5EF4-FFF2-40B4-BE49-F238E27FC236}">
+                    <a16:creationId xmlns:a16="http://schemas.microsoft.com/office/drawing/2014/main" id="{A2D351B7-7535-44D9-844A-1917AE1766DE}"/>
+                  </a:ext>
+                </a:extLst>
+              </p:cNvPr>
+              <p:cNvSpPr txBox="1"/>
+              <p:nvPr/>
+            </p:nvSpPr>
+            <p:spPr>
+              <a:xfrm>
+                <a:off x="5940136" y="8153420"/>
+                <a:ext cx="1311341" cy="261610"/>
+              </a:xfrm>
+              <a:prstGeom prst="rect">
+                <a:avLst/>
+              </a:prstGeom>
+              <a:noFill/>
+            </p:spPr>
+            <p:txBody>
+              <a:bodyPr wrap="square" rtlCol="0">
+                <a:spAutoFit/>
+              </a:bodyPr>
+              <a:lstStyle/>
+              <a:p>
+                <a:pPr algn="ctr"/>
+                <a:r>
+                  <a:rPr lang="pt-BR" sz="1100" dirty="0">
+                    <a:latin typeface="Open Sans" panose="020B0606030504020204" pitchFamily="34" charset="0"/>
+                    <a:ea typeface="Open Sans" panose="020B0606030504020204" pitchFamily="34" charset="0"/>
+                    <a:cs typeface="Open Sans" panose="020B0606030504020204" pitchFamily="34" charset="0"/>
+                  </a:rPr>
+                  <a:t>Entrevistas</a:t>
+                </a:r>
+              </a:p>
+            </p:txBody>
+          </p:sp>
+        </p:grpSp>
+      </p:grpSp>
+      <p:grpSp>
+        <p:nvGrpSpPr>
+          <p:cNvPr id="49" name="Agrupar 48">
+            <a:extLst>
+              <a:ext uri="{FF2B5EF4-FFF2-40B4-BE49-F238E27FC236}">
+                <a16:creationId xmlns:a16="http://schemas.microsoft.com/office/drawing/2014/main" id="{50EA29CE-05BD-4BD6-B1B3-D259FA413DA6}"/>
+              </a:ext>
+            </a:extLst>
+          </p:cNvPr>
+          <p:cNvGrpSpPr/>
+          <p:nvPr/>
+        </p:nvGrpSpPr>
+        <p:grpSpPr>
+          <a:xfrm>
+            <a:off x="15883778" y="15363013"/>
+            <a:ext cx="2670364" cy="1925860"/>
+            <a:chOff x="15679537" y="14657893"/>
+            <a:chExt cx="2670364" cy="1925860"/>
+          </a:xfrm>
+        </p:grpSpPr>
+        <p:pic>
+          <p:nvPicPr>
+            <p:cNvPr id="48" name="Picture 2" descr="Resultado de imagem para modelo de entidade relacionamento">
+              <a:extLst>
+                <a:ext uri="{FF2B5EF4-FFF2-40B4-BE49-F238E27FC236}">
+                  <a16:creationId xmlns:a16="http://schemas.microsoft.com/office/drawing/2014/main" id="{302FE44A-3663-40B8-BA0C-7B2C82B67878}"/>
+                </a:ext>
+              </a:extLst>
+            </p:cNvPr>
+            <p:cNvPicPr>
+              <a:picLocks noChangeAspect="1" noChangeArrowheads="1"/>
+            </p:cNvPicPr>
+            <p:nvPr/>
+          </p:nvPicPr>
+          <p:blipFill rotWithShape="1">
+            <a:blip r:embed="rId13">
+              <a:duotone>
+                <a:prstClr val="black"/>
+                <a:srgbClr val="33CC33">
+                  <a:tint val="45000"/>
+                  <a:satMod val="400000"/>
+                </a:srgbClr>
+              </a:duotone>
+              <a:extLst>
+                <a:ext uri="{28A0092B-C50C-407E-A947-70E740481C1C}">
+                  <a14:useLocalDpi xmlns:a14="http://schemas.microsoft.com/office/drawing/2010/main" val="0"/>
+                </a:ext>
+              </a:extLst>
+            </a:blip>
+            <a:srcRect l="21007" t="54225" r="21064"/>
+            <a:stretch/>
+          </p:blipFill>
+          <p:spPr bwMode="auto">
+            <a:xfrm>
+              <a:off x="15679537" y="14657893"/>
+              <a:ext cx="2670364" cy="1469014"/>
+            </a:xfrm>
+            <a:prstGeom prst="rect">
+              <a:avLst/>
+            </a:prstGeom>
+            <a:noFill/>
+            <a:extLst>
+              <a:ext uri="{909E8E84-426E-40DD-AFC4-6F175D3DCCD1}">
+                <a14:hiddenFill xmlns:a14="http://schemas.microsoft.com/office/drawing/2010/main">
+                  <a:solidFill>
+                    <a:srgbClr val="FFFFFF"/>
+                  </a:solidFill>
+                </a14:hiddenFill>
+              </a:ext>
+            </a:extLst>
+          </p:spPr>
+        </p:pic>
+        <p:sp>
+          <p:nvSpPr>
+            <p:cNvPr id="89" name="CaixaDeTexto 88">
+              <a:extLst>
+                <a:ext uri="{FF2B5EF4-FFF2-40B4-BE49-F238E27FC236}">
+                  <a16:creationId xmlns:a16="http://schemas.microsoft.com/office/drawing/2014/main" id="{08D1D7E6-1E09-42C7-A7F0-74A65EEE2D81}"/>
+                </a:ext>
+              </a:extLst>
+            </p:cNvPr>
+            <p:cNvSpPr txBox="1"/>
+            <p:nvPr/>
+          </p:nvSpPr>
+          <p:spPr>
+            <a:xfrm>
+              <a:off x="15899797" y="16152866"/>
+              <a:ext cx="2229843" cy="430887"/>
+            </a:xfrm>
+            <a:prstGeom prst="rect">
+              <a:avLst/>
+            </a:prstGeom>
+            <a:noFill/>
+          </p:spPr>
+          <p:txBody>
+            <a:bodyPr wrap="square" rtlCol="0">
+              <a:spAutoFit/>
+            </a:bodyPr>
+            <a:lstStyle/>
+            <a:p>
+              <a:pPr algn="ctr"/>
+              <a:r>
+                <a:rPr lang="pt-BR" sz="1100" dirty="0">
+                  <a:latin typeface="Open Sans" panose="020B0606030504020204" pitchFamily="34" charset="0"/>
+                  <a:ea typeface="Open Sans" panose="020B0606030504020204" pitchFamily="34" charset="0"/>
+                  <a:cs typeface="Open Sans" panose="020B0606030504020204" pitchFamily="34" charset="0"/>
+                </a:rPr>
+                <a:t>MER (Modelo de Entidade-Relacionamento)</a:t>
+              </a:r>
+              <a:endParaRPr lang="pt-BR" sz="1100" i="1" dirty="0">
+                <a:latin typeface="Open Sans" panose="020B0606030504020204" pitchFamily="34" charset="0"/>
+                <a:ea typeface="Open Sans" panose="020B0606030504020204" pitchFamily="34" charset="0"/>
+                <a:cs typeface="Open Sans" panose="020B0606030504020204" pitchFamily="34" charset="0"/>
+              </a:endParaRPr>
+            </a:p>
+          </p:txBody>
+        </p:sp>
+      </p:grpSp>
+      <p:cxnSp>
+        <p:nvCxnSpPr>
+          <p:cNvPr id="92" name="Conector: Curvo 91">
+            <a:extLst>
+              <a:ext uri="{FF2B5EF4-FFF2-40B4-BE49-F238E27FC236}">
+                <a16:creationId xmlns:a16="http://schemas.microsoft.com/office/drawing/2014/main" id="{B0B8F9F4-6E94-4EB0-81DA-BEBCD4298540}"/>
+              </a:ext>
+            </a:extLst>
+          </p:cNvPr>
+          <p:cNvCxnSpPr>
+            <a:cxnSpLocks/>
+            <a:stCxn id="24" idx="2"/>
+            <a:endCxn id="48" idx="0"/>
+          </p:cNvCxnSpPr>
+          <p:nvPr/>
+        </p:nvCxnSpPr>
+        <p:spPr>
+          <a:xfrm rot="16200000" flipH="1">
+            <a:off x="16705065" y="14849117"/>
+            <a:ext cx="1018399" cy="9392"/>
+          </a:xfrm>
+          <a:prstGeom prst="curvedConnector3">
+            <a:avLst>
+              <a:gd name="adj1" fmla="val 50000"/>
+            </a:avLst>
+          </a:prstGeom>
+          <a:ln w="76200">
+            <a:solidFill>
+              <a:srgbClr val="3366FF"/>
+            </a:solidFill>
+            <a:tailEnd type="triangle"/>
+          </a:ln>
+        </p:spPr>
+        <p:style>
+          <a:lnRef idx="1">
+            <a:schemeClr val="accent1"/>
+          </a:lnRef>
+          <a:fillRef idx="0">
+            <a:schemeClr val="accent1"/>
+          </a:fillRef>
+          <a:effectRef idx="0">
+            <a:schemeClr val="accent1"/>
+          </a:effectRef>
+          <a:fontRef idx="minor">
+            <a:schemeClr val="tx1"/>
+          </a:fontRef>
+        </p:style>
+      </p:cxnSp>
       <p:sp>
         <p:nvSpPr>
-          <p:cNvPr id="67" name="CaixaDeTexto 66">
+          <p:cNvPr id="52" name="CaixaDeTexto 51">
             <a:extLst>
               <a:ext uri="{FF2B5EF4-FFF2-40B4-BE49-F238E27FC236}">
-                <a16:creationId xmlns:a16="http://schemas.microsoft.com/office/drawing/2014/main" id="{6DB28C46-B31A-4037-AE8D-3096583F5769}"/>
+                <a16:creationId xmlns:a16="http://schemas.microsoft.com/office/drawing/2014/main" id="{45AEE290-5F71-4A18-9DEF-7698C7FE460F}"/>
               </a:ext>
             </a:extLst>
           </p:cNvPr>
@@ -6401,37 +7184,130 @@
         </p:nvSpPr>
         <p:spPr>
           <a:xfrm>
-            <a:off x="8317663" y="12350273"/>
-            <a:ext cx="7339125" cy="923330"/>
+            <a:off x="24941718" y="13443710"/>
+            <a:ext cx="3599883" cy="3970318"/>
           </a:xfrm>
           <a:prstGeom prst="rect">
             <a:avLst/>
           </a:prstGeom>
-          <a:noFill/>
+          <a:solidFill>
+            <a:schemeClr val="bg1">
+              <a:lumMod val="95000"/>
+            </a:schemeClr>
+          </a:solidFill>
+          <a:ln>
+            <a:solidFill>
+              <a:schemeClr val="bg1">
+                <a:lumMod val="50000"/>
+              </a:schemeClr>
+            </a:solidFill>
+          </a:ln>
         </p:spPr>
         <p:txBody>
-          <a:bodyPr wrap="none" rtlCol="0">
+          <a:bodyPr wrap="square" rtlCol="0">
             <a:spAutoFit/>
           </a:bodyPr>
           <a:lstStyle/>
           <a:p>
             <a:r>
-              <a:rPr lang="pt-BR" sz="5400" dirty="0">
-                <a:latin typeface="Open Sans" panose="020B0606030504020204" pitchFamily="34" charset="0"/>
-                <a:ea typeface="Open Sans" panose="020B0606030504020204" pitchFamily="34" charset="0"/>
-                <a:cs typeface="Open Sans" panose="020B0606030504020204" pitchFamily="34" charset="0"/>
-              </a:rPr>
-              <a:t>[PLANO DE SOLUÇÃO]</a:t>
+              <a:rPr lang="pt-BR" b="1" dirty="0"/>
+              <a:t>Mapeamento objeto-relacional: </a:t>
+            </a:r>
+            <a:r>
+              <a:rPr lang="pt-BR" dirty="0"/>
+              <a:t>um diagrama de casos de uso pode ser diretamente transformado em um MER, basta saber quais são as entidades e quais dados serão armazenados</a:t>
+            </a:r>
+          </a:p>
+          <a:p>
+            <a:endParaRPr lang="pt-BR" dirty="0"/>
+          </a:p>
+          <a:p>
+            <a:r>
+              <a:rPr lang="pt-BR" dirty="0"/>
+              <a:t>Em Java o framework </a:t>
+            </a:r>
+            <a:r>
+              <a:rPr lang="pt-BR" i="1" dirty="0" err="1"/>
+              <a:t>Hibernate</a:t>
+            </a:r>
+            <a:r>
+              <a:rPr lang="pt-BR" dirty="0"/>
+              <a:t> usa a estrutura de código e anotações para criar um banco de dados relacional automaticamente</a:t>
+            </a:r>
+          </a:p>
+          <a:p>
+            <a:endParaRPr lang="pt-BR" dirty="0"/>
+          </a:p>
+          <a:p>
+            <a:r>
+              <a:rPr lang="pt-BR" dirty="0"/>
+              <a:t>O mesmo acontece em C# com o </a:t>
+            </a:r>
+            <a:r>
+              <a:rPr lang="pt-BR" i="1" dirty="0" err="1"/>
+              <a:t>Entity</a:t>
+            </a:r>
+            <a:r>
+              <a:rPr lang="pt-BR" i="1" dirty="0"/>
+              <a:t> Framework</a:t>
             </a:r>
           </a:p>
         </p:txBody>
       </p:sp>
+      <p:cxnSp>
+        <p:nvCxnSpPr>
+          <p:cNvPr id="55" name="Conector reto 54">
+            <a:extLst>
+              <a:ext uri="{FF2B5EF4-FFF2-40B4-BE49-F238E27FC236}">
+                <a16:creationId xmlns:a16="http://schemas.microsoft.com/office/drawing/2014/main" id="{8F13EA32-FEDD-4FCA-8888-464F2E018C29}"/>
+              </a:ext>
+            </a:extLst>
+          </p:cNvPr>
+          <p:cNvCxnSpPr>
+            <a:stCxn id="48" idx="3"/>
+            <a:endCxn id="52" idx="1"/>
+          </p:cNvCxnSpPr>
+          <p:nvPr/>
+        </p:nvCxnSpPr>
+        <p:spPr>
+          <a:xfrm flipV="1">
+            <a:off x="18554142" y="15428869"/>
+            <a:ext cx="6387576" cy="668651"/>
+          </a:xfrm>
+          <a:prstGeom prst="line">
+            <a:avLst/>
+          </a:prstGeom>
+          <a:ln w="57150">
+            <a:solidFill>
+              <a:srgbClr val="A6A6A6">
+                <a:alpha val="60000"/>
+              </a:srgbClr>
+            </a:solidFill>
+            <a:headEnd type="oval" w="med" len="med"/>
+            <a:tailEnd type="oval" w="med" len="med"/>
+          </a:ln>
+        </p:spPr>
+        <p:style>
+          <a:lnRef idx="1">
+            <a:schemeClr val="accent1"/>
+          </a:lnRef>
+          <a:fillRef idx="0">
+            <a:schemeClr val="accent1"/>
+          </a:fillRef>
+          <a:effectRef idx="0">
+            <a:schemeClr val="accent1"/>
+          </a:effectRef>
+          <a:fontRef idx="minor">
+            <a:schemeClr val="tx1"/>
+          </a:fontRef>
+        </p:style>
+      </p:cxnSp>
       <p:sp>
         <p:nvSpPr>
-          <p:cNvPr id="69" name="CaixaDeTexto 68">
+          <p:cNvPr id="97" name="CaixaDeTexto 96">
             <a:extLst>
               <a:ext uri="{FF2B5EF4-FFF2-40B4-BE49-F238E27FC236}">
-                <a16:creationId xmlns:a16="http://schemas.microsoft.com/office/drawing/2014/main" id="{C7DDEFC3-1BB2-4F34-B394-1AE9AA28E4B7}"/>
+                <a16:creationId xmlns:a16="http://schemas.microsoft.com/office/drawing/2014/main" id="{3F44DEE2-0FD2-477D-996D-2F3CE2D9738F}"/>
               </a:ext>
             </a:extLst>
           </p:cNvPr>
@@ -6440,22 +7316,492 @@
         </p:nvSpPr>
         <p:spPr>
           <a:xfrm>
-            <a:off x="6774609" y="11564016"/>
-            <a:ext cx="10053714" cy="707886"/>
+            <a:off x="24941717" y="7901168"/>
+            <a:ext cx="3599883" cy="2031325"/>
           </a:xfrm>
           <a:prstGeom prst="rect">
             <a:avLst/>
           </a:prstGeom>
-          <a:noFill/>
+          <a:solidFill>
+            <a:schemeClr val="bg1">
+              <a:lumMod val="95000"/>
+            </a:schemeClr>
+          </a:solidFill>
+          <a:ln>
+            <a:solidFill>
+              <a:schemeClr val="bg1">
+                <a:lumMod val="50000"/>
+              </a:schemeClr>
+            </a:solidFill>
+          </a:ln>
         </p:spPr>
         <p:txBody>
-          <a:bodyPr wrap="none" rtlCol="0">
+          <a:bodyPr wrap="square" rtlCol="0">
             <a:spAutoFit/>
           </a:bodyPr>
           <a:lstStyle/>
           <a:p>
             <a:r>
-              <a:rPr lang="pt-BR" sz="4000" dirty="0">
+              <a:rPr lang="pt-BR" dirty="0"/>
+              <a:t>O diagrama de estados tem como base as enumerações do diagrama de classes, quando é feito novos métodos e até estados começam a aparecer, estes devem ser incorporados ao diagrama de classes – é um processo iterativo</a:t>
+            </a:r>
+          </a:p>
+        </p:txBody>
+      </p:sp>
+      <p:cxnSp>
+        <p:nvCxnSpPr>
+          <p:cNvPr id="103" name="Conector reto 102">
+            <a:extLst>
+              <a:ext uri="{FF2B5EF4-FFF2-40B4-BE49-F238E27FC236}">
+                <a16:creationId xmlns:a16="http://schemas.microsoft.com/office/drawing/2014/main" id="{AC11395B-F31E-447F-9DAD-452B126B73F3}"/>
+              </a:ext>
+            </a:extLst>
+          </p:cNvPr>
+          <p:cNvCxnSpPr>
+            <a:cxnSpLocks/>
+            <a:stCxn id="34" idx="3"/>
+            <a:endCxn id="97" idx="1"/>
+          </p:cNvCxnSpPr>
+          <p:nvPr/>
+        </p:nvCxnSpPr>
+        <p:spPr>
+          <a:xfrm flipV="1">
+            <a:off x="17845947" y="8916831"/>
+            <a:ext cx="7095770" cy="947723"/>
+          </a:xfrm>
+          <a:prstGeom prst="line">
+            <a:avLst/>
+          </a:prstGeom>
+          <a:ln w="57150">
+            <a:solidFill>
+              <a:srgbClr val="A6A6A6">
+                <a:alpha val="60000"/>
+              </a:srgbClr>
+            </a:solidFill>
+            <a:headEnd type="oval" w="med" len="med"/>
+            <a:tailEnd type="oval" w="med" len="med"/>
+          </a:ln>
+        </p:spPr>
+        <p:style>
+          <a:lnRef idx="1">
+            <a:schemeClr val="accent1"/>
+          </a:lnRef>
+          <a:fillRef idx="0">
+            <a:schemeClr val="accent1"/>
+          </a:fillRef>
+          <a:effectRef idx="0">
+            <a:schemeClr val="accent1"/>
+          </a:effectRef>
+          <a:fontRef idx="minor">
+            <a:schemeClr val="tx1"/>
+          </a:fontRef>
+        </p:style>
+      </p:cxnSp>
+      <p:sp>
+        <p:nvSpPr>
+          <p:cNvPr id="104" name="CaixaDeTexto 103">
+            <a:extLst>
+              <a:ext uri="{FF2B5EF4-FFF2-40B4-BE49-F238E27FC236}">
+                <a16:creationId xmlns:a16="http://schemas.microsoft.com/office/drawing/2014/main" id="{0F829E27-E3B8-4F61-BA80-769D29A3439E}"/>
+              </a:ext>
+            </a:extLst>
+          </p:cNvPr>
+          <p:cNvSpPr txBox="1"/>
+          <p:nvPr/>
+        </p:nvSpPr>
+        <p:spPr>
+          <a:xfrm>
+            <a:off x="24932915" y="3272362"/>
+            <a:ext cx="3599883" cy="2031325"/>
+          </a:xfrm>
+          <a:prstGeom prst="rect">
+            <a:avLst/>
+          </a:prstGeom>
+          <a:solidFill>
+            <a:schemeClr val="bg1">
+              <a:lumMod val="95000"/>
+            </a:schemeClr>
+          </a:solidFill>
+          <a:ln>
+            <a:solidFill>
+              <a:schemeClr val="bg1">
+                <a:lumMod val="50000"/>
+              </a:schemeClr>
+            </a:solidFill>
+          </a:ln>
+        </p:spPr>
+        <p:txBody>
+          <a:bodyPr wrap="square" rtlCol="0">
+            <a:spAutoFit/>
+          </a:bodyPr>
+          <a:lstStyle/>
+          <a:p>
+            <a:r>
+              <a:rPr lang="pt-BR" dirty="0"/>
+              <a:t>A presença do diagrama de robustez é a principal diferença do processo </a:t>
+            </a:r>
+            <a:r>
+              <a:rPr lang="pt-BR" dirty="0" err="1"/>
+              <a:t>Iconix</a:t>
+            </a:r>
+            <a:r>
+              <a:rPr lang="pt-BR" dirty="0"/>
+              <a:t>, ele é utilizado para diminuir o gap entre o diagrama de classes e do de sequência e em última instância entre a fase de análise e de projeto</a:t>
+            </a:r>
+          </a:p>
+        </p:txBody>
+      </p:sp>
+      <p:cxnSp>
+        <p:nvCxnSpPr>
+          <p:cNvPr id="105" name="Conector reto 104">
+            <a:extLst>
+              <a:ext uri="{FF2B5EF4-FFF2-40B4-BE49-F238E27FC236}">
+                <a16:creationId xmlns:a16="http://schemas.microsoft.com/office/drawing/2014/main" id="{61829220-7F93-407D-B61B-7FE9A5716D67}"/>
+              </a:ext>
+            </a:extLst>
+          </p:cNvPr>
+          <p:cNvCxnSpPr>
+            <a:cxnSpLocks/>
+            <a:stCxn id="68" idx="0"/>
+            <a:endCxn id="104" idx="1"/>
+          </p:cNvCxnSpPr>
+          <p:nvPr/>
+        </p:nvCxnSpPr>
+        <p:spPr>
+          <a:xfrm flipV="1">
+            <a:off x="12094588" y="4288025"/>
+            <a:ext cx="12838327" cy="4724424"/>
+          </a:xfrm>
+          <a:prstGeom prst="line">
+            <a:avLst/>
+          </a:prstGeom>
+          <a:ln w="57150">
+            <a:solidFill>
+              <a:srgbClr val="A6A6A6">
+                <a:alpha val="60000"/>
+              </a:srgbClr>
+            </a:solidFill>
+            <a:headEnd type="oval" w="med" len="med"/>
+            <a:tailEnd type="oval" w="med" len="med"/>
+          </a:ln>
+        </p:spPr>
+        <p:style>
+          <a:lnRef idx="1">
+            <a:schemeClr val="accent1"/>
+          </a:lnRef>
+          <a:fillRef idx="0">
+            <a:schemeClr val="accent1"/>
+          </a:fillRef>
+          <a:effectRef idx="0">
+            <a:schemeClr val="accent1"/>
+          </a:effectRef>
+          <a:fontRef idx="minor">
+            <a:schemeClr val="tx1"/>
+          </a:fontRef>
+        </p:style>
+      </p:cxnSp>
+      <p:sp>
+        <p:nvSpPr>
+          <p:cNvPr id="112" name="CaixaDeTexto 111">
+            <a:extLst>
+              <a:ext uri="{FF2B5EF4-FFF2-40B4-BE49-F238E27FC236}">
+                <a16:creationId xmlns:a16="http://schemas.microsoft.com/office/drawing/2014/main" id="{23C96042-4A95-41AA-998A-E1EE94729634}"/>
+              </a:ext>
+            </a:extLst>
+          </p:cNvPr>
+          <p:cNvSpPr txBox="1"/>
+          <p:nvPr/>
+        </p:nvSpPr>
+        <p:spPr>
+          <a:xfrm>
+            <a:off x="24941717" y="5960893"/>
+            <a:ext cx="3599883" cy="1200329"/>
+          </a:xfrm>
+          <a:prstGeom prst="rect">
+            <a:avLst/>
+          </a:prstGeom>
+          <a:solidFill>
+            <a:schemeClr val="bg1">
+              <a:lumMod val="95000"/>
+            </a:schemeClr>
+          </a:solidFill>
+          <a:ln>
+            <a:solidFill>
+              <a:schemeClr val="bg1">
+                <a:lumMod val="50000"/>
+              </a:schemeClr>
+            </a:solidFill>
+          </a:ln>
+        </p:spPr>
+        <p:txBody>
+          <a:bodyPr wrap="square" rtlCol="0">
+            <a:spAutoFit/>
+          </a:bodyPr>
+          <a:lstStyle/>
+          <a:p>
+            <a:r>
+              <a:rPr lang="pt-BR" dirty="0"/>
+              <a:t>A principal função do diagrama de sequência é mostrar como os itens estáticos da solução irão interagir entre si ao longo do tempo</a:t>
+            </a:r>
+          </a:p>
+        </p:txBody>
+      </p:sp>
+      <p:cxnSp>
+        <p:nvCxnSpPr>
+          <p:cNvPr id="113" name="Conector reto 112">
+            <a:extLst>
+              <a:ext uri="{FF2B5EF4-FFF2-40B4-BE49-F238E27FC236}">
+                <a16:creationId xmlns:a16="http://schemas.microsoft.com/office/drawing/2014/main" id="{FD9B18B0-133C-4465-92A6-A858E2BB457C}"/>
+              </a:ext>
+            </a:extLst>
+          </p:cNvPr>
+          <p:cNvCxnSpPr>
+            <a:cxnSpLocks/>
+            <a:stCxn id="7" idx="3"/>
+            <a:endCxn id="112" idx="1"/>
+          </p:cNvCxnSpPr>
+          <p:nvPr/>
+        </p:nvCxnSpPr>
+        <p:spPr>
+          <a:xfrm flipV="1">
+            <a:off x="15886994" y="6561058"/>
+            <a:ext cx="9054723" cy="3188403"/>
+          </a:xfrm>
+          <a:prstGeom prst="line">
+            <a:avLst/>
+          </a:prstGeom>
+          <a:ln w="57150">
+            <a:solidFill>
+              <a:srgbClr val="A6A6A6">
+                <a:alpha val="60000"/>
+              </a:srgbClr>
+            </a:solidFill>
+            <a:headEnd type="oval" w="med" len="med"/>
+            <a:tailEnd type="oval" w="med" len="med"/>
+          </a:ln>
+        </p:spPr>
+        <p:style>
+          <a:lnRef idx="1">
+            <a:schemeClr val="accent1"/>
+          </a:lnRef>
+          <a:fillRef idx="0">
+            <a:schemeClr val="accent1"/>
+          </a:fillRef>
+          <a:effectRef idx="0">
+            <a:schemeClr val="accent1"/>
+          </a:effectRef>
+          <a:fontRef idx="minor">
+            <a:schemeClr val="tx1"/>
+          </a:fontRef>
+        </p:style>
+      </p:cxnSp>
+      <p:sp>
+        <p:nvSpPr>
+          <p:cNvPr id="118" name="CaixaDeTexto 117">
+            <a:extLst>
+              <a:ext uri="{FF2B5EF4-FFF2-40B4-BE49-F238E27FC236}">
+                <a16:creationId xmlns:a16="http://schemas.microsoft.com/office/drawing/2014/main" id="{FF5406B6-1A0B-407E-A3A8-692D8C0242E6}"/>
+              </a:ext>
+            </a:extLst>
+          </p:cNvPr>
+          <p:cNvSpPr txBox="1"/>
+          <p:nvPr/>
+        </p:nvSpPr>
+        <p:spPr>
+          <a:xfrm>
+            <a:off x="325566" y="10710857"/>
+            <a:ext cx="2214741" cy="6463308"/>
+          </a:xfrm>
+          <a:prstGeom prst="rect">
+            <a:avLst/>
+          </a:prstGeom>
+          <a:solidFill>
+            <a:schemeClr val="bg1">
+              <a:lumMod val="95000"/>
+            </a:schemeClr>
+          </a:solidFill>
+          <a:ln>
+            <a:solidFill>
+              <a:schemeClr val="bg1">
+                <a:lumMod val="50000"/>
+              </a:schemeClr>
+            </a:solidFill>
+          </a:ln>
+        </p:spPr>
+        <p:txBody>
+          <a:bodyPr wrap="square" rtlCol="0">
+            <a:spAutoFit/>
+          </a:bodyPr>
+          <a:lstStyle/>
+          <a:p>
+            <a:r>
+              <a:rPr lang="pt-BR" dirty="0"/>
+              <a:t>O Diagrama de classes de projeto auxilia na documentação do que foi levantado sobre o problema, é como um dicionário visual mostrando os dados manipulados e como se relacionam.</a:t>
+            </a:r>
+          </a:p>
+          <a:p>
+            <a:endParaRPr lang="pt-BR" dirty="0"/>
+          </a:p>
+          <a:p>
+            <a:r>
+              <a:rPr lang="pt-BR" dirty="0"/>
+              <a:t>Não deve mostrar </a:t>
+            </a:r>
+            <a:r>
+              <a:rPr lang="pt-BR" b="1" dirty="0"/>
+              <a:t>como</a:t>
+            </a:r>
+            <a:r>
+              <a:rPr lang="pt-BR" dirty="0"/>
+              <a:t> o problema será resolvido mas sim </a:t>
+            </a:r>
+            <a:r>
+              <a:rPr lang="pt-BR" b="1" dirty="0"/>
+              <a:t>qual </a:t>
+            </a:r>
+            <a:r>
+              <a:rPr lang="pt-BR" dirty="0"/>
+              <a:t>o problema.</a:t>
+            </a:r>
+          </a:p>
+          <a:p>
+            <a:endParaRPr lang="pt-BR" dirty="0"/>
+          </a:p>
+          <a:p>
+            <a:r>
+              <a:rPr lang="pt-BR" dirty="0"/>
+              <a:t>É de grande auxílio na limitação do escopo – separar o que é o ambiente analisado e o que será resolvido com software</a:t>
+            </a:r>
+          </a:p>
+        </p:txBody>
+      </p:sp>
+      <p:cxnSp>
+        <p:nvCxnSpPr>
+          <p:cNvPr id="119" name="Conector reto 118">
+            <a:extLst>
+              <a:ext uri="{FF2B5EF4-FFF2-40B4-BE49-F238E27FC236}">
+                <a16:creationId xmlns:a16="http://schemas.microsoft.com/office/drawing/2014/main" id="{801F9A04-31A5-4BCF-B40C-7805386456C7}"/>
+              </a:ext>
+            </a:extLst>
+          </p:cNvPr>
+          <p:cNvCxnSpPr>
+            <a:cxnSpLocks/>
+            <a:stCxn id="118" idx="3"/>
+            <a:endCxn id="5" idx="1"/>
+          </p:cNvCxnSpPr>
+          <p:nvPr/>
+        </p:nvCxnSpPr>
+        <p:spPr>
+          <a:xfrm flipV="1">
+            <a:off x="2540307" y="12948414"/>
+            <a:ext cx="5961189" cy="994097"/>
+          </a:xfrm>
+          <a:prstGeom prst="line">
+            <a:avLst/>
+          </a:prstGeom>
+          <a:ln w="57150">
+            <a:solidFill>
+              <a:srgbClr val="A6A6A6">
+                <a:alpha val="60000"/>
+              </a:srgbClr>
+            </a:solidFill>
+            <a:headEnd type="oval" w="med" len="med"/>
+            <a:tailEnd type="oval" w="med" len="med"/>
+          </a:ln>
+        </p:spPr>
+        <p:style>
+          <a:lnRef idx="1">
+            <a:schemeClr val="accent1"/>
+          </a:lnRef>
+          <a:fillRef idx="0">
+            <a:schemeClr val="accent1"/>
+          </a:fillRef>
+          <a:effectRef idx="0">
+            <a:schemeClr val="accent1"/>
+          </a:effectRef>
+          <a:fontRef idx="minor">
+            <a:schemeClr val="tx1"/>
+          </a:fontRef>
+        </p:style>
+      </p:cxnSp>
+      <p:cxnSp>
+        <p:nvCxnSpPr>
+          <p:cNvPr id="124" name="Conector: Curvo 123">
+            <a:extLst>
+              <a:ext uri="{FF2B5EF4-FFF2-40B4-BE49-F238E27FC236}">
+                <a16:creationId xmlns:a16="http://schemas.microsoft.com/office/drawing/2014/main" id="{AEF695BE-F1D6-46D9-B5CC-5C517D3621FA}"/>
+              </a:ext>
+            </a:extLst>
+          </p:cNvPr>
+          <p:cNvCxnSpPr>
+            <a:cxnSpLocks/>
+            <a:stCxn id="5" idx="3"/>
+            <a:endCxn id="8" idx="1"/>
+          </p:cNvCxnSpPr>
+          <p:nvPr/>
+        </p:nvCxnSpPr>
+        <p:spPr>
+          <a:xfrm flipV="1">
+            <a:off x="10068518" y="12947901"/>
+            <a:ext cx="6337004" cy="513"/>
+          </a:xfrm>
+          <a:prstGeom prst="curvedConnector3">
+            <a:avLst>
+              <a:gd name="adj1" fmla="val 50000"/>
+            </a:avLst>
+          </a:prstGeom>
+          <a:ln w="76200">
+            <a:solidFill>
+              <a:srgbClr val="3366FF"/>
+            </a:solidFill>
+            <a:prstDash val="sysDash"/>
+            <a:tailEnd type="triangle"/>
+          </a:ln>
+        </p:spPr>
+        <p:style>
+          <a:lnRef idx="1">
+            <a:schemeClr val="accent1"/>
+          </a:lnRef>
+          <a:fillRef idx="0">
+            <a:schemeClr val="accent1"/>
+          </a:fillRef>
+          <a:effectRef idx="0">
+            <a:schemeClr val="accent1"/>
+          </a:effectRef>
+          <a:fontRef idx="minor">
+            <a:schemeClr val="tx1"/>
+          </a:fontRef>
+        </p:style>
+      </p:cxnSp>
+      <p:sp>
+        <p:nvSpPr>
+          <p:cNvPr id="87" name="Retângulo 86">
+            <a:extLst>
+              <a:ext uri="{FF2B5EF4-FFF2-40B4-BE49-F238E27FC236}">
+                <a16:creationId xmlns:a16="http://schemas.microsoft.com/office/drawing/2014/main" id="{DAC09DB7-AA48-42BD-8A8F-7F0481893952}"/>
+              </a:ext>
+            </a:extLst>
+          </p:cNvPr>
+          <p:cNvSpPr/>
+          <p:nvPr/>
+        </p:nvSpPr>
+        <p:spPr>
+          <a:xfrm>
+            <a:off x="2902634" y="17806986"/>
+            <a:ext cx="4299190" cy="584775"/>
+          </a:xfrm>
+          <a:prstGeom prst="rect">
+            <a:avLst/>
+          </a:prstGeom>
+        </p:spPr>
+        <p:txBody>
+          <a:bodyPr wrap="none">
+            <a:spAutoFit/>
+          </a:bodyPr>
+          <a:lstStyle/>
+          <a:p>
+            <a:r>
+              <a:rPr lang="pt-BR" sz="3200" dirty="0">
                 <a:solidFill>
                   <a:srgbClr val="00B0F0"/>
                 </a:solidFill>
@@ -6466,29 +7812,42 @@
                 <a:ea typeface="Open Sans" panose="020B0606030504020204" pitchFamily="34" charset="0"/>
                 <a:cs typeface="Open Sans" panose="020B0606030504020204" pitchFamily="34" charset="0"/>
               </a:rPr>
-              <a:t>Modelar o problema</a:t>
-            </a:r>
-            <a:r>
-              <a:rPr lang="pt-BR" sz="4000" dirty="0">
-                <a:highlight>
-                  <a:srgbClr val="0000FF"/>
-                </a:highlight>
-                <a:latin typeface="Open Sans" panose="020B0606030504020204" pitchFamily="34" charset="0"/>
-                <a:ea typeface="Open Sans" panose="020B0606030504020204" pitchFamily="34" charset="0"/>
-                <a:cs typeface="Open Sans" panose="020B0606030504020204" pitchFamily="34" charset="0"/>
-              </a:rPr>
-              <a:t> </a:t>
-            </a:r>
-            <a:r>
-              <a:rPr lang="pt-BR" sz="4000" dirty="0">
-                <a:latin typeface="Open Sans" panose="020B0606030504020204" pitchFamily="34" charset="0"/>
-                <a:ea typeface="Open Sans" panose="020B0606030504020204" pitchFamily="34" charset="0"/>
-                <a:cs typeface="Open Sans" panose="020B0606030504020204" pitchFamily="34" charset="0"/>
-              </a:rPr>
-              <a:t>| </a:t>
-            </a:r>
-            <a:r>
-              <a:rPr lang="pt-BR" sz="4000" dirty="0">
+              <a:t>O que será resolvido?</a:t>
+            </a:r>
+            <a:endParaRPr lang="pt-BR" sz="3200" dirty="0"/>
+          </a:p>
+        </p:txBody>
+      </p:sp>
+      <p:sp>
+        <p:nvSpPr>
+          <p:cNvPr id="88" name="Retângulo 87">
+            <a:extLst>
+              <a:ext uri="{FF2B5EF4-FFF2-40B4-BE49-F238E27FC236}">
+                <a16:creationId xmlns:a16="http://schemas.microsoft.com/office/drawing/2014/main" id="{866CA815-6387-4E42-9CA0-C06EDF839E03}"/>
+              </a:ext>
+            </a:extLst>
+          </p:cNvPr>
+          <p:cNvSpPr/>
+          <p:nvPr/>
+        </p:nvSpPr>
+        <p:spPr>
+          <a:xfrm>
+            <a:off x="19041302" y="17815224"/>
+            <a:ext cx="5133057" cy="1077218"/>
+          </a:xfrm>
+          <a:prstGeom prst="rect">
+            <a:avLst/>
+          </a:prstGeom>
+        </p:spPr>
+        <p:txBody>
+          <a:bodyPr wrap="square">
+            <a:spAutoFit/>
+          </a:bodyPr>
+          <a:lstStyle/>
+          <a:p>
+            <a:pPr algn="ctr"/>
+            <a:r>
+              <a:rPr lang="pt-BR" sz="3200" dirty="0">
                 <a:solidFill>
                   <a:srgbClr val="66FF33"/>
                 </a:solidFill>
@@ -6499,11 +7858,1105 @@
                 <a:ea typeface="Open Sans" panose="020B0606030504020204" pitchFamily="34" charset="0"/>
                 <a:cs typeface="Open Sans" panose="020B0606030504020204" pitchFamily="34" charset="0"/>
               </a:rPr>
-              <a:t>Modelar a Solução</a:t>
-            </a:r>
+              <a:t>Colocar o plano de solução em prática</a:t>
+            </a:r>
+            <a:endParaRPr lang="pt-BR" sz="3200" dirty="0"/>
           </a:p>
         </p:txBody>
       </p:sp>
+      <p:sp>
+        <p:nvSpPr>
+          <p:cNvPr id="90" name="Retângulo 89">
+            <a:extLst>
+              <a:ext uri="{FF2B5EF4-FFF2-40B4-BE49-F238E27FC236}">
+                <a16:creationId xmlns:a16="http://schemas.microsoft.com/office/drawing/2014/main" id="{3A9C7050-FFDB-4EC5-AEAF-E75752461371}"/>
+              </a:ext>
+            </a:extLst>
+          </p:cNvPr>
+          <p:cNvSpPr/>
+          <p:nvPr/>
+        </p:nvSpPr>
+        <p:spPr>
+          <a:xfrm>
+            <a:off x="7482694" y="17732706"/>
+            <a:ext cx="5533527" cy="1077218"/>
+          </a:xfrm>
+          <a:prstGeom prst="rect">
+            <a:avLst/>
+          </a:prstGeom>
+        </p:spPr>
+        <p:txBody>
+          <a:bodyPr wrap="square">
+            <a:spAutoFit/>
+          </a:bodyPr>
+          <a:lstStyle/>
+          <a:p>
+            <a:pPr algn="ctr"/>
+            <a:r>
+              <a:rPr lang="pt-BR" sz="3200" dirty="0">
+                <a:solidFill>
+                  <a:srgbClr val="00B0F0"/>
+                </a:solidFill>
+                <a:highlight>
+                  <a:srgbClr val="0000FF"/>
+                </a:highlight>
+                <a:latin typeface="Open Sans" panose="020B0606030504020204" pitchFamily="34" charset="0"/>
+                <a:ea typeface="Open Sans" panose="020B0606030504020204" pitchFamily="34" charset="0"/>
+                <a:cs typeface="Open Sans" panose="020B0606030504020204" pitchFamily="34" charset="0"/>
+              </a:rPr>
+              <a:t>Entender o problema </a:t>
+            </a:r>
+          </a:p>
+          <a:p>
+            <a:pPr algn="ctr"/>
+            <a:r>
+              <a:rPr lang="pt-BR" sz="3200" dirty="0">
+                <a:solidFill>
+                  <a:srgbClr val="00B0F0"/>
+                </a:solidFill>
+                <a:highlight>
+                  <a:srgbClr val="0000FF"/>
+                </a:highlight>
+                <a:latin typeface="Open Sans" panose="020B0606030504020204" pitchFamily="34" charset="0"/>
+                <a:ea typeface="Open Sans" panose="020B0606030504020204" pitchFamily="34" charset="0"/>
+                <a:cs typeface="Open Sans" panose="020B0606030504020204" pitchFamily="34" charset="0"/>
+              </a:rPr>
+              <a:t>Definir o que será resolvido</a:t>
+            </a:r>
+            <a:endParaRPr lang="pt-BR" sz="3200" dirty="0"/>
+          </a:p>
+        </p:txBody>
+      </p:sp>
+      <p:cxnSp>
+        <p:nvCxnSpPr>
+          <p:cNvPr id="96" name="Conector de Seta Reta 95">
+            <a:extLst>
+              <a:ext uri="{FF2B5EF4-FFF2-40B4-BE49-F238E27FC236}">
+                <a16:creationId xmlns:a16="http://schemas.microsoft.com/office/drawing/2014/main" id="{9DD3508E-1A3C-4850-8B96-33BEF915B658}"/>
+              </a:ext>
+            </a:extLst>
+          </p:cNvPr>
+          <p:cNvCxnSpPr>
+            <a:cxnSpLocks/>
+            <a:stCxn id="10" idx="3"/>
+            <a:endCxn id="66" idx="1"/>
+          </p:cNvCxnSpPr>
+          <p:nvPr/>
+        </p:nvCxnSpPr>
+        <p:spPr>
+          <a:xfrm flipV="1">
+            <a:off x="7201824" y="22797969"/>
+            <a:ext cx="12790300" cy="13371"/>
+          </a:xfrm>
+          <a:prstGeom prst="straightConnector1">
+            <a:avLst/>
+          </a:prstGeom>
+          <a:ln w="76200">
+            <a:tailEnd type="triangle"/>
+          </a:ln>
+        </p:spPr>
+        <p:style>
+          <a:lnRef idx="1">
+            <a:schemeClr val="accent1"/>
+          </a:lnRef>
+          <a:fillRef idx="0">
+            <a:schemeClr val="accent1"/>
+          </a:fillRef>
+          <a:effectRef idx="0">
+            <a:schemeClr val="accent1"/>
+          </a:effectRef>
+          <a:fontRef idx="minor">
+            <a:schemeClr val="tx1"/>
+          </a:fontRef>
+        </p:style>
+      </p:cxnSp>
+      <p:pic>
+        <p:nvPicPr>
+          <p:cNvPr id="110" name="Imagem 109">
+            <a:extLst>
+              <a:ext uri="{FF2B5EF4-FFF2-40B4-BE49-F238E27FC236}">
+                <a16:creationId xmlns:a16="http://schemas.microsoft.com/office/drawing/2014/main" id="{02A0B57A-2ADD-4688-8A9C-2831153C8F01}"/>
+              </a:ext>
+            </a:extLst>
+          </p:cNvPr>
+          <p:cNvPicPr>
+            <a:picLocks noChangeAspect="1"/>
+          </p:cNvPicPr>
+          <p:nvPr/>
+        </p:nvPicPr>
+        <p:blipFill>
+          <a:blip r:embed="rId14">
+            <a:extLst>
+              <a:ext uri="{28A0092B-C50C-407E-A947-70E740481C1C}">
+                <a14:useLocalDpi xmlns:a14="http://schemas.microsoft.com/office/drawing/2010/main" val="0"/>
+              </a:ext>
+            </a:extLst>
+          </a:blip>
+          <a:stretch>
+            <a:fillRect/>
+          </a:stretch>
+        </p:blipFill>
+        <p:spPr>
+          <a:xfrm>
+            <a:off x="24091653" y="22043598"/>
+            <a:ext cx="965694" cy="965694"/>
+          </a:xfrm>
+          <a:prstGeom prst="rect">
+            <a:avLst/>
+          </a:prstGeom>
+        </p:spPr>
+      </p:pic>
+      <p:grpSp>
+        <p:nvGrpSpPr>
+          <p:cNvPr id="1035" name="Agrupar 1034">
+            <a:extLst>
+              <a:ext uri="{FF2B5EF4-FFF2-40B4-BE49-F238E27FC236}">
+                <a16:creationId xmlns:a16="http://schemas.microsoft.com/office/drawing/2014/main" id="{853E4470-FBF2-4BD9-912F-DA9AE38C0E10}"/>
+              </a:ext>
+            </a:extLst>
+          </p:cNvPr>
+          <p:cNvGrpSpPr/>
+          <p:nvPr/>
+        </p:nvGrpSpPr>
+        <p:grpSpPr>
+          <a:xfrm>
+            <a:off x="4691252" y="9352522"/>
+            <a:ext cx="1424537" cy="1439252"/>
+            <a:chOff x="5340184" y="9352522"/>
+            <a:chExt cx="1424537" cy="1439252"/>
+          </a:xfrm>
+        </p:grpSpPr>
+        <p:grpSp>
+          <p:nvGrpSpPr>
+            <p:cNvPr id="1027" name="Agrupar 1026">
+              <a:extLst>
+                <a:ext uri="{FF2B5EF4-FFF2-40B4-BE49-F238E27FC236}">
+                  <a16:creationId xmlns:a16="http://schemas.microsoft.com/office/drawing/2014/main" id="{AF58E679-A35C-4DD0-88B3-D6917DBEFDDD}"/>
+                </a:ext>
+              </a:extLst>
+            </p:cNvPr>
+            <p:cNvGrpSpPr/>
+            <p:nvPr/>
+          </p:nvGrpSpPr>
+          <p:grpSpPr>
+            <a:xfrm>
+              <a:off x="5387247" y="9486070"/>
+              <a:ext cx="1377474" cy="1305704"/>
+              <a:chOff x="5943621" y="6318834"/>
+              <a:chExt cx="1377474" cy="1305704"/>
+            </a:xfrm>
+          </p:grpSpPr>
+          <p:pic>
+            <p:nvPicPr>
+              <p:cNvPr id="1034" name="Picture 10" descr="Navigation Toolbar Left icon. The navigation toolbar left is a rectangle shape and inside the rectangle it is divided in two sides. On the left side of the rectangle there will be other buttons or selections, which are represented by tiny circles or rectangles.">
+                <a:extLst>
+                  <a:ext uri="{FF2B5EF4-FFF2-40B4-BE49-F238E27FC236}">
+                    <a16:creationId xmlns:a16="http://schemas.microsoft.com/office/drawing/2014/main" id="{EDE2F5C1-1B62-405E-983C-341143D4DC08}"/>
+                  </a:ext>
+                </a:extLst>
+              </p:cNvPr>
+              <p:cNvPicPr>
+                <a:picLocks noChangeAspect="1" noChangeArrowheads="1"/>
+              </p:cNvPicPr>
+              <p:nvPr/>
+            </p:nvPicPr>
+            <p:blipFill>
+              <a:blip r:embed="rId15">
+                <a:extLst>
+                  <a:ext uri="{28A0092B-C50C-407E-A947-70E740481C1C}">
+                    <a14:useLocalDpi xmlns:a14="http://schemas.microsoft.com/office/drawing/2010/main" val="0"/>
+                  </a:ext>
+                </a:extLst>
+              </a:blip>
+              <a:srcRect/>
+              <a:stretch>
+                <a:fillRect/>
+              </a:stretch>
+            </p:blipFill>
+            <p:spPr bwMode="auto">
+              <a:xfrm>
+                <a:off x="6514740" y="6318834"/>
+                <a:ext cx="659283" cy="659283"/>
+              </a:xfrm>
+              <a:prstGeom prst="rect">
+                <a:avLst/>
+              </a:prstGeom>
+              <a:noFill/>
+              <a:extLst>
+                <a:ext uri="{909E8E84-426E-40DD-AFC4-6F175D3DCCD1}">
+                  <a14:hiddenFill xmlns:a14="http://schemas.microsoft.com/office/drawing/2010/main">
+                    <a:solidFill>
+                      <a:srgbClr val="FFFFFF"/>
+                    </a:solidFill>
+                  </a14:hiddenFill>
+                </a:ext>
+              </a:extLst>
+            </p:spPr>
+          </p:pic>
+          <p:sp>
+            <p:nvSpPr>
+              <p:cNvPr id="9" name="CaixaDeTexto 8">
+                <a:extLst>
+                  <a:ext uri="{FF2B5EF4-FFF2-40B4-BE49-F238E27FC236}">
+                    <a16:creationId xmlns:a16="http://schemas.microsoft.com/office/drawing/2014/main" id="{01B45D06-9969-4E06-AB3A-4B8DEA3BDD0E}"/>
+                  </a:ext>
+                </a:extLst>
+              </p:cNvPr>
+              <p:cNvSpPr txBox="1"/>
+              <p:nvPr/>
+            </p:nvSpPr>
+            <p:spPr>
+              <a:xfrm>
+                <a:off x="5943621" y="7024374"/>
+                <a:ext cx="1377474" cy="600164"/>
+              </a:xfrm>
+              <a:prstGeom prst="rect">
+                <a:avLst/>
+              </a:prstGeom>
+              <a:noFill/>
+            </p:spPr>
+            <p:txBody>
+              <a:bodyPr wrap="square" rtlCol="0">
+                <a:spAutoFit/>
+              </a:bodyPr>
+              <a:lstStyle/>
+              <a:p>
+                <a:pPr algn="ctr"/>
+                <a:r>
+                  <a:rPr lang="pt-BR" sz="1100" dirty="0">
+                    <a:latin typeface="Open Sans" panose="020B0606030504020204" pitchFamily="34" charset="0"/>
+                    <a:ea typeface="Open Sans" panose="020B0606030504020204" pitchFamily="34" charset="0"/>
+                    <a:cs typeface="Open Sans" panose="020B0606030504020204" pitchFamily="34" charset="0"/>
+                  </a:rPr>
+                  <a:t>Prototipação da interface (</a:t>
+                </a:r>
+                <a:r>
+                  <a:rPr lang="pt-BR" sz="1100" i="1" dirty="0" err="1">
+                    <a:latin typeface="Open Sans" panose="020B0606030504020204" pitchFamily="34" charset="0"/>
+                    <a:ea typeface="Open Sans" panose="020B0606030504020204" pitchFamily="34" charset="0"/>
+                    <a:cs typeface="Open Sans" panose="020B0606030504020204" pitchFamily="34" charset="0"/>
+                  </a:rPr>
+                  <a:t>storyboards</a:t>
+                </a:r>
+                <a:r>
+                  <a:rPr lang="pt-BR" sz="1100" dirty="0">
+                    <a:latin typeface="Open Sans" panose="020B0606030504020204" pitchFamily="34" charset="0"/>
+                    <a:ea typeface="Open Sans" panose="020B0606030504020204" pitchFamily="34" charset="0"/>
+                    <a:cs typeface="Open Sans" panose="020B0606030504020204" pitchFamily="34" charset="0"/>
+                  </a:rPr>
+                  <a:t>)</a:t>
+                </a:r>
+              </a:p>
+            </p:txBody>
+          </p:sp>
+        </p:grpSp>
+        <p:pic>
+          <p:nvPicPr>
+            <p:cNvPr id="115" name="Imagem 114">
+              <a:extLst>
+                <a:ext uri="{FF2B5EF4-FFF2-40B4-BE49-F238E27FC236}">
+                  <a16:creationId xmlns:a16="http://schemas.microsoft.com/office/drawing/2014/main" id="{1E97F07F-90C1-47A3-9A9D-8AFCD23AAE20}"/>
+                </a:ext>
+              </a:extLst>
+            </p:cNvPr>
+            <p:cNvPicPr>
+              <a:picLocks noChangeAspect="1"/>
+            </p:cNvPicPr>
+            <p:nvPr/>
+          </p:nvPicPr>
+          <p:blipFill>
+            <a:blip r:embed="rId16">
+              <a:extLst>
+                <a:ext uri="{28A0092B-C50C-407E-A947-70E740481C1C}">
+                  <a14:useLocalDpi xmlns:a14="http://schemas.microsoft.com/office/drawing/2010/main" val="0"/>
+                </a:ext>
+              </a:extLst>
+            </a:blip>
+            <a:stretch>
+              <a:fillRect/>
+            </a:stretch>
+          </p:blipFill>
+          <p:spPr>
+            <a:xfrm>
+              <a:off x="5340184" y="9352522"/>
+              <a:ext cx="914528" cy="914528"/>
+            </a:xfrm>
+            <a:prstGeom prst="rect">
+              <a:avLst/>
+            </a:prstGeom>
+          </p:spPr>
+        </p:pic>
+      </p:grpSp>
+      <p:pic>
+        <p:nvPicPr>
+          <p:cNvPr id="117" name="Imagem 116">
+            <a:extLst>
+              <a:ext uri="{FF2B5EF4-FFF2-40B4-BE49-F238E27FC236}">
+                <a16:creationId xmlns:a16="http://schemas.microsoft.com/office/drawing/2014/main" id="{6FC55E94-7A7B-4571-939A-690E51D3B5F7}"/>
+              </a:ext>
+            </a:extLst>
+          </p:cNvPr>
+          <p:cNvPicPr>
+            <a:picLocks noChangeAspect="1"/>
+          </p:cNvPicPr>
+          <p:nvPr/>
+        </p:nvPicPr>
+        <p:blipFill>
+          <a:blip r:embed="rId17">
+            <a:extLst>
+              <a:ext uri="{28A0092B-C50C-407E-A947-70E740481C1C}">
+                <a14:useLocalDpi xmlns:a14="http://schemas.microsoft.com/office/drawing/2010/main" val="0"/>
+              </a:ext>
+            </a:extLst>
+          </a:blip>
+          <a:stretch>
+            <a:fillRect/>
+          </a:stretch>
+        </p:blipFill>
+        <p:spPr>
+          <a:xfrm>
+            <a:off x="1767121" y="22526445"/>
+            <a:ext cx="1135513" cy="1135513"/>
+          </a:xfrm>
+          <a:prstGeom prst="rect">
+            <a:avLst/>
+          </a:prstGeom>
+        </p:spPr>
+      </p:pic>
+      <p:pic>
+        <p:nvPicPr>
+          <p:cNvPr id="121" name="Imagem 120">
+            <a:extLst>
+              <a:ext uri="{FF2B5EF4-FFF2-40B4-BE49-F238E27FC236}">
+                <a16:creationId xmlns:a16="http://schemas.microsoft.com/office/drawing/2014/main" id="{F2A80588-7E74-46BC-A78B-75E21D582AFA}"/>
+              </a:ext>
+            </a:extLst>
+          </p:cNvPr>
+          <p:cNvPicPr>
+            <a:picLocks noChangeAspect="1"/>
+          </p:cNvPicPr>
+          <p:nvPr/>
+        </p:nvPicPr>
+        <p:blipFill>
+          <a:blip r:embed="rId18">
+            <a:extLst>
+              <a:ext uri="{28A0092B-C50C-407E-A947-70E740481C1C}">
+                <a14:useLocalDpi xmlns:a14="http://schemas.microsoft.com/office/drawing/2010/main" val="0"/>
+              </a:ext>
+            </a:extLst>
+          </a:blip>
+          <a:stretch>
+            <a:fillRect/>
+          </a:stretch>
+        </p:blipFill>
+        <p:spPr>
+          <a:xfrm>
+            <a:off x="1248185" y="22247573"/>
+            <a:ext cx="914528" cy="914528"/>
+          </a:xfrm>
+          <a:prstGeom prst="rect">
+            <a:avLst/>
+          </a:prstGeom>
+        </p:spPr>
+      </p:pic>
+      <p:pic>
+        <p:nvPicPr>
+          <p:cNvPr id="1042" name="Imagem 1041">
+            <a:extLst>
+              <a:ext uri="{FF2B5EF4-FFF2-40B4-BE49-F238E27FC236}">
+                <a16:creationId xmlns:a16="http://schemas.microsoft.com/office/drawing/2014/main" id="{6EBC9D4B-321A-429E-96AD-450D6B9D37BB}"/>
+              </a:ext>
+            </a:extLst>
+          </p:cNvPr>
+          <p:cNvPicPr>
+            <a:picLocks noChangeAspect="1"/>
+          </p:cNvPicPr>
+          <p:nvPr/>
+        </p:nvPicPr>
+        <p:blipFill>
+          <a:blip r:embed="rId19">
+            <a:extLst>
+              <a:ext uri="{28A0092B-C50C-407E-A947-70E740481C1C}">
+                <a14:useLocalDpi xmlns:a14="http://schemas.microsoft.com/office/drawing/2010/main" val="0"/>
+              </a:ext>
+            </a:extLst>
+          </a:blip>
+          <a:stretch>
+            <a:fillRect/>
+          </a:stretch>
+        </p:blipFill>
+        <p:spPr>
+          <a:xfrm>
+            <a:off x="24574500" y="22473851"/>
+            <a:ext cx="914528" cy="914528"/>
+          </a:xfrm>
+          <a:prstGeom prst="rect">
+            <a:avLst/>
+          </a:prstGeom>
+        </p:spPr>
+      </p:pic>
+      <p:pic>
+        <p:nvPicPr>
+          <p:cNvPr id="128" name="Imagem 127">
+            <a:extLst>
+              <a:ext uri="{FF2B5EF4-FFF2-40B4-BE49-F238E27FC236}">
+                <a16:creationId xmlns:a16="http://schemas.microsoft.com/office/drawing/2014/main" id="{47B5E3A5-2E04-4A93-B77A-41158721CA3B}"/>
+              </a:ext>
+            </a:extLst>
+          </p:cNvPr>
+          <p:cNvPicPr>
+            <a:picLocks noChangeAspect="1"/>
+          </p:cNvPicPr>
+          <p:nvPr/>
+        </p:nvPicPr>
+        <p:blipFill>
+          <a:blip r:embed="rId20">
+            <a:extLst>
+              <a:ext uri="{28A0092B-C50C-407E-A947-70E740481C1C}">
+                <a14:useLocalDpi xmlns:a14="http://schemas.microsoft.com/office/drawing/2010/main" val="0"/>
+              </a:ext>
+            </a:extLst>
+          </a:blip>
+          <a:stretch>
+            <a:fillRect/>
+          </a:stretch>
+        </p:blipFill>
+        <p:spPr>
+          <a:xfrm>
+            <a:off x="20963038" y="12313182"/>
+            <a:ext cx="358816" cy="358816"/>
+          </a:xfrm>
+          <a:prstGeom prst="rect">
+            <a:avLst/>
+          </a:prstGeom>
+        </p:spPr>
+      </p:pic>
+      <p:pic>
+        <p:nvPicPr>
+          <p:cNvPr id="133" name="Imagem 132">
+            <a:extLst>
+              <a:ext uri="{FF2B5EF4-FFF2-40B4-BE49-F238E27FC236}">
+                <a16:creationId xmlns:a16="http://schemas.microsoft.com/office/drawing/2014/main" id="{18FDC4E9-360B-420E-B664-3D14BFC0EF61}"/>
+              </a:ext>
+            </a:extLst>
+          </p:cNvPr>
+          <p:cNvPicPr>
+            <a:picLocks noChangeAspect="1"/>
+          </p:cNvPicPr>
+          <p:nvPr/>
+        </p:nvPicPr>
+        <p:blipFill>
+          <a:blip r:embed="rId21">
+            <a:extLst>
+              <a:ext uri="{28A0092B-C50C-407E-A947-70E740481C1C}">
+                <a14:useLocalDpi xmlns:a14="http://schemas.microsoft.com/office/drawing/2010/main" val="0"/>
+              </a:ext>
+            </a:extLst>
+          </a:blip>
+          <a:stretch>
+            <a:fillRect/>
+          </a:stretch>
+        </p:blipFill>
+        <p:spPr>
+          <a:xfrm>
+            <a:off x="21059771" y="18988627"/>
+            <a:ext cx="914528" cy="914528"/>
+          </a:xfrm>
+          <a:prstGeom prst="rect">
+            <a:avLst/>
+          </a:prstGeom>
+        </p:spPr>
+      </p:pic>
+      <p:pic>
+        <p:nvPicPr>
+          <p:cNvPr id="140" name="Imagem 139">
+            <a:extLst>
+              <a:ext uri="{FF2B5EF4-FFF2-40B4-BE49-F238E27FC236}">
+                <a16:creationId xmlns:a16="http://schemas.microsoft.com/office/drawing/2014/main" id="{AC9C5BBC-5F3D-4DEA-A6E2-6990602428D7}"/>
+              </a:ext>
+            </a:extLst>
+          </p:cNvPr>
+          <p:cNvPicPr>
+            <a:picLocks noChangeAspect="1"/>
+          </p:cNvPicPr>
+          <p:nvPr/>
+        </p:nvPicPr>
+        <p:blipFill>
+          <a:blip r:embed="rId22">
+            <a:extLst>
+              <a:ext uri="{28A0092B-C50C-407E-A947-70E740481C1C}">
+                <a14:useLocalDpi xmlns:a14="http://schemas.microsoft.com/office/drawing/2010/main" val="0"/>
+              </a:ext>
+            </a:extLst>
+          </a:blip>
+          <a:stretch>
+            <a:fillRect/>
+          </a:stretch>
+        </p:blipFill>
+        <p:spPr>
+          <a:xfrm>
+            <a:off x="10214291" y="18988627"/>
+            <a:ext cx="914528" cy="914528"/>
+          </a:xfrm>
+          <a:prstGeom prst="rect">
+            <a:avLst/>
+          </a:prstGeom>
+        </p:spPr>
+      </p:pic>
+      <p:pic>
+        <p:nvPicPr>
+          <p:cNvPr id="143" name="Imagem 142">
+            <a:extLst>
+              <a:ext uri="{FF2B5EF4-FFF2-40B4-BE49-F238E27FC236}">
+                <a16:creationId xmlns:a16="http://schemas.microsoft.com/office/drawing/2014/main" id="{2A940E06-D0D4-4AB9-AEFD-95A2D3DBAA26}"/>
+              </a:ext>
+            </a:extLst>
+          </p:cNvPr>
+          <p:cNvPicPr>
+            <a:picLocks noChangeAspect="1"/>
+          </p:cNvPicPr>
+          <p:nvPr/>
+        </p:nvPicPr>
+        <p:blipFill>
+          <a:blip r:embed="rId23">
+            <a:extLst>
+              <a:ext uri="{28A0092B-C50C-407E-A947-70E740481C1C}">
+                <a14:useLocalDpi xmlns:a14="http://schemas.microsoft.com/office/drawing/2010/main" val="0"/>
+              </a:ext>
+            </a:extLst>
+          </a:blip>
+          <a:stretch>
+            <a:fillRect/>
+          </a:stretch>
+        </p:blipFill>
+        <p:spPr>
+          <a:xfrm>
+            <a:off x="15737953" y="19009827"/>
+            <a:ext cx="914528" cy="914528"/>
+          </a:xfrm>
+          <a:prstGeom prst="rect">
+            <a:avLst/>
+          </a:prstGeom>
+        </p:spPr>
+      </p:pic>
+      <p:pic>
+        <p:nvPicPr>
+          <p:cNvPr id="145" name="Imagem 144">
+            <a:extLst>
+              <a:ext uri="{FF2B5EF4-FFF2-40B4-BE49-F238E27FC236}">
+                <a16:creationId xmlns:a16="http://schemas.microsoft.com/office/drawing/2014/main" id="{A397E278-7796-4B42-8EB7-DC171A183316}"/>
+              </a:ext>
+            </a:extLst>
+          </p:cNvPr>
+          <p:cNvPicPr>
+            <a:picLocks noChangeAspect="1"/>
+          </p:cNvPicPr>
+          <p:nvPr/>
+        </p:nvPicPr>
+        <p:blipFill>
+          <a:blip r:embed="rId24">
+            <a:extLst>
+              <a:ext uri="{28A0092B-C50C-407E-A947-70E740481C1C}">
+                <a14:useLocalDpi xmlns:a14="http://schemas.microsoft.com/office/drawing/2010/main" val="0"/>
+              </a:ext>
+            </a:extLst>
+          </a:blip>
+          <a:stretch>
+            <a:fillRect/>
+          </a:stretch>
+        </p:blipFill>
+        <p:spPr>
+          <a:xfrm>
+            <a:off x="4879558" y="19619567"/>
+            <a:ext cx="914528" cy="914528"/>
+          </a:xfrm>
+          <a:prstGeom prst="rect">
+            <a:avLst/>
+          </a:prstGeom>
+        </p:spPr>
+      </p:pic>
+      <p:pic>
+        <p:nvPicPr>
+          <p:cNvPr id="135" name="Imagem 134">
+            <a:extLst>
+              <a:ext uri="{FF2B5EF4-FFF2-40B4-BE49-F238E27FC236}">
+                <a16:creationId xmlns:a16="http://schemas.microsoft.com/office/drawing/2014/main" id="{86DF596D-F01A-4772-A8E4-2CDDDCA264B2}"/>
+              </a:ext>
+            </a:extLst>
+          </p:cNvPr>
+          <p:cNvPicPr>
+            <a:picLocks noChangeAspect="1"/>
+          </p:cNvPicPr>
+          <p:nvPr/>
+        </p:nvPicPr>
+        <p:blipFill>
+          <a:blip r:embed="rId25">
+            <a:extLst>
+              <a:ext uri="{28A0092B-C50C-407E-A947-70E740481C1C}">
+                <a14:useLocalDpi xmlns:a14="http://schemas.microsoft.com/office/drawing/2010/main" val="0"/>
+              </a:ext>
+            </a:extLst>
+          </a:blip>
+          <a:stretch>
+            <a:fillRect/>
+          </a:stretch>
+        </p:blipFill>
+        <p:spPr>
+          <a:xfrm>
+            <a:off x="5639638" y="18497652"/>
+            <a:ext cx="914528" cy="914528"/>
+          </a:xfrm>
+          <a:prstGeom prst="rect">
+            <a:avLst/>
+          </a:prstGeom>
+        </p:spPr>
+      </p:pic>
+      <p:pic>
+        <p:nvPicPr>
+          <p:cNvPr id="137" name="Imagem 136">
+            <a:extLst>
+              <a:ext uri="{FF2B5EF4-FFF2-40B4-BE49-F238E27FC236}">
+                <a16:creationId xmlns:a16="http://schemas.microsoft.com/office/drawing/2014/main" id="{156EE784-3E63-4928-A488-FF9F6B6E9018}"/>
+              </a:ext>
+            </a:extLst>
+          </p:cNvPr>
+          <p:cNvPicPr>
+            <a:picLocks noChangeAspect="1"/>
+          </p:cNvPicPr>
+          <p:nvPr/>
+        </p:nvPicPr>
+        <p:blipFill>
+          <a:blip r:embed="rId26">
+            <a:extLst>
+              <a:ext uri="{28A0092B-C50C-407E-A947-70E740481C1C}">
+                <a14:useLocalDpi xmlns:a14="http://schemas.microsoft.com/office/drawing/2010/main" val="0"/>
+              </a:ext>
+            </a:extLst>
+          </a:blip>
+          <a:stretch>
+            <a:fillRect/>
+          </a:stretch>
+        </p:blipFill>
+        <p:spPr>
+          <a:xfrm>
+            <a:off x="4009194" y="18497652"/>
+            <a:ext cx="914528" cy="914528"/>
+          </a:xfrm>
+          <a:prstGeom prst="rect">
+            <a:avLst/>
+          </a:prstGeom>
+        </p:spPr>
+      </p:pic>
+      <p:pic>
+        <p:nvPicPr>
+          <p:cNvPr id="147" name="Imagem 146">
+            <a:extLst>
+              <a:ext uri="{FF2B5EF4-FFF2-40B4-BE49-F238E27FC236}">
+                <a16:creationId xmlns:a16="http://schemas.microsoft.com/office/drawing/2014/main" id="{AB27545B-5F46-49F2-A401-AB8D3BFC14AD}"/>
+              </a:ext>
+            </a:extLst>
+          </p:cNvPr>
+          <p:cNvPicPr>
+            <a:picLocks noChangeAspect="1"/>
+          </p:cNvPicPr>
+          <p:nvPr/>
+        </p:nvPicPr>
+        <p:blipFill>
+          <a:blip r:embed="rId27">
+            <a:extLst>
+              <a:ext uri="{28A0092B-C50C-407E-A947-70E740481C1C}">
+                <a14:useLocalDpi xmlns:a14="http://schemas.microsoft.com/office/drawing/2010/main" val="0"/>
+              </a:ext>
+            </a:extLst>
+          </a:blip>
+          <a:stretch>
+            <a:fillRect/>
+          </a:stretch>
+        </p:blipFill>
+        <p:spPr>
+          <a:xfrm>
+            <a:off x="11751391" y="18991294"/>
+            <a:ext cx="914528" cy="914528"/>
+          </a:xfrm>
+          <a:prstGeom prst="rect">
+            <a:avLst/>
+          </a:prstGeom>
+        </p:spPr>
+      </p:pic>
+      <p:cxnSp>
+        <p:nvCxnSpPr>
+          <p:cNvPr id="149" name="Conector de Seta Reta 148">
+            <a:extLst>
+              <a:ext uri="{FF2B5EF4-FFF2-40B4-BE49-F238E27FC236}">
+                <a16:creationId xmlns:a16="http://schemas.microsoft.com/office/drawing/2014/main" id="{F808EC6D-F179-4C19-942F-CF3240F16B6D}"/>
+              </a:ext>
+            </a:extLst>
+          </p:cNvPr>
+          <p:cNvCxnSpPr>
+            <a:cxnSpLocks/>
+            <a:stCxn id="145" idx="3"/>
+            <a:endCxn id="140" idx="1"/>
+          </p:cNvCxnSpPr>
+          <p:nvPr/>
+        </p:nvCxnSpPr>
+        <p:spPr>
+          <a:xfrm flipV="1">
+            <a:off x="5794086" y="19445891"/>
+            <a:ext cx="4420205" cy="630940"/>
+          </a:xfrm>
+          <a:prstGeom prst="straightConnector1">
+            <a:avLst/>
+          </a:prstGeom>
+          <a:ln w="76200">
+            <a:tailEnd type="triangle"/>
+          </a:ln>
+        </p:spPr>
+        <p:style>
+          <a:lnRef idx="1">
+            <a:schemeClr val="accent1"/>
+          </a:lnRef>
+          <a:fillRef idx="0">
+            <a:schemeClr val="accent1"/>
+          </a:fillRef>
+          <a:effectRef idx="0">
+            <a:schemeClr val="accent1"/>
+          </a:effectRef>
+          <a:fontRef idx="minor">
+            <a:schemeClr val="tx1"/>
+          </a:fontRef>
+        </p:style>
+      </p:cxnSp>
+      <p:cxnSp>
+        <p:nvCxnSpPr>
+          <p:cNvPr id="193" name="Conector de Seta Reta 192">
+            <a:extLst>
+              <a:ext uri="{FF2B5EF4-FFF2-40B4-BE49-F238E27FC236}">
+                <a16:creationId xmlns:a16="http://schemas.microsoft.com/office/drawing/2014/main" id="{1F2577BC-1B2B-4D7B-AC71-29CEB057EB89}"/>
+              </a:ext>
+            </a:extLst>
+          </p:cNvPr>
+          <p:cNvCxnSpPr>
+            <a:cxnSpLocks/>
+            <a:stCxn id="140" idx="3"/>
+            <a:endCxn id="147" idx="1"/>
+          </p:cNvCxnSpPr>
+          <p:nvPr/>
+        </p:nvCxnSpPr>
+        <p:spPr>
+          <a:xfrm>
+            <a:off x="11128819" y="19445891"/>
+            <a:ext cx="622572" cy="2667"/>
+          </a:xfrm>
+          <a:prstGeom prst="straightConnector1">
+            <a:avLst/>
+          </a:prstGeom>
+          <a:ln w="76200">
+            <a:tailEnd type="triangle"/>
+          </a:ln>
+        </p:spPr>
+        <p:style>
+          <a:lnRef idx="1">
+            <a:schemeClr val="accent1"/>
+          </a:lnRef>
+          <a:fillRef idx="0">
+            <a:schemeClr val="accent1"/>
+          </a:fillRef>
+          <a:effectRef idx="0">
+            <a:schemeClr val="accent1"/>
+          </a:effectRef>
+          <a:fontRef idx="minor">
+            <a:schemeClr val="tx1"/>
+          </a:fontRef>
+        </p:style>
+      </p:cxnSp>
+      <p:cxnSp>
+        <p:nvCxnSpPr>
+          <p:cNvPr id="198" name="Conector de Seta Reta 197">
+            <a:extLst>
+              <a:ext uri="{FF2B5EF4-FFF2-40B4-BE49-F238E27FC236}">
+                <a16:creationId xmlns:a16="http://schemas.microsoft.com/office/drawing/2014/main" id="{293F4043-20C3-4616-99F1-41DD03786849}"/>
+              </a:ext>
+            </a:extLst>
+          </p:cNvPr>
+          <p:cNvCxnSpPr>
+            <a:cxnSpLocks/>
+            <a:stCxn id="147" idx="3"/>
+            <a:endCxn id="143" idx="1"/>
+          </p:cNvCxnSpPr>
+          <p:nvPr/>
+        </p:nvCxnSpPr>
+        <p:spPr>
+          <a:xfrm>
+            <a:off x="12665919" y="19448558"/>
+            <a:ext cx="3072034" cy="18533"/>
+          </a:xfrm>
+          <a:prstGeom prst="straightConnector1">
+            <a:avLst/>
+          </a:prstGeom>
+          <a:ln w="76200">
+            <a:tailEnd type="triangle"/>
+          </a:ln>
+        </p:spPr>
+        <p:style>
+          <a:lnRef idx="1">
+            <a:schemeClr val="accent1"/>
+          </a:lnRef>
+          <a:fillRef idx="0">
+            <a:schemeClr val="accent1"/>
+          </a:fillRef>
+          <a:effectRef idx="0">
+            <a:schemeClr val="accent1"/>
+          </a:effectRef>
+          <a:fontRef idx="minor">
+            <a:schemeClr val="tx1"/>
+          </a:fontRef>
+        </p:style>
+      </p:cxnSp>
+      <p:cxnSp>
+        <p:nvCxnSpPr>
+          <p:cNvPr id="203" name="Conector de Seta Reta 202">
+            <a:extLst>
+              <a:ext uri="{FF2B5EF4-FFF2-40B4-BE49-F238E27FC236}">
+                <a16:creationId xmlns:a16="http://schemas.microsoft.com/office/drawing/2014/main" id="{B5AD9D15-9F83-468E-ADF8-CA95D6215CD7}"/>
+              </a:ext>
+            </a:extLst>
+          </p:cNvPr>
+          <p:cNvCxnSpPr>
+            <a:cxnSpLocks/>
+            <a:stCxn id="143" idx="3"/>
+            <a:endCxn id="133" idx="1"/>
+          </p:cNvCxnSpPr>
+          <p:nvPr/>
+        </p:nvCxnSpPr>
+        <p:spPr>
+          <a:xfrm flipV="1">
+            <a:off x="16652481" y="19445891"/>
+            <a:ext cx="4407290" cy="21200"/>
+          </a:xfrm>
+          <a:prstGeom prst="straightConnector1">
+            <a:avLst/>
+          </a:prstGeom>
+          <a:ln w="76200">
+            <a:tailEnd type="triangle"/>
+          </a:ln>
+        </p:spPr>
+        <p:style>
+          <a:lnRef idx="1">
+            <a:schemeClr val="accent1"/>
+          </a:lnRef>
+          <a:fillRef idx="0">
+            <a:schemeClr val="accent1"/>
+          </a:fillRef>
+          <a:effectRef idx="0">
+            <a:schemeClr val="accent1"/>
+          </a:effectRef>
+          <a:fontRef idx="minor">
+            <a:schemeClr val="tx1"/>
+          </a:fontRef>
+        </p:style>
+      </p:cxnSp>
+      <p:cxnSp>
+        <p:nvCxnSpPr>
+          <p:cNvPr id="207" name="Conector de Seta Reta 206">
+            <a:extLst>
+              <a:ext uri="{FF2B5EF4-FFF2-40B4-BE49-F238E27FC236}">
+                <a16:creationId xmlns:a16="http://schemas.microsoft.com/office/drawing/2014/main" id="{8DA89941-4952-48A6-B718-25272D0BBD25}"/>
+              </a:ext>
+            </a:extLst>
+          </p:cNvPr>
+          <p:cNvCxnSpPr>
+            <a:cxnSpLocks/>
+            <a:stCxn id="137" idx="3"/>
+            <a:endCxn id="135" idx="1"/>
+          </p:cNvCxnSpPr>
+          <p:nvPr/>
+        </p:nvCxnSpPr>
+        <p:spPr>
+          <a:xfrm>
+            <a:off x="4923722" y="18954916"/>
+            <a:ext cx="715916" cy="0"/>
+          </a:xfrm>
+          <a:prstGeom prst="straightConnector1">
+            <a:avLst/>
+          </a:prstGeom>
+          <a:ln w="76200">
+            <a:headEnd type="triangle" w="med" len="med"/>
+            <a:tailEnd type="triangle" w="med" len="med"/>
+          </a:ln>
+        </p:spPr>
+        <p:style>
+          <a:lnRef idx="1">
+            <a:schemeClr val="accent1"/>
+          </a:lnRef>
+          <a:fillRef idx="0">
+            <a:schemeClr val="accent1"/>
+          </a:fillRef>
+          <a:effectRef idx="0">
+            <a:schemeClr val="accent1"/>
+          </a:effectRef>
+          <a:fontRef idx="minor">
+            <a:schemeClr val="tx1"/>
+          </a:fontRef>
+        </p:style>
+      </p:cxnSp>
+      <p:cxnSp>
+        <p:nvCxnSpPr>
+          <p:cNvPr id="212" name="Conector de Seta Reta 211">
+            <a:extLst>
+              <a:ext uri="{FF2B5EF4-FFF2-40B4-BE49-F238E27FC236}">
+                <a16:creationId xmlns:a16="http://schemas.microsoft.com/office/drawing/2014/main" id="{7D7E28A2-E39F-49EB-8B49-5FD0A6F95F32}"/>
+              </a:ext>
+            </a:extLst>
+          </p:cNvPr>
+          <p:cNvCxnSpPr>
+            <a:cxnSpLocks/>
+            <a:stCxn id="135" idx="2"/>
+            <a:endCxn id="145" idx="0"/>
+          </p:cNvCxnSpPr>
+          <p:nvPr/>
+        </p:nvCxnSpPr>
+        <p:spPr>
+          <a:xfrm flipH="1">
+            <a:off x="5336822" y="19412180"/>
+            <a:ext cx="760080" cy="207387"/>
+          </a:xfrm>
+          <a:prstGeom prst="straightConnector1">
+            <a:avLst/>
+          </a:prstGeom>
+          <a:ln w="76200">
+            <a:tailEnd type="triangle"/>
+          </a:ln>
+        </p:spPr>
+        <p:style>
+          <a:lnRef idx="1">
+            <a:schemeClr val="accent1"/>
+          </a:lnRef>
+          <a:fillRef idx="0">
+            <a:schemeClr val="accent1"/>
+          </a:fillRef>
+          <a:effectRef idx="0">
+            <a:schemeClr val="accent1"/>
+          </a:effectRef>
+          <a:fontRef idx="minor">
+            <a:schemeClr val="tx1"/>
+          </a:fontRef>
+        </p:style>
+      </p:cxnSp>
+      <p:cxnSp>
+        <p:nvCxnSpPr>
+          <p:cNvPr id="216" name="Conector de Seta Reta 215">
+            <a:extLst>
+              <a:ext uri="{FF2B5EF4-FFF2-40B4-BE49-F238E27FC236}">
+                <a16:creationId xmlns:a16="http://schemas.microsoft.com/office/drawing/2014/main" id="{EB3A5559-FB20-481A-A916-6C2EC825F43F}"/>
+              </a:ext>
+            </a:extLst>
+          </p:cNvPr>
+          <p:cNvCxnSpPr>
+            <a:cxnSpLocks/>
+            <a:stCxn id="137" idx="2"/>
+            <a:endCxn id="145" idx="0"/>
+          </p:cNvCxnSpPr>
+          <p:nvPr/>
+        </p:nvCxnSpPr>
+        <p:spPr>
+          <a:xfrm>
+            <a:off x="4466458" y="19412180"/>
+            <a:ext cx="870364" cy="207387"/>
+          </a:xfrm>
+          <a:prstGeom prst="straightConnector1">
+            <a:avLst/>
+          </a:prstGeom>
+          <a:ln w="76200">
+            <a:tailEnd type="triangle"/>
+          </a:ln>
+        </p:spPr>
+        <p:style>
+          <a:lnRef idx="1">
+            <a:schemeClr val="accent1"/>
+          </a:lnRef>
+          <a:fillRef idx="0">
+            <a:schemeClr val="accent1"/>
+          </a:fillRef>
+          <a:effectRef idx="0">
+            <a:schemeClr val="accent1"/>
+          </a:effectRef>
+          <a:fontRef idx="minor">
+            <a:schemeClr val="tx1"/>
+          </a:fontRef>
+        </p:style>
+      </p:cxnSp>
+      <p:pic>
+        <p:nvPicPr>
+          <p:cNvPr id="1074" name="Imagem 1073">
+            <a:extLst>
+              <a:ext uri="{FF2B5EF4-FFF2-40B4-BE49-F238E27FC236}">
+                <a16:creationId xmlns:a16="http://schemas.microsoft.com/office/drawing/2014/main" id="{AB185DED-2C27-49CC-BBDB-A8BE5E3D69D1}"/>
+              </a:ext>
+            </a:extLst>
+          </p:cNvPr>
+          <p:cNvPicPr>
+            <a:picLocks noChangeAspect="1"/>
+          </p:cNvPicPr>
+          <p:nvPr/>
+        </p:nvPicPr>
+        <p:blipFill>
+          <a:blip r:embed="rId28">
+            <a:extLst>
+              <a:ext uri="{28A0092B-C50C-407E-A947-70E740481C1C}">
+                <a14:useLocalDpi xmlns:a14="http://schemas.microsoft.com/office/drawing/2010/main" val="0"/>
+              </a:ext>
+            </a:extLst>
+          </a:blip>
+          <a:stretch>
+            <a:fillRect/>
+          </a:stretch>
+        </p:blipFill>
+        <p:spPr>
+          <a:xfrm>
+            <a:off x="17472516" y="23163611"/>
+            <a:ext cx="914528" cy="914528"/>
+          </a:xfrm>
+          <a:prstGeom prst="rect">
+            <a:avLst/>
+          </a:prstGeom>
+        </p:spPr>
+      </p:pic>
+      <p:pic>
+        <p:nvPicPr>
+          <p:cNvPr id="1076" name="Imagem 1075">
+            <a:extLst>
+              <a:ext uri="{FF2B5EF4-FFF2-40B4-BE49-F238E27FC236}">
+                <a16:creationId xmlns:a16="http://schemas.microsoft.com/office/drawing/2014/main" id="{4E00763E-A436-46E6-8E90-180ADBDBD98D}"/>
+              </a:ext>
+            </a:extLst>
+          </p:cNvPr>
+          <p:cNvPicPr>
+            <a:picLocks noChangeAspect="1"/>
+          </p:cNvPicPr>
+          <p:nvPr/>
+        </p:nvPicPr>
+        <p:blipFill>
+          <a:blip r:embed="rId29">
+            <a:extLst>
+              <a:ext uri="{28A0092B-C50C-407E-A947-70E740481C1C}">
+                <a14:useLocalDpi xmlns:a14="http://schemas.microsoft.com/office/drawing/2010/main" val="0"/>
+              </a:ext>
+            </a:extLst>
+          </a:blip>
+          <a:stretch>
+            <a:fillRect/>
+          </a:stretch>
+        </p:blipFill>
+        <p:spPr>
+          <a:xfrm>
+            <a:off x="8533742" y="23103724"/>
+            <a:ext cx="914528" cy="914528"/>
+          </a:xfrm>
+          <a:prstGeom prst="rect">
+            <a:avLst/>
+          </a:prstGeom>
+        </p:spPr>
+      </p:pic>
     </p:spTree>
     <p:extLst>
       <p:ext uri="{BB962C8B-B14F-4D97-AF65-F5344CB8AC3E}">
